--- a/doc/test/ZoomLab/ZoomToArea.pptx
+++ b/doc/test/ZoomLab/ZoomToArea.pptx
@@ -20,37 +20,37 @@
     <p:sldId id="375" r:id="rId14"/>
     <p:sldId id="376" r:id="rId15"/>
     <p:sldId id="296" r:id="rId16"/>
-    <p:sldId id="374" r:id="rId17"/>
-    <p:sldId id="297" r:id="rId18"/>
-    <p:sldId id="362" r:id="rId19"/>
-    <p:sldId id="363" r:id="rId20"/>
-    <p:sldId id="366" r:id="rId21"/>
-    <p:sldId id="365" r:id="rId22"/>
-    <p:sldId id="369" r:id="rId23"/>
-    <p:sldId id="368" r:id="rId24"/>
-    <p:sldId id="372" r:id="rId25"/>
-    <p:sldId id="371" r:id="rId26"/>
-    <p:sldId id="373" r:id="rId27"/>
+    <p:sldId id="410" r:id="rId17"/>
+    <p:sldId id="374" r:id="rId18"/>
+    <p:sldId id="398" r:id="rId19"/>
+    <p:sldId id="399" r:id="rId20"/>
+    <p:sldId id="402" r:id="rId21"/>
+    <p:sldId id="401" r:id="rId22"/>
+    <p:sldId id="405" r:id="rId23"/>
+    <p:sldId id="404" r:id="rId24"/>
+    <p:sldId id="408" r:id="rId25"/>
+    <p:sldId id="407" r:id="rId26"/>
+    <p:sldId id="409" r:id="rId27"/>
     <p:sldId id="318" r:id="rId28"/>
     <p:sldId id="319" r:id="rId29"/>
-    <p:sldId id="360" r:id="rId30"/>
-    <p:sldId id="361" r:id="rId31"/>
+    <p:sldId id="396" r:id="rId30"/>
+    <p:sldId id="397" r:id="rId31"/>
     <p:sldId id="324" r:id="rId32"/>
     <p:sldId id="325" r:id="rId33"/>
-    <p:sldId id="347" r:id="rId34"/>
-    <p:sldId id="348" r:id="rId35"/>
-    <p:sldId id="349" r:id="rId36"/>
-    <p:sldId id="352" r:id="rId37"/>
-    <p:sldId id="351" r:id="rId38"/>
-    <p:sldId id="355" r:id="rId39"/>
-    <p:sldId id="354" r:id="rId40"/>
-    <p:sldId id="358" r:id="rId41"/>
-    <p:sldId id="357" r:id="rId42"/>
-    <p:sldId id="359" r:id="rId43"/>
+    <p:sldId id="383" r:id="rId34"/>
+    <p:sldId id="384" r:id="rId35"/>
+    <p:sldId id="385" r:id="rId36"/>
+    <p:sldId id="388" r:id="rId37"/>
+    <p:sldId id="387" r:id="rId38"/>
+    <p:sldId id="391" r:id="rId39"/>
+    <p:sldId id="390" r:id="rId40"/>
+    <p:sldId id="394" r:id="rId41"/>
+    <p:sldId id="393" r:id="rId42"/>
+    <p:sldId id="395" r:id="rId43"/>
     <p:sldId id="322" r:id="rId44"/>
     <p:sldId id="323" r:id="rId45"/>
-    <p:sldId id="345" r:id="rId46"/>
-    <p:sldId id="346" r:id="rId47"/>
+    <p:sldId id="381" r:id="rId46"/>
+    <p:sldId id="382" r:id="rId47"/>
     <p:sldId id="304" r:id="rId48"/>
   </p:sldIdLst>
   <p:sldSz cx="9144000" cy="6858000" type="screen4x3"/>
@@ -172,37 +172,37 @@
             <p14:sldId id="375"/>
             <p14:sldId id="376"/>
             <p14:sldId id="296"/>
+            <p14:sldId id="410"/>
             <p14:sldId id="374"/>
-            <p14:sldId id="297"/>
-            <p14:sldId id="362"/>
-            <p14:sldId id="363"/>
-            <p14:sldId id="366"/>
-            <p14:sldId id="365"/>
-            <p14:sldId id="369"/>
-            <p14:sldId id="368"/>
-            <p14:sldId id="372"/>
-            <p14:sldId id="371"/>
-            <p14:sldId id="373"/>
+            <p14:sldId id="398"/>
+            <p14:sldId id="399"/>
+            <p14:sldId id="402"/>
+            <p14:sldId id="401"/>
+            <p14:sldId id="405"/>
+            <p14:sldId id="404"/>
+            <p14:sldId id="408"/>
+            <p14:sldId id="407"/>
+            <p14:sldId id="409"/>
             <p14:sldId id="318"/>
             <p14:sldId id="319"/>
-            <p14:sldId id="360"/>
-            <p14:sldId id="361"/>
+            <p14:sldId id="396"/>
+            <p14:sldId id="397"/>
             <p14:sldId id="324"/>
             <p14:sldId id="325"/>
-            <p14:sldId id="347"/>
-            <p14:sldId id="348"/>
-            <p14:sldId id="349"/>
-            <p14:sldId id="352"/>
-            <p14:sldId id="351"/>
-            <p14:sldId id="355"/>
-            <p14:sldId id="354"/>
-            <p14:sldId id="358"/>
-            <p14:sldId id="357"/>
-            <p14:sldId id="359"/>
+            <p14:sldId id="383"/>
+            <p14:sldId id="384"/>
+            <p14:sldId id="385"/>
+            <p14:sldId id="388"/>
+            <p14:sldId id="387"/>
+            <p14:sldId id="391"/>
+            <p14:sldId id="390"/>
+            <p14:sldId id="394"/>
+            <p14:sldId id="393"/>
+            <p14:sldId id="395"/>
             <p14:sldId id="322"/>
             <p14:sldId id="323"/>
-            <p14:sldId id="345"/>
-            <p14:sldId id="346"/>
+            <p14:sldId id="381"/>
+            <p14:sldId id="382"/>
             <p14:sldId id="304"/>
           </p14:sldIdLst>
         </p14:section>
@@ -407,7 +407,7 @@
           <a:p>
             <a:fld id="{699DC775-C286-4358-8C92-D7E584E969B3}" type="datetimeFigureOut">
               <a:rPr lang="en-US" smtClean="0"/>
-              <a:t>5/11/2017</a:t>
+              <a:t>4/12/2019</a:t>
             </a:fld>
             <a:endParaRPr lang="en-US"/>
           </a:p>
@@ -577,7 +577,7 @@
           <a:p>
             <a:fld id="{699DC775-C286-4358-8C92-D7E584E969B3}" type="datetimeFigureOut">
               <a:rPr lang="en-US" smtClean="0"/>
-              <a:t>5/11/2017</a:t>
+              <a:t>4/12/2019</a:t>
             </a:fld>
             <a:endParaRPr lang="en-US"/>
           </a:p>
@@ -757,7 +757,7 @@
           <a:p>
             <a:fld id="{699DC775-C286-4358-8C92-D7E584E969B3}" type="datetimeFigureOut">
               <a:rPr lang="en-US" smtClean="0"/>
-              <a:t>5/11/2017</a:t>
+              <a:t>4/12/2019</a:t>
             </a:fld>
             <a:endParaRPr lang="en-US"/>
           </a:p>
@@ -999,7 +999,7 @@
           <a:p>
             <a:fld id="{699DC775-C286-4358-8C92-D7E584E969B3}" type="datetimeFigureOut">
               <a:rPr lang="en-US" smtClean="0"/>
-              <a:t>5/11/2017</a:t>
+              <a:t>4/12/2019</a:t>
             </a:fld>
             <a:endParaRPr lang="en-US"/>
           </a:p>
@@ -1169,7 +1169,7 @@
           <a:p>
             <a:fld id="{699DC775-C286-4358-8C92-D7E584E969B3}" type="datetimeFigureOut">
               <a:rPr lang="en-US" smtClean="0"/>
-              <a:t>5/11/2017</a:t>
+              <a:t>4/12/2019</a:t>
             </a:fld>
             <a:endParaRPr lang="en-US"/>
           </a:p>
@@ -1415,7 +1415,7 @@
           <a:p>
             <a:fld id="{699DC775-C286-4358-8C92-D7E584E969B3}" type="datetimeFigureOut">
               <a:rPr lang="en-US" smtClean="0"/>
-              <a:t>5/11/2017</a:t>
+              <a:t>4/12/2019</a:t>
             </a:fld>
             <a:endParaRPr lang="en-US"/>
           </a:p>
@@ -1703,7 +1703,7 @@
           <a:p>
             <a:fld id="{699DC775-C286-4358-8C92-D7E584E969B3}" type="datetimeFigureOut">
               <a:rPr lang="en-US" smtClean="0"/>
-              <a:t>5/11/2017</a:t>
+              <a:t>4/12/2019</a:t>
             </a:fld>
             <a:endParaRPr lang="en-US"/>
           </a:p>
@@ -2125,7 +2125,7 @@
           <a:p>
             <a:fld id="{699DC775-C286-4358-8C92-D7E584E969B3}" type="datetimeFigureOut">
               <a:rPr lang="en-US" smtClean="0"/>
-              <a:t>5/11/2017</a:t>
+              <a:t>4/12/2019</a:t>
             </a:fld>
             <a:endParaRPr lang="en-US"/>
           </a:p>
@@ -2243,7 +2243,7 @@
           <a:p>
             <a:fld id="{699DC775-C286-4358-8C92-D7E584E969B3}" type="datetimeFigureOut">
               <a:rPr lang="en-US" smtClean="0"/>
-              <a:t>5/11/2017</a:t>
+              <a:t>4/12/2019</a:t>
             </a:fld>
             <a:endParaRPr lang="en-US"/>
           </a:p>
@@ -2338,7 +2338,7 @@
           <a:p>
             <a:fld id="{699DC775-C286-4358-8C92-D7E584E969B3}" type="datetimeFigureOut">
               <a:rPr lang="en-US" smtClean="0"/>
-              <a:t>5/11/2017</a:t>
+              <a:t>4/12/2019</a:t>
             </a:fld>
             <a:endParaRPr lang="en-US"/>
           </a:p>
@@ -2615,7 +2615,7 @@
           <a:p>
             <a:fld id="{699DC775-C286-4358-8C92-D7E584E969B3}" type="datetimeFigureOut">
               <a:rPr lang="en-US" smtClean="0"/>
-              <a:t>5/11/2017</a:t>
+              <a:t>4/12/2019</a:t>
             </a:fld>
             <a:endParaRPr lang="en-US"/>
           </a:p>
@@ -2785,7 +2785,7 @@
           <a:p>
             <a:fld id="{699DC775-C286-4358-8C92-D7E584E969B3}" type="datetimeFigureOut">
               <a:rPr lang="en-US" smtClean="0"/>
-              <a:t>5/11/2017</a:t>
+              <a:t>4/12/2019</a:t>
             </a:fld>
             <a:endParaRPr lang="en-US"/>
           </a:p>
@@ -3038,7 +3038,7 @@
           <a:p>
             <a:fld id="{699DC775-C286-4358-8C92-D7E584E969B3}" type="datetimeFigureOut">
               <a:rPr lang="en-US" smtClean="0"/>
-              <a:t>5/11/2017</a:t>
+              <a:t>4/12/2019</a:t>
             </a:fld>
             <a:endParaRPr lang="en-US"/>
           </a:p>
@@ -3208,7 +3208,7 @@
           <a:p>
             <a:fld id="{699DC775-C286-4358-8C92-D7E584E969B3}" type="datetimeFigureOut">
               <a:rPr lang="en-US" smtClean="0"/>
-              <a:t>5/11/2017</a:t>
+              <a:t>4/12/2019</a:t>
             </a:fld>
             <a:endParaRPr lang="en-US"/>
           </a:p>
@@ -3388,7 +3388,7 @@
           <a:p>
             <a:fld id="{699DC775-C286-4358-8C92-D7E584E969B3}" type="datetimeFigureOut">
               <a:rPr lang="en-US" smtClean="0"/>
-              <a:t>5/11/2017</a:t>
+              <a:t>4/12/2019</a:t>
             </a:fld>
             <a:endParaRPr lang="en-US"/>
           </a:p>
@@ -3638,7 +3638,7 @@
           <a:p>
             <a:fld id="{699DC775-C286-4358-8C92-D7E584E969B3}" type="datetimeFigureOut">
               <a:rPr lang="en-US" smtClean="0"/>
-              <a:t>5/11/2017</a:t>
+              <a:t>4/12/2019</a:t>
             </a:fld>
             <a:endParaRPr lang="en-US"/>
           </a:p>
@@ -3816,7 +3816,7 @@
           <a:p>
             <a:fld id="{699DC775-C286-4358-8C92-D7E584E969B3}" type="datetimeFigureOut">
               <a:rPr lang="en-US" smtClean="0"/>
-              <a:t>5/11/2017</a:t>
+              <a:t>4/12/2019</a:t>
             </a:fld>
             <a:endParaRPr lang="en-US"/>
           </a:p>
@@ -4070,7 +4070,7 @@
           <a:p>
             <a:fld id="{699DC775-C286-4358-8C92-D7E584E969B3}" type="datetimeFigureOut">
               <a:rPr lang="en-US" smtClean="0"/>
-              <a:t>5/11/2017</a:t>
+              <a:t>4/12/2019</a:t>
             </a:fld>
             <a:endParaRPr lang="en-US"/>
           </a:p>
@@ -4366,7 +4366,7 @@
           <a:p>
             <a:fld id="{699DC775-C286-4358-8C92-D7E584E969B3}" type="datetimeFigureOut">
               <a:rPr lang="en-US" smtClean="0"/>
-              <a:t>5/11/2017</a:t>
+              <a:t>4/12/2019</a:t>
             </a:fld>
             <a:endParaRPr lang="en-US"/>
           </a:p>
@@ -4796,7 +4796,7 @@
           <a:p>
             <a:fld id="{699DC775-C286-4358-8C92-D7E584E969B3}" type="datetimeFigureOut">
               <a:rPr lang="en-US" smtClean="0"/>
-              <a:t>5/11/2017</a:t>
+              <a:t>4/12/2019</a:t>
             </a:fld>
             <a:endParaRPr lang="en-US"/>
           </a:p>
@@ -4922,7 +4922,7 @@
           <a:p>
             <a:fld id="{699DC775-C286-4358-8C92-D7E584E969B3}" type="datetimeFigureOut">
               <a:rPr lang="en-US" smtClean="0"/>
-              <a:t>5/11/2017</a:t>
+              <a:t>4/12/2019</a:t>
             </a:fld>
             <a:endParaRPr lang="en-US"/>
           </a:p>
@@ -5025,7 +5025,7 @@
           <a:p>
             <a:fld id="{699DC775-C286-4358-8C92-D7E584E969B3}" type="datetimeFigureOut">
               <a:rPr lang="en-US" smtClean="0"/>
-              <a:t>5/11/2017</a:t>
+              <a:t>4/12/2019</a:t>
             </a:fld>
             <a:endParaRPr lang="en-US"/>
           </a:p>
@@ -5271,7 +5271,7 @@
           <a:p>
             <a:fld id="{699DC775-C286-4358-8C92-D7E584E969B3}" type="datetimeFigureOut">
               <a:rPr lang="en-US" smtClean="0"/>
-              <a:t>5/11/2017</a:t>
+              <a:t>4/12/2019</a:t>
             </a:fld>
             <a:endParaRPr lang="en-US"/>
           </a:p>
@@ -5556,7 +5556,7 @@
           <a:p>
             <a:fld id="{699DC775-C286-4358-8C92-D7E584E969B3}" type="datetimeFigureOut">
               <a:rPr lang="en-US" smtClean="0"/>
-              <a:t>5/11/2017</a:t>
+              <a:t>4/12/2019</a:t>
             </a:fld>
             <a:endParaRPr lang="en-US"/>
           </a:p>
@@ -5817,7 +5817,7 @@
           <a:p>
             <a:fld id="{699DC775-C286-4358-8C92-D7E584E969B3}" type="datetimeFigureOut">
               <a:rPr lang="en-US" smtClean="0"/>
-              <a:t>5/11/2017</a:t>
+              <a:t>4/12/2019</a:t>
             </a:fld>
             <a:endParaRPr lang="en-US"/>
           </a:p>
@@ -5995,7 +5995,7 @@
           <a:p>
             <a:fld id="{699DC775-C286-4358-8C92-D7E584E969B3}" type="datetimeFigureOut">
               <a:rPr lang="en-US" smtClean="0"/>
-              <a:t>5/11/2017</a:t>
+              <a:t>4/12/2019</a:t>
             </a:fld>
             <a:endParaRPr lang="en-US"/>
           </a:p>
@@ -6183,7 +6183,7 @@
           <a:p>
             <a:fld id="{699DC775-C286-4358-8C92-D7E584E969B3}" type="datetimeFigureOut">
               <a:rPr lang="en-US" smtClean="0"/>
-              <a:t>5/11/2017</a:t>
+              <a:t>4/12/2019</a:t>
             </a:fld>
             <a:endParaRPr lang="en-US"/>
           </a:p>
@@ -6471,7 +6471,7 @@
           <a:p>
             <a:fld id="{699DC775-C286-4358-8C92-D7E584E969B3}" type="datetimeFigureOut">
               <a:rPr lang="en-US" smtClean="0"/>
-              <a:t>5/11/2017</a:t>
+              <a:t>4/12/2019</a:t>
             </a:fld>
             <a:endParaRPr lang="en-US"/>
           </a:p>
@@ -6893,7 +6893,7 @@
           <a:p>
             <a:fld id="{699DC775-C286-4358-8C92-D7E584E969B3}" type="datetimeFigureOut">
               <a:rPr lang="en-US" smtClean="0"/>
-              <a:t>5/11/2017</a:t>
+              <a:t>4/12/2019</a:t>
             </a:fld>
             <a:endParaRPr lang="en-US"/>
           </a:p>
@@ -7011,7 +7011,7 @@
           <a:p>
             <a:fld id="{699DC775-C286-4358-8C92-D7E584E969B3}" type="datetimeFigureOut">
               <a:rPr lang="en-US" smtClean="0"/>
-              <a:t>5/11/2017</a:t>
+              <a:t>4/12/2019</a:t>
             </a:fld>
             <a:endParaRPr lang="en-US"/>
           </a:p>
@@ -7106,7 +7106,7 @@
           <a:p>
             <a:fld id="{699DC775-C286-4358-8C92-D7E584E969B3}" type="datetimeFigureOut">
               <a:rPr lang="en-US" smtClean="0"/>
-              <a:t>5/11/2017</a:t>
+              <a:t>4/12/2019</a:t>
             </a:fld>
             <a:endParaRPr lang="en-US"/>
           </a:p>
@@ -7383,7 +7383,7 @@
           <a:p>
             <a:fld id="{699DC775-C286-4358-8C92-D7E584E969B3}" type="datetimeFigureOut">
               <a:rPr lang="en-US" smtClean="0"/>
-              <a:t>5/11/2017</a:t>
+              <a:t>4/12/2019</a:t>
             </a:fld>
             <a:endParaRPr lang="en-US"/>
           </a:p>
@@ -7636,7 +7636,7 @@
           <a:p>
             <a:fld id="{699DC775-C286-4358-8C92-D7E584E969B3}" type="datetimeFigureOut">
               <a:rPr lang="en-US" smtClean="0"/>
-              <a:t>5/11/2017</a:t>
+              <a:t>4/12/2019</a:t>
             </a:fld>
             <a:endParaRPr lang="en-US"/>
           </a:p>
@@ -7849,7 +7849,7 @@
           <a:p>
             <a:fld id="{699DC775-C286-4358-8C92-D7E584E969B3}" type="datetimeFigureOut">
               <a:rPr lang="en-US" smtClean="0"/>
-              <a:t>5/11/2017</a:t>
+              <a:t>4/12/2019</a:t>
             </a:fld>
             <a:endParaRPr lang="en-US"/>
           </a:p>
@@ -8364,7 +8364,7 @@
           <a:p>
             <a:fld id="{699DC775-C286-4358-8C92-D7E584E969B3}" type="datetimeFigureOut">
               <a:rPr lang="en-US" smtClean="0"/>
-              <a:t>5/11/2017</a:t>
+              <a:t>4/12/2019</a:t>
             </a:fld>
             <a:endParaRPr lang="en-US"/>
           </a:p>
@@ -8877,7 +8877,7 @@
           <a:p>
             <a:fld id="{699DC775-C286-4358-8C92-D7E584E969B3}" type="datetimeFigureOut">
               <a:rPr lang="en-US" smtClean="0"/>
-              <a:t>5/11/2017</a:t>
+              <a:t>4/12/2019</a:t>
             </a:fld>
             <a:endParaRPr lang="en-US"/>
           </a:p>
@@ -10347,11 +10347,11 @@
   <p:clrMapOvr>
     <a:masterClrMapping/>
   </p:clrMapOvr>
-  <mc:AlternateContent xmlns:mc="http://schemas.openxmlformats.org/markup-compatibility/2006">
-    <mc:Choice xmlns:p14="http://schemas.microsoft.com/office/powerpoint/2010/main" Requires="p14">
+  <mc:AlternateContent xmlns:mc="http://schemas.openxmlformats.org/markup-compatibility/2006" xmlns:p14="http://schemas.microsoft.com/office/powerpoint/2010/main">
+    <mc:Choice Requires="p14">
       <p:transition spd="slow" p14:dur="2000"/>
     </mc:Choice>
-    <mc:Fallback>
+    <mc:Fallback xmlns="">
       <p:transition spd="slow"/>
     </mc:Fallback>
   </mc:AlternateContent>
@@ -11430,18 +11430,18 @@
     </p:spTree>
     <p:extLst>
       <p:ext uri="{BB962C8B-B14F-4D97-AF65-F5344CB8AC3E}">
-        <p14:creationId xmlns:p14="http://schemas.microsoft.com/office/powerpoint/2010/main" val="3684537491"/>
+        <p14:creationId xmlns:p14="http://schemas.microsoft.com/office/powerpoint/2010/main" val="3806220602"/>
       </p:ext>
     </p:extLst>
   </p:cSld>
   <p:clrMapOvr>
     <a:masterClrMapping/>
   </p:clrMapOvr>
-  <mc:AlternateContent xmlns:mc="http://schemas.openxmlformats.org/markup-compatibility/2006" xmlns:p14="http://schemas.microsoft.com/office/powerpoint/2010/main">
-    <mc:Choice Requires="p14">
+  <mc:AlternateContent xmlns:mc="http://schemas.openxmlformats.org/markup-compatibility/2006">
+    <mc:Choice xmlns:p14="http://schemas.microsoft.com/office/powerpoint/2010/main" Requires="p14">
       <p:transition spd="slow" p14:dur="2000" advTm="1000"/>
     </mc:Choice>
-    <mc:Fallback xmlns="">
+    <mc:Fallback>
       <p:transition spd="slow" advTm="1000"/>
     </mc:Fallback>
   </mc:AlternateContent>
@@ -11759,7 +11759,7 @@
 
 <file path=ppt/slides/slide15.xml><?xml version="1.0" encoding="utf-8"?>
 <p:sld xmlns:a="http://schemas.openxmlformats.org/drawingml/2006/main" xmlns:r="http://schemas.openxmlformats.org/officeDocument/2006/relationships" xmlns:p="http://schemas.openxmlformats.org/presentationml/2006/main">
-  <p:cSld name="PPTLabsZoomToAreaSlide201705111428194626">
+  <p:cSld name="PPTLabsZoomToAreaSlide201904121153331525">
     <p:bg>
       <p:bgPr>
         <a:solidFill>
@@ -12092,7 +12092,7 @@
       </p:sp>
       <p:sp>
         <p:nvSpPr>
-          <p:cNvPr id="3" name="PPTLabsMagnifyShape201705111428194645"/>
+          <p:cNvPr id="3" name="PPTLabsMagnifyShape201904121153331525"/>
           <p:cNvSpPr/>
           <p:nvPr/>
         </p:nvSpPr>
@@ -12139,14 +12139,14 @@
           <a:p>
             <a:pPr algn="ctr"/>
             <a:r>
-              <a:rPr lang="en-US" b="1" smtClean="0">
+              <a:rPr lang="en-SG" b="1" smtClean="0">
                 <a:solidFill>
                   <a:srgbClr val="FFFFFF"/>
                 </a:solidFill>
               </a:rPr>
               <a:t>Zoom Shape 1</a:t>
             </a:r>
-            <a:endParaRPr lang="en-US" b="1">
+            <a:endParaRPr lang="en-SG" b="1">
               <a:solidFill>
                 <a:srgbClr val="FFFFFF"/>
               </a:solidFill>
@@ -12156,7 +12156,7 @@
       </p:sp>
       <p:sp>
         <p:nvSpPr>
-          <p:cNvPr id="8" name="PPTLabsMagnifyShape201705111428194696"/>
+          <p:cNvPr id="8" name="PPTLabsMagnifyShape201904121153331575"/>
           <p:cNvSpPr/>
           <p:nvPr/>
         </p:nvSpPr>
@@ -12203,14 +12203,14 @@
           <a:p>
             <a:pPr algn="ctr"/>
             <a:r>
-              <a:rPr lang="en-US" b="1" smtClean="0">
+              <a:rPr lang="en-SG" b="1" smtClean="0">
                 <a:solidFill>
                   <a:srgbClr val="FFFFFF"/>
                 </a:solidFill>
               </a:rPr>
               <a:t>Zoom Shape 2</a:t>
             </a:r>
-            <a:endParaRPr lang="en-US" b="1">
+            <a:endParaRPr lang="en-SG" b="1">
               <a:solidFill>
                 <a:srgbClr val="FFFFFF"/>
               </a:solidFill>
@@ -12220,7 +12220,7 @@
       </p:sp>
       <p:sp>
         <p:nvSpPr>
-          <p:cNvPr id="9" name="PPTLabsMagnifyShape201705111428194756"/>
+          <p:cNvPr id="9" name="PPTLabsMagnifyShape201904121153331604"/>
           <p:cNvSpPr/>
           <p:nvPr/>
         </p:nvSpPr>
@@ -12267,14 +12267,14 @@
           <a:p>
             <a:pPr algn="ctr"/>
             <a:r>
-              <a:rPr lang="en-US" b="1" smtClean="0">
+              <a:rPr lang="en-SG" b="1" smtClean="0">
                 <a:solidFill>
                   <a:srgbClr val="FFFFFF"/>
                 </a:solidFill>
               </a:rPr>
               <a:t>Zoom Shape 3</a:t>
             </a:r>
-            <a:endParaRPr lang="en-US" b="1">
+            <a:endParaRPr lang="en-SG" b="1">
               <a:solidFill>
                 <a:srgbClr val="FFFFFF"/>
               </a:solidFill>
@@ -12284,7 +12284,7 @@
       </p:sp>
       <p:sp>
         <p:nvSpPr>
-          <p:cNvPr id="10" name="PPTLabsMagnifyShape201705111428194806"/>
+          <p:cNvPr id="10" name="PPTLabsMagnifyShape201904121153331644"/>
           <p:cNvSpPr/>
           <p:nvPr/>
         </p:nvSpPr>
@@ -12331,14 +12331,14 @@
           <a:p>
             <a:pPr algn="ctr"/>
             <a:r>
-              <a:rPr lang="en-US" b="1" smtClean="0">
+              <a:rPr lang="en-SG" b="1" smtClean="0">
                 <a:solidFill>
                   <a:srgbClr val="FFFFFF"/>
                 </a:solidFill>
               </a:rPr>
               <a:t>Zoom Shape 4</a:t>
             </a:r>
-            <a:endParaRPr lang="en-US" b="1">
+            <a:endParaRPr lang="en-SG" b="1">
               <a:solidFill>
                 <a:srgbClr val="FFFFFF"/>
               </a:solidFill>
@@ -12349,7 +12349,7 @@
     </p:spTree>
     <p:extLst>
       <p:ext uri="{BB962C8B-B14F-4D97-AF65-F5344CB8AC3E}">
-        <p14:creationId xmlns:p14="http://schemas.microsoft.com/office/powerpoint/2010/main" val="1061844167"/>
+        <p14:creationId xmlns:p14="http://schemas.microsoft.com/office/powerpoint/2010/main" val="3684537491"/>
       </p:ext>
     </p:extLst>
   </p:cSld>
@@ -12773,7 +12773,7 @@
 
 <file path=ppt/slides/slide16.xml><?xml version="1.0" encoding="utf-8"?>
 <p:sld xmlns:a="http://schemas.openxmlformats.org/drawingml/2006/main" xmlns:r="http://schemas.openxmlformats.org/officeDocument/2006/relationships" xmlns:p="http://schemas.openxmlformats.org/presentationml/2006/main">
-  <p:cSld name="PPTLabsMagnifyingSlide201705111428195046">
+  <p:cSld name="PPTLabsMagnifyingSlide201904121153331774">
     <p:bg>
       <p:bgPr>
         <a:solidFill>
@@ -12874,14 +12874,20 @@
       </p:sp>
       <p:pic>
         <p:nvPicPr>
-          <p:cNvPr id="5" name="PPTLabsMagnifyAreaGroup201705111428197711" hidden="1"/>
+          <p:cNvPr id="5" name="PPTLabsMagnifyAreaGroup201904121153336383" hidden="1"/>
           <p:cNvPicPr>
             <a:picLocks/>
           </p:cNvPicPr>
           <p:nvPr/>
         </p:nvPicPr>
         <p:blipFill>
-          <a:blip r:embed="rId3"/>
+          <a:blip r:embed="rId3">
+            <a:extLst>
+              <a:ext uri="{28A0092B-C50C-407E-A947-70E740481C1C}">
+                <a14:useLocalDpi xmlns:a14="http://schemas.microsoft.com/office/drawing/2010/main" val="0"/>
+              </a:ext>
+            </a:extLst>
+          </a:blip>
           <a:stretch>
             <a:fillRect/>
           </a:stretch>
@@ -12898,14 +12904,20 @@
       </p:pic>
       <p:pic>
         <p:nvPicPr>
-          <p:cNvPr id="22" name="PPTLabsMagnifyAreaSlide201705111428198221"/>
+          <p:cNvPr id="22" name="PPTLabsMagnifyAreaSlide201904121153336765"/>
           <p:cNvPicPr>
             <a:picLocks/>
           </p:cNvPicPr>
           <p:nvPr/>
         </p:nvPicPr>
         <p:blipFill>
-          <a:blip r:embed="rId3"/>
+          <a:blip r:embed="rId3">
+            <a:extLst>
+              <a:ext uri="{28A0092B-C50C-407E-A947-70E740481C1C}">
+                <a14:useLocalDpi xmlns:a14="http://schemas.microsoft.com/office/drawing/2010/main" val="0"/>
+              </a:ext>
+            </a:extLst>
+          </a:blip>
           <a:stretch>
             <a:fillRect/>
           </a:stretch>
@@ -12922,7 +12934,7 @@
       </p:pic>
       <p:pic>
         <p:nvPicPr>
-          <p:cNvPr id="6" name="PPTIndicator201705111428198191"/>
+          <p:cNvPr id="6" name="PPTIndicator201904121153336745"/>
           <p:cNvPicPr>
             <a:picLocks/>
           </p:cNvPicPr>
@@ -12953,7 +12965,7 @@
     </p:spTree>
     <p:extLst>
       <p:ext uri="{BB962C8B-B14F-4D97-AF65-F5344CB8AC3E}">
-        <p14:creationId xmlns:p14="http://schemas.microsoft.com/office/powerpoint/2010/main" val="789142181"/>
+        <p14:creationId xmlns:p14="http://schemas.microsoft.com/office/powerpoint/2010/main" val="2415337702"/>
       </p:ext>
     </p:extLst>
   </p:cSld>
@@ -13060,7 +13072,7 @@
                                     <p:cond delay="0"/>
                                   </p:stCondLst>
                                   <p:childTnLst>
-                                    <p:animMotion origin="layout" path="M 0 0 C 0.2105131 0.2478195 0.2105131 0.2478195 0.4210261 0.495639 E" pathEditMode="relative" ptsTypes="">
+                                    <p:animMotion origin="layout" path="M 0 0 C 0.2105131 0.2478196 0.2105131 0.2478196 0.4210261 0.4956393 E" pathEditMode="relative" ptsTypes="">
                                       <p:cBhvr>
                                         <p:cTn id="11" dur="500" fill="hold"/>
                                         <p:tgtEl>
@@ -13126,7 +13138,7 @@
 
 <file path=ppt/slides/slide17.xml><?xml version="1.0" encoding="utf-8"?>
 <p:sld xmlns:a="http://schemas.openxmlformats.org/drawingml/2006/main" xmlns:r="http://schemas.openxmlformats.org/officeDocument/2006/relationships" xmlns:p="http://schemas.openxmlformats.org/presentationml/2006/main">
-  <p:cSld name="PPTLabsMagnifiedSlide201705111428198241">
+  <p:cSld name="PPTLabsMagnifiedSlide201904121153336785">
     <p:bg>
       <p:bgPr>
         <a:solidFill>
@@ -13151,14 +13163,20 @@
       </p:grpSpPr>
       <p:pic>
         <p:nvPicPr>
-          <p:cNvPr id="5" name="PPTLabsMagnifyAreaGroup201705111428197711"/>
+          <p:cNvPr id="5" name="PPTLabsMagnifyAreaGroup201904121153336383"/>
           <p:cNvPicPr>
             <a:picLocks noChangeAspect="1"/>
           </p:cNvPicPr>
           <p:nvPr/>
         </p:nvPicPr>
         <p:blipFill>
-          <a:blip r:embed="rId2"/>
+          <a:blip r:embed="rId2">
+            <a:extLst>
+              <a:ext uri="{28A0092B-C50C-407E-A947-70E740481C1C}">
+                <a14:useLocalDpi xmlns:a14="http://schemas.microsoft.com/office/drawing/2010/main" val="0"/>
+              </a:ext>
+            </a:extLst>
+          </a:blip>
           <a:srcRect/>
           <a:stretch>
             <a:fillRect/>
@@ -13166,8 +13184,8 @@
         </p:blipFill>
         <p:spPr>
           <a:xfrm>
-            <a:off x="-2354749" y="-1254471"/>
-            <a:ext cx="21551802" cy="16163835"/>
+            <a:off x="-2354311" y="-1254200"/>
+            <a:ext cx="21549770" cy="16162343"/>
           </a:xfrm>
           <a:prstGeom prst="rect">
             <a:avLst/>
@@ -13176,7 +13194,7 @@
       </p:pic>
       <p:pic>
         <p:nvPicPr>
-          <p:cNvPr id="3" name="PPTIndicator201705111428198471"/>
+          <p:cNvPr id="3" name="PPTIndicator201904121153337003"/>
           <p:cNvPicPr>
             <a:picLocks/>
           </p:cNvPicPr>
@@ -13207,7 +13225,7 @@
     </p:spTree>
     <p:extLst>
       <p:ext uri="{BB962C8B-B14F-4D97-AF65-F5344CB8AC3E}">
-        <p14:creationId xmlns:p14="http://schemas.microsoft.com/office/powerpoint/2010/main" val="3438702707"/>
+        <p14:creationId xmlns:p14="http://schemas.microsoft.com/office/powerpoint/2010/main" val="3901356973"/>
       </p:ext>
     </p:extLst>
   </p:cSld>
@@ -13332,7 +13350,7 @@
 
 <file path=ppt/slides/slide18.xml><?xml version="1.0" encoding="utf-8"?>
 <p:sld xmlns:a="http://schemas.openxmlformats.org/drawingml/2006/main" xmlns:r="http://schemas.openxmlformats.org/officeDocument/2006/relationships" xmlns:p="http://schemas.openxmlformats.org/presentationml/2006/main">
-  <p:cSld name="PPTLabsMagnifiedPanSlide201705111428201825">
+  <p:cSld name="PPTLabsMagnifiedPanSlide201904121153342321">
     <p:bg>
       <p:bgPr>
         <a:solidFill>
@@ -13357,14 +13375,20 @@
       </p:grpSpPr>
       <p:pic>
         <p:nvPicPr>
-          <p:cNvPr id="5" name="PPTLabsMagnifyAreaGroup201705111428197711"/>
+          <p:cNvPr id="5" name="PPTLabsMagnifyAreaGroup201904121153336383"/>
           <p:cNvPicPr>
             <a:picLocks/>
           </p:cNvPicPr>
           <p:nvPr/>
         </p:nvPicPr>
         <p:blipFill>
-          <a:blip r:embed="rId2"/>
+          <a:blip r:embed="rId2">
+            <a:extLst>
+              <a:ext uri="{28A0092B-C50C-407E-A947-70E740481C1C}">
+                <a14:useLocalDpi xmlns:a14="http://schemas.microsoft.com/office/drawing/2010/main" val="0"/>
+              </a:ext>
+            </a:extLst>
+          </a:blip>
           <a:srcRect/>
           <a:stretch>
             <a:fillRect/>
@@ -13372,8 +13396,8 @@
         </p:blipFill>
         <p:spPr>
           <a:xfrm>
-            <a:off x="0" y="0"/>
-            <a:ext cx="9144000" cy="6857993"/>
+            <a:off x="1" y="0"/>
+            <a:ext cx="9143991" cy="6858000"/>
           </a:xfrm>
           <a:prstGeom prst="rect">
             <a:avLst/>
@@ -13382,14 +13406,20 @@
       </p:pic>
       <p:pic>
         <p:nvPicPr>
-          <p:cNvPr id="6" name="PPTLabsMagnifyAreaGroup201705111428197711"/>
+          <p:cNvPr id="6" name="PPTLabsMagnifyAreaGroup201904121153336383"/>
           <p:cNvPicPr>
             <a:picLocks/>
           </p:cNvPicPr>
           <p:nvPr/>
         </p:nvPicPr>
         <p:blipFill>
-          <a:blip r:embed="rId2"/>
+          <a:blip r:embed="rId2">
+            <a:extLst>
+              <a:ext uri="{28A0092B-C50C-407E-A947-70E740481C1C}">
+                <a14:useLocalDpi xmlns:a14="http://schemas.microsoft.com/office/drawing/2010/main" val="0"/>
+              </a:ext>
+            </a:extLst>
+          </a:blip>
           <a:srcRect/>
           <a:stretch>
             <a:fillRect/>
@@ -13397,8 +13427,8 @@
         </p:blipFill>
         <p:spPr>
           <a:xfrm>
-            <a:off x="-2354749" y="-1254471"/>
-            <a:ext cx="21551802" cy="16163835"/>
+            <a:off x="-2354311" y="-1254200"/>
+            <a:ext cx="21549770" cy="16162343"/>
           </a:xfrm>
           <a:prstGeom prst="rect">
             <a:avLst/>
@@ -13407,7 +13437,7 @@
       </p:pic>
       <p:pic>
         <p:nvPicPr>
-          <p:cNvPr id="2" name="PPTIndicator201705111428202131"/>
+          <p:cNvPr id="2" name="PPTIndicator201904121153342874"/>
           <p:cNvPicPr>
             <a:picLocks/>
           </p:cNvPicPr>
@@ -13438,7 +13468,7 @@
     </p:spTree>
     <p:extLst>
       <p:ext uri="{BB962C8B-B14F-4D97-AF65-F5344CB8AC3E}">
-        <p14:creationId xmlns:p14="http://schemas.microsoft.com/office/powerpoint/2010/main" val="3752020867"/>
+        <p14:creationId xmlns:p14="http://schemas.microsoft.com/office/powerpoint/2010/main" val="3486458233"/>
       </p:ext>
     </p:extLst>
   </p:cSld>
@@ -13536,7 +13566,7 @@
                                     <p:cond delay="0"/>
                                   </p:stCondLst>
                                   <p:childTnLst>
-                                    <p:animMotion origin="layout" path="M 0 0 C 0.2104742 0.2477727 0.2104742 0.2477727 0.4209484 0.4955453 E" pathEditMode="relative" ptsTypes="">
+                                    <p:animMotion origin="layout" path="M 0 0 C 0.2104428 0.2477378 0.2104428 0.2477378 0.4208856 0.4954756 E" pathEditMode="relative" ptsTypes="">
                                       <p:cBhvr>
                                         <p:cTn id="10" dur="1" fill="hold"/>
                                         <p:tgtEl>
@@ -13564,7 +13594,7 @@
                                           <p:spTgt spid="5"/>
                                         </p:tgtEl>
                                       </p:cBhvr>
-                                      <p:by x="235693" y="235693"/>
+                                      <p:by x="235671" y="235671"/>
                                     </p:animScale>
                                   </p:childTnLst>
                                 </p:cTn>
@@ -13619,7 +13649,7 @@
                                     <p:cond delay="0"/>
                                   </p:stCondLst>
                                   <p:childTnLst>
-                                    <p:animMotion origin="layout" path="M 0.4209484 0.4955453 C 0.4328169 0.9727173 0.4328169 0.9727173 0.4446853 1.449889 E" pathEditMode="relative" ptsTypes="">
+                                    <p:animMotion origin="layout" path="M 0.4208857 0.4954756 C 0.4327389 0.9724518 0.4327389 0.9724518 0.4445921 1.449428 E" pathEditMode="relative" ptsTypes="">
                                       <p:cBhvr>
                                         <p:cTn id="18" dur="400" fill="hold"/>
                                         <p:tgtEl>
@@ -13647,7 +13677,7 @@
                                           <p:spTgt spid="5"/>
                                         </p:tgtEl>
                                       </p:cBhvr>
-                                      <p:by x="224368" y="224372"/>
+                                      <p:by x="224342" y="224333"/>
                                     </p:animScale>
                                   </p:childTnLst>
                                 </p:cTn>
@@ -13685,7 +13715,7 @@
 
 <file path=ppt/slides/slide19.xml><?xml version="1.0" encoding="utf-8"?>
 <p:sld xmlns:a="http://schemas.openxmlformats.org/drawingml/2006/main" xmlns:r="http://schemas.openxmlformats.org/officeDocument/2006/relationships" xmlns:p="http://schemas.openxmlformats.org/presentationml/2006/main">
-  <p:cSld name="PPTLabsMagnifiedSlide201705111428201521">
+  <p:cSld name="PPTLabsMagnifiedSlide201904121153342002">
     <p:bg>
       <p:bgPr>
         <a:solidFill>
@@ -13710,14 +13740,20 @@
       </p:grpSpPr>
       <p:pic>
         <p:nvPicPr>
-          <p:cNvPr id="5" name="PPTLabsMagnifyAreaGroup201705111428201069"/>
+          <p:cNvPr id="5" name="PPTLabsMagnifyAreaGroup201904121153341672"/>
           <p:cNvPicPr>
             <a:picLocks noChangeAspect="1"/>
           </p:cNvPicPr>
           <p:nvPr/>
         </p:nvPicPr>
         <p:blipFill>
-          <a:blip r:embed="rId2"/>
+          <a:blip r:embed="rId2">
+            <a:extLst>
+              <a:ext uri="{28A0092B-C50C-407E-A947-70E740481C1C}">
+                <a14:useLocalDpi xmlns:a14="http://schemas.microsoft.com/office/drawing/2010/main" val="0"/>
+              </a:ext>
+            </a:extLst>
+          </a:blip>
           <a:srcRect/>
           <a:stretch>
             <a:fillRect/>
@@ -13725,8 +13761,8 @@
         </p:blipFill>
         <p:spPr>
           <a:xfrm>
-            <a:off x="-15539485" y="-4761187"/>
-            <a:ext cx="48355375" cy="36267051"/>
+            <a:off x="-15535223" y="-4759577"/>
+            <a:ext cx="48345137" cy="36257512"/>
           </a:xfrm>
           <a:prstGeom prst="rect">
             <a:avLst/>
@@ -13735,7 +13771,7 @@
       </p:pic>
       <p:pic>
         <p:nvPicPr>
-          <p:cNvPr id="3" name="PPTIndicator201705111428201795"/>
+          <p:cNvPr id="3" name="PPTIndicator201904121153342281"/>
           <p:cNvPicPr>
             <a:picLocks/>
           </p:cNvPicPr>
@@ -13766,7 +13802,7 @@
     </p:spTree>
     <p:extLst>
       <p:ext uri="{BB962C8B-B14F-4D97-AF65-F5344CB8AC3E}">
-        <p14:creationId xmlns:p14="http://schemas.microsoft.com/office/powerpoint/2010/main" val="847195898"/>
+        <p14:creationId xmlns:p14="http://schemas.microsoft.com/office/powerpoint/2010/main" val="3248401269"/>
       </p:ext>
     </p:extLst>
   </p:cSld>
@@ -14084,7 +14120,7 @@
 
 <file path=ppt/slides/slide20.xml><?xml version="1.0" encoding="utf-8"?>
 <p:sld xmlns:a="http://schemas.openxmlformats.org/drawingml/2006/main" xmlns:r="http://schemas.openxmlformats.org/officeDocument/2006/relationships" xmlns:p="http://schemas.openxmlformats.org/presentationml/2006/main">
-  <p:cSld name="PPTLabsMagnifiedPanSlide201705111428205327">
+  <p:cSld name="PPTLabsMagnifiedPanSlide201904121153348704">
     <p:bg>
       <p:bgPr>
         <a:solidFill>
@@ -14109,14 +14145,20 @@
       </p:grpSpPr>
       <p:pic>
         <p:nvPicPr>
-          <p:cNvPr id="5" name="PPTLabsMagnifyAreaGroup201705111428201069"/>
+          <p:cNvPr id="5" name="PPTLabsMagnifyAreaGroup201904121153341672"/>
           <p:cNvPicPr>
             <a:picLocks/>
           </p:cNvPicPr>
           <p:nvPr/>
         </p:nvPicPr>
         <p:blipFill>
-          <a:blip r:embed="rId2"/>
+          <a:blip r:embed="rId2">
+            <a:extLst>
+              <a:ext uri="{28A0092B-C50C-407E-A947-70E740481C1C}">
+                <a14:useLocalDpi xmlns:a14="http://schemas.microsoft.com/office/drawing/2010/main" val="0"/>
+              </a:ext>
+            </a:extLst>
+          </a:blip>
           <a:srcRect/>
           <a:stretch>
             <a:fillRect/>
@@ -14124,8 +14166,8 @@
         </p:blipFill>
         <p:spPr>
           <a:xfrm>
-            <a:off x="0" y="0"/>
-            <a:ext cx="9143869" cy="6858000"/>
+            <a:off x="0" y="1"/>
+            <a:ext cx="9144000" cy="6857747"/>
           </a:xfrm>
           <a:prstGeom prst="rect">
             <a:avLst/>
@@ -14134,14 +14176,20 @@
       </p:pic>
       <p:pic>
         <p:nvPicPr>
-          <p:cNvPr id="6" name="PPTLabsMagnifyAreaGroup201705111428201069"/>
+          <p:cNvPr id="6" name="PPTLabsMagnifyAreaGroup201904121153341672"/>
           <p:cNvPicPr>
             <a:picLocks/>
           </p:cNvPicPr>
           <p:nvPr/>
         </p:nvPicPr>
         <p:blipFill>
-          <a:blip r:embed="rId2"/>
+          <a:blip r:embed="rId2">
+            <a:extLst>
+              <a:ext uri="{28A0092B-C50C-407E-A947-70E740481C1C}">
+                <a14:useLocalDpi xmlns:a14="http://schemas.microsoft.com/office/drawing/2010/main" val="0"/>
+              </a:ext>
+            </a:extLst>
+          </a:blip>
           <a:srcRect/>
           <a:stretch>
             <a:fillRect/>
@@ -14149,8 +14197,8 @@
         </p:blipFill>
         <p:spPr>
           <a:xfrm>
-            <a:off x="-15539486" y="-4761187"/>
-            <a:ext cx="48355375" cy="36267051"/>
+            <a:off x="-15535222" y="-4759577"/>
+            <a:ext cx="48345137" cy="36257512"/>
           </a:xfrm>
           <a:prstGeom prst="rect">
             <a:avLst/>
@@ -14159,7 +14207,7 @@
       </p:pic>
       <p:pic>
         <p:nvPicPr>
-          <p:cNvPr id="2" name="PPTIndicator201705111428205497"/>
+          <p:cNvPr id="2" name="PPTIndicator201904121153348879"/>
           <p:cNvPicPr>
             <a:picLocks/>
           </p:cNvPicPr>
@@ -14190,7 +14238,7 @@
     </p:spTree>
     <p:extLst>
       <p:ext uri="{BB962C8B-B14F-4D97-AF65-F5344CB8AC3E}">
-        <p14:creationId xmlns:p14="http://schemas.microsoft.com/office/powerpoint/2010/main" val="2215249357"/>
+        <p14:creationId xmlns:p14="http://schemas.microsoft.com/office/powerpoint/2010/main" val="2753012662"/>
       </p:ext>
     </p:extLst>
   </p:cSld>
@@ -14288,7 +14336,7 @@
                                     <p:cond delay="0"/>
                                   </p:stCondLst>
                                   <p:childTnLst>
-                                    <p:animMotion origin="layout" path="M 0 0 C 0.2223462 0.7249445 0.2223462 0.7249445 0.4446925 1.449889 E" pathEditMode="relative" ptsTypes="">
+                                    <p:animMotion origin="layout" path="M 0 0 C 0.2222958 0.7247232 0.2222958 0.7247232 0.4445916 1.449446 E" pathEditMode="relative" ptsTypes="">
                                       <p:cBhvr>
                                         <p:cTn id="10" dur="1" fill="hold"/>
                                         <p:tgtEl>
@@ -14316,7 +14364,7 @@
                                           <p:spTgt spid="5"/>
                                         </p:tgtEl>
                                       </p:cBhvr>
-                                      <p:by x="528828" y="528828"/>
+                                      <p:by x="528709" y="528709"/>
                                     </p:animScale>
                                   </p:childTnLst>
                                 </p:cTn>
@@ -14371,7 +14419,7 @@
                                     <p:cond delay="0"/>
                                   </p:stCondLst>
                                   <p:childTnLst>
-                                    <p:animMotion origin="layout" path="M 0.4446925 1.449889 C 0.002813399 0.8386196 0.002813399 0.8386196 -0.4390657 0.2273501 E" pathEditMode="relative" ptsTypes="">
+                                    <p:animMotion origin="layout" path="M 0.4445916 1.449447 C 0.0027771 0.8383933 0.0027771 0.8383933 -0.4390375 0.2273406 E" pathEditMode="relative" ptsTypes="">
                                       <p:cBhvr>
                                         <p:cTn id="18" dur="400" fill="hold"/>
                                         <p:tgtEl>
@@ -14399,7 +14447,7 @@
                                           <p:spTgt spid="5"/>
                                         </p:tgtEl>
                                       </p:cBhvr>
-                                      <p:by x="35516" y="35515"/>
+                                      <p:by x="35522" y="35523"/>
                                     </p:animScale>
                                   </p:childTnLst>
                                 </p:cTn>
@@ -14437,7 +14485,7 @@
 
 <file path=ppt/slides/slide21.xml><?xml version="1.0" encoding="utf-8"?>
 <p:sld xmlns:a="http://schemas.openxmlformats.org/drawingml/2006/main" xmlns:r="http://schemas.openxmlformats.org/officeDocument/2006/relationships" xmlns:p="http://schemas.openxmlformats.org/presentationml/2006/main">
-  <p:cSld name="PPTLabsMagnifiedSlide201705111428205036">
+  <p:cSld name="PPTLabsMagnifiedSlide201904121153348361">
     <p:bg>
       <p:bgPr>
         <a:solidFill>
@@ -14462,14 +14510,20 @@
       </p:grpSpPr>
       <p:pic>
         <p:nvPicPr>
-          <p:cNvPr id="5" name="PPTLabsMagnifyAreaGroup201705111428204704"/>
+          <p:cNvPr id="5" name="PPTLabsMagnifyAreaGroup201904121153347921"/>
           <p:cNvPicPr>
             <a:picLocks noChangeAspect="1"/>
           </p:cNvPicPr>
           <p:nvPr/>
         </p:nvPicPr>
         <p:blipFill>
-          <a:blip r:embed="rId2"/>
+          <a:blip r:embed="rId2">
+            <a:extLst>
+              <a:ext uri="{28A0092B-C50C-407E-A947-70E740481C1C}">
+                <a14:useLocalDpi xmlns:a14="http://schemas.microsoft.com/office/drawing/2010/main" val="0"/>
+              </a:ext>
+            </a:extLst>
+          </a:blip>
           <a:srcRect/>
           <a:stretch>
             <a:fillRect/>
@@ -14477,8 +14531,8 @@
         </p:blipFill>
         <p:spPr>
           <a:xfrm>
-            <a:off x="-8029764" y="-1452008"/>
-            <a:ext cx="17173764" cy="12880349"/>
+            <a:off x="-8029119" y="-1451933"/>
+            <a:ext cx="17173119" cy="12879811"/>
           </a:xfrm>
           <a:prstGeom prst="rect">
             <a:avLst/>
@@ -14487,7 +14541,7 @@
       </p:pic>
       <p:pic>
         <p:nvPicPr>
-          <p:cNvPr id="3" name="PPTIndicator201705111428205297"/>
+          <p:cNvPr id="3" name="PPTIndicator201904121153348664"/>
           <p:cNvPicPr>
             <a:picLocks/>
           </p:cNvPicPr>
@@ -14518,7 +14572,7 @@
     </p:spTree>
     <p:extLst>
       <p:ext uri="{BB962C8B-B14F-4D97-AF65-F5344CB8AC3E}">
-        <p14:creationId xmlns:p14="http://schemas.microsoft.com/office/powerpoint/2010/main" val="102992547"/>
+        <p14:creationId xmlns:p14="http://schemas.microsoft.com/office/powerpoint/2010/main" val="3789742803"/>
       </p:ext>
     </p:extLst>
   </p:cSld>
@@ -14643,7 +14697,7 @@
 
 <file path=ppt/slides/slide22.xml><?xml version="1.0" encoding="utf-8"?>
 <p:sld xmlns:a="http://schemas.openxmlformats.org/drawingml/2006/main" xmlns:r="http://schemas.openxmlformats.org/officeDocument/2006/relationships" xmlns:p="http://schemas.openxmlformats.org/presentationml/2006/main">
-  <p:cSld name="PPTLabsMagnifiedPanSlide201705111428208828">
+  <p:cSld name="PPTLabsMagnifiedPanSlide201904121153354874">
     <p:bg>
       <p:bgPr>
         <a:solidFill>
@@ -14668,14 +14722,20 @@
       </p:grpSpPr>
       <p:pic>
         <p:nvPicPr>
-          <p:cNvPr id="5" name="PPTLabsMagnifyAreaGroup201705111428204704"/>
+          <p:cNvPr id="5" name="PPTLabsMagnifyAreaGroup201904121153347921"/>
           <p:cNvPicPr>
             <a:picLocks/>
           </p:cNvPicPr>
           <p:nvPr/>
         </p:nvPicPr>
         <p:blipFill>
-          <a:blip r:embed="rId2"/>
+          <a:blip r:embed="rId2">
+            <a:extLst>
+              <a:ext uri="{28A0092B-C50C-407E-A947-70E740481C1C}">
+                <a14:useLocalDpi xmlns:a14="http://schemas.microsoft.com/office/drawing/2010/main" val="0"/>
+              </a:ext>
+            </a:extLst>
+          </a:blip>
           <a:srcRect/>
           <a:stretch>
             <a:fillRect/>
@@ -14683,8 +14743,8 @@
         </p:blipFill>
         <p:spPr>
           <a:xfrm>
-            <a:off x="1" y="0"/>
-            <a:ext cx="9143981" cy="6858000"/>
+            <a:off x="0" y="0"/>
+            <a:ext cx="9144001" cy="6857984"/>
           </a:xfrm>
           <a:prstGeom prst="rect">
             <a:avLst/>
@@ -14693,14 +14753,20 @@
       </p:pic>
       <p:pic>
         <p:nvPicPr>
-          <p:cNvPr id="6" name="PPTLabsMagnifyAreaGroup201705111428204704"/>
+          <p:cNvPr id="6" name="PPTLabsMagnifyAreaGroup201904121153347921"/>
           <p:cNvPicPr>
             <a:picLocks/>
           </p:cNvPicPr>
           <p:nvPr/>
         </p:nvPicPr>
         <p:blipFill>
-          <a:blip r:embed="rId2"/>
+          <a:blip r:embed="rId2">
+            <a:extLst>
+              <a:ext uri="{28A0092B-C50C-407E-A947-70E740481C1C}">
+                <a14:useLocalDpi xmlns:a14="http://schemas.microsoft.com/office/drawing/2010/main" val="0"/>
+              </a:ext>
+            </a:extLst>
+          </a:blip>
           <a:srcRect/>
           <a:stretch>
             <a:fillRect/>
@@ -14708,8 +14774,8 @@
         </p:blipFill>
         <p:spPr>
           <a:xfrm>
-            <a:off x="-8029764" y="-1452008"/>
-            <a:ext cx="17173764" cy="12880349"/>
+            <a:off x="-8029119" y="-1451933"/>
+            <a:ext cx="17173119" cy="12879811"/>
           </a:xfrm>
           <a:prstGeom prst="rect">
             <a:avLst/>
@@ -14718,7 +14784,7 @@
       </p:pic>
       <p:pic>
         <p:nvPicPr>
-          <p:cNvPr id="2" name="PPTIndicator201705111428209008"/>
+          <p:cNvPr id="2" name="PPTIndicator201904121153355010"/>
           <p:cNvPicPr>
             <a:picLocks/>
           </p:cNvPicPr>
@@ -14749,7 +14815,7 @@
     </p:spTree>
     <p:extLst>
       <p:ext uri="{BB962C8B-B14F-4D97-AF65-F5344CB8AC3E}">
-        <p14:creationId xmlns:p14="http://schemas.microsoft.com/office/powerpoint/2010/main" val="1170809142"/>
+        <p14:creationId xmlns:p14="http://schemas.microsoft.com/office/powerpoint/2010/main" val="2551552537"/>
       </p:ext>
     </p:extLst>
   </p:cSld>
@@ -14847,7 +14913,7 @@
                                     <p:cond delay="0"/>
                                   </p:stCondLst>
                                   <p:childTnLst>
-                                    <p:animMotion origin="layout" path="M 0 0 C -0.219536 0.113675 -0.219536 0.113675 -0.4390719 0.22735 E" pathEditMode="relative" ptsTypes="">
+                                    <p:animMotion origin="layout" path="M 0 0 C -0.2195188 0.1136615 -0.2195188 0.1136615 -0.4390375 0.2273229 E" pathEditMode="relative" ptsTypes="">
                                       <p:cBhvr>
                                         <p:cTn id="10" dur="1" fill="hold"/>
                                         <p:tgtEl>
@@ -14875,7 +14941,7 @@
                                           <p:spTgt spid="5"/>
                                         </p:tgtEl>
                                       </p:cBhvr>
-                                      <p:by x="187815" y="187815"/>
+                                      <p:by x="187808" y="187808"/>
                                     </p:animScale>
                                   </p:childTnLst>
                                 </p:cTn>
@@ -14930,7 +14996,7 @@
                                     <p:cond delay="0"/>
                                   </p:stCondLst>
                                   <p:childTnLst>
-                                    <p:animMotion origin="layout" path="M -0.4390718 0.22735 C -0.1814083 -0.1447552 -0.1814083 -0.1447552 0.07625526 -0.5168604 E" pathEditMode="relative" ptsTypes="">
+                                    <p:animMotion origin="layout" path="M -0.4390375 0.2273228 C -0.1813931 -0.1447375 -0.1813931 -0.1447375 0.07625118 -0.5167978 E" pathEditMode="relative" ptsTypes="">
                                       <p:cBhvr>
                                         <p:cTn id="18" dur="400" fill="hold"/>
                                         <p:tgtEl>
@@ -14958,7 +15024,7 @@
                                           <p:spTgt spid="5"/>
                                         </p:tgtEl>
                                       </p:cBhvr>
-                                      <p:by x="108283" y="108283"/>
+                                      <p:by x="108283" y="108281"/>
                                     </p:animScale>
                                   </p:childTnLst>
                                 </p:cTn>
@@ -14996,7 +15062,7 @@
 
 <file path=ppt/slides/slide23.xml><?xml version="1.0" encoding="utf-8"?>
 <p:sld xmlns:a="http://schemas.openxmlformats.org/drawingml/2006/main" xmlns:r="http://schemas.openxmlformats.org/officeDocument/2006/relationships" xmlns:p="http://schemas.openxmlformats.org/presentationml/2006/main">
-  <p:cSld name="PPTLabsMagnifiedSlide201705111428208527">
+  <p:cSld name="PPTLabsMagnifiedSlide201904121153354530">
     <p:bg>
       <p:bgPr>
         <a:solidFill>
@@ -15021,14 +15087,20 @@
       </p:grpSpPr>
       <p:pic>
         <p:nvPicPr>
-          <p:cNvPr id="5" name="PPTLabsMagnifyAreaGroup201705111428208072"/>
+          <p:cNvPr id="5" name="PPTLabsMagnifyAreaGroup201904121153354153"/>
           <p:cNvPicPr>
             <a:picLocks noChangeAspect="1"/>
           </p:cNvPicPr>
           <p:nvPr/>
         </p:nvPicPr>
         <p:blipFill>
-          <a:blip r:embed="rId2"/>
+          <a:blip r:embed="rId2">
+            <a:extLst>
+              <a:ext uri="{28A0092B-C50C-407E-A947-70E740481C1C}">
+                <a14:useLocalDpi xmlns:a14="http://schemas.microsoft.com/office/drawing/2010/main" val="0"/>
+              </a:ext>
+            </a:extLst>
+          </a:blip>
           <a:srcRect/>
           <a:stretch>
             <a:fillRect/>
@@ -15036,8 +15108,8 @@
         </p:blipFill>
         <p:spPr>
           <a:xfrm>
-            <a:off x="-4028893" y="-7089260"/>
-            <a:ext cx="18596324" cy="13947264"/>
+            <a:off x="-4028544" y="-7088422"/>
+            <a:ext cx="18595570" cy="13946431"/>
           </a:xfrm>
           <a:prstGeom prst="rect">
             <a:avLst/>
@@ -15046,7 +15118,7 @@
       </p:pic>
       <p:pic>
         <p:nvPicPr>
-          <p:cNvPr id="3" name="PPTIndicator201705111428208798"/>
+          <p:cNvPr id="3" name="PPTIndicator201904121153354844"/>
           <p:cNvPicPr>
             <a:picLocks/>
           </p:cNvPicPr>
@@ -15077,7 +15149,7 @@
     </p:spTree>
     <p:extLst>
       <p:ext uri="{BB962C8B-B14F-4D97-AF65-F5344CB8AC3E}">
-        <p14:creationId xmlns:p14="http://schemas.microsoft.com/office/powerpoint/2010/main" val="1203944331"/>
+        <p14:creationId xmlns:p14="http://schemas.microsoft.com/office/powerpoint/2010/main" val="3978186483"/>
       </p:ext>
     </p:extLst>
   </p:cSld>
@@ -15202,7 +15274,7 @@
 
 <file path=ppt/slides/slide24.xml><?xml version="1.0" encoding="utf-8"?>
 <p:sld xmlns:a="http://schemas.openxmlformats.org/drawingml/2006/main" xmlns:r="http://schemas.openxmlformats.org/officeDocument/2006/relationships" xmlns:p="http://schemas.openxmlformats.org/presentationml/2006/main">
-  <p:cSld name="PPTLabsDeMagnifyingSlide201705111428209078">
+  <p:cSld name="PPTLabsDeMagnifyingSlide201904121153355059">
     <p:bg>
       <p:bgPr>
         <a:solidFill>
@@ -15303,14 +15375,20 @@
       </p:sp>
       <p:pic>
         <p:nvPicPr>
-          <p:cNvPr id="5" name="PPTLabsMagnifyAreaGroup201705111428208072"/>
+          <p:cNvPr id="5" name="PPTLabsMagnifyAreaGroup201904121153354153"/>
           <p:cNvPicPr>
             <a:picLocks/>
           </p:cNvPicPr>
           <p:nvPr/>
         </p:nvPicPr>
         <p:blipFill>
-          <a:blip r:embed="rId3"/>
+          <a:blip r:embed="rId3">
+            <a:extLst>
+              <a:ext uri="{28A0092B-C50C-407E-A947-70E740481C1C}">
+                <a14:useLocalDpi xmlns:a14="http://schemas.microsoft.com/office/drawing/2010/main" val="0"/>
+              </a:ext>
+            </a:extLst>
+          </a:blip>
           <a:stretch>
             <a:fillRect/>
           </a:stretch>
@@ -15318,7 +15396,7 @@
         <p:spPr>
           <a:xfrm>
             <a:off x="0" y="0"/>
-            <a:ext cx="9144000" cy="6857998"/>
+            <a:ext cx="9144000" cy="6858000"/>
           </a:xfrm>
           <a:prstGeom prst="rect">
             <a:avLst/>
@@ -15327,22 +15405,28 @@
       </p:pic>
       <p:pic>
         <p:nvPicPr>
-          <p:cNvPr id="11" name="PPTLabsMagnifyAreaGroup201705111428208072"/>
+          <p:cNvPr id="10" name="PPTLabsMagnifyAreaGroup201904121153354153"/>
           <p:cNvPicPr>
             <a:picLocks/>
           </p:cNvPicPr>
           <p:nvPr/>
         </p:nvPicPr>
         <p:blipFill>
-          <a:blip r:embed="rId3"/>
+          <a:blip r:embed="rId3">
+            <a:extLst>
+              <a:ext uri="{28A0092B-C50C-407E-A947-70E740481C1C}">
+                <a14:useLocalDpi xmlns:a14="http://schemas.microsoft.com/office/drawing/2010/main" val="0"/>
+              </a:ext>
+            </a:extLst>
+          </a:blip>
           <a:stretch>
             <a:fillRect/>
           </a:stretch>
         </p:blipFill>
         <p:spPr>
           <a:xfrm>
-            <a:off x="-4029560" y="-7090474"/>
-            <a:ext cx="18597967" cy="13948474"/>
+            <a:off x="-4029559" y="-7090474"/>
+            <a:ext cx="18597966" cy="13948474"/>
           </a:xfrm>
           <a:prstGeom prst="rect">
             <a:avLst/>
@@ -15351,7 +15435,7 @@
       </p:pic>
       <p:pic>
         <p:nvPicPr>
-          <p:cNvPr id="3" name="PPTIndicator201705111428209298"/>
+          <p:cNvPr id="3" name="PPTIndicator201904121153355349"/>
           <p:cNvPicPr>
             <a:picLocks/>
           </p:cNvPicPr>
@@ -15382,7 +15466,7 @@
     </p:spTree>
     <p:extLst>
       <p:ext uri="{BB962C8B-B14F-4D97-AF65-F5344CB8AC3E}">
-        <p14:creationId xmlns:p14="http://schemas.microsoft.com/office/powerpoint/2010/main" val="2628252027"/>
+        <p14:creationId xmlns:p14="http://schemas.microsoft.com/office/powerpoint/2010/main" val="1297785741"/>
       </p:ext>
     </p:extLst>
   </p:cSld>
@@ -15480,7 +15564,7 @@
                                     <p:cond delay="0"/>
                                   </p:stCondLst>
                                   <p:childTnLst>
-                                    <p:animMotion origin="layout" path="M 0 0 C 0.03813563 -0.2584745 0.03813563 -0.2584745 0.07627127 -0.5169489 E" pathEditMode="relative" ptsTypes="">
+                                    <p:animMotion origin="layout" path="M 0 0 C 0.03813559 -0.2584746 0.03813559 -0.2584746 0.07627118 -0.5169491 E" pathEditMode="relative" ptsTypes="">
                                       <p:cBhvr>
                                         <p:cTn id="10" dur="1" fill="hold"/>
                                         <p:tgtEl>
@@ -15523,7 +15607,7 @@
                                       <p:cBhvr>
                                         <p:cTn id="14" dur="10"/>
                                         <p:tgtEl>
-                                          <p:spTgt spid="11"/>
+                                          <p:spTgt spid="10"/>
                                         </p:tgtEl>
                                       </p:cBhvr>
                                     </p:animEffect>
@@ -15535,7 +15619,7 @@
                                           </p:stCondLst>
                                         </p:cTn>
                                         <p:tgtEl>
-                                          <p:spTgt spid="11"/>
+                                          <p:spTgt spid="10"/>
                                         </p:tgtEl>
                                         <p:attrNameLst>
                                           <p:attrName>style.visibility</p:attrName>
@@ -15554,7 +15638,7 @@
                                     <p:cond delay="0"/>
                                   </p:stCondLst>
                                   <p:childTnLst>
-                                    <p:animMotion origin="layout" path="M 0.07627127 -0.516949 C 0.03813564 -0.2584744 0.03813564 -0.2584744 -7.450581E-09 1.192093E-07 E" pathEditMode="relative" ptsTypes="">
+                                    <p:animMotion origin="layout" path="M 0.07627118 -0.5169491 C 0.0381356 -0.2584745 0.0381356 -0.2584745 7.450581E-09 0 E" pathEditMode="relative" ptsTypes="">
                                       <p:cBhvr>
                                         <p:cTn id="17" dur="400" fill="hold"/>
                                         <p:tgtEl>
@@ -16677,7 +16761,7 @@
 
 <file path=ppt/slides/slide27.xml><?xml version="1.0" encoding="utf-8"?>
 <p:sld xmlns:a="http://schemas.openxmlformats.org/drawingml/2006/main" xmlns:r="http://schemas.openxmlformats.org/officeDocument/2006/relationships" xmlns:p="http://schemas.openxmlformats.org/presentationml/2006/main">
-  <p:cSld name="PPTLabsZoomToAreaSlide201705111427513434">
+  <p:cSld name="PPTLabsZoomToAreaSlide201904121152572795">
     <p:bg>
       <p:bgPr>
         <a:solidFill>
@@ -17010,7 +17094,7 @@
       </p:sp>
       <p:sp>
         <p:nvSpPr>
-          <p:cNvPr id="3" name="PPTLabsMagnifyShape201705111427513514"/>
+          <p:cNvPr id="3" name="PPTLabsMagnifyShape201904121152572835"/>
           <p:cNvSpPr/>
           <p:nvPr/>
         </p:nvSpPr>
@@ -17057,14 +17141,14 @@
           <a:p>
             <a:pPr algn="ctr"/>
             <a:r>
-              <a:rPr lang="en-US" b="1" smtClean="0">
+              <a:rPr lang="en-SG" b="1" smtClean="0">
                 <a:solidFill>
                   <a:srgbClr val="FFFFFF"/>
                 </a:solidFill>
               </a:rPr>
               <a:t>Zoom Shape 1</a:t>
             </a:r>
-            <a:endParaRPr lang="en-US" b="1">
+            <a:endParaRPr lang="en-SG" b="1">
               <a:solidFill>
                 <a:srgbClr val="FFFFFF"/>
               </a:solidFill>
@@ -17074,7 +17158,7 @@
       </p:sp>
       <p:sp>
         <p:nvSpPr>
-          <p:cNvPr id="8" name="PPTLabsMagnifyShape201705111427513674"/>
+          <p:cNvPr id="8" name="PPTLabsMagnifyShape201904121152572964"/>
           <p:cNvSpPr/>
           <p:nvPr/>
         </p:nvSpPr>
@@ -17121,14 +17205,14 @@
           <a:p>
             <a:pPr algn="ctr"/>
             <a:r>
-              <a:rPr lang="en-US" b="1" smtClean="0">
+              <a:rPr lang="en-SG" b="1" smtClean="0">
                 <a:solidFill>
                   <a:srgbClr val="FFFFFF"/>
                 </a:solidFill>
               </a:rPr>
               <a:t>Zoom Shape 2</a:t>
             </a:r>
-            <a:endParaRPr lang="en-US" b="1">
+            <a:endParaRPr lang="en-SG" b="1">
               <a:solidFill>
                 <a:srgbClr val="FFFFFF"/>
               </a:solidFill>
@@ -17138,7 +17222,7 @@
       </p:sp>
       <p:sp>
         <p:nvSpPr>
-          <p:cNvPr id="9" name="PPTLabsMagnifyShape201705111427513724"/>
+          <p:cNvPr id="9" name="PPTLabsMagnifyShape201904121152573004"/>
           <p:cNvSpPr/>
           <p:nvPr/>
         </p:nvSpPr>
@@ -17185,14 +17269,14 @@
           <a:p>
             <a:pPr algn="ctr"/>
             <a:r>
-              <a:rPr lang="en-US" b="1" smtClean="0">
+              <a:rPr lang="en-SG" b="1" smtClean="0">
                 <a:solidFill>
                   <a:srgbClr val="FFFFFF"/>
                 </a:solidFill>
               </a:rPr>
               <a:t>Zoom Shape 3</a:t>
             </a:r>
-            <a:endParaRPr lang="en-US" b="1">
+            <a:endParaRPr lang="en-SG" b="1">
               <a:solidFill>
                 <a:srgbClr val="FFFFFF"/>
               </a:solidFill>
@@ -17202,7 +17286,7 @@
       </p:sp>
       <p:sp>
         <p:nvSpPr>
-          <p:cNvPr id="10" name="PPTLabsMagnifyShape201705111427513784"/>
+          <p:cNvPr id="10" name="PPTLabsMagnifyShape201904121152573044"/>
           <p:cNvSpPr/>
           <p:nvPr/>
         </p:nvSpPr>
@@ -17249,14 +17333,14 @@
           <a:p>
             <a:pPr algn="ctr"/>
             <a:r>
-              <a:rPr lang="en-US" b="1" smtClean="0">
+              <a:rPr lang="en-SG" b="1" smtClean="0">
                 <a:solidFill>
                   <a:srgbClr val="FFFFFF"/>
                 </a:solidFill>
               </a:rPr>
               <a:t>Zoom Shape 4</a:t>
             </a:r>
-            <a:endParaRPr lang="en-US" b="1">
+            <a:endParaRPr lang="en-SG" b="1">
               <a:solidFill>
                 <a:srgbClr val="FFFFFF"/>
               </a:solidFill>
@@ -17267,7 +17351,7 @@
     </p:spTree>
     <p:extLst>
       <p:ext uri="{BB962C8B-B14F-4D97-AF65-F5344CB8AC3E}">
-        <p14:creationId xmlns:p14="http://schemas.microsoft.com/office/powerpoint/2010/main" val="3915566693"/>
+        <p14:creationId xmlns:p14="http://schemas.microsoft.com/office/powerpoint/2010/main" val="3228635756"/>
       </p:ext>
     </p:extLst>
   </p:cSld>
@@ -17691,7 +17775,7 @@
 
 <file path=ppt/slides/slide28.xml><?xml version="1.0" encoding="utf-8"?>
 <p:sld xmlns:a="http://schemas.openxmlformats.org/drawingml/2006/main" xmlns:r="http://schemas.openxmlformats.org/officeDocument/2006/relationships" xmlns:p="http://schemas.openxmlformats.org/presentationml/2006/main">
-  <p:cSld name="PPTLabsMagnifyingSlide201705111427514103">
+  <p:cSld name="PPTLabsMagnifyingSlide201904121152573167">
     <p:bg>
       <p:bgPr>
         <a:solidFill>
@@ -17716,7 +17800,7 @@
       </p:grpSpPr>
       <p:pic>
         <p:nvPicPr>
-          <p:cNvPr id="34" name="Picture 3" descr="File:AmineTreating.png"/>
+          <p:cNvPr id="33" name="Picture 3" descr="File:AmineTreating.png"/>
           <p:cNvPicPr>
             <a:picLocks noChangeAspect="1" noChangeArrowheads="1"/>
           </p:cNvPicPr>
@@ -17762,7 +17846,7 @@
       </p:pic>
       <p:sp>
         <p:nvSpPr>
-          <p:cNvPr id="35" name="TextBox 1"/>
+          <p:cNvPr id="34" name="TextBox 1"/>
           <p:cNvSpPr txBox="1"/>
           <p:nvPr/>
         </p:nvSpPr>
@@ -17792,14 +17876,20 @@
       </p:sp>
       <p:pic>
         <p:nvPicPr>
-          <p:cNvPr id="36" name="PPTLabsMagnifyAreaGroup201705111427528056"/>
+          <p:cNvPr id="35" name="PPTLabsMagnifyAreaGroup201904121152597793"/>
           <p:cNvPicPr>
             <a:picLocks/>
           </p:cNvPicPr>
           <p:nvPr/>
         </p:nvPicPr>
         <p:blipFill>
-          <a:blip r:embed="rId3"/>
+          <a:blip r:embed="rId3">
+            <a:extLst>
+              <a:ext uri="{28A0092B-C50C-407E-A947-70E740481C1C}">
+                <a14:useLocalDpi xmlns:a14="http://schemas.microsoft.com/office/drawing/2010/main" val="0"/>
+              </a:ext>
+            </a:extLst>
+          </a:blip>
           <a:stretch>
             <a:fillRect/>
           </a:stretch>
@@ -17807,7 +17897,7 @@
         <p:spPr>
           <a:xfrm>
             <a:off x="0" y="0"/>
-            <a:ext cx="9144000" cy="6857998"/>
+            <a:ext cx="9144000" cy="6858000"/>
           </a:xfrm>
           <a:prstGeom prst="rect">
             <a:avLst/>
@@ -17816,22 +17906,28 @@
       </p:pic>
       <p:pic>
         <p:nvPicPr>
-          <p:cNvPr id="37" name="PPTLabsMagnifyAreaGroup201705111427528056"/>
+          <p:cNvPr id="36" name="PPTLabsMagnifyAreaGroup201904121152597793"/>
           <p:cNvPicPr>
             <a:picLocks/>
           </p:cNvPicPr>
           <p:nvPr/>
         </p:nvPicPr>
         <p:blipFill>
-          <a:blip r:embed="rId3"/>
+          <a:blip r:embed="rId3">
+            <a:extLst>
+              <a:ext uri="{28A0092B-C50C-407E-A947-70E740481C1C}">
+                <a14:useLocalDpi xmlns:a14="http://schemas.microsoft.com/office/drawing/2010/main" val="0"/>
+              </a:ext>
+            </a:extLst>
+          </a:blip>
           <a:stretch>
             <a:fillRect/>
           </a:stretch>
         </p:blipFill>
         <p:spPr>
           <a:xfrm>
-            <a:off x="-4029560" y="-7090474"/>
-            <a:ext cx="18597967" cy="13948474"/>
+            <a:off x="-4029559" y="-7090474"/>
+            <a:ext cx="18597966" cy="13948474"/>
           </a:xfrm>
           <a:prstGeom prst="rect">
             <a:avLst/>
@@ -17840,14 +17936,20 @@
       </p:pic>
       <p:pic>
         <p:nvPicPr>
-          <p:cNvPr id="33" name="PPTLabsMagnifyAreaGroup201705111427528056"/>
+          <p:cNvPr id="32" name="PPTLabsMagnifyAreaGroup201904121152597793"/>
           <p:cNvPicPr>
             <a:picLocks noChangeAspect="1"/>
           </p:cNvPicPr>
           <p:nvPr/>
         </p:nvPicPr>
         <p:blipFill>
-          <a:blip r:embed="rId3"/>
+          <a:blip r:embed="rId3">
+            <a:extLst>
+              <a:ext uri="{28A0092B-C50C-407E-A947-70E740481C1C}">
+                <a14:useLocalDpi xmlns:a14="http://schemas.microsoft.com/office/drawing/2010/main" val="0"/>
+              </a:ext>
+            </a:extLst>
+          </a:blip>
           <a:srcRect/>
           <a:stretch>
             <a:fillRect/>
@@ -17855,8 +17957,8 @@
         </p:blipFill>
         <p:spPr>
           <a:xfrm>
-            <a:off x="-4028893" y="-7089260"/>
-            <a:ext cx="18596324" cy="13947264"/>
+            <a:off x="-4028544" y="-7088422"/>
+            <a:ext cx="18595570" cy="13946431"/>
           </a:xfrm>
           <a:prstGeom prst="rect">
             <a:avLst/>
@@ -17865,14 +17967,206 @@
       </p:pic>
       <p:pic>
         <p:nvPicPr>
-          <p:cNvPr id="31" name="PPTLabsMagnifyAreaGroup201705111427524473"/>
+          <p:cNvPr id="30" name="PPTLabsMagnifyAreaGroup201904121152591789"/>
           <p:cNvPicPr>
             <a:picLocks/>
           </p:cNvPicPr>
           <p:nvPr/>
         </p:nvPicPr>
         <p:blipFill>
-          <a:blip r:embed="rId3"/>
+          <a:blip r:embed="rId3">
+            <a:extLst>
+              <a:ext uri="{28A0092B-C50C-407E-A947-70E740481C1C}">
+                <a14:useLocalDpi xmlns:a14="http://schemas.microsoft.com/office/drawing/2010/main" val="0"/>
+              </a:ext>
+            </a:extLst>
+          </a:blip>
+          <a:srcRect/>
+          <a:stretch>
+            <a:fillRect/>
+          </a:stretch>
+        </p:blipFill>
+        <p:spPr>
+          <a:xfrm>
+            <a:off x="0" y="0"/>
+            <a:ext cx="9144001" cy="6857984"/>
+          </a:xfrm>
+          <a:prstGeom prst="rect">
+            <a:avLst/>
+          </a:prstGeom>
+        </p:spPr>
+      </p:pic>
+      <p:pic>
+        <p:nvPicPr>
+          <p:cNvPr id="31" name="PPTLabsMagnifyAreaGroup201904121152591789"/>
+          <p:cNvPicPr>
+            <a:picLocks/>
+          </p:cNvPicPr>
+          <p:nvPr/>
+        </p:nvPicPr>
+        <p:blipFill>
+          <a:blip r:embed="rId3">
+            <a:extLst>
+              <a:ext uri="{28A0092B-C50C-407E-A947-70E740481C1C}">
+                <a14:useLocalDpi xmlns:a14="http://schemas.microsoft.com/office/drawing/2010/main" val="0"/>
+              </a:ext>
+            </a:extLst>
+          </a:blip>
+          <a:srcRect/>
+          <a:stretch>
+            <a:fillRect/>
+          </a:stretch>
+        </p:blipFill>
+        <p:spPr>
+          <a:xfrm>
+            <a:off x="-8029119" y="-1451933"/>
+            <a:ext cx="17173119" cy="12879811"/>
+          </a:xfrm>
+          <a:prstGeom prst="rect">
+            <a:avLst/>
+          </a:prstGeom>
+        </p:spPr>
+      </p:pic>
+      <p:pic>
+        <p:nvPicPr>
+          <p:cNvPr id="29" name="PPTLabsMagnifyAreaGroup201904121152591789"/>
+          <p:cNvPicPr>
+            <a:picLocks noChangeAspect="1"/>
+          </p:cNvPicPr>
+          <p:nvPr/>
+        </p:nvPicPr>
+        <p:blipFill>
+          <a:blip r:embed="rId3">
+            <a:extLst>
+              <a:ext uri="{28A0092B-C50C-407E-A947-70E740481C1C}">
+                <a14:useLocalDpi xmlns:a14="http://schemas.microsoft.com/office/drawing/2010/main" val="0"/>
+              </a:ext>
+            </a:extLst>
+          </a:blip>
+          <a:srcRect/>
+          <a:stretch>
+            <a:fillRect/>
+          </a:stretch>
+        </p:blipFill>
+        <p:spPr>
+          <a:xfrm>
+            <a:off x="-8029119" y="-1451933"/>
+            <a:ext cx="17173119" cy="12879811"/>
+          </a:xfrm>
+          <a:prstGeom prst="rect">
+            <a:avLst/>
+          </a:prstGeom>
+        </p:spPr>
+      </p:pic>
+      <p:pic>
+        <p:nvPicPr>
+          <p:cNvPr id="27" name="PPTLabsMagnifyAreaGroup201904121152584878"/>
+          <p:cNvPicPr>
+            <a:picLocks/>
+          </p:cNvPicPr>
+          <p:nvPr/>
+        </p:nvPicPr>
+        <p:blipFill>
+          <a:blip r:embed="rId3">
+            <a:extLst>
+              <a:ext uri="{28A0092B-C50C-407E-A947-70E740481C1C}">
+                <a14:useLocalDpi xmlns:a14="http://schemas.microsoft.com/office/drawing/2010/main" val="0"/>
+              </a:ext>
+            </a:extLst>
+          </a:blip>
+          <a:srcRect/>
+          <a:stretch>
+            <a:fillRect/>
+          </a:stretch>
+        </p:blipFill>
+        <p:spPr>
+          <a:xfrm>
+            <a:off x="0" y="1"/>
+            <a:ext cx="9144000" cy="6857747"/>
+          </a:xfrm>
+          <a:prstGeom prst="rect">
+            <a:avLst/>
+          </a:prstGeom>
+        </p:spPr>
+      </p:pic>
+      <p:pic>
+        <p:nvPicPr>
+          <p:cNvPr id="28" name="PPTLabsMagnifyAreaGroup201904121152584878"/>
+          <p:cNvPicPr>
+            <a:picLocks/>
+          </p:cNvPicPr>
+          <p:nvPr/>
+        </p:nvPicPr>
+        <p:blipFill>
+          <a:blip r:embed="rId3">
+            <a:extLst>
+              <a:ext uri="{28A0092B-C50C-407E-A947-70E740481C1C}">
+                <a14:useLocalDpi xmlns:a14="http://schemas.microsoft.com/office/drawing/2010/main" val="0"/>
+              </a:ext>
+            </a:extLst>
+          </a:blip>
+          <a:srcRect/>
+          <a:stretch>
+            <a:fillRect/>
+          </a:stretch>
+        </p:blipFill>
+        <p:spPr>
+          <a:xfrm>
+            <a:off x="-15535222" y="-4759577"/>
+            <a:ext cx="48345137" cy="36257512"/>
+          </a:xfrm>
+          <a:prstGeom prst="rect">
+            <a:avLst/>
+          </a:prstGeom>
+        </p:spPr>
+      </p:pic>
+      <p:pic>
+        <p:nvPicPr>
+          <p:cNvPr id="26" name="PPTLabsMagnifyAreaGroup201904121152584878"/>
+          <p:cNvPicPr>
+            <a:picLocks noChangeAspect="1"/>
+          </p:cNvPicPr>
+          <p:nvPr/>
+        </p:nvPicPr>
+        <p:blipFill>
+          <a:blip r:embed="rId3">
+            <a:extLst>
+              <a:ext uri="{28A0092B-C50C-407E-A947-70E740481C1C}">
+                <a14:useLocalDpi xmlns:a14="http://schemas.microsoft.com/office/drawing/2010/main" val="0"/>
+              </a:ext>
+            </a:extLst>
+          </a:blip>
+          <a:srcRect/>
+          <a:stretch>
+            <a:fillRect/>
+          </a:stretch>
+        </p:blipFill>
+        <p:spPr>
+          <a:xfrm>
+            <a:off x="-15535222" y="-4759577"/>
+            <a:ext cx="48345137" cy="36257512"/>
+          </a:xfrm>
+          <a:prstGeom prst="rect">
+            <a:avLst/>
+          </a:prstGeom>
+        </p:spPr>
+      </p:pic>
+      <p:pic>
+        <p:nvPicPr>
+          <p:cNvPr id="24" name="PPTLabsMagnifyAreaGroup201904121152579320"/>
+          <p:cNvPicPr>
+            <a:picLocks/>
+          </p:cNvPicPr>
+          <p:nvPr/>
+        </p:nvPicPr>
+        <p:blipFill>
+          <a:blip r:embed="rId3">
+            <a:extLst>
+              <a:ext uri="{28A0092B-C50C-407E-A947-70E740481C1C}">
+                <a14:useLocalDpi xmlns:a14="http://schemas.microsoft.com/office/drawing/2010/main" val="0"/>
+              </a:ext>
+            </a:extLst>
+          </a:blip>
           <a:srcRect/>
           <a:stretch>
             <a:fillRect/>
@@ -17881,7 +18175,7 @@
         <p:spPr>
           <a:xfrm>
             <a:off x="1" y="0"/>
-            <a:ext cx="9143981" cy="6858000"/>
+            <a:ext cx="9143991" cy="6858000"/>
           </a:xfrm>
           <a:prstGeom prst="rect">
             <a:avLst/>
@@ -17890,14 +18184,20 @@
       </p:pic>
       <p:pic>
         <p:nvPicPr>
-          <p:cNvPr id="32" name="PPTLabsMagnifyAreaGroup201705111427524473"/>
+          <p:cNvPr id="25" name="PPTLabsMagnifyAreaGroup201904121152579320"/>
           <p:cNvPicPr>
             <a:picLocks/>
           </p:cNvPicPr>
           <p:nvPr/>
         </p:nvPicPr>
         <p:blipFill>
-          <a:blip r:embed="rId3"/>
+          <a:blip r:embed="rId3">
+            <a:extLst>
+              <a:ext uri="{28A0092B-C50C-407E-A947-70E740481C1C}">
+                <a14:useLocalDpi xmlns:a14="http://schemas.microsoft.com/office/drawing/2010/main" val="0"/>
+              </a:ext>
+            </a:extLst>
+          </a:blip>
           <a:srcRect/>
           <a:stretch>
             <a:fillRect/>
@@ -17905,8 +18205,8 @@
         </p:blipFill>
         <p:spPr>
           <a:xfrm>
-            <a:off x="-8029764" y="-1452008"/>
-            <a:ext cx="17173764" cy="12880349"/>
+            <a:off x="-2354311" y="-1254200"/>
+            <a:ext cx="21549770" cy="16162343"/>
           </a:xfrm>
           <a:prstGeom prst="rect">
             <a:avLst/>
@@ -17915,14 +18215,20 @@
       </p:pic>
       <p:pic>
         <p:nvPicPr>
-          <p:cNvPr id="30" name="PPTLabsMagnifyAreaGroup201705111427524473"/>
+          <p:cNvPr id="23" name="PPTLabsMagnifyAreaGroup201904121152579320"/>
           <p:cNvPicPr>
             <a:picLocks noChangeAspect="1"/>
           </p:cNvPicPr>
           <p:nvPr/>
         </p:nvPicPr>
         <p:blipFill>
-          <a:blip r:embed="rId3"/>
+          <a:blip r:embed="rId3">
+            <a:extLst>
+              <a:ext uri="{28A0092B-C50C-407E-A947-70E740481C1C}">
+                <a14:useLocalDpi xmlns:a14="http://schemas.microsoft.com/office/drawing/2010/main" val="0"/>
+              </a:ext>
+            </a:extLst>
+          </a:blip>
           <a:srcRect/>
           <a:stretch>
             <a:fillRect/>
@@ -17930,158 +18236,8 @@
         </p:blipFill>
         <p:spPr>
           <a:xfrm>
-            <a:off x="-8029764" y="-1452008"/>
-            <a:ext cx="17173764" cy="12880349"/>
-          </a:xfrm>
-          <a:prstGeom prst="rect">
-            <a:avLst/>
-          </a:prstGeom>
-        </p:spPr>
-      </p:pic>
-      <p:pic>
-        <p:nvPicPr>
-          <p:cNvPr id="28" name="PPTLabsMagnifyAreaGroup201705111427520659"/>
-          <p:cNvPicPr>
-            <a:picLocks/>
-          </p:cNvPicPr>
-          <p:nvPr/>
-        </p:nvPicPr>
-        <p:blipFill>
-          <a:blip r:embed="rId3"/>
-          <a:srcRect/>
-          <a:stretch>
-            <a:fillRect/>
-          </a:stretch>
-        </p:blipFill>
-        <p:spPr>
-          <a:xfrm>
-            <a:off x="0" y="0"/>
-            <a:ext cx="9143869" cy="6858000"/>
-          </a:xfrm>
-          <a:prstGeom prst="rect">
-            <a:avLst/>
-          </a:prstGeom>
-        </p:spPr>
-      </p:pic>
-      <p:pic>
-        <p:nvPicPr>
-          <p:cNvPr id="29" name="PPTLabsMagnifyAreaGroup201705111427520659"/>
-          <p:cNvPicPr>
-            <a:picLocks/>
-          </p:cNvPicPr>
-          <p:nvPr/>
-        </p:nvPicPr>
-        <p:blipFill>
-          <a:blip r:embed="rId3"/>
-          <a:srcRect/>
-          <a:stretch>
-            <a:fillRect/>
-          </a:stretch>
-        </p:blipFill>
-        <p:spPr>
-          <a:xfrm>
-            <a:off x="-15539486" y="-4761187"/>
-            <a:ext cx="48355375" cy="36267051"/>
-          </a:xfrm>
-          <a:prstGeom prst="rect">
-            <a:avLst/>
-          </a:prstGeom>
-        </p:spPr>
-      </p:pic>
-      <p:pic>
-        <p:nvPicPr>
-          <p:cNvPr id="27" name="PPTLabsMagnifyAreaGroup201705111427520659"/>
-          <p:cNvPicPr>
-            <a:picLocks noChangeAspect="1"/>
-          </p:cNvPicPr>
-          <p:nvPr/>
-        </p:nvPicPr>
-        <p:blipFill>
-          <a:blip r:embed="rId3"/>
-          <a:srcRect/>
-          <a:stretch>
-            <a:fillRect/>
-          </a:stretch>
-        </p:blipFill>
-        <p:spPr>
-          <a:xfrm>
-            <a:off x="-15539486" y="-4761187"/>
-            <a:ext cx="48355375" cy="36267051"/>
-          </a:xfrm>
-          <a:prstGeom prst="rect">
-            <a:avLst/>
-          </a:prstGeom>
-        </p:spPr>
-      </p:pic>
-      <p:pic>
-        <p:nvPicPr>
-          <p:cNvPr id="25" name="PPTLabsMagnifyAreaGroup201705111427516985"/>
-          <p:cNvPicPr>
-            <a:picLocks/>
-          </p:cNvPicPr>
-          <p:nvPr/>
-        </p:nvPicPr>
-        <p:blipFill>
-          <a:blip r:embed="rId3"/>
-          <a:srcRect/>
-          <a:stretch>
-            <a:fillRect/>
-          </a:stretch>
-        </p:blipFill>
-        <p:spPr>
-          <a:xfrm>
-            <a:off x="0" y="0"/>
-            <a:ext cx="9144000" cy="6857993"/>
-          </a:xfrm>
-          <a:prstGeom prst="rect">
-            <a:avLst/>
-          </a:prstGeom>
-        </p:spPr>
-      </p:pic>
-      <p:pic>
-        <p:nvPicPr>
-          <p:cNvPr id="26" name="PPTLabsMagnifyAreaGroup201705111427516985"/>
-          <p:cNvPicPr>
-            <a:picLocks/>
-          </p:cNvPicPr>
-          <p:nvPr/>
-        </p:nvPicPr>
-        <p:blipFill>
-          <a:blip r:embed="rId3"/>
-          <a:srcRect/>
-          <a:stretch>
-            <a:fillRect/>
-          </a:stretch>
-        </p:blipFill>
-        <p:spPr>
-          <a:xfrm>
-            <a:off x="-2354749" y="-1254471"/>
-            <a:ext cx="21551802" cy="16163835"/>
-          </a:xfrm>
-          <a:prstGeom prst="rect">
-            <a:avLst/>
-          </a:prstGeom>
-        </p:spPr>
-      </p:pic>
-      <p:pic>
-        <p:nvPicPr>
-          <p:cNvPr id="24" name="PPTLabsMagnifyAreaGroup201705111427516985"/>
-          <p:cNvPicPr>
-            <a:picLocks noChangeAspect="1"/>
-          </p:cNvPicPr>
-          <p:nvPr/>
-        </p:nvPicPr>
-        <p:blipFill>
-          <a:blip r:embed="rId3"/>
-          <a:srcRect/>
-          <a:stretch>
-            <a:fillRect/>
-          </a:stretch>
-        </p:blipFill>
-        <p:spPr>
-          <a:xfrm>
-            <a:off x="-2354749" y="-1254471"/>
-            <a:ext cx="21551802" cy="16163835"/>
+            <a:off x="-2354311" y="-1254200"/>
+            <a:ext cx="21549770" cy="16162343"/>
           </a:xfrm>
           <a:prstGeom prst="rect">
             <a:avLst/>
@@ -18166,14 +18322,20 @@
       </p:sp>
       <p:pic>
         <p:nvPicPr>
-          <p:cNvPr id="5" name="PPTLabsMagnifyAreaGroup201705111427516985" hidden="1"/>
+          <p:cNvPr id="5" name="PPTLabsMagnifyAreaGroup201904121152579320" hidden="1"/>
           <p:cNvPicPr>
             <a:picLocks/>
           </p:cNvPicPr>
           <p:nvPr/>
         </p:nvPicPr>
         <p:blipFill>
-          <a:blip r:embed="rId3"/>
+          <a:blip r:embed="rId3">
+            <a:extLst>
+              <a:ext uri="{28A0092B-C50C-407E-A947-70E740481C1C}">
+                <a14:useLocalDpi xmlns:a14="http://schemas.microsoft.com/office/drawing/2010/main" val="0"/>
+              </a:ext>
+            </a:extLst>
+          </a:blip>
           <a:stretch>
             <a:fillRect/>
           </a:stretch>
@@ -18190,14 +18352,20 @@
       </p:pic>
       <p:pic>
         <p:nvPicPr>
-          <p:cNvPr id="22" name="PPTLabsMagnifyAreaSlide201705111427517574"/>
+          <p:cNvPr id="22" name="PPTLabsMagnifyAreaSlide201904121152579702"/>
           <p:cNvPicPr>
             <a:picLocks/>
           </p:cNvPicPr>
           <p:nvPr/>
         </p:nvPicPr>
         <p:blipFill>
-          <a:blip r:embed="rId3"/>
+          <a:blip r:embed="rId3">
+            <a:extLst>
+              <a:ext uri="{28A0092B-C50C-407E-A947-70E740481C1C}">
+                <a14:useLocalDpi xmlns:a14="http://schemas.microsoft.com/office/drawing/2010/main" val="0"/>
+              </a:ext>
+            </a:extLst>
+          </a:blip>
           <a:stretch>
             <a:fillRect/>
           </a:stretch>
@@ -18214,7 +18382,7 @@
       </p:pic>
       <p:pic>
         <p:nvPicPr>
-          <p:cNvPr id="6" name="PPTIndicator201705111427517484"/>
+          <p:cNvPr id="6" name="PPTIndicator201904121152579652"/>
           <p:cNvPicPr>
             <a:picLocks/>
           </p:cNvPicPr>
@@ -18245,7 +18413,7 @@
     </p:spTree>
     <p:extLst>
       <p:ext uri="{BB962C8B-B14F-4D97-AF65-F5344CB8AC3E}">
-        <p14:creationId xmlns:p14="http://schemas.microsoft.com/office/powerpoint/2010/main" val="1699140480"/>
+        <p14:creationId xmlns:p14="http://schemas.microsoft.com/office/powerpoint/2010/main" val="3764173744"/>
       </p:ext>
     </p:extLst>
   </p:cSld>
@@ -18352,7 +18520,7 @@
                                     <p:cond delay="0"/>
                                   </p:stCondLst>
                                   <p:childTnLst>
-                                    <p:animMotion origin="layout" path="M 0 0 C 0.2105131 0.2478195 0.2105131 0.2478195 0.4210261 0.495639 E" pathEditMode="relative" ptsTypes="">
+                                    <p:animMotion origin="layout" path="M 0 0 C 0.2105131 0.2478196 0.2105131 0.2478196 0.4210261 0.4956393 E" pathEditMode="relative" ptsTypes="">
                                       <p:cBhvr>
                                         <p:cTn id="11" dur="500" fill="hold"/>
                                         <p:tgtEl>
@@ -18489,7 +18657,7 @@
                                           </p:stCondLst>
                                         </p:cTn>
                                         <p:tgtEl>
-                                          <p:spTgt spid="24"/>
+                                          <p:spTgt spid="23"/>
                                         </p:tgtEl>
                                         <p:attrNameLst>
                                           <p:attrName>style.visibility</p:attrName>
@@ -18561,7 +18729,7 @@
                                           </p:stCondLst>
                                         </p:cTn>
                                         <p:tgtEl>
-                                          <p:spTgt spid="24"/>
+                                          <p:spTgt spid="23"/>
                                         </p:tgtEl>
                                         <p:attrNameLst>
                                           <p:attrName>style.visibility</p:attrName>
@@ -18588,7 +18756,7 @@
                                           </p:stCondLst>
                                         </p:cTn>
                                         <p:tgtEl>
-                                          <p:spTgt spid="26"/>
+                                          <p:spTgt spid="25"/>
                                         </p:tgtEl>
                                         <p:attrNameLst>
                                           <p:attrName>style.visibility</p:attrName>
@@ -18615,7 +18783,7 @@
                                           </p:stCondLst>
                                         </p:cTn>
                                         <p:tgtEl>
-                                          <p:spTgt spid="25"/>
+                                          <p:spTgt spid="24"/>
                                         </p:tgtEl>
                                         <p:attrNameLst>
                                           <p:attrName>style.visibility</p:attrName>
@@ -18634,11 +18802,11 @@
                                     <p:cond delay="0"/>
                                   </p:stCondLst>
                                   <p:childTnLst>
-                                    <p:animMotion origin="layout" path="M 0 0 C 0.2104742 0.2477727 0.2104742 0.2477727 0.4209484 0.4955453 E" pathEditMode="relative" ptsTypes="">
+                                    <p:animMotion origin="layout" path="M 0 0 C 0.2104428 0.2477378 0.2104428 0.2477378 0.4208856 0.4954756 E" pathEditMode="relative" ptsTypes="">
                                       <p:cBhvr>
                                         <p:cTn id="34" dur="1" fill="hold"/>
                                         <p:tgtEl>
-                                          <p:spTgt spid="25"/>
+                                          <p:spTgt spid="24"/>
                                         </p:tgtEl>
                                         <p:attrNameLst>
                                           <p:attrName>ppt_x</p:attrName>
@@ -18659,10 +18827,10 @@
                                       <p:cBhvr>
                                         <p:cTn id="36" dur="1" fill="hold"/>
                                         <p:tgtEl>
-                                          <p:spTgt spid="25"/>
-                                        </p:tgtEl>
-                                      </p:cBhvr>
-                                      <p:by x="235693" y="235693"/>
+                                          <p:spTgt spid="24"/>
+                                        </p:tgtEl>
+                                      </p:cBhvr>
+                                      <p:by x="235671" y="235671"/>
                                     </p:animScale>
                                   </p:childTnLst>
                                 </p:cTn>
@@ -18677,7 +18845,7 @@
                                       <p:cBhvr>
                                         <p:cTn id="38" dur="10"/>
                                         <p:tgtEl>
-                                          <p:spTgt spid="26"/>
+                                          <p:spTgt spid="25"/>
                                         </p:tgtEl>
                                       </p:cBhvr>
                                     </p:animEffect>
@@ -18689,7 +18857,7 @@
                                           </p:stCondLst>
                                         </p:cTn>
                                         <p:tgtEl>
-                                          <p:spTgt spid="26"/>
+                                          <p:spTgt spid="25"/>
                                         </p:tgtEl>
                                         <p:attrNameLst>
                                           <p:attrName>style.visibility</p:attrName>
@@ -18717,11 +18885,11 @@
                                     <p:cond delay="0"/>
                                   </p:stCondLst>
                                   <p:childTnLst>
-                                    <p:animMotion origin="layout" path="M 0.4209484 0.4955453 C 0.4328169 0.9727173 0.4328169 0.9727173 0.4446853 1.449889 E" pathEditMode="relative" ptsTypes="">
+                                    <p:animMotion origin="layout" path="M 0.4208857 0.4954756 C 0.4327389 0.9724518 0.4327389 0.9724518 0.4445921 1.449428 E" pathEditMode="relative" ptsTypes="">
                                       <p:cBhvr>
                                         <p:cTn id="42" dur="400" fill="hold"/>
                                         <p:tgtEl>
-                                          <p:spTgt spid="25"/>
+                                          <p:spTgt spid="24"/>
                                         </p:tgtEl>
                                         <p:attrNameLst>
                                           <p:attrName>ppt_x</p:attrName>
@@ -18742,10 +18910,10 @@
                                       <p:cBhvr>
                                         <p:cTn id="44" dur="400" fill="hold"/>
                                         <p:tgtEl>
-                                          <p:spTgt spid="25"/>
-                                        </p:tgtEl>
-                                      </p:cBhvr>
-                                      <p:by x="224368" y="224372"/>
+                                          <p:spTgt spid="24"/>
+                                        </p:tgtEl>
+                                      </p:cBhvr>
+                                      <p:by x="224342" y="224333"/>
                                     </p:animScale>
                                   </p:childTnLst>
                                 </p:cTn>
@@ -18773,7 +18941,7 @@
                                           </p:stCondLst>
                                         </p:cTn>
                                         <p:tgtEl>
-                                          <p:spTgt spid="27"/>
+                                          <p:spTgt spid="26"/>
                                         </p:tgtEl>
                                         <p:attrNameLst>
                                           <p:attrName>style.visibility</p:attrName>
@@ -18800,7 +18968,7 @@
                                           </p:stCondLst>
                                         </p:cTn>
                                         <p:tgtEl>
-                                          <p:spTgt spid="25"/>
+                                          <p:spTgt spid="24"/>
                                         </p:tgtEl>
                                         <p:attrNameLst>
                                           <p:attrName>style.visibility</p:attrName>
@@ -18845,7 +19013,7 @@
                                           </p:stCondLst>
                                         </p:cTn>
                                         <p:tgtEl>
-                                          <p:spTgt spid="27"/>
+                                          <p:spTgt spid="26"/>
                                         </p:tgtEl>
                                         <p:attrNameLst>
                                           <p:attrName>style.visibility</p:attrName>
@@ -18872,7 +19040,7 @@
                                           </p:stCondLst>
                                         </p:cTn>
                                         <p:tgtEl>
-                                          <p:spTgt spid="29"/>
+                                          <p:spTgt spid="28"/>
                                         </p:tgtEl>
                                         <p:attrNameLst>
                                           <p:attrName>style.visibility</p:attrName>
@@ -18899,7 +19067,7 @@
                                           </p:stCondLst>
                                         </p:cTn>
                                         <p:tgtEl>
-                                          <p:spTgt spid="28"/>
+                                          <p:spTgt spid="27"/>
                                         </p:tgtEl>
                                         <p:attrNameLst>
                                           <p:attrName>style.visibility</p:attrName>
@@ -18918,11 +19086,11 @@
                                     <p:cond delay="0"/>
                                   </p:stCondLst>
                                   <p:childTnLst>
-                                    <p:animMotion origin="layout" path="M 0 0 C 0.2223462 0.7249445 0.2223462 0.7249445 0.4446925 1.449889 E" pathEditMode="relative" ptsTypes="">
+                                    <p:animMotion origin="layout" path="M 0 0 C 0.2222958 0.7247232 0.2222958 0.7247232 0.4445916 1.449446 E" pathEditMode="relative" ptsTypes="">
                                       <p:cBhvr>
                                         <p:cTn id="59" dur="1" fill="hold"/>
                                         <p:tgtEl>
-                                          <p:spTgt spid="28"/>
+                                          <p:spTgt spid="27"/>
                                         </p:tgtEl>
                                         <p:attrNameLst>
                                           <p:attrName>ppt_x</p:attrName>
@@ -18943,10 +19111,10 @@
                                       <p:cBhvr>
                                         <p:cTn id="61" dur="1" fill="hold"/>
                                         <p:tgtEl>
-                                          <p:spTgt spid="28"/>
-                                        </p:tgtEl>
-                                      </p:cBhvr>
-                                      <p:by x="528828" y="528828"/>
+                                          <p:spTgt spid="27"/>
+                                        </p:tgtEl>
+                                      </p:cBhvr>
+                                      <p:by x="528709" y="528709"/>
                                     </p:animScale>
                                   </p:childTnLst>
                                 </p:cTn>
@@ -18961,7 +19129,7 @@
                                       <p:cBhvr>
                                         <p:cTn id="63" dur="10"/>
                                         <p:tgtEl>
-                                          <p:spTgt spid="29"/>
+                                          <p:spTgt spid="28"/>
                                         </p:tgtEl>
                                       </p:cBhvr>
                                     </p:animEffect>
@@ -18973,7 +19141,7 @@
                                           </p:stCondLst>
                                         </p:cTn>
                                         <p:tgtEl>
-                                          <p:spTgt spid="29"/>
+                                          <p:spTgt spid="28"/>
                                         </p:tgtEl>
                                         <p:attrNameLst>
                                           <p:attrName>style.visibility</p:attrName>
@@ -19001,11 +19169,11 @@
                                     <p:cond delay="0"/>
                                   </p:stCondLst>
                                   <p:childTnLst>
-                                    <p:animMotion origin="layout" path="M 0.4446925 1.449889 C 0.002813399 0.8386196 0.002813399 0.8386196 -0.4390657 0.2273501 E" pathEditMode="relative" ptsTypes="">
+                                    <p:animMotion origin="layout" path="M 0.4445916 1.449447 C 0.0027771 0.8383933 0.0027771 0.8383933 -0.4390375 0.2273406 E" pathEditMode="relative" ptsTypes="">
                                       <p:cBhvr>
                                         <p:cTn id="67" dur="400" fill="hold"/>
                                         <p:tgtEl>
-                                          <p:spTgt spid="28"/>
+                                          <p:spTgt spid="27"/>
                                         </p:tgtEl>
                                         <p:attrNameLst>
                                           <p:attrName>ppt_x</p:attrName>
@@ -19026,10 +19194,10 @@
                                       <p:cBhvr>
                                         <p:cTn id="69" dur="400" fill="hold"/>
                                         <p:tgtEl>
-                                          <p:spTgt spid="28"/>
-                                        </p:tgtEl>
-                                      </p:cBhvr>
-                                      <p:by x="35516" y="35515"/>
+                                          <p:spTgt spid="27"/>
+                                        </p:tgtEl>
+                                      </p:cBhvr>
+                                      <p:by x="35522" y="35523"/>
                                     </p:animScale>
                                   </p:childTnLst>
                                 </p:cTn>
@@ -19057,7 +19225,7 @@
                                           </p:stCondLst>
                                         </p:cTn>
                                         <p:tgtEl>
-                                          <p:spTgt spid="30"/>
+                                          <p:spTgt spid="29"/>
                                         </p:tgtEl>
                                         <p:attrNameLst>
                                           <p:attrName>style.visibility</p:attrName>
@@ -19084,7 +19252,7 @@
                                           </p:stCondLst>
                                         </p:cTn>
                                         <p:tgtEl>
-                                          <p:spTgt spid="28"/>
+                                          <p:spTgt spid="27"/>
                                         </p:tgtEl>
                                         <p:attrNameLst>
                                           <p:attrName>style.visibility</p:attrName>
@@ -19129,7 +19297,7 @@
                                           </p:stCondLst>
                                         </p:cTn>
                                         <p:tgtEl>
-                                          <p:spTgt spid="30"/>
+                                          <p:spTgt spid="29"/>
                                         </p:tgtEl>
                                         <p:attrNameLst>
                                           <p:attrName>style.visibility</p:attrName>
@@ -19156,7 +19324,7 @@
                                           </p:stCondLst>
                                         </p:cTn>
                                         <p:tgtEl>
-                                          <p:spTgt spid="32"/>
+                                          <p:spTgt spid="31"/>
                                         </p:tgtEl>
                                         <p:attrNameLst>
                                           <p:attrName>style.visibility</p:attrName>
@@ -19183,7 +19351,7 @@
                                           </p:stCondLst>
                                         </p:cTn>
                                         <p:tgtEl>
-                                          <p:spTgt spid="31"/>
+                                          <p:spTgt spid="30"/>
                                         </p:tgtEl>
                                         <p:attrNameLst>
                                           <p:attrName>style.visibility</p:attrName>
@@ -19202,11 +19370,11 @@
                                     <p:cond delay="0"/>
                                   </p:stCondLst>
                                   <p:childTnLst>
-                                    <p:animMotion origin="layout" path="M 0 0 C -0.219536 0.113675 -0.219536 0.113675 -0.4390719 0.22735 E" pathEditMode="relative" ptsTypes="">
+                                    <p:animMotion origin="layout" path="M 0 0 C -0.2195188 0.1136615 -0.2195188 0.1136615 -0.4390375 0.2273229 E" pathEditMode="relative" ptsTypes="">
                                       <p:cBhvr>
                                         <p:cTn id="84" dur="1" fill="hold"/>
                                         <p:tgtEl>
-                                          <p:spTgt spid="31"/>
+                                          <p:spTgt spid="30"/>
                                         </p:tgtEl>
                                         <p:attrNameLst>
                                           <p:attrName>ppt_x</p:attrName>
@@ -19227,10 +19395,10 @@
                                       <p:cBhvr>
                                         <p:cTn id="86" dur="1" fill="hold"/>
                                         <p:tgtEl>
-                                          <p:spTgt spid="31"/>
-                                        </p:tgtEl>
-                                      </p:cBhvr>
-                                      <p:by x="187815" y="187815"/>
+                                          <p:spTgt spid="30"/>
+                                        </p:tgtEl>
+                                      </p:cBhvr>
+                                      <p:by x="187808" y="187808"/>
                                     </p:animScale>
                                   </p:childTnLst>
                                 </p:cTn>
@@ -19245,7 +19413,7 @@
                                       <p:cBhvr>
                                         <p:cTn id="88" dur="10"/>
                                         <p:tgtEl>
-                                          <p:spTgt spid="32"/>
+                                          <p:spTgt spid="31"/>
                                         </p:tgtEl>
                                       </p:cBhvr>
                                     </p:animEffect>
@@ -19257,7 +19425,7 @@
                                           </p:stCondLst>
                                         </p:cTn>
                                         <p:tgtEl>
-                                          <p:spTgt spid="32"/>
+                                          <p:spTgt spid="31"/>
                                         </p:tgtEl>
                                         <p:attrNameLst>
                                           <p:attrName>style.visibility</p:attrName>
@@ -19285,11 +19453,11 @@
                                     <p:cond delay="0"/>
                                   </p:stCondLst>
                                   <p:childTnLst>
-                                    <p:animMotion origin="layout" path="M -0.4390718 0.22735 C -0.1814083 -0.1447552 -0.1814083 -0.1447552 0.07625526 -0.5168604 E" pathEditMode="relative" ptsTypes="">
+                                    <p:animMotion origin="layout" path="M -0.4390375 0.2273228 C -0.1813931 -0.1447375 -0.1813931 -0.1447375 0.07625118 -0.5167978 E" pathEditMode="relative" ptsTypes="">
                                       <p:cBhvr>
                                         <p:cTn id="92" dur="400" fill="hold"/>
                                         <p:tgtEl>
-                                          <p:spTgt spid="31"/>
+                                          <p:spTgt spid="30"/>
                                         </p:tgtEl>
                                         <p:attrNameLst>
                                           <p:attrName>ppt_x</p:attrName>
@@ -19310,10 +19478,10 @@
                                       <p:cBhvr>
                                         <p:cTn id="94" dur="400" fill="hold"/>
                                         <p:tgtEl>
-                                          <p:spTgt spid="31"/>
-                                        </p:tgtEl>
-                                      </p:cBhvr>
-                                      <p:by x="108283" y="108283"/>
+                                          <p:spTgt spid="30"/>
+                                        </p:tgtEl>
+                                      </p:cBhvr>
+                                      <p:by x="108283" y="108281"/>
                                     </p:animScale>
                                   </p:childTnLst>
                                 </p:cTn>
@@ -19341,7 +19509,7 @@
                                           </p:stCondLst>
                                         </p:cTn>
                                         <p:tgtEl>
-                                          <p:spTgt spid="33"/>
+                                          <p:spTgt spid="32"/>
                                         </p:tgtEl>
                                         <p:attrNameLst>
                                           <p:attrName>style.visibility</p:attrName>
@@ -19368,7 +19536,7 @@
                                           </p:stCondLst>
                                         </p:cTn>
                                         <p:tgtEl>
-                                          <p:spTgt spid="31"/>
+                                          <p:spTgt spid="30"/>
                                         </p:tgtEl>
                                         <p:attrNameLst>
                                           <p:attrName>style.visibility</p:attrName>
@@ -19413,7 +19581,7 @@
                                           </p:stCondLst>
                                         </p:cTn>
                                         <p:tgtEl>
-                                          <p:spTgt spid="33"/>
+                                          <p:spTgt spid="32"/>
                                         </p:tgtEl>
                                         <p:attrNameLst>
                                           <p:attrName>style.visibility</p:attrName>
@@ -19440,7 +19608,7 @@
                                           </p:stCondLst>
                                         </p:cTn>
                                         <p:tgtEl>
-                                          <p:spTgt spid="37"/>
+                                          <p:spTgt spid="36"/>
                                         </p:tgtEl>
                                         <p:attrNameLst>
                                           <p:attrName>style.visibility</p:attrName>
@@ -19467,7 +19635,7 @@
                                           </p:stCondLst>
                                         </p:cTn>
                                         <p:tgtEl>
-                                          <p:spTgt spid="36"/>
+                                          <p:spTgt spid="35"/>
                                         </p:tgtEl>
                                         <p:attrNameLst>
                                           <p:attrName>style.visibility</p:attrName>
@@ -19486,11 +19654,11 @@
                                     <p:cond delay="0"/>
                                   </p:stCondLst>
                                   <p:childTnLst>
-                                    <p:animMotion origin="layout" path="M 0 0 C 0.03813563 -0.2584745 0.03813563 -0.2584745 0.07627127 -0.5169489 E" pathEditMode="relative" ptsTypes="">
+                                    <p:animMotion origin="layout" path="M 0 0 C 0.03813559 -0.2584746 0.03813559 -0.2584746 0.07627118 -0.5169491 E" pathEditMode="relative" ptsTypes="">
                                       <p:cBhvr>
                                         <p:cTn id="109" dur="1" fill="hold"/>
                                         <p:tgtEl>
-                                          <p:spTgt spid="36"/>
+                                          <p:spTgt spid="35"/>
                                         </p:tgtEl>
                                         <p:attrNameLst>
                                           <p:attrName>ppt_x</p:attrName>
@@ -19511,7 +19679,7 @@
                                       <p:cBhvr>
                                         <p:cTn id="111" dur="1" fill="hold"/>
                                         <p:tgtEl>
-                                          <p:spTgt spid="36"/>
+                                          <p:spTgt spid="35"/>
                                         </p:tgtEl>
                                       </p:cBhvr>
                                       <p:by x="203390" y="203390"/>
@@ -19529,7 +19697,7 @@
                                       <p:cBhvr>
                                         <p:cTn id="113" dur="10"/>
                                         <p:tgtEl>
-                                          <p:spTgt spid="37"/>
+                                          <p:spTgt spid="36"/>
                                         </p:tgtEl>
                                       </p:cBhvr>
                                     </p:animEffect>
@@ -19541,7 +19709,7 @@
                                           </p:stCondLst>
                                         </p:cTn>
                                         <p:tgtEl>
-                                          <p:spTgt spid="37"/>
+                                          <p:spTgt spid="36"/>
                                         </p:tgtEl>
                                         <p:attrNameLst>
                                           <p:attrName>style.visibility</p:attrName>
@@ -19560,11 +19728,11 @@
                                     <p:cond delay="0"/>
                                   </p:stCondLst>
                                   <p:childTnLst>
-                                    <p:animMotion origin="layout" path="M 0.07627127 -0.516949 C 0.03813564 -0.2584744 0.03813564 -0.2584744 -7.450581E-09 1.192093E-07 E" pathEditMode="relative" ptsTypes="">
+                                    <p:animMotion origin="layout" path="M 0.07627118 -0.5169491 C 0.0381356 -0.2584745 0.0381356 -0.2584745 7.450581E-09 0 E" pathEditMode="relative" ptsTypes="">
                                       <p:cBhvr>
                                         <p:cTn id="116" dur="400" fill="hold"/>
                                         <p:tgtEl>
-                                          <p:spTgt spid="36"/>
+                                          <p:spTgt spid="35"/>
                                         </p:tgtEl>
                                         <p:attrNameLst>
                                           <p:attrName>ppt_x</p:attrName>
@@ -19585,7 +19753,7 @@
                                       <p:cBhvr>
                                         <p:cTn id="118" dur="400" fill="hold"/>
                                         <p:tgtEl>
-                                          <p:spTgt spid="36"/>
+                                          <p:spTgt spid="35"/>
                                         </p:tgtEl>
                                       </p:cBhvr>
                                       <p:by x="49167" y="49167"/>
@@ -19616,7 +19784,7 @@
                                           </p:stCondLst>
                                         </p:cTn>
                                         <p:tgtEl>
-                                          <p:spTgt spid="34"/>
+                                          <p:spTgt spid="33"/>
                                         </p:tgtEl>
                                         <p:attrNameLst>
                                           <p:attrName>style.visibility</p:attrName>
@@ -19643,7 +19811,7 @@
                                           </p:stCondLst>
                                         </p:cTn>
                                         <p:tgtEl>
-                                          <p:spTgt spid="35"/>
+                                          <p:spTgt spid="34"/>
                                         </p:tgtEl>
                                         <p:attrNameLst>
                                           <p:attrName>style.visibility</p:attrName>
@@ -19666,7 +19834,7 @@
                                       <p:cBhvr>
                                         <p:cTn id="125" dur="10"/>
                                         <p:tgtEl>
-                                          <p:spTgt spid="36"/>
+                                          <p:spTgt spid="35"/>
                                         </p:tgtEl>
                                       </p:cBhvr>
                                     </p:animEffect>
@@ -19678,7 +19846,7 @@
                                           </p:stCondLst>
                                         </p:cTn>
                                         <p:tgtEl>
-                                          <p:spTgt spid="36"/>
+                                          <p:spTgt spid="35"/>
                                         </p:tgtEl>
                                         <p:attrNameLst>
                                           <p:attrName>style.visibility</p:attrName>
@@ -19719,7 +19887,7 @@
       </p:par>
     </p:tnLst>
     <p:bldLst>
-      <p:bldP spid="35" grpId="0"/>
+      <p:bldP spid="34" grpId="0"/>
       <p:bldP spid="2" grpId="0"/>
     </p:bldLst>
   </p:timing>
@@ -20763,7 +20931,7 @@
 
 <file path=ppt/slides/slide31.xml><?xml version="1.0" encoding="utf-8"?>
 <p:sld xmlns:a="http://schemas.openxmlformats.org/drawingml/2006/main" xmlns:r="http://schemas.openxmlformats.org/officeDocument/2006/relationships" xmlns:p="http://schemas.openxmlformats.org/presentationml/2006/main">
-  <p:cSld name="PPTLabsZoomToAreaSlide201705111426152231">
+  <p:cSld name="PPTLabsZoomToAreaSlide201904121151295328">
     <p:bg>
       <p:bgPr>
         <a:solidFill>
@@ -21096,7 +21264,7 @@
       </p:sp>
       <p:sp>
         <p:nvSpPr>
-          <p:cNvPr id="3" name="PPTLabsMagnifyShape201705111426152311"/>
+          <p:cNvPr id="3" name="PPTLabsMagnifyShape201904121151295368"/>
           <p:cNvSpPr/>
           <p:nvPr/>
         </p:nvSpPr>
@@ -21143,14 +21311,14 @@
           <a:p>
             <a:pPr algn="ctr"/>
             <a:r>
-              <a:rPr lang="en-US" b="1" smtClean="0">
+              <a:rPr lang="en-SG" b="1" smtClean="0">
                 <a:solidFill>
                   <a:srgbClr val="FFFFFF"/>
                 </a:solidFill>
               </a:rPr>
               <a:t>Zoom Shape 1</a:t>
             </a:r>
-            <a:endParaRPr lang="en-US" b="1">
+            <a:endParaRPr lang="en-SG" b="1">
               <a:solidFill>
                 <a:srgbClr val="FFFFFF"/>
               </a:solidFill>
@@ -21160,7 +21328,7 @@
       </p:sp>
       <p:sp>
         <p:nvSpPr>
-          <p:cNvPr id="8" name="PPTLabsMagnifyShape201705111426152482"/>
+          <p:cNvPr id="8" name="PPTLabsMagnifyShape201904121151295488"/>
           <p:cNvSpPr/>
           <p:nvPr/>
         </p:nvSpPr>
@@ -21207,14 +21375,14 @@
           <a:p>
             <a:pPr algn="ctr"/>
             <a:r>
-              <a:rPr lang="en-US" b="1" smtClean="0">
+              <a:rPr lang="en-SG" b="1" smtClean="0">
                 <a:solidFill>
                   <a:srgbClr val="FFFFFF"/>
                 </a:solidFill>
               </a:rPr>
               <a:t>Zoom Shape 2</a:t>
             </a:r>
-            <a:endParaRPr lang="en-US" b="1">
+            <a:endParaRPr lang="en-SG" b="1">
               <a:solidFill>
                 <a:srgbClr val="FFFFFF"/>
               </a:solidFill>
@@ -21224,7 +21392,7 @@
       </p:sp>
       <p:sp>
         <p:nvSpPr>
-          <p:cNvPr id="9" name="PPTLabsMagnifyShape201705111426152532"/>
+          <p:cNvPr id="9" name="PPTLabsMagnifyShape201904121151295528"/>
           <p:cNvSpPr/>
           <p:nvPr/>
         </p:nvSpPr>
@@ -21271,14 +21439,14 @@
           <a:p>
             <a:pPr algn="ctr"/>
             <a:r>
-              <a:rPr lang="en-US" b="1" smtClean="0">
+              <a:rPr lang="en-SG" b="1" smtClean="0">
                 <a:solidFill>
                   <a:srgbClr val="FFFFFF"/>
                 </a:solidFill>
               </a:rPr>
               <a:t>Zoom Shape 3</a:t>
             </a:r>
-            <a:endParaRPr lang="en-US" b="1">
+            <a:endParaRPr lang="en-SG" b="1">
               <a:solidFill>
                 <a:srgbClr val="FFFFFF"/>
               </a:solidFill>
@@ -21288,7 +21456,7 @@
       </p:sp>
       <p:sp>
         <p:nvSpPr>
-          <p:cNvPr id="10" name="PPTLabsMagnifyShape201705111426152582"/>
+          <p:cNvPr id="10" name="PPTLabsMagnifyShape201904121151295558"/>
           <p:cNvSpPr/>
           <p:nvPr/>
         </p:nvSpPr>
@@ -21335,14 +21503,14 @@
           <a:p>
             <a:pPr algn="ctr"/>
             <a:r>
-              <a:rPr lang="en-US" b="1" smtClean="0">
+              <a:rPr lang="en-SG" b="1" smtClean="0">
                 <a:solidFill>
                   <a:srgbClr val="FFFFFF"/>
                 </a:solidFill>
               </a:rPr>
               <a:t>Zoom Shape 4</a:t>
             </a:r>
-            <a:endParaRPr lang="en-US" b="1">
+            <a:endParaRPr lang="en-SG" b="1">
               <a:solidFill>
                 <a:srgbClr val="FFFFFF"/>
               </a:solidFill>
@@ -21353,7 +21521,7 @@
     </p:spTree>
     <p:extLst>
       <p:ext uri="{BB962C8B-B14F-4D97-AF65-F5344CB8AC3E}">
-        <p14:creationId xmlns:p14="http://schemas.microsoft.com/office/powerpoint/2010/main" val="2294978696"/>
+        <p14:creationId xmlns:p14="http://schemas.microsoft.com/office/powerpoint/2010/main" val="1956007888"/>
       </p:ext>
     </p:extLst>
   </p:cSld>
@@ -21777,7 +21945,7 @@
 
 <file path=ppt/slides/slide32.xml><?xml version="1.0" encoding="utf-8"?>
 <p:sld xmlns:a="http://schemas.openxmlformats.org/drawingml/2006/main" xmlns:r="http://schemas.openxmlformats.org/officeDocument/2006/relationships" xmlns:p="http://schemas.openxmlformats.org/presentationml/2006/main">
-  <p:cSld name="PPTLabsMagnifyingSlide201705111426152890">
+  <p:cSld name="PPTLabsMagnifyingSlide201904121151295677">
     <p:bg>
       <p:bgPr>
         <a:solidFill>
@@ -21878,14 +22046,20 @@
       </p:sp>
       <p:pic>
         <p:nvPicPr>
-          <p:cNvPr id="5" name="PPTLabsMagnifyAreaGroup201705111426155743" hidden="1"/>
+          <p:cNvPr id="5" name="PPTLabsMagnifyAreaGroup201904121151301981" hidden="1"/>
           <p:cNvPicPr>
             <a:picLocks/>
           </p:cNvPicPr>
           <p:nvPr/>
         </p:nvPicPr>
         <p:blipFill>
-          <a:blip r:embed="rId3"/>
+          <a:blip r:embed="rId3">
+            <a:extLst>
+              <a:ext uri="{28A0092B-C50C-407E-A947-70E740481C1C}">
+                <a14:useLocalDpi xmlns:a14="http://schemas.microsoft.com/office/drawing/2010/main" val="0"/>
+              </a:ext>
+            </a:extLst>
+          </a:blip>
           <a:stretch>
             <a:fillRect/>
           </a:stretch>
@@ -21902,23 +22076,29 @@
       </p:pic>
       <p:pic>
         <p:nvPicPr>
-          <p:cNvPr id="22" name="PPTLabsMagnifyAreaSlide201705111426156340"/>
+          <p:cNvPr id="22" name="PPTLabsMagnifyAreaSlide201904121151302407"/>
           <p:cNvPicPr>
             <a:picLocks/>
           </p:cNvPicPr>
           <p:nvPr/>
         </p:nvPicPr>
         <p:blipFill>
-          <a:blip r:embed="rId3"/>
-          <a:srcRect l="10926" t="7761" r="46646" b="49811"/>
+          <a:blip r:embed="rId3">
+            <a:extLst>
+              <a:ext uri="{28A0092B-C50C-407E-A947-70E740481C1C}">
+                <a14:useLocalDpi xmlns:a14="http://schemas.microsoft.com/office/drawing/2010/main" val="0"/>
+              </a:ext>
+            </a:extLst>
+          </a:blip>
+          <a:srcRect l="10925" t="7760" r="46643" b="49808"/>
           <a:stretch>
             <a:fillRect/>
           </a:stretch>
         </p:blipFill>
         <p:spPr>
           <a:xfrm>
-            <a:off x="998925" y="532116"/>
-            <a:ext cx="3879657" cy="2909740"/>
+            <a:off x="998776" y="532000"/>
+            <a:ext cx="3879956" cy="2909970"/>
           </a:xfrm>
           <a:prstGeom prst="rect">
             <a:avLst/>
@@ -21927,7 +22107,7 @@
       </p:pic>
       <p:pic>
         <p:nvPicPr>
-          <p:cNvPr id="6" name="PPTIndicator201705111426156230"/>
+          <p:cNvPr id="6" name="PPTIndicator201904121151302337"/>
           <p:cNvPicPr>
             <a:picLocks/>
           </p:cNvPicPr>
@@ -21958,7 +22138,7 @@
     </p:spTree>
     <p:extLst>
       <p:ext uri="{BB962C8B-B14F-4D97-AF65-F5344CB8AC3E}">
-        <p14:creationId xmlns:p14="http://schemas.microsoft.com/office/powerpoint/2010/main" val="2258728610"/>
+        <p14:creationId xmlns:p14="http://schemas.microsoft.com/office/powerpoint/2010/main" val="256203005"/>
       </p:ext>
     </p:extLst>
   </p:cSld>
@@ -22135,7 +22315,7 @@
                                     <p:cond delay="0"/>
                                   </p:stCondLst>
                                   <p:childTnLst>
-                                    <p:animMotion origin="layout" path="M 0 0 C 0.089307 0.1051337 0.089307 0.1051337 0.178614 0.2102674 E" pathEditMode="relative" ptsTypes="">
+                                    <p:animMotion origin="layout" path="M 0 0 C 0.08930698 0.1051338 0.08930698 0.1051338 0.178614 0.2102676 E" pathEditMode="relative" ptsTypes="">
                                       <p:cBhvr>
                                         <p:cTn id="17" dur="500" fill="hold"/>
                                         <p:tgtEl>
@@ -22163,7 +22343,7 @@
                                           <p:spTgt spid="22"/>
                                         </p:tgtEl>
                                       </p:cBhvr>
-                                      <p:by x="235691" y="235691"/>
+                                      <p:by x="235673" y="235673"/>
                                     </p:animScale>
                                   </p:childTnLst>
                                 </p:cTn>
@@ -22204,7 +22384,7 @@
 
 <file path=ppt/slides/slide33.xml><?xml version="1.0" encoding="utf-8"?>
 <p:sld xmlns:a="http://schemas.openxmlformats.org/drawingml/2006/main" xmlns:r="http://schemas.openxmlformats.org/officeDocument/2006/relationships" xmlns:p="http://schemas.openxmlformats.org/presentationml/2006/main">
-  <p:cSld name="PPTLabsMagnifiedSlide201705111426156390">
+  <p:cSld name="PPTLabsMagnifiedSlide201904121151302426">
     <p:bg>
       <p:bgPr>
         <a:solidFill>
@@ -22229,14 +22409,20 @@
       </p:grpSpPr>
       <p:pic>
         <p:nvPicPr>
-          <p:cNvPr id="5" name="PPTLabsMagnifyAreaGroup201705111426155743"/>
+          <p:cNvPr id="5" name="PPTLabsMagnifyAreaGroup201904121151301981"/>
           <p:cNvPicPr>
             <a:picLocks noChangeAspect="1"/>
           </p:cNvPicPr>
           <p:nvPr/>
         </p:nvPicPr>
         <p:blipFill>
-          <a:blip r:embed="rId2"/>
+          <a:blip r:embed="rId2">
+            <a:extLst>
+              <a:ext uri="{28A0092B-C50C-407E-A947-70E740481C1C}">
+                <a14:useLocalDpi xmlns:a14="http://schemas.microsoft.com/office/drawing/2010/main" val="0"/>
+              </a:ext>
+            </a:extLst>
+          </a:blip>
           <a:srcRect/>
           <a:stretch>
             <a:fillRect/>
@@ -22244,8 +22430,8 @@
         </p:blipFill>
         <p:spPr>
           <a:xfrm>
-            <a:off x="-2354749" y="-1254471"/>
-            <a:ext cx="21551802" cy="16163835"/>
+            <a:off x="-2354311" y="-1254200"/>
+            <a:ext cx="21549770" cy="16162343"/>
           </a:xfrm>
           <a:prstGeom prst="rect">
             <a:avLst/>
@@ -22254,7 +22440,7 @@
       </p:pic>
       <p:pic>
         <p:nvPicPr>
-          <p:cNvPr id="3" name="PPTIndicator201705111426156729"/>
+          <p:cNvPr id="3" name="PPTIndicator201904121151302661"/>
           <p:cNvPicPr>
             <a:picLocks/>
           </p:cNvPicPr>
@@ -22285,7 +22471,7 @@
     </p:spTree>
     <p:extLst>
       <p:ext uri="{BB962C8B-B14F-4D97-AF65-F5344CB8AC3E}">
-        <p14:creationId xmlns:p14="http://schemas.microsoft.com/office/powerpoint/2010/main" val="1644900449"/>
+        <p14:creationId xmlns:p14="http://schemas.microsoft.com/office/powerpoint/2010/main" val="3375459919"/>
       </p:ext>
     </p:extLst>
   </p:cSld>
@@ -22410,7 +22596,7 @@
 
 <file path=ppt/slides/slide34.xml><?xml version="1.0" encoding="utf-8"?>
 <p:sld xmlns:a="http://schemas.openxmlformats.org/drawingml/2006/main" xmlns:r="http://schemas.openxmlformats.org/officeDocument/2006/relationships" xmlns:p="http://schemas.openxmlformats.org/presentationml/2006/main">
-  <p:cSld name="PPTLabsMagnifiedPanSlide201705111426160103">
+  <p:cSld name="PPTLabsMagnifiedPanSlide201904121151307851">
     <p:bg>
       <p:bgPr>
         <a:solidFill>
@@ -22435,14 +22621,20 @@
       </p:grpSpPr>
       <p:pic>
         <p:nvPicPr>
-          <p:cNvPr id="5" name="PPTLabsMagnifyAreaGroup201705111426155743"/>
+          <p:cNvPr id="5" name="PPTLabsMagnifyAreaGroup201904121151301981"/>
           <p:cNvPicPr>
             <a:picLocks/>
           </p:cNvPicPr>
           <p:nvPr/>
         </p:nvPicPr>
         <p:blipFill>
-          <a:blip r:embed="rId2"/>
+          <a:blip r:embed="rId2">
+            <a:extLst>
+              <a:ext uri="{28A0092B-C50C-407E-A947-70E740481C1C}">
+                <a14:useLocalDpi xmlns:a14="http://schemas.microsoft.com/office/drawing/2010/main" val="0"/>
+              </a:ext>
+            </a:extLst>
+          </a:blip>
           <a:srcRect/>
           <a:stretch>
             <a:fillRect/>
@@ -22450,8 +22642,8 @@
         </p:blipFill>
         <p:spPr>
           <a:xfrm>
-            <a:off x="0" y="0"/>
-            <a:ext cx="9144000" cy="6857993"/>
+            <a:off x="1" y="0"/>
+            <a:ext cx="9143991" cy="6858000"/>
           </a:xfrm>
           <a:prstGeom prst="rect">
             <a:avLst/>
@@ -22460,14 +22652,20 @@
       </p:pic>
       <p:pic>
         <p:nvPicPr>
-          <p:cNvPr id="6" name="PPTLabsMagnifyAreaGroup201705111426155743"/>
+          <p:cNvPr id="6" name="PPTLabsMagnifyAreaGroup201904121151301981"/>
           <p:cNvPicPr>
             <a:picLocks/>
           </p:cNvPicPr>
           <p:nvPr/>
         </p:nvPicPr>
         <p:blipFill>
-          <a:blip r:embed="rId2"/>
+          <a:blip r:embed="rId2">
+            <a:extLst>
+              <a:ext uri="{28A0092B-C50C-407E-A947-70E740481C1C}">
+                <a14:useLocalDpi xmlns:a14="http://schemas.microsoft.com/office/drawing/2010/main" val="0"/>
+              </a:ext>
+            </a:extLst>
+          </a:blip>
           <a:srcRect/>
           <a:stretch>
             <a:fillRect/>
@@ -22475,8 +22673,8 @@
         </p:blipFill>
         <p:spPr>
           <a:xfrm>
-            <a:off x="-2354749" y="-1254471"/>
-            <a:ext cx="21551802" cy="16163835"/>
+            <a:off x="-2354311" y="-1254200"/>
+            <a:ext cx="21549770" cy="16162343"/>
           </a:xfrm>
           <a:prstGeom prst="rect">
             <a:avLst/>
@@ -22485,7 +22683,7 @@
       </p:pic>
       <p:pic>
         <p:nvPicPr>
-          <p:cNvPr id="2" name="PPTIndicator201705111426160413"/>
+          <p:cNvPr id="2" name="PPTIndicator201904121151308450"/>
           <p:cNvPicPr>
             <a:picLocks/>
           </p:cNvPicPr>
@@ -22516,7 +22714,7 @@
     </p:spTree>
     <p:extLst>
       <p:ext uri="{BB962C8B-B14F-4D97-AF65-F5344CB8AC3E}">
-        <p14:creationId xmlns:p14="http://schemas.microsoft.com/office/powerpoint/2010/main" val="1465412335"/>
+        <p14:creationId xmlns:p14="http://schemas.microsoft.com/office/powerpoint/2010/main" val="165756691"/>
       </p:ext>
     </p:extLst>
   </p:cSld>
@@ -22614,7 +22812,7 @@
                                     <p:cond delay="0"/>
                                   </p:stCondLst>
                                   <p:childTnLst>
-                                    <p:animMotion origin="layout" path="M 0 0 C 0.2104742 0.2477727 0.2104742 0.2477727 0.4209484 0.4955453 E" pathEditMode="relative" ptsTypes="">
+                                    <p:animMotion origin="layout" path="M 0 0 C 0.2104428 0.2477378 0.2104428 0.2477378 0.4208856 0.4954756 E" pathEditMode="relative" ptsTypes="">
                                       <p:cBhvr>
                                         <p:cTn id="10" dur="1" fill="hold"/>
                                         <p:tgtEl>
@@ -22642,7 +22840,7 @@
                                           <p:spTgt spid="5"/>
                                         </p:tgtEl>
                                       </p:cBhvr>
-                                      <p:by x="235693" y="235693"/>
+                                      <p:by x="235671" y="235671"/>
                                     </p:animScale>
                                   </p:childTnLst>
                                 </p:cTn>
@@ -22697,7 +22895,7 @@
                                     <p:cond delay="0"/>
                                   </p:stCondLst>
                                   <p:childTnLst>
-                                    <p:animMotion origin="layout" path="M 0.4209484 0.4955453 C 0.4328169 0.9727173 0.4328169 0.9727173 0.4446853 1.449889 E" pathEditMode="relative" ptsTypes="">
+                                    <p:animMotion origin="layout" path="M 0.4208857 0.4954756 C 0.4327389 0.9724518 0.4327389 0.9724518 0.4445921 1.449428 E" pathEditMode="relative" ptsTypes="">
                                       <p:cBhvr>
                                         <p:cTn id="18" dur="400" fill="hold"/>
                                         <p:tgtEl>
@@ -22725,7 +22923,7 @@
                                           <p:spTgt spid="5"/>
                                         </p:tgtEl>
                                       </p:cBhvr>
-                                      <p:by x="224368" y="224372"/>
+                                      <p:by x="224342" y="224333"/>
                                     </p:animScale>
                                   </p:childTnLst>
                                 </p:cTn>
@@ -22763,7 +22961,7 @@
 
 <file path=ppt/slides/slide35.xml><?xml version="1.0" encoding="utf-8"?>
 <p:sld xmlns:a="http://schemas.openxmlformats.org/drawingml/2006/main" xmlns:r="http://schemas.openxmlformats.org/officeDocument/2006/relationships" xmlns:p="http://schemas.openxmlformats.org/presentationml/2006/main">
-  <p:cSld name="PPTLabsMagnifiedSlide201705111426159797">
+  <p:cSld name="PPTLabsMagnifiedSlide201904121151307518">
     <p:bg>
       <p:bgPr>
         <a:solidFill>
@@ -22788,14 +22986,20 @@
       </p:grpSpPr>
       <p:pic>
         <p:nvPicPr>
-          <p:cNvPr id="5" name="PPTLabsMagnifyAreaGroup201705111426159350"/>
+          <p:cNvPr id="5" name="PPTLabsMagnifyAreaGroup201904121151307249"/>
           <p:cNvPicPr>
             <a:picLocks noChangeAspect="1"/>
           </p:cNvPicPr>
           <p:nvPr/>
         </p:nvPicPr>
         <p:blipFill>
-          <a:blip r:embed="rId2"/>
+          <a:blip r:embed="rId2">
+            <a:extLst>
+              <a:ext uri="{28A0092B-C50C-407E-A947-70E740481C1C}">
+                <a14:useLocalDpi xmlns:a14="http://schemas.microsoft.com/office/drawing/2010/main" val="0"/>
+              </a:ext>
+            </a:extLst>
+          </a:blip>
           <a:srcRect/>
           <a:stretch>
             <a:fillRect/>
@@ -22803,8 +23007,8 @@
         </p:blipFill>
         <p:spPr>
           <a:xfrm>
-            <a:off x="-15539485" y="-4761187"/>
-            <a:ext cx="48355375" cy="36267051"/>
+            <a:off x="-15535223" y="-4759577"/>
+            <a:ext cx="48345137" cy="36257512"/>
           </a:xfrm>
           <a:prstGeom prst="rect">
             <a:avLst/>
@@ -22813,7 +23017,7 @@
       </p:pic>
       <p:pic>
         <p:nvPicPr>
-          <p:cNvPr id="3" name="PPTIndicator201705111426160053"/>
+          <p:cNvPr id="3" name="PPTIndicator201904121151307811"/>
           <p:cNvPicPr>
             <a:picLocks/>
           </p:cNvPicPr>
@@ -22844,7 +23048,7 @@
     </p:spTree>
     <p:extLst>
       <p:ext uri="{BB962C8B-B14F-4D97-AF65-F5344CB8AC3E}">
-        <p14:creationId xmlns:p14="http://schemas.microsoft.com/office/powerpoint/2010/main" val="377132491"/>
+        <p14:creationId xmlns:p14="http://schemas.microsoft.com/office/powerpoint/2010/main" val="4021697351"/>
       </p:ext>
     </p:extLst>
   </p:cSld>
@@ -22969,7 +23173,7 @@
 
 <file path=ppt/slides/slide36.xml><?xml version="1.0" encoding="utf-8"?>
 <p:sld xmlns:a="http://schemas.openxmlformats.org/drawingml/2006/main" xmlns:r="http://schemas.openxmlformats.org/officeDocument/2006/relationships" xmlns:p="http://schemas.openxmlformats.org/presentationml/2006/main">
-  <p:cSld name="PPTLabsMagnifiedPanSlide201705111426163920">
+  <p:cSld name="PPTLabsMagnifiedPanSlide201904121151314375">
     <p:bg>
       <p:bgPr>
         <a:solidFill>
@@ -22994,14 +23198,20 @@
       </p:grpSpPr>
       <p:pic>
         <p:nvPicPr>
-          <p:cNvPr id="5" name="PPTLabsMagnifyAreaGroup201705111426159350"/>
+          <p:cNvPr id="5" name="PPTLabsMagnifyAreaGroup201904121151307249"/>
           <p:cNvPicPr>
             <a:picLocks/>
           </p:cNvPicPr>
           <p:nvPr/>
         </p:nvPicPr>
         <p:blipFill>
-          <a:blip r:embed="rId2"/>
+          <a:blip r:embed="rId2">
+            <a:extLst>
+              <a:ext uri="{28A0092B-C50C-407E-A947-70E740481C1C}">
+                <a14:useLocalDpi xmlns:a14="http://schemas.microsoft.com/office/drawing/2010/main" val="0"/>
+              </a:ext>
+            </a:extLst>
+          </a:blip>
           <a:srcRect/>
           <a:stretch>
             <a:fillRect/>
@@ -23009,8 +23219,8 @@
         </p:blipFill>
         <p:spPr>
           <a:xfrm>
-            <a:off x="0" y="0"/>
-            <a:ext cx="9143869" cy="6858000"/>
+            <a:off x="0" y="1"/>
+            <a:ext cx="9144000" cy="6857747"/>
           </a:xfrm>
           <a:prstGeom prst="rect">
             <a:avLst/>
@@ -23019,14 +23229,20 @@
       </p:pic>
       <p:pic>
         <p:nvPicPr>
-          <p:cNvPr id="6" name="PPTLabsMagnifyAreaGroup201705111426159350"/>
+          <p:cNvPr id="6" name="PPTLabsMagnifyAreaGroup201904121151307249"/>
           <p:cNvPicPr>
             <a:picLocks/>
           </p:cNvPicPr>
           <p:nvPr/>
         </p:nvPicPr>
         <p:blipFill>
-          <a:blip r:embed="rId2"/>
+          <a:blip r:embed="rId2">
+            <a:extLst>
+              <a:ext uri="{28A0092B-C50C-407E-A947-70E740481C1C}">
+                <a14:useLocalDpi xmlns:a14="http://schemas.microsoft.com/office/drawing/2010/main" val="0"/>
+              </a:ext>
+            </a:extLst>
+          </a:blip>
           <a:srcRect/>
           <a:stretch>
             <a:fillRect/>
@@ -23034,8 +23250,8 @@
         </p:blipFill>
         <p:spPr>
           <a:xfrm>
-            <a:off x="-15539486" y="-4761187"/>
-            <a:ext cx="48355375" cy="36267051"/>
+            <a:off x="-15535222" y="-4759577"/>
+            <a:ext cx="48345137" cy="36257512"/>
           </a:xfrm>
           <a:prstGeom prst="rect">
             <a:avLst/>
@@ -23044,7 +23260,7 @@
       </p:pic>
       <p:pic>
         <p:nvPicPr>
-          <p:cNvPr id="2" name="PPTIndicator201705111426164100"/>
+          <p:cNvPr id="2" name="PPTIndicator201904121151314512"/>
           <p:cNvPicPr>
             <a:picLocks/>
           </p:cNvPicPr>
@@ -23075,7 +23291,7 @@
     </p:spTree>
     <p:extLst>
       <p:ext uri="{BB962C8B-B14F-4D97-AF65-F5344CB8AC3E}">
-        <p14:creationId xmlns:p14="http://schemas.microsoft.com/office/powerpoint/2010/main" val="3936984793"/>
+        <p14:creationId xmlns:p14="http://schemas.microsoft.com/office/powerpoint/2010/main" val="3102557951"/>
       </p:ext>
     </p:extLst>
   </p:cSld>
@@ -23173,7 +23389,7 @@
                                     <p:cond delay="0"/>
                                   </p:stCondLst>
                                   <p:childTnLst>
-                                    <p:animMotion origin="layout" path="M 0 0 C 0.2223462 0.7249445 0.2223462 0.7249445 0.4446925 1.449889 E" pathEditMode="relative" ptsTypes="">
+                                    <p:animMotion origin="layout" path="M 0 0 C 0.2222958 0.7247232 0.2222958 0.7247232 0.4445916 1.449446 E" pathEditMode="relative" ptsTypes="">
                                       <p:cBhvr>
                                         <p:cTn id="10" dur="1" fill="hold"/>
                                         <p:tgtEl>
@@ -23201,7 +23417,7 @@
                                           <p:spTgt spid="5"/>
                                         </p:tgtEl>
                                       </p:cBhvr>
-                                      <p:by x="528828" y="528828"/>
+                                      <p:by x="528709" y="528709"/>
                                     </p:animScale>
                                   </p:childTnLst>
                                 </p:cTn>
@@ -23256,7 +23472,7 @@
                                     <p:cond delay="0"/>
                                   </p:stCondLst>
                                   <p:childTnLst>
-                                    <p:animMotion origin="layout" path="M 0.4446925 1.449889 C 0.002813399 0.8386196 0.002813399 0.8386196 -0.4390657 0.2273501 E" pathEditMode="relative" ptsTypes="">
+                                    <p:animMotion origin="layout" path="M 0.4445916 1.449447 C 0.0027771 0.8383933 0.0027771 0.8383933 -0.4390375 0.2273406 E" pathEditMode="relative" ptsTypes="">
                                       <p:cBhvr>
                                         <p:cTn id="18" dur="400" fill="hold"/>
                                         <p:tgtEl>
@@ -23284,7 +23500,7 @@
                                           <p:spTgt spid="5"/>
                                         </p:tgtEl>
                                       </p:cBhvr>
-                                      <p:by x="35516" y="35515"/>
+                                      <p:by x="35522" y="35523"/>
                                     </p:animScale>
                                   </p:childTnLst>
                                 </p:cTn>
@@ -23322,7 +23538,7 @@
 
 <file path=ppt/slides/slide37.xml><?xml version="1.0" encoding="utf-8"?>
 <p:sld xmlns:a="http://schemas.openxmlformats.org/drawingml/2006/main" xmlns:r="http://schemas.openxmlformats.org/officeDocument/2006/relationships" xmlns:p="http://schemas.openxmlformats.org/presentationml/2006/main">
-  <p:cSld name="PPTLabsMagnifiedSlide201705111426163642">
+  <p:cSld name="PPTLabsMagnifiedSlide201904121151314052">
     <p:bg>
       <p:bgPr>
         <a:solidFill>
@@ -23347,14 +23563,20 @@
       </p:grpSpPr>
       <p:pic>
         <p:nvPicPr>
-          <p:cNvPr id="5" name="PPTLabsMagnifyAreaGroup201705111426163125"/>
+          <p:cNvPr id="5" name="PPTLabsMagnifyAreaGroup201904121151313648"/>
           <p:cNvPicPr>
             <a:picLocks noChangeAspect="1"/>
           </p:cNvPicPr>
           <p:nvPr/>
         </p:nvPicPr>
         <p:blipFill>
-          <a:blip r:embed="rId2"/>
+          <a:blip r:embed="rId2">
+            <a:extLst>
+              <a:ext uri="{28A0092B-C50C-407E-A947-70E740481C1C}">
+                <a14:useLocalDpi xmlns:a14="http://schemas.microsoft.com/office/drawing/2010/main" val="0"/>
+              </a:ext>
+            </a:extLst>
+          </a:blip>
           <a:srcRect/>
           <a:stretch>
             <a:fillRect/>
@@ -23362,8 +23584,8 @@
         </p:blipFill>
         <p:spPr>
           <a:xfrm>
-            <a:off x="-8029764" y="-1452008"/>
-            <a:ext cx="17173764" cy="12880349"/>
+            <a:off x="-8029119" y="-1451933"/>
+            <a:ext cx="17173119" cy="12879811"/>
           </a:xfrm>
           <a:prstGeom prst="rect">
             <a:avLst/>
@@ -23372,7 +23594,7 @@
       </p:pic>
       <p:pic>
         <p:nvPicPr>
-          <p:cNvPr id="3" name="PPTIndicator201705111426163880"/>
+          <p:cNvPr id="3" name="PPTIndicator201904121151314335"/>
           <p:cNvPicPr>
             <a:picLocks/>
           </p:cNvPicPr>
@@ -23403,7 +23625,7 @@
     </p:spTree>
     <p:extLst>
       <p:ext uri="{BB962C8B-B14F-4D97-AF65-F5344CB8AC3E}">
-        <p14:creationId xmlns:p14="http://schemas.microsoft.com/office/powerpoint/2010/main" val="2090193175"/>
+        <p14:creationId xmlns:p14="http://schemas.microsoft.com/office/powerpoint/2010/main" val="2462021186"/>
       </p:ext>
     </p:extLst>
   </p:cSld>
@@ -23528,7 +23750,7 @@
 
 <file path=ppt/slides/slide38.xml><?xml version="1.0" encoding="utf-8"?>
 <p:sld xmlns:a="http://schemas.openxmlformats.org/drawingml/2006/main" xmlns:r="http://schemas.openxmlformats.org/officeDocument/2006/relationships" xmlns:p="http://schemas.openxmlformats.org/presentationml/2006/main">
-  <p:cSld name="PPTLabsMagnifiedPanSlide201705111426167557">
+  <p:cSld name="PPTLabsMagnifiedPanSlide201904121151319690">
     <p:bg>
       <p:bgPr>
         <a:solidFill>
@@ -23553,14 +23775,20 @@
       </p:grpSpPr>
       <p:pic>
         <p:nvPicPr>
-          <p:cNvPr id="5" name="PPTLabsMagnifyAreaGroup201705111426163125"/>
+          <p:cNvPr id="5" name="PPTLabsMagnifyAreaGroup201904121151313648"/>
           <p:cNvPicPr>
             <a:picLocks/>
           </p:cNvPicPr>
           <p:nvPr/>
         </p:nvPicPr>
         <p:blipFill>
-          <a:blip r:embed="rId2"/>
+          <a:blip r:embed="rId2">
+            <a:extLst>
+              <a:ext uri="{28A0092B-C50C-407E-A947-70E740481C1C}">
+                <a14:useLocalDpi xmlns:a14="http://schemas.microsoft.com/office/drawing/2010/main" val="0"/>
+              </a:ext>
+            </a:extLst>
+          </a:blip>
           <a:srcRect/>
           <a:stretch>
             <a:fillRect/>
@@ -23568,8 +23796,8 @@
         </p:blipFill>
         <p:spPr>
           <a:xfrm>
-            <a:off x="1" y="0"/>
-            <a:ext cx="9143981" cy="6858000"/>
+            <a:off x="0" y="0"/>
+            <a:ext cx="9144001" cy="6857984"/>
           </a:xfrm>
           <a:prstGeom prst="rect">
             <a:avLst/>
@@ -23578,14 +23806,20 @@
       </p:pic>
       <p:pic>
         <p:nvPicPr>
-          <p:cNvPr id="6" name="PPTLabsMagnifyAreaGroup201705111426163125"/>
+          <p:cNvPr id="6" name="PPTLabsMagnifyAreaGroup201904121151313648"/>
           <p:cNvPicPr>
             <a:picLocks/>
           </p:cNvPicPr>
           <p:nvPr/>
         </p:nvPicPr>
         <p:blipFill>
-          <a:blip r:embed="rId2"/>
+          <a:blip r:embed="rId2">
+            <a:extLst>
+              <a:ext uri="{28A0092B-C50C-407E-A947-70E740481C1C}">
+                <a14:useLocalDpi xmlns:a14="http://schemas.microsoft.com/office/drawing/2010/main" val="0"/>
+              </a:ext>
+            </a:extLst>
+          </a:blip>
           <a:srcRect/>
           <a:stretch>
             <a:fillRect/>
@@ -23593,8 +23827,8 @@
         </p:blipFill>
         <p:spPr>
           <a:xfrm>
-            <a:off x="-8029764" y="-1452008"/>
-            <a:ext cx="17173764" cy="12880349"/>
+            <a:off x="-8029119" y="-1451933"/>
+            <a:ext cx="17173119" cy="12879811"/>
           </a:xfrm>
           <a:prstGeom prst="rect">
             <a:avLst/>
@@ -23603,7 +23837,7 @@
       </p:pic>
       <p:pic>
         <p:nvPicPr>
-          <p:cNvPr id="2" name="PPTIndicator201705111426167727"/>
+          <p:cNvPr id="2" name="PPTIndicator201904121151319999"/>
           <p:cNvPicPr>
             <a:picLocks/>
           </p:cNvPicPr>
@@ -23634,7 +23868,7 @@
     </p:spTree>
     <p:extLst>
       <p:ext uri="{BB962C8B-B14F-4D97-AF65-F5344CB8AC3E}">
-        <p14:creationId xmlns:p14="http://schemas.microsoft.com/office/powerpoint/2010/main" val="3976883686"/>
+        <p14:creationId xmlns:p14="http://schemas.microsoft.com/office/powerpoint/2010/main" val="866110915"/>
       </p:ext>
     </p:extLst>
   </p:cSld>
@@ -23732,7 +23966,7 @@
                                     <p:cond delay="0"/>
                                   </p:stCondLst>
                                   <p:childTnLst>
-                                    <p:animMotion origin="layout" path="M 0 0 C -0.219536 0.113675 -0.219536 0.113675 -0.4390719 0.22735 E" pathEditMode="relative" ptsTypes="">
+                                    <p:animMotion origin="layout" path="M 0 0 C -0.2195188 0.1136615 -0.2195188 0.1136615 -0.4390375 0.2273229 E" pathEditMode="relative" ptsTypes="">
                                       <p:cBhvr>
                                         <p:cTn id="10" dur="1" fill="hold"/>
                                         <p:tgtEl>
@@ -23760,7 +23994,7 @@
                                           <p:spTgt spid="5"/>
                                         </p:tgtEl>
                                       </p:cBhvr>
-                                      <p:by x="187815" y="187815"/>
+                                      <p:by x="187808" y="187808"/>
                                     </p:animScale>
                                   </p:childTnLst>
                                 </p:cTn>
@@ -23815,7 +24049,7 @@
                                     <p:cond delay="0"/>
                                   </p:stCondLst>
                                   <p:childTnLst>
-                                    <p:animMotion origin="layout" path="M -0.4390718 0.22735 C -0.1814083 -0.1447552 -0.1814083 -0.1447552 0.07625526 -0.5168604 E" pathEditMode="relative" ptsTypes="">
+                                    <p:animMotion origin="layout" path="M -0.4390375 0.2273228 C -0.1813931 -0.1447375 -0.1813931 -0.1447375 0.07625118 -0.5167978 E" pathEditMode="relative" ptsTypes="">
                                       <p:cBhvr>
                                         <p:cTn id="18" dur="400" fill="hold"/>
                                         <p:tgtEl>
@@ -23843,7 +24077,7 @@
                                           <p:spTgt spid="5"/>
                                         </p:tgtEl>
                                       </p:cBhvr>
-                                      <p:by x="108283" y="108283"/>
+                                      <p:by x="108283" y="108281"/>
                                     </p:animScale>
                                   </p:childTnLst>
                                 </p:cTn>
@@ -23881,7 +24115,7 @@
 
 <file path=ppt/slides/slide39.xml><?xml version="1.0" encoding="utf-8"?>
 <p:sld xmlns:a="http://schemas.openxmlformats.org/drawingml/2006/main" xmlns:r="http://schemas.openxmlformats.org/officeDocument/2006/relationships" xmlns:p="http://schemas.openxmlformats.org/presentationml/2006/main">
-  <p:cSld name="PPTLabsMagnifiedSlide201705111426167302">
+  <p:cSld name="PPTLabsMagnifiedSlide201904121151319395">
     <p:bg>
       <p:bgPr>
         <a:solidFill>
@@ -23906,14 +24140,20 @@
       </p:grpSpPr>
       <p:pic>
         <p:nvPicPr>
-          <p:cNvPr id="5" name="PPTLabsMagnifyAreaGroup201705111426166742"/>
+          <p:cNvPr id="5" name="PPTLabsMagnifyAreaGroup201904121151319050"/>
           <p:cNvPicPr>
             <a:picLocks noChangeAspect="1"/>
           </p:cNvPicPr>
           <p:nvPr/>
         </p:nvPicPr>
         <p:blipFill>
-          <a:blip r:embed="rId2"/>
+          <a:blip r:embed="rId2">
+            <a:extLst>
+              <a:ext uri="{28A0092B-C50C-407E-A947-70E740481C1C}">
+                <a14:useLocalDpi xmlns:a14="http://schemas.microsoft.com/office/drawing/2010/main" val="0"/>
+              </a:ext>
+            </a:extLst>
+          </a:blip>
           <a:srcRect/>
           <a:stretch>
             <a:fillRect/>
@@ -23921,8 +24161,8 @@
         </p:blipFill>
         <p:spPr>
           <a:xfrm>
-            <a:off x="-4028893" y="-7089260"/>
-            <a:ext cx="18596324" cy="13947264"/>
+            <a:off x="-4028544" y="-7088422"/>
+            <a:ext cx="18595570" cy="13946431"/>
           </a:xfrm>
           <a:prstGeom prst="rect">
             <a:avLst/>
@@ -23931,7 +24171,7 @@
       </p:pic>
       <p:pic>
         <p:nvPicPr>
-          <p:cNvPr id="3" name="PPTIndicator201705111426167507"/>
+          <p:cNvPr id="3" name="PPTIndicator201904121151319650"/>
           <p:cNvPicPr>
             <a:picLocks/>
           </p:cNvPicPr>
@@ -23962,7 +24202,7 @@
     </p:spTree>
     <p:extLst>
       <p:ext uri="{BB962C8B-B14F-4D97-AF65-F5344CB8AC3E}">
-        <p14:creationId xmlns:p14="http://schemas.microsoft.com/office/powerpoint/2010/main" val="2918540618"/>
+        <p14:creationId xmlns:p14="http://schemas.microsoft.com/office/powerpoint/2010/main" val="986965900"/>
       </p:ext>
     </p:extLst>
   </p:cSld>
@@ -24394,7 +24634,7 @@
 
 <file path=ppt/slides/slide40.xml><?xml version="1.0" encoding="utf-8"?>
 <p:sld xmlns:a="http://schemas.openxmlformats.org/drawingml/2006/main" xmlns:r="http://schemas.openxmlformats.org/officeDocument/2006/relationships" xmlns:p="http://schemas.openxmlformats.org/presentationml/2006/main">
-  <p:cSld name="PPTLabsDeMagnifyingSlide201705111426167807">
+  <p:cSld name="PPTLabsDeMagnifyingSlide201904121151320129">
     <p:bg>
       <p:bgPr>
         <a:solidFill>
@@ -24495,23 +24735,29 @@
       </p:sp>
       <p:pic>
         <p:nvPicPr>
-          <p:cNvPr id="5" name="PPTLabsMagnifyAreaGroup201705111426166742"/>
+          <p:cNvPr id="5" name="PPTLabsMagnifyAreaGroup201904121151319050"/>
           <p:cNvPicPr>
             <a:picLocks/>
           </p:cNvPicPr>
           <p:nvPr/>
         </p:nvPicPr>
         <p:blipFill>
-          <a:blip r:embed="rId3"/>
-          <a:srcRect l="21665" t="50829" r="29164"/>
+          <a:blip r:embed="rId3">
+            <a:extLst>
+              <a:ext uri="{28A0092B-C50C-407E-A947-70E740481C1C}">
+                <a14:useLocalDpi xmlns:a14="http://schemas.microsoft.com/office/drawing/2010/main" val="0"/>
+              </a:ext>
+            </a:extLst>
+          </a:blip>
+          <a:srcRect l="21664" t="50826" r="29163"/>
           <a:stretch>
             <a:fillRect/>
           </a:stretch>
         </p:blipFill>
         <p:spPr>
           <a:xfrm>
-            <a:off x="0" y="-5"/>
-            <a:ext cx="9144000" cy="6858009"/>
+            <a:off x="0" y="-10"/>
+            <a:ext cx="9144000" cy="6858019"/>
           </a:xfrm>
           <a:prstGeom prst="rect">
             <a:avLst/>
@@ -24520,7 +24766,7 @@
       </p:pic>
       <p:pic>
         <p:nvPicPr>
-          <p:cNvPr id="3" name="PPTIndicator201705111426168088"/>
+          <p:cNvPr id="3" name="PPTIndicator201904121151320574"/>
           <p:cNvPicPr>
             <a:picLocks/>
           </p:cNvPicPr>
@@ -24551,7 +24797,7 @@
     </p:spTree>
     <p:extLst>
       <p:ext uri="{BB962C8B-B14F-4D97-AF65-F5344CB8AC3E}">
-        <p14:creationId xmlns:p14="http://schemas.microsoft.com/office/powerpoint/2010/main" val="3062800820"/>
+        <p14:creationId xmlns:p14="http://schemas.microsoft.com/office/powerpoint/2010/main" val="2842464007"/>
       </p:ext>
     </p:extLst>
   </p:cSld>
@@ -25788,7 +26034,7 @@
 
 <file path=ppt/slides/slide43.xml><?xml version="1.0" encoding="utf-8"?>
 <p:sld xmlns:a="http://schemas.openxmlformats.org/drawingml/2006/main" xmlns:r="http://schemas.openxmlformats.org/officeDocument/2006/relationships" xmlns:p="http://schemas.openxmlformats.org/presentationml/2006/main">
-  <p:cSld name="PPTLabsZoomToAreaSlide201705111424002496">
+  <p:cSld name="PPTLabsZoomToAreaSlide201904121149590733">
     <p:bg>
       <p:bgPr>
         <a:solidFill>
@@ -26121,7 +26367,7 @@
       </p:sp>
       <p:sp>
         <p:nvSpPr>
-          <p:cNvPr id="3" name="PPTLabsMagnifyShape201705111424002516"/>
+          <p:cNvPr id="3" name="PPTLabsMagnifyShape201904121149590742"/>
           <p:cNvSpPr/>
           <p:nvPr/>
         </p:nvSpPr>
@@ -26168,14 +26414,14 @@
           <a:p>
             <a:pPr algn="ctr"/>
             <a:r>
-              <a:rPr lang="en-US" b="1" smtClean="0">
+              <a:rPr lang="en-SG" b="1" smtClean="0">
                 <a:solidFill>
                   <a:srgbClr val="FFFFFF"/>
                 </a:solidFill>
               </a:rPr>
               <a:t>Zoom Shape 1</a:t>
             </a:r>
-            <a:endParaRPr lang="en-US" b="1">
+            <a:endParaRPr lang="en-SG" b="1">
               <a:solidFill>
                 <a:srgbClr val="FFFFFF"/>
               </a:solidFill>
@@ -26185,7 +26431,7 @@
       </p:sp>
       <p:sp>
         <p:nvSpPr>
-          <p:cNvPr id="8" name="PPTLabsMagnifyShape201705111424002566"/>
+          <p:cNvPr id="8" name="PPTLabsMagnifyShape201904121149590782"/>
           <p:cNvSpPr/>
           <p:nvPr/>
         </p:nvSpPr>
@@ -26232,14 +26478,14 @@
           <a:p>
             <a:pPr algn="ctr"/>
             <a:r>
-              <a:rPr lang="en-US" b="1" smtClean="0">
+              <a:rPr lang="en-SG" b="1" smtClean="0">
                 <a:solidFill>
                   <a:srgbClr val="FFFFFF"/>
                 </a:solidFill>
               </a:rPr>
               <a:t>Zoom Shape 2</a:t>
             </a:r>
-            <a:endParaRPr lang="en-US" b="1">
+            <a:endParaRPr lang="en-SG" b="1">
               <a:solidFill>
                 <a:srgbClr val="FFFFFF"/>
               </a:solidFill>
@@ -26249,7 +26495,7 @@
       </p:sp>
       <p:sp>
         <p:nvSpPr>
-          <p:cNvPr id="9" name="PPTLabsMagnifyShape201705111424002616"/>
+          <p:cNvPr id="9" name="PPTLabsMagnifyShape201904121149590822"/>
           <p:cNvSpPr/>
           <p:nvPr/>
         </p:nvSpPr>
@@ -26296,14 +26542,14 @@
           <a:p>
             <a:pPr algn="ctr"/>
             <a:r>
-              <a:rPr lang="en-US" b="1" smtClean="0">
+              <a:rPr lang="en-SG" b="1" smtClean="0">
                 <a:solidFill>
                   <a:srgbClr val="FFFFFF"/>
                 </a:solidFill>
               </a:rPr>
               <a:t>Zoom Shape 3</a:t>
             </a:r>
-            <a:endParaRPr lang="en-US" b="1">
+            <a:endParaRPr lang="en-SG" b="1">
               <a:solidFill>
                 <a:srgbClr val="FFFFFF"/>
               </a:solidFill>
@@ -26313,7 +26559,7 @@
       </p:sp>
       <p:sp>
         <p:nvSpPr>
-          <p:cNvPr id="10" name="PPTLabsMagnifyShape201705111424002666"/>
+          <p:cNvPr id="10" name="PPTLabsMagnifyShape201904121149590870"/>
           <p:cNvSpPr/>
           <p:nvPr/>
         </p:nvSpPr>
@@ -26360,14 +26606,14 @@
           <a:p>
             <a:pPr algn="ctr"/>
             <a:r>
-              <a:rPr lang="en-US" b="1" smtClean="0">
+              <a:rPr lang="en-SG" b="1" smtClean="0">
                 <a:solidFill>
                   <a:srgbClr val="FFFFFF"/>
                 </a:solidFill>
               </a:rPr>
               <a:t>Zoom Shape 4</a:t>
             </a:r>
-            <a:endParaRPr lang="en-US" b="1">
+            <a:endParaRPr lang="en-SG" b="1">
               <a:solidFill>
                 <a:srgbClr val="FFFFFF"/>
               </a:solidFill>
@@ -26378,7 +26624,7 @@
     </p:spTree>
     <p:extLst>
       <p:ext uri="{BB962C8B-B14F-4D97-AF65-F5344CB8AC3E}">
-        <p14:creationId xmlns:p14="http://schemas.microsoft.com/office/powerpoint/2010/main" val="1282630545"/>
+        <p14:creationId xmlns:p14="http://schemas.microsoft.com/office/powerpoint/2010/main" val="1583712554"/>
       </p:ext>
     </p:extLst>
   </p:cSld>
@@ -26802,7 +27048,7 @@
 
 <file path=ppt/slides/slide44.xml><?xml version="1.0" encoding="utf-8"?>
 <p:sld xmlns:a="http://schemas.openxmlformats.org/drawingml/2006/main" xmlns:r="http://schemas.openxmlformats.org/officeDocument/2006/relationships" xmlns:p="http://schemas.openxmlformats.org/presentationml/2006/main">
-  <p:cSld name="PPTLabsMagnifyingSlide201705111424002890">
+  <p:cSld name="PPTLabsMagnifyingSlide201904121149591009">
     <p:bg>
       <p:bgPr>
         <a:solidFill>
@@ -26903,23 +27149,29 @@
       </p:sp>
       <p:pic>
         <p:nvPicPr>
-          <p:cNvPr id="36" name="PPTLabsMagnifyAreaGroup201705111424017468"/>
+          <p:cNvPr id="36" name="PPTLabsMagnifyAreaGroup201904121150011634"/>
           <p:cNvPicPr>
             <a:picLocks/>
           </p:cNvPicPr>
           <p:nvPr/>
         </p:nvPicPr>
         <p:blipFill>
-          <a:blip r:embed="rId3"/>
-          <a:srcRect l="21665" t="50829" r="29164"/>
+          <a:blip r:embed="rId3">
+            <a:extLst>
+              <a:ext uri="{28A0092B-C50C-407E-A947-70E740481C1C}">
+                <a14:useLocalDpi xmlns:a14="http://schemas.microsoft.com/office/drawing/2010/main" val="0"/>
+              </a:ext>
+            </a:extLst>
+          </a:blip>
+          <a:srcRect l="21664" t="50826" r="29163"/>
           <a:stretch>
             <a:fillRect/>
           </a:stretch>
         </p:blipFill>
         <p:spPr>
           <a:xfrm>
-            <a:off x="0" y="-5"/>
-            <a:ext cx="9144000" cy="6858009"/>
+            <a:off x="0" y="-10"/>
+            <a:ext cx="9144000" cy="6858019"/>
           </a:xfrm>
           <a:prstGeom prst="rect">
             <a:avLst/>
@@ -26928,14 +27180,20 @@
       </p:pic>
       <p:pic>
         <p:nvPicPr>
-          <p:cNvPr id="33" name="PPTLabsMagnifyAreaGroup201705111424017468"/>
+          <p:cNvPr id="33" name="PPTLabsMagnifyAreaGroup201904121150011634"/>
           <p:cNvPicPr>
             <a:picLocks noChangeAspect="1"/>
           </p:cNvPicPr>
           <p:nvPr/>
         </p:nvPicPr>
         <p:blipFill>
-          <a:blip r:embed="rId3"/>
+          <a:blip r:embed="rId3">
+            <a:extLst>
+              <a:ext uri="{28A0092B-C50C-407E-A947-70E740481C1C}">
+                <a14:useLocalDpi xmlns:a14="http://schemas.microsoft.com/office/drawing/2010/main" val="0"/>
+              </a:ext>
+            </a:extLst>
+          </a:blip>
           <a:srcRect/>
           <a:stretch>
             <a:fillRect/>
@@ -26943,8 +27201,8 @@
         </p:blipFill>
         <p:spPr>
           <a:xfrm>
-            <a:off x="-4028893" y="-7089260"/>
-            <a:ext cx="18596324" cy="13947264"/>
+            <a:off x="-4028544" y="-7088422"/>
+            <a:ext cx="18595570" cy="13946431"/>
           </a:xfrm>
           <a:prstGeom prst="rect">
             <a:avLst/>
@@ -26953,14 +27211,206 @@
       </p:pic>
       <p:pic>
         <p:nvPicPr>
-          <p:cNvPr id="31" name="PPTLabsMagnifyAreaGroup201705111424013281"/>
+          <p:cNvPr id="31" name="PPTLabsMagnifyAreaGroup201904121150006784"/>
           <p:cNvPicPr>
             <a:picLocks/>
           </p:cNvPicPr>
           <p:nvPr/>
         </p:nvPicPr>
         <p:blipFill>
-          <a:blip r:embed="rId3"/>
+          <a:blip r:embed="rId3">
+            <a:extLst>
+              <a:ext uri="{28A0092B-C50C-407E-A947-70E740481C1C}">
+                <a14:useLocalDpi xmlns:a14="http://schemas.microsoft.com/office/drawing/2010/main" val="0"/>
+              </a:ext>
+            </a:extLst>
+          </a:blip>
+          <a:srcRect/>
+          <a:stretch>
+            <a:fillRect/>
+          </a:stretch>
+        </p:blipFill>
+        <p:spPr>
+          <a:xfrm>
+            <a:off x="0" y="0"/>
+            <a:ext cx="9144001" cy="6857984"/>
+          </a:xfrm>
+          <a:prstGeom prst="rect">
+            <a:avLst/>
+          </a:prstGeom>
+        </p:spPr>
+      </p:pic>
+      <p:pic>
+        <p:nvPicPr>
+          <p:cNvPr id="32" name="PPTLabsMagnifyAreaGroup201904121150006784"/>
+          <p:cNvPicPr>
+            <a:picLocks/>
+          </p:cNvPicPr>
+          <p:nvPr/>
+        </p:nvPicPr>
+        <p:blipFill>
+          <a:blip r:embed="rId3">
+            <a:extLst>
+              <a:ext uri="{28A0092B-C50C-407E-A947-70E740481C1C}">
+                <a14:useLocalDpi xmlns:a14="http://schemas.microsoft.com/office/drawing/2010/main" val="0"/>
+              </a:ext>
+            </a:extLst>
+          </a:blip>
+          <a:srcRect/>
+          <a:stretch>
+            <a:fillRect/>
+          </a:stretch>
+        </p:blipFill>
+        <p:spPr>
+          <a:xfrm>
+            <a:off x="-8029119" y="-1451933"/>
+            <a:ext cx="17173119" cy="12879811"/>
+          </a:xfrm>
+          <a:prstGeom prst="rect">
+            <a:avLst/>
+          </a:prstGeom>
+        </p:spPr>
+      </p:pic>
+      <p:pic>
+        <p:nvPicPr>
+          <p:cNvPr id="30" name="PPTLabsMagnifyAreaGroup201904121150006784"/>
+          <p:cNvPicPr>
+            <a:picLocks noChangeAspect="1"/>
+          </p:cNvPicPr>
+          <p:nvPr/>
+        </p:nvPicPr>
+        <p:blipFill>
+          <a:blip r:embed="rId3">
+            <a:extLst>
+              <a:ext uri="{28A0092B-C50C-407E-A947-70E740481C1C}">
+                <a14:useLocalDpi xmlns:a14="http://schemas.microsoft.com/office/drawing/2010/main" val="0"/>
+              </a:ext>
+            </a:extLst>
+          </a:blip>
+          <a:srcRect/>
+          <a:stretch>
+            <a:fillRect/>
+          </a:stretch>
+        </p:blipFill>
+        <p:spPr>
+          <a:xfrm>
+            <a:off x="-8029119" y="-1451933"/>
+            <a:ext cx="17173119" cy="12879811"/>
+          </a:xfrm>
+          <a:prstGeom prst="rect">
+            <a:avLst/>
+          </a:prstGeom>
+        </p:spPr>
+      </p:pic>
+      <p:pic>
+        <p:nvPicPr>
+          <p:cNvPr id="28" name="PPTLabsMagnifyAreaGroup201904121150001729"/>
+          <p:cNvPicPr>
+            <a:picLocks/>
+          </p:cNvPicPr>
+          <p:nvPr/>
+        </p:nvPicPr>
+        <p:blipFill>
+          <a:blip r:embed="rId3">
+            <a:extLst>
+              <a:ext uri="{28A0092B-C50C-407E-A947-70E740481C1C}">
+                <a14:useLocalDpi xmlns:a14="http://schemas.microsoft.com/office/drawing/2010/main" val="0"/>
+              </a:ext>
+            </a:extLst>
+          </a:blip>
+          <a:srcRect/>
+          <a:stretch>
+            <a:fillRect/>
+          </a:stretch>
+        </p:blipFill>
+        <p:spPr>
+          <a:xfrm>
+            <a:off x="0" y="1"/>
+            <a:ext cx="9144000" cy="6857747"/>
+          </a:xfrm>
+          <a:prstGeom prst="rect">
+            <a:avLst/>
+          </a:prstGeom>
+        </p:spPr>
+      </p:pic>
+      <p:pic>
+        <p:nvPicPr>
+          <p:cNvPr id="29" name="PPTLabsMagnifyAreaGroup201904121150001729"/>
+          <p:cNvPicPr>
+            <a:picLocks/>
+          </p:cNvPicPr>
+          <p:nvPr/>
+        </p:nvPicPr>
+        <p:blipFill>
+          <a:blip r:embed="rId3">
+            <a:extLst>
+              <a:ext uri="{28A0092B-C50C-407E-A947-70E740481C1C}">
+                <a14:useLocalDpi xmlns:a14="http://schemas.microsoft.com/office/drawing/2010/main" val="0"/>
+              </a:ext>
+            </a:extLst>
+          </a:blip>
+          <a:srcRect/>
+          <a:stretch>
+            <a:fillRect/>
+          </a:stretch>
+        </p:blipFill>
+        <p:spPr>
+          <a:xfrm>
+            <a:off x="-15535222" y="-4759577"/>
+            <a:ext cx="48345137" cy="36257512"/>
+          </a:xfrm>
+          <a:prstGeom prst="rect">
+            <a:avLst/>
+          </a:prstGeom>
+        </p:spPr>
+      </p:pic>
+      <p:pic>
+        <p:nvPicPr>
+          <p:cNvPr id="27" name="PPTLabsMagnifyAreaGroup201904121150001729"/>
+          <p:cNvPicPr>
+            <a:picLocks noChangeAspect="1"/>
+          </p:cNvPicPr>
+          <p:nvPr/>
+        </p:nvPicPr>
+        <p:blipFill>
+          <a:blip r:embed="rId3">
+            <a:extLst>
+              <a:ext uri="{28A0092B-C50C-407E-A947-70E740481C1C}">
+                <a14:useLocalDpi xmlns:a14="http://schemas.microsoft.com/office/drawing/2010/main" val="0"/>
+              </a:ext>
+            </a:extLst>
+          </a:blip>
+          <a:srcRect/>
+          <a:stretch>
+            <a:fillRect/>
+          </a:stretch>
+        </p:blipFill>
+        <p:spPr>
+          <a:xfrm>
+            <a:off x="-15535222" y="-4759577"/>
+            <a:ext cx="48345137" cy="36257512"/>
+          </a:xfrm>
+          <a:prstGeom prst="rect">
+            <a:avLst/>
+          </a:prstGeom>
+        </p:spPr>
+      </p:pic>
+      <p:pic>
+        <p:nvPicPr>
+          <p:cNvPr id="25" name="PPTLabsMagnifyAreaGroup201904121149596740"/>
+          <p:cNvPicPr>
+            <a:picLocks/>
+          </p:cNvPicPr>
+          <p:nvPr/>
+        </p:nvPicPr>
+        <p:blipFill>
+          <a:blip r:embed="rId3">
+            <a:extLst>
+              <a:ext uri="{28A0092B-C50C-407E-A947-70E740481C1C}">
+                <a14:useLocalDpi xmlns:a14="http://schemas.microsoft.com/office/drawing/2010/main" val="0"/>
+              </a:ext>
+            </a:extLst>
+          </a:blip>
           <a:srcRect/>
           <a:stretch>
             <a:fillRect/>
@@ -26969,7 +27419,7 @@
         <p:spPr>
           <a:xfrm>
             <a:off x="1" y="0"/>
-            <a:ext cx="9143981" cy="6858000"/>
+            <a:ext cx="9143991" cy="6858000"/>
           </a:xfrm>
           <a:prstGeom prst="rect">
             <a:avLst/>
@@ -26978,14 +27428,20 @@
       </p:pic>
       <p:pic>
         <p:nvPicPr>
-          <p:cNvPr id="32" name="PPTLabsMagnifyAreaGroup201705111424013281"/>
+          <p:cNvPr id="26" name="PPTLabsMagnifyAreaGroup201904121149596740"/>
           <p:cNvPicPr>
             <a:picLocks/>
           </p:cNvPicPr>
           <p:nvPr/>
         </p:nvPicPr>
         <p:blipFill>
-          <a:blip r:embed="rId3"/>
+          <a:blip r:embed="rId3">
+            <a:extLst>
+              <a:ext uri="{28A0092B-C50C-407E-A947-70E740481C1C}">
+                <a14:useLocalDpi xmlns:a14="http://schemas.microsoft.com/office/drawing/2010/main" val="0"/>
+              </a:ext>
+            </a:extLst>
+          </a:blip>
           <a:srcRect/>
           <a:stretch>
             <a:fillRect/>
@@ -26993,8 +27449,8 @@
         </p:blipFill>
         <p:spPr>
           <a:xfrm>
-            <a:off x="-8029764" y="-1452008"/>
-            <a:ext cx="17173764" cy="12880349"/>
+            <a:off x="-2354311" y="-1254200"/>
+            <a:ext cx="21549770" cy="16162343"/>
           </a:xfrm>
           <a:prstGeom prst="rect">
             <a:avLst/>
@@ -27003,14 +27459,20 @@
       </p:pic>
       <p:pic>
         <p:nvPicPr>
-          <p:cNvPr id="30" name="PPTLabsMagnifyAreaGroup201705111424013281"/>
+          <p:cNvPr id="24" name="PPTLabsMagnifyAreaGroup201904121149596740"/>
           <p:cNvPicPr>
             <a:picLocks noChangeAspect="1"/>
           </p:cNvPicPr>
           <p:nvPr/>
         </p:nvPicPr>
         <p:blipFill>
-          <a:blip r:embed="rId3"/>
+          <a:blip r:embed="rId3">
+            <a:extLst>
+              <a:ext uri="{28A0092B-C50C-407E-A947-70E740481C1C}">
+                <a14:useLocalDpi xmlns:a14="http://schemas.microsoft.com/office/drawing/2010/main" val="0"/>
+              </a:ext>
+            </a:extLst>
+          </a:blip>
           <a:srcRect/>
           <a:stretch>
             <a:fillRect/>
@@ -27018,158 +27480,8 @@
         </p:blipFill>
         <p:spPr>
           <a:xfrm>
-            <a:off x="-8029764" y="-1452008"/>
-            <a:ext cx="17173764" cy="12880349"/>
-          </a:xfrm>
-          <a:prstGeom prst="rect">
-            <a:avLst/>
-          </a:prstGeom>
-        </p:spPr>
-      </p:pic>
-      <p:pic>
-        <p:nvPicPr>
-          <p:cNvPr id="28" name="PPTLabsMagnifyAreaGroup201705111424009178"/>
-          <p:cNvPicPr>
-            <a:picLocks/>
-          </p:cNvPicPr>
-          <p:nvPr/>
-        </p:nvPicPr>
-        <p:blipFill>
-          <a:blip r:embed="rId3"/>
-          <a:srcRect/>
-          <a:stretch>
-            <a:fillRect/>
-          </a:stretch>
-        </p:blipFill>
-        <p:spPr>
-          <a:xfrm>
-            <a:off x="0" y="0"/>
-            <a:ext cx="9143869" cy="6858000"/>
-          </a:xfrm>
-          <a:prstGeom prst="rect">
-            <a:avLst/>
-          </a:prstGeom>
-        </p:spPr>
-      </p:pic>
-      <p:pic>
-        <p:nvPicPr>
-          <p:cNvPr id="29" name="PPTLabsMagnifyAreaGroup201705111424009178"/>
-          <p:cNvPicPr>
-            <a:picLocks/>
-          </p:cNvPicPr>
-          <p:nvPr/>
-        </p:nvPicPr>
-        <p:blipFill>
-          <a:blip r:embed="rId3"/>
-          <a:srcRect/>
-          <a:stretch>
-            <a:fillRect/>
-          </a:stretch>
-        </p:blipFill>
-        <p:spPr>
-          <a:xfrm>
-            <a:off x="-15539486" y="-4761187"/>
-            <a:ext cx="48355375" cy="36267051"/>
-          </a:xfrm>
-          <a:prstGeom prst="rect">
-            <a:avLst/>
-          </a:prstGeom>
-        </p:spPr>
-      </p:pic>
-      <p:pic>
-        <p:nvPicPr>
-          <p:cNvPr id="27" name="PPTLabsMagnifyAreaGroup201705111424009178"/>
-          <p:cNvPicPr>
-            <a:picLocks noChangeAspect="1"/>
-          </p:cNvPicPr>
-          <p:nvPr/>
-        </p:nvPicPr>
-        <p:blipFill>
-          <a:blip r:embed="rId3"/>
-          <a:srcRect/>
-          <a:stretch>
-            <a:fillRect/>
-          </a:stretch>
-        </p:blipFill>
-        <p:spPr>
-          <a:xfrm>
-            <a:off x="-15539486" y="-4761187"/>
-            <a:ext cx="48355375" cy="36267051"/>
-          </a:xfrm>
-          <a:prstGeom prst="rect">
-            <a:avLst/>
-          </a:prstGeom>
-        </p:spPr>
-      </p:pic>
-      <p:pic>
-        <p:nvPicPr>
-          <p:cNvPr id="25" name="PPTLabsMagnifyAreaGroup201705111424005542"/>
-          <p:cNvPicPr>
-            <a:picLocks/>
-          </p:cNvPicPr>
-          <p:nvPr/>
-        </p:nvPicPr>
-        <p:blipFill>
-          <a:blip r:embed="rId3"/>
-          <a:srcRect/>
-          <a:stretch>
-            <a:fillRect/>
-          </a:stretch>
-        </p:blipFill>
-        <p:spPr>
-          <a:xfrm>
-            <a:off x="0" y="0"/>
-            <a:ext cx="9144000" cy="6857993"/>
-          </a:xfrm>
-          <a:prstGeom prst="rect">
-            <a:avLst/>
-          </a:prstGeom>
-        </p:spPr>
-      </p:pic>
-      <p:pic>
-        <p:nvPicPr>
-          <p:cNvPr id="26" name="PPTLabsMagnifyAreaGroup201705111424005542"/>
-          <p:cNvPicPr>
-            <a:picLocks/>
-          </p:cNvPicPr>
-          <p:nvPr/>
-        </p:nvPicPr>
-        <p:blipFill>
-          <a:blip r:embed="rId3"/>
-          <a:srcRect/>
-          <a:stretch>
-            <a:fillRect/>
-          </a:stretch>
-        </p:blipFill>
-        <p:spPr>
-          <a:xfrm>
-            <a:off x="-2354749" y="-1254471"/>
-            <a:ext cx="21551802" cy="16163835"/>
-          </a:xfrm>
-          <a:prstGeom prst="rect">
-            <a:avLst/>
-          </a:prstGeom>
-        </p:spPr>
-      </p:pic>
-      <p:pic>
-        <p:nvPicPr>
-          <p:cNvPr id="24" name="PPTLabsMagnifyAreaGroup201705111424005542"/>
-          <p:cNvPicPr>
-            <a:picLocks noChangeAspect="1"/>
-          </p:cNvPicPr>
-          <p:nvPr/>
-        </p:nvPicPr>
-        <p:blipFill>
-          <a:blip r:embed="rId3"/>
-          <a:srcRect/>
-          <a:stretch>
-            <a:fillRect/>
-          </a:stretch>
-        </p:blipFill>
-        <p:spPr>
-          <a:xfrm>
-            <a:off x="-2354749" y="-1254471"/>
-            <a:ext cx="21551802" cy="16163835"/>
+            <a:off x="-2354311" y="-1254200"/>
+            <a:ext cx="21549770" cy="16162343"/>
           </a:xfrm>
           <a:prstGeom prst="rect">
             <a:avLst/>
@@ -27254,14 +27566,20 @@
       </p:sp>
       <p:pic>
         <p:nvPicPr>
-          <p:cNvPr id="5" name="PPTLabsMagnifyAreaGroup201705111424005542" hidden="1"/>
+          <p:cNvPr id="5" name="PPTLabsMagnifyAreaGroup201904121149596740" hidden="1"/>
           <p:cNvPicPr>
             <a:picLocks/>
           </p:cNvPicPr>
           <p:nvPr/>
         </p:nvPicPr>
         <p:blipFill>
-          <a:blip r:embed="rId3"/>
+          <a:blip r:embed="rId3">
+            <a:extLst>
+              <a:ext uri="{28A0092B-C50C-407E-A947-70E740481C1C}">
+                <a14:useLocalDpi xmlns:a14="http://schemas.microsoft.com/office/drawing/2010/main" val="0"/>
+              </a:ext>
+            </a:extLst>
+          </a:blip>
           <a:stretch>
             <a:fillRect/>
           </a:stretch>
@@ -27278,23 +27596,29 @@
       </p:pic>
       <p:pic>
         <p:nvPicPr>
-          <p:cNvPr id="22" name="PPTLabsMagnifyAreaSlide201705111424006063"/>
+          <p:cNvPr id="22" name="PPTLabsMagnifyAreaSlide201904121149596970"/>
           <p:cNvPicPr>
             <a:picLocks/>
           </p:cNvPicPr>
           <p:nvPr/>
         </p:nvPicPr>
         <p:blipFill>
-          <a:blip r:embed="rId3"/>
-          <a:srcRect l="10926" t="7761" r="46646" b="49811"/>
+          <a:blip r:embed="rId3">
+            <a:extLst>
+              <a:ext uri="{28A0092B-C50C-407E-A947-70E740481C1C}">
+                <a14:useLocalDpi xmlns:a14="http://schemas.microsoft.com/office/drawing/2010/main" val="0"/>
+              </a:ext>
+            </a:extLst>
+          </a:blip>
+          <a:srcRect l="10925" t="7760" r="46643" b="49808"/>
           <a:stretch>
             <a:fillRect/>
           </a:stretch>
         </p:blipFill>
         <p:spPr>
           <a:xfrm>
-            <a:off x="998925" y="532116"/>
-            <a:ext cx="3879657" cy="2909740"/>
+            <a:off x="998776" y="532000"/>
+            <a:ext cx="3879956" cy="2909970"/>
           </a:xfrm>
           <a:prstGeom prst="rect">
             <a:avLst/>
@@ -27303,7 +27627,7 @@
       </p:pic>
       <p:pic>
         <p:nvPicPr>
-          <p:cNvPr id="6" name="PPTIndicator201705111424005983"/>
+          <p:cNvPr id="6" name="PPTIndicator201904121149596940"/>
           <p:cNvPicPr>
             <a:picLocks/>
           </p:cNvPicPr>
@@ -27334,7 +27658,7 @@
     </p:spTree>
     <p:extLst>
       <p:ext uri="{BB962C8B-B14F-4D97-AF65-F5344CB8AC3E}">
-        <p14:creationId xmlns:p14="http://schemas.microsoft.com/office/powerpoint/2010/main" val="1968603056"/>
+        <p14:creationId xmlns:p14="http://schemas.microsoft.com/office/powerpoint/2010/main" val="1632335804"/>
       </p:ext>
     </p:extLst>
   </p:cSld>
@@ -27511,7 +27835,7 @@
                                     <p:cond delay="0"/>
                                   </p:stCondLst>
                                   <p:childTnLst>
-                                    <p:animMotion origin="layout" path="M 0 0 C 0.089307 0.1051337 0.089307 0.1051337 0.178614 0.2102674 E" pathEditMode="relative" ptsTypes="">
+                                    <p:animMotion origin="layout" path="M 0 0 C 0.08930698 0.1051338 0.08930698 0.1051338 0.178614 0.2102676 E" pathEditMode="relative" ptsTypes="">
                                       <p:cBhvr>
                                         <p:cTn id="17" dur="500" fill="hold"/>
                                         <p:tgtEl>
@@ -27539,7 +27863,7 @@
                                           <p:spTgt spid="22"/>
                                         </p:tgtEl>
                                       </p:cBhvr>
-                                      <p:by x="235691" y="235691"/>
+                                      <p:by x="235673" y="235673"/>
                                     </p:animScale>
                                   </p:childTnLst>
                                 </p:cTn>
@@ -27739,7 +28063,7 @@
                                     <p:cond delay="0"/>
                                   </p:stCondLst>
                                   <p:childTnLst>
-                                    <p:animMotion origin="layout" path="M 0 0 C 0.2104742 0.2477727 0.2104742 0.2477727 0.4209484 0.4955453 E" pathEditMode="relative" ptsTypes="">
+                                    <p:animMotion origin="layout" path="M 0 0 C 0.2104428 0.2477378 0.2104428 0.2477378 0.4208856 0.4954756 E" pathEditMode="relative" ptsTypes="">
                                       <p:cBhvr>
                                         <p:cTn id="36" dur="1" fill="hold"/>
                                         <p:tgtEl>
@@ -27767,7 +28091,7 @@
                                           <p:spTgt spid="25"/>
                                         </p:tgtEl>
                                       </p:cBhvr>
-                                      <p:by x="235693" y="235693"/>
+                                      <p:by x="235671" y="235671"/>
                                     </p:animScale>
                                   </p:childTnLst>
                                 </p:cTn>
@@ -27822,7 +28146,7 @@
                                     <p:cond delay="0"/>
                                   </p:stCondLst>
                                   <p:childTnLst>
-                                    <p:animMotion origin="layout" path="M 0.4209484 0.4955453 C 0.4328169 0.9727173 0.4328169 0.9727173 0.4446853 1.449889 E" pathEditMode="relative" ptsTypes="">
+                                    <p:animMotion origin="layout" path="M 0.4208857 0.4954756 C 0.4327389 0.9724518 0.4327389 0.9724518 0.4445921 1.449428 E" pathEditMode="relative" ptsTypes="">
                                       <p:cBhvr>
                                         <p:cTn id="44" dur="400" fill="hold"/>
                                         <p:tgtEl>
@@ -27850,7 +28174,7 @@
                                           <p:spTgt spid="25"/>
                                         </p:tgtEl>
                                       </p:cBhvr>
-                                      <p:by x="224368" y="224372"/>
+                                      <p:by x="224342" y="224333"/>
                                     </p:animScale>
                                   </p:childTnLst>
                                 </p:cTn>
@@ -28023,7 +28347,7 @@
                                     <p:cond delay="0"/>
                                   </p:stCondLst>
                                   <p:childTnLst>
-                                    <p:animMotion origin="layout" path="M 0 0 C 0.2223462 0.7249445 0.2223462 0.7249445 0.4446925 1.449889 E" pathEditMode="relative" ptsTypes="">
+                                    <p:animMotion origin="layout" path="M 0 0 C 0.2222958 0.7247232 0.2222958 0.7247232 0.4445916 1.449446 E" pathEditMode="relative" ptsTypes="">
                                       <p:cBhvr>
                                         <p:cTn id="61" dur="1" fill="hold"/>
                                         <p:tgtEl>
@@ -28051,7 +28375,7 @@
                                           <p:spTgt spid="28"/>
                                         </p:tgtEl>
                                       </p:cBhvr>
-                                      <p:by x="528828" y="528828"/>
+                                      <p:by x="528709" y="528709"/>
                                     </p:animScale>
                                   </p:childTnLst>
                                 </p:cTn>
@@ -28106,7 +28430,7 @@
                                     <p:cond delay="0"/>
                                   </p:stCondLst>
                                   <p:childTnLst>
-                                    <p:animMotion origin="layout" path="M 0.4446925 1.449889 C 0.002813399 0.8386196 0.002813399 0.8386196 -0.4390657 0.2273501 E" pathEditMode="relative" ptsTypes="">
+                                    <p:animMotion origin="layout" path="M 0.4445916 1.449447 C 0.0027771 0.8383933 0.0027771 0.8383933 -0.4390375 0.2273406 E" pathEditMode="relative" ptsTypes="">
                                       <p:cBhvr>
                                         <p:cTn id="69" dur="400" fill="hold"/>
                                         <p:tgtEl>
@@ -28134,7 +28458,7 @@
                                           <p:spTgt spid="28"/>
                                         </p:tgtEl>
                                       </p:cBhvr>
-                                      <p:by x="35516" y="35515"/>
+                                      <p:by x="35522" y="35523"/>
                                     </p:animScale>
                                   </p:childTnLst>
                                 </p:cTn>
@@ -28307,7 +28631,7 @@
                                     <p:cond delay="0"/>
                                   </p:stCondLst>
                                   <p:childTnLst>
-                                    <p:animMotion origin="layout" path="M 0 0 C -0.219536 0.113675 -0.219536 0.113675 -0.4390719 0.22735 E" pathEditMode="relative" ptsTypes="">
+                                    <p:animMotion origin="layout" path="M 0 0 C -0.2195188 0.1136615 -0.2195188 0.1136615 -0.4390375 0.2273229 E" pathEditMode="relative" ptsTypes="">
                                       <p:cBhvr>
                                         <p:cTn id="86" dur="1" fill="hold"/>
                                         <p:tgtEl>
@@ -28335,7 +28659,7 @@
                                           <p:spTgt spid="31"/>
                                         </p:tgtEl>
                                       </p:cBhvr>
-                                      <p:by x="187815" y="187815"/>
+                                      <p:by x="187808" y="187808"/>
                                     </p:animScale>
                                   </p:childTnLst>
                                 </p:cTn>
@@ -28390,7 +28714,7 @@
                                     <p:cond delay="0"/>
                                   </p:stCondLst>
                                   <p:childTnLst>
-                                    <p:animMotion origin="layout" path="M -0.4390718 0.22735 C -0.1814083 -0.1447552 -0.1814083 -0.1447552 0.07625526 -0.5168604 E" pathEditMode="relative" ptsTypes="">
+                                    <p:animMotion origin="layout" path="M -0.4390375 0.2273228 C -0.1813931 -0.1447375 -0.1813931 -0.1447375 0.07625118 -0.5167978 E" pathEditMode="relative" ptsTypes="">
                                       <p:cBhvr>
                                         <p:cTn id="94" dur="400" fill="hold"/>
                                         <p:tgtEl>
@@ -28418,7 +28742,7 @@
                                           <p:spTgt spid="31"/>
                                         </p:tgtEl>
                                       </p:cBhvr>
-                                      <p:by x="108283" y="108283"/>
+                                      <p:by x="108283" y="108281"/>
                                     </p:animScale>
                                   </p:childTnLst>
                                 </p:cTn>
@@ -29325,11 +29649,11 @@
   <p:clrMapOvr>
     <a:masterClrMapping/>
   </p:clrMapOvr>
-  <mc:AlternateContent xmlns:mc="http://schemas.openxmlformats.org/markup-compatibility/2006">
-    <mc:Choice xmlns:p14="http://schemas.microsoft.com/office/powerpoint/2010/main" Requires="p14">
+  <mc:AlternateContent xmlns:mc="http://schemas.openxmlformats.org/markup-compatibility/2006" xmlns:p14="http://schemas.microsoft.com/office/powerpoint/2010/main">
+    <mc:Choice Requires="p14">
       <p:transition spd="slow" p14:dur="2000" advClick="0" advTm="0"/>
     </mc:Choice>
-    <mc:Fallback>
+    <mc:Fallback xmlns="">
       <p:transition spd="slow" advClick="0" advTm="0"/>
     </mc:Fallback>
   </mc:AlternateContent>
@@ -29579,11 +29903,11 @@
   <p:clrMapOvr>
     <a:masterClrMapping/>
   </p:clrMapOvr>
-  <mc:AlternateContent xmlns:mc="http://schemas.openxmlformats.org/markup-compatibility/2006">
-    <mc:Choice xmlns:p14="http://schemas.microsoft.com/office/powerpoint/2010/main" Requires="p14">
+  <mc:AlternateContent xmlns:mc="http://schemas.openxmlformats.org/markup-compatibility/2006" xmlns:p14="http://schemas.microsoft.com/office/powerpoint/2010/main">
+    <mc:Choice Requires="p14">
       <p:transition spd="slow" p14:dur="2000"/>
     </mc:Choice>
-    <mc:Fallback>
+    <mc:Fallback xmlns="">
       <p:transition spd="slow"/>
     </mc:Fallback>
   </mc:AlternateContent>
@@ -29854,11 +30178,11 @@
   <p:clrMapOvr>
     <a:masterClrMapping/>
   </p:clrMapOvr>
-  <mc:AlternateContent xmlns:mc="http://schemas.openxmlformats.org/markup-compatibility/2006">
-    <mc:Choice xmlns:p14="http://schemas.microsoft.com/office/powerpoint/2010/main" Requires="p14">
+  <mc:AlternateContent xmlns:mc="http://schemas.openxmlformats.org/markup-compatibility/2006" xmlns:p14="http://schemas.microsoft.com/office/powerpoint/2010/main">
+    <mc:Choice Requires="p14">
       <p:transition spd="slow" p14:dur="2000"/>
     </mc:Choice>
-    <mc:Fallback>
+    <mc:Fallback xmlns="">
       <p:transition spd="slow"/>
     </mc:Fallback>
   </mc:AlternateContent>

--- a/doc/test/ZoomLab/ZoomToArea.pptx
+++ b/doc/test/ZoomLab/ZoomToArea.pptx
@@ -21,32 +21,32 @@
     <p:sldId id="376" r:id="rId15"/>
     <p:sldId id="296" r:id="rId16"/>
     <p:sldId id="410" r:id="rId17"/>
-    <p:sldId id="374" r:id="rId18"/>
-    <p:sldId id="398" r:id="rId19"/>
-    <p:sldId id="399" r:id="rId20"/>
-    <p:sldId id="402" r:id="rId21"/>
-    <p:sldId id="401" r:id="rId22"/>
-    <p:sldId id="405" r:id="rId23"/>
-    <p:sldId id="404" r:id="rId24"/>
-    <p:sldId id="408" r:id="rId25"/>
-    <p:sldId id="407" r:id="rId26"/>
-    <p:sldId id="409" r:id="rId27"/>
+    <p:sldId id="424" r:id="rId18"/>
+    <p:sldId id="425" r:id="rId19"/>
+    <p:sldId id="426" r:id="rId20"/>
+    <p:sldId id="429" r:id="rId21"/>
+    <p:sldId id="428" r:id="rId22"/>
+    <p:sldId id="432" r:id="rId23"/>
+    <p:sldId id="431" r:id="rId24"/>
+    <p:sldId id="435" r:id="rId25"/>
+    <p:sldId id="434" r:id="rId26"/>
+    <p:sldId id="436" r:id="rId27"/>
     <p:sldId id="318" r:id="rId28"/>
     <p:sldId id="319" r:id="rId29"/>
     <p:sldId id="396" r:id="rId30"/>
     <p:sldId id="397" r:id="rId31"/>
     <p:sldId id="324" r:id="rId32"/>
     <p:sldId id="325" r:id="rId33"/>
-    <p:sldId id="383" r:id="rId34"/>
-    <p:sldId id="384" r:id="rId35"/>
-    <p:sldId id="385" r:id="rId36"/>
-    <p:sldId id="388" r:id="rId37"/>
-    <p:sldId id="387" r:id="rId38"/>
-    <p:sldId id="391" r:id="rId39"/>
-    <p:sldId id="390" r:id="rId40"/>
-    <p:sldId id="394" r:id="rId41"/>
-    <p:sldId id="393" r:id="rId42"/>
-    <p:sldId id="395" r:id="rId43"/>
+    <p:sldId id="411" r:id="rId34"/>
+    <p:sldId id="412" r:id="rId35"/>
+    <p:sldId id="413" r:id="rId36"/>
+    <p:sldId id="416" r:id="rId37"/>
+    <p:sldId id="415" r:id="rId38"/>
+    <p:sldId id="419" r:id="rId39"/>
+    <p:sldId id="418" r:id="rId40"/>
+    <p:sldId id="422" r:id="rId41"/>
+    <p:sldId id="421" r:id="rId42"/>
+    <p:sldId id="423" r:id="rId43"/>
     <p:sldId id="322" r:id="rId44"/>
     <p:sldId id="323" r:id="rId45"/>
     <p:sldId id="381" r:id="rId46"/>
@@ -173,32 +173,32 @@
             <p14:sldId id="376"/>
             <p14:sldId id="296"/>
             <p14:sldId id="410"/>
-            <p14:sldId id="374"/>
-            <p14:sldId id="398"/>
-            <p14:sldId id="399"/>
-            <p14:sldId id="402"/>
-            <p14:sldId id="401"/>
-            <p14:sldId id="405"/>
-            <p14:sldId id="404"/>
-            <p14:sldId id="408"/>
-            <p14:sldId id="407"/>
-            <p14:sldId id="409"/>
+            <p14:sldId id="424"/>
+            <p14:sldId id="425"/>
+            <p14:sldId id="426"/>
+            <p14:sldId id="429"/>
+            <p14:sldId id="428"/>
+            <p14:sldId id="432"/>
+            <p14:sldId id="431"/>
+            <p14:sldId id="435"/>
+            <p14:sldId id="434"/>
+            <p14:sldId id="436"/>
             <p14:sldId id="318"/>
             <p14:sldId id="319"/>
             <p14:sldId id="396"/>
             <p14:sldId id="397"/>
             <p14:sldId id="324"/>
             <p14:sldId id="325"/>
-            <p14:sldId id="383"/>
-            <p14:sldId id="384"/>
-            <p14:sldId id="385"/>
-            <p14:sldId id="388"/>
-            <p14:sldId id="387"/>
-            <p14:sldId id="391"/>
-            <p14:sldId id="390"/>
-            <p14:sldId id="394"/>
-            <p14:sldId id="393"/>
-            <p14:sldId id="395"/>
+            <p14:sldId id="411"/>
+            <p14:sldId id="412"/>
+            <p14:sldId id="413"/>
+            <p14:sldId id="416"/>
+            <p14:sldId id="415"/>
+            <p14:sldId id="419"/>
+            <p14:sldId id="418"/>
+            <p14:sldId id="422"/>
+            <p14:sldId id="421"/>
+            <p14:sldId id="423"/>
             <p14:sldId id="322"/>
             <p14:sldId id="323"/>
             <p14:sldId id="381"/>
@@ -264,10 +264,9 @@
           <a:lstStyle/>
           <a:p>
             <a:r>
-              <a:rPr lang="en-US" smtClean="0"/>
+              <a:rPr lang="en-US"/>
               <a:t>Click to edit Master title style</a:t>
             </a:r>
-            <a:endParaRPr lang="en-US"/>
           </a:p>
         </p:txBody>
       </p:sp>
@@ -383,10 +382,9 @@
           </a:lstStyle>
           <a:p>
             <a:r>
-              <a:rPr lang="en-US" smtClean="0"/>
+              <a:rPr lang="en-US"/>
               <a:t>Click to edit Master subtitle style</a:t>
             </a:r>
-            <a:endParaRPr lang="en-US"/>
           </a:p>
         </p:txBody>
       </p:sp>
@@ -407,7 +405,7 @@
           <a:p>
             <a:fld id="{699DC775-C286-4358-8C92-D7E584E969B3}" type="datetimeFigureOut">
               <a:rPr lang="en-US" smtClean="0"/>
-              <a:t>4/12/2019</a:t>
+              <a:t>4/14/2019</a:t>
             </a:fld>
             <a:endParaRPr lang="en-US"/>
           </a:p>
@@ -501,10 +499,9 @@
           <a:lstStyle/>
           <a:p>
             <a:r>
-              <a:rPr lang="en-US" smtClean="0"/>
+              <a:rPr lang="en-US"/>
               <a:t>Click to edit Master title style</a:t>
             </a:r>
-            <a:endParaRPr lang="en-US"/>
           </a:p>
         </p:txBody>
       </p:sp>
@@ -525,38 +522,37 @@
           <a:p>
             <a:pPr lvl="0"/>
             <a:r>
-              <a:rPr lang="en-US" smtClean="0"/>
+              <a:rPr lang="en-US"/>
               <a:t>Click to edit Master text styles</a:t>
             </a:r>
           </a:p>
           <a:p>
             <a:pPr lvl="1"/>
             <a:r>
-              <a:rPr lang="en-US" smtClean="0"/>
+              <a:rPr lang="en-US"/>
               <a:t>Second level</a:t>
             </a:r>
           </a:p>
           <a:p>
             <a:pPr lvl="2"/>
             <a:r>
-              <a:rPr lang="en-US" smtClean="0"/>
+              <a:rPr lang="en-US"/>
               <a:t>Third level</a:t>
             </a:r>
           </a:p>
           <a:p>
             <a:pPr lvl="3"/>
             <a:r>
-              <a:rPr lang="en-US" smtClean="0"/>
+              <a:rPr lang="en-US"/>
               <a:t>Fourth level</a:t>
             </a:r>
           </a:p>
           <a:p>
             <a:pPr lvl="4"/>
             <a:r>
-              <a:rPr lang="en-US" smtClean="0"/>
+              <a:rPr lang="en-US"/>
               <a:t>Fifth level</a:t>
             </a:r>
-            <a:endParaRPr lang="en-US"/>
           </a:p>
         </p:txBody>
       </p:sp>
@@ -577,7 +573,7 @@
           <a:p>
             <a:fld id="{699DC775-C286-4358-8C92-D7E584E969B3}" type="datetimeFigureOut">
               <a:rPr lang="en-US" smtClean="0"/>
-              <a:t>4/12/2019</a:t>
+              <a:t>4/14/2019</a:t>
             </a:fld>
             <a:endParaRPr lang="en-US"/>
           </a:p>
@@ -676,10 +672,9 @@
           <a:lstStyle/>
           <a:p>
             <a:r>
-              <a:rPr lang="en-US" smtClean="0"/>
+              <a:rPr lang="en-US"/>
               <a:t>Click to edit Master title style</a:t>
             </a:r>
-            <a:endParaRPr lang="en-US"/>
           </a:p>
         </p:txBody>
       </p:sp>
@@ -705,38 +700,37 @@
           <a:p>
             <a:pPr lvl="0"/>
             <a:r>
-              <a:rPr lang="en-US" smtClean="0"/>
+              <a:rPr lang="en-US"/>
               <a:t>Click to edit Master text styles</a:t>
             </a:r>
           </a:p>
           <a:p>
             <a:pPr lvl="1"/>
             <a:r>
-              <a:rPr lang="en-US" smtClean="0"/>
+              <a:rPr lang="en-US"/>
               <a:t>Second level</a:t>
             </a:r>
           </a:p>
           <a:p>
             <a:pPr lvl="2"/>
             <a:r>
-              <a:rPr lang="en-US" smtClean="0"/>
+              <a:rPr lang="en-US"/>
               <a:t>Third level</a:t>
             </a:r>
           </a:p>
           <a:p>
             <a:pPr lvl="3"/>
             <a:r>
-              <a:rPr lang="en-US" smtClean="0"/>
+              <a:rPr lang="en-US"/>
               <a:t>Fourth level</a:t>
             </a:r>
           </a:p>
           <a:p>
             <a:pPr lvl="4"/>
             <a:r>
-              <a:rPr lang="en-US" smtClean="0"/>
+              <a:rPr lang="en-US"/>
               <a:t>Fifth level</a:t>
             </a:r>
-            <a:endParaRPr lang="en-US"/>
           </a:p>
         </p:txBody>
       </p:sp>
@@ -757,7 +751,7 @@
           <a:p>
             <a:fld id="{699DC775-C286-4358-8C92-D7E584E969B3}" type="datetimeFigureOut">
               <a:rPr lang="en-US" smtClean="0"/>
-              <a:t>4/12/2019</a:t>
+              <a:t>4/14/2019</a:t>
             </a:fld>
             <a:endParaRPr lang="en-US"/>
           </a:p>
@@ -856,10 +850,9 @@
           <a:lstStyle/>
           <a:p>
             <a:r>
-              <a:rPr lang="en-US" smtClean="0"/>
+              <a:rPr lang="en-US"/>
               <a:t>Click to edit Master title style</a:t>
             </a:r>
-            <a:endParaRPr lang="en-US"/>
           </a:p>
         </p:txBody>
       </p:sp>
@@ -975,10 +968,9 @@
           </a:lstStyle>
           <a:p>
             <a:r>
-              <a:rPr lang="en-US" smtClean="0"/>
+              <a:rPr lang="en-US"/>
               <a:t>Click to edit Master subtitle style</a:t>
             </a:r>
-            <a:endParaRPr lang="en-US"/>
           </a:p>
         </p:txBody>
       </p:sp>
@@ -999,7 +991,7 @@
           <a:p>
             <a:fld id="{699DC775-C286-4358-8C92-D7E584E969B3}" type="datetimeFigureOut">
               <a:rPr lang="en-US" smtClean="0"/>
-              <a:t>4/12/2019</a:t>
+              <a:t>4/14/2019</a:t>
             </a:fld>
             <a:endParaRPr lang="en-US"/>
           </a:p>
@@ -1093,10 +1085,9 @@
           <a:lstStyle/>
           <a:p>
             <a:r>
-              <a:rPr lang="en-US" smtClean="0"/>
+              <a:rPr lang="en-US"/>
               <a:t>Click to edit Master title style</a:t>
             </a:r>
-            <a:endParaRPr lang="en-US"/>
           </a:p>
         </p:txBody>
       </p:sp>
@@ -1117,38 +1108,37 @@
           <a:p>
             <a:pPr lvl="0"/>
             <a:r>
-              <a:rPr lang="en-US" smtClean="0"/>
+              <a:rPr lang="en-US"/>
               <a:t>Click to edit Master text styles</a:t>
             </a:r>
           </a:p>
           <a:p>
             <a:pPr lvl="1"/>
             <a:r>
-              <a:rPr lang="en-US" smtClean="0"/>
+              <a:rPr lang="en-US"/>
               <a:t>Second level</a:t>
             </a:r>
           </a:p>
           <a:p>
             <a:pPr lvl="2"/>
             <a:r>
-              <a:rPr lang="en-US" smtClean="0"/>
+              <a:rPr lang="en-US"/>
               <a:t>Third level</a:t>
             </a:r>
           </a:p>
           <a:p>
             <a:pPr lvl="3"/>
             <a:r>
-              <a:rPr lang="en-US" smtClean="0"/>
+              <a:rPr lang="en-US"/>
               <a:t>Fourth level</a:t>
             </a:r>
           </a:p>
           <a:p>
             <a:pPr lvl="4"/>
             <a:r>
-              <a:rPr lang="en-US" smtClean="0"/>
+              <a:rPr lang="en-US"/>
               <a:t>Fifth level</a:t>
             </a:r>
-            <a:endParaRPr lang="en-US"/>
           </a:p>
         </p:txBody>
       </p:sp>
@@ -1169,7 +1159,7 @@
           <a:p>
             <a:fld id="{699DC775-C286-4358-8C92-D7E584E969B3}" type="datetimeFigureOut">
               <a:rPr lang="en-US" smtClean="0"/>
-              <a:t>4/12/2019</a:t>
+              <a:t>4/14/2019</a:t>
             </a:fld>
             <a:endParaRPr lang="en-US"/>
           </a:p>
@@ -1272,10 +1262,9 @@
           </a:lstStyle>
           <a:p>
             <a:r>
-              <a:rPr lang="en-US" smtClean="0"/>
+              <a:rPr lang="en-US"/>
               <a:t>Click to edit Master title style</a:t>
             </a:r>
-            <a:endParaRPr lang="en-US"/>
           </a:p>
         </p:txBody>
       </p:sp>
@@ -1392,7 +1381,7 @@
           <a:p>
             <a:pPr lvl="0"/>
             <a:r>
-              <a:rPr lang="en-US" smtClean="0"/>
+              <a:rPr lang="en-US"/>
               <a:t>Click to edit Master text styles</a:t>
             </a:r>
           </a:p>
@@ -1415,7 +1404,7 @@
           <a:p>
             <a:fld id="{699DC775-C286-4358-8C92-D7E584E969B3}" type="datetimeFigureOut">
               <a:rPr lang="en-US" smtClean="0"/>
-              <a:t>4/12/2019</a:t>
+              <a:t>4/14/2019</a:t>
             </a:fld>
             <a:endParaRPr lang="en-US"/>
           </a:p>
@@ -1509,10 +1498,9 @@
           <a:lstStyle/>
           <a:p>
             <a:r>
-              <a:rPr lang="en-US" smtClean="0"/>
+              <a:rPr lang="en-US"/>
               <a:t>Click to edit Master title style</a:t>
             </a:r>
-            <a:endParaRPr lang="en-US"/>
           </a:p>
         </p:txBody>
       </p:sp>
@@ -1566,38 +1554,37 @@
           <a:p>
             <a:pPr lvl="0"/>
             <a:r>
-              <a:rPr lang="en-US" smtClean="0"/>
+              <a:rPr lang="en-US"/>
               <a:t>Click to edit Master text styles</a:t>
             </a:r>
           </a:p>
           <a:p>
             <a:pPr lvl="1"/>
             <a:r>
-              <a:rPr lang="en-US" smtClean="0"/>
+              <a:rPr lang="en-US"/>
               <a:t>Second level</a:t>
             </a:r>
           </a:p>
           <a:p>
             <a:pPr lvl="2"/>
             <a:r>
-              <a:rPr lang="en-US" smtClean="0"/>
+              <a:rPr lang="en-US"/>
               <a:t>Third level</a:t>
             </a:r>
           </a:p>
           <a:p>
             <a:pPr lvl="3"/>
             <a:r>
-              <a:rPr lang="en-US" smtClean="0"/>
+              <a:rPr lang="en-US"/>
               <a:t>Fourth level</a:t>
             </a:r>
           </a:p>
           <a:p>
             <a:pPr lvl="4"/>
             <a:r>
-              <a:rPr lang="en-US" smtClean="0"/>
+              <a:rPr lang="en-US"/>
               <a:t>Fifth level</a:t>
             </a:r>
-            <a:endParaRPr lang="en-US"/>
           </a:p>
         </p:txBody>
       </p:sp>
@@ -1651,38 +1638,37 @@
           <a:p>
             <a:pPr lvl="0"/>
             <a:r>
-              <a:rPr lang="en-US" smtClean="0"/>
+              <a:rPr lang="en-US"/>
               <a:t>Click to edit Master text styles</a:t>
             </a:r>
           </a:p>
           <a:p>
             <a:pPr lvl="1"/>
             <a:r>
-              <a:rPr lang="en-US" smtClean="0"/>
+              <a:rPr lang="en-US"/>
               <a:t>Second level</a:t>
             </a:r>
           </a:p>
           <a:p>
             <a:pPr lvl="2"/>
             <a:r>
-              <a:rPr lang="en-US" smtClean="0"/>
+              <a:rPr lang="en-US"/>
               <a:t>Third level</a:t>
             </a:r>
           </a:p>
           <a:p>
             <a:pPr lvl="3"/>
             <a:r>
-              <a:rPr lang="en-US" smtClean="0"/>
+              <a:rPr lang="en-US"/>
               <a:t>Fourth level</a:t>
             </a:r>
           </a:p>
           <a:p>
             <a:pPr lvl="4"/>
             <a:r>
-              <a:rPr lang="en-US" smtClean="0"/>
+              <a:rPr lang="en-US"/>
               <a:t>Fifth level</a:t>
             </a:r>
-            <a:endParaRPr lang="en-US"/>
           </a:p>
         </p:txBody>
       </p:sp>
@@ -1703,7 +1689,7 @@
           <a:p>
             <a:fld id="{699DC775-C286-4358-8C92-D7E584E969B3}" type="datetimeFigureOut">
               <a:rPr lang="en-US" smtClean="0"/>
-              <a:t>4/12/2019</a:t>
+              <a:t>4/14/2019</a:t>
             </a:fld>
             <a:endParaRPr lang="en-US"/>
           </a:p>
@@ -1801,10 +1787,9 @@
           </a:lstStyle>
           <a:p>
             <a:r>
-              <a:rPr lang="en-US" smtClean="0"/>
+              <a:rPr lang="en-US"/>
               <a:t>Click to edit Master title style</a:t>
             </a:r>
-            <a:endParaRPr lang="en-US"/>
           </a:p>
         </p:txBody>
       </p:sp>
@@ -1867,7 +1852,7 @@
           <a:p>
             <a:pPr lvl="0"/>
             <a:r>
-              <a:rPr lang="en-US" smtClean="0"/>
+              <a:rPr lang="en-US"/>
               <a:t>Click to edit Master text styles</a:t>
             </a:r>
           </a:p>
@@ -1923,38 +1908,37 @@
           <a:p>
             <a:pPr lvl="0"/>
             <a:r>
-              <a:rPr lang="en-US" smtClean="0"/>
+              <a:rPr lang="en-US"/>
               <a:t>Click to edit Master text styles</a:t>
             </a:r>
           </a:p>
           <a:p>
             <a:pPr lvl="1"/>
             <a:r>
-              <a:rPr lang="en-US" smtClean="0"/>
+              <a:rPr lang="en-US"/>
               <a:t>Second level</a:t>
             </a:r>
           </a:p>
           <a:p>
             <a:pPr lvl="2"/>
             <a:r>
-              <a:rPr lang="en-US" smtClean="0"/>
+              <a:rPr lang="en-US"/>
               <a:t>Third level</a:t>
             </a:r>
           </a:p>
           <a:p>
             <a:pPr lvl="3"/>
             <a:r>
-              <a:rPr lang="en-US" smtClean="0"/>
+              <a:rPr lang="en-US"/>
               <a:t>Fourth level</a:t>
             </a:r>
           </a:p>
           <a:p>
             <a:pPr lvl="4"/>
             <a:r>
-              <a:rPr lang="en-US" smtClean="0"/>
+              <a:rPr lang="en-US"/>
               <a:t>Fifth level</a:t>
             </a:r>
-            <a:endParaRPr lang="en-US"/>
           </a:p>
         </p:txBody>
       </p:sp>
@@ -2017,7 +2001,7 @@
           <a:p>
             <a:pPr lvl="0"/>
             <a:r>
-              <a:rPr lang="en-US" smtClean="0"/>
+              <a:rPr lang="en-US"/>
               <a:t>Click to edit Master text styles</a:t>
             </a:r>
           </a:p>
@@ -2073,38 +2057,37 @@
           <a:p>
             <a:pPr lvl="0"/>
             <a:r>
-              <a:rPr lang="en-US" smtClean="0"/>
+              <a:rPr lang="en-US"/>
               <a:t>Click to edit Master text styles</a:t>
             </a:r>
           </a:p>
           <a:p>
             <a:pPr lvl="1"/>
             <a:r>
-              <a:rPr lang="en-US" smtClean="0"/>
+              <a:rPr lang="en-US"/>
               <a:t>Second level</a:t>
             </a:r>
           </a:p>
           <a:p>
             <a:pPr lvl="2"/>
             <a:r>
-              <a:rPr lang="en-US" smtClean="0"/>
+              <a:rPr lang="en-US"/>
               <a:t>Third level</a:t>
             </a:r>
           </a:p>
           <a:p>
             <a:pPr lvl="3"/>
             <a:r>
-              <a:rPr lang="en-US" smtClean="0"/>
+              <a:rPr lang="en-US"/>
               <a:t>Fourth level</a:t>
             </a:r>
           </a:p>
           <a:p>
             <a:pPr lvl="4"/>
             <a:r>
-              <a:rPr lang="en-US" smtClean="0"/>
+              <a:rPr lang="en-US"/>
               <a:t>Fifth level</a:t>
             </a:r>
-            <a:endParaRPr lang="en-US"/>
           </a:p>
         </p:txBody>
       </p:sp>
@@ -2125,7 +2108,7 @@
           <a:p>
             <a:fld id="{699DC775-C286-4358-8C92-D7E584E969B3}" type="datetimeFigureOut">
               <a:rPr lang="en-US" smtClean="0"/>
-              <a:t>4/12/2019</a:t>
+              <a:t>4/14/2019</a:t>
             </a:fld>
             <a:endParaRPr lang="en-US"/>
           </a:p>
@@ -2219,10 +2202,9 @@
           <a:lstStyle/>
           <a:p>
             <a:r>
-              <a:rPr lang="en-US" smtClean="0"/>
+              <a:rPr lang="en-US"/>
               <a:t>Click to edit Master title style</a:t>
             </a:r>
-            <a:endParaRPr lang="en-US"/>
           </a:p>
         </p:txBody>
       </p:sp>
@@ -2243,7 +2225,7 @@
           <a:p>
             <a:fld id="{699DC775-C286-4358-8C92-D7E584E969B3}" type="datetimeFigureOut">
               <a:rPr lang="en-US" smtClean="0"/>
-              <a:t>4/12/2019</a:t>
+              <a:t>4/14/2019</a:t>
             </a:fld>
             <a:endParaRPr lang="en-US"/>
           </a:p>
@@ -2338,7 +2320,7 @@
           <a:p>
             <a:fld id="{699DC775-C286-4358-8C92-D7E584E969B3}" type="datetimeFigureOut">
               <a:rPr lang="en-US" smtClean="0"/>
-              <a:t>4/12/2019</a:t>
+              <a:t>4/14/2019</a:t>
             </a:fld>
             <a:endParaRPr lang="en-US"/>
           </a:p>
@@ -2441,10 +2423,9 @@
           </a:lstStyle>
           <a:p>
             <a:r>
-              <a:rPr lang="en-US" smtClean="0"/>
+              <a:rPr lang="en-US"/>
               <a:t>Click to edit Master title style</a:t>
             </a:r>
-            <a:endParaRPr lang="en-US"/>
           </a:p>
         </p:txBody>
       </p:sp>
@@ -2498,38 +2479,37 @@
           <a:p>
             <a:pPr lvl="0"/>
             <a:r>
-              <a:rPr lang="en-US" smtClean="0"/>
+              <a:rPr lang="en-US"/>
               <a:t>Click to edit Master text styles</a:t>
             </a:r>
           </a:p>
           <a:p>
             <a:pPr lvl="1"/>
             <a:r>
-              <a:rPr lang="en-US" smtClean="0"/>
+              <a:rPr lang="en-US"/>
               <a:t>Second level</a:t>
             </a:r>
           </a:p>
           <a:p>
             <a:pPr lvl="2"/>
             <a:r>
-              <a:rPr lang="en-US" smtClean="0"/>
+              <a:rPr lang="en-US"/>
               <a:t>Third level</a:t>
             </a:r>
           </a:p>
           <a:p>
             <a:pPr lvl="3"/>
             <a:r>
-              <a:rPr lang="en-US" smtClean="0"/>
+              <a:rPr lang="en-US"/>
               <a:t>Fourth level</a:t>
             </a:r>
           </a:p>
           <a:p>
             <a:pPr lvl="4"/>
             <a:r>
-              <a:rPr lang="en-US" smtClean="0"/>
+              <a:rPr lang="en-US"/>
               <a:t>Fifth level</a:t>
             </a:r>
-            <a:endParaRPr lang="en-US"/>
           </a:p>
         </p:txBody>
       </p:sp>
@@ -2592,7 +2572,7 @@
           <a:p>
             <a:pPr lvl="0"/>
             <a:r>
-              <a:rPr lang="en-US" smtClean="0"/>
+              <a:rPr lang="en-US"/>
               <a:t>Click to edit Master text styles</a:t>
             </a:r>
           </a:p>
@@ -2615,7 +2595,7 @@
           <a:p>
             <a:fld id="{699DC775-C286-4358-8C92-D7E584E969B3}" type="datetimeFigureOut">
               <a:rPr lang="en-US" smtClean="0"/>
-              <a:t>4/12/2019</a:t>
+              <a:t>4/14/2019</a:t>
             </a:fld>
             <a:endParaRPr lang="en-US"/>
           </a:p>
@@ -2709,10 +2689,9 @@
           <a:lstStyle/>
           <a:p>
             <a:r>
-              <a:rPr lang="en-US" smtClean="0"/>
+              <a:rPr lang="en-US"/>
               <a:t>Click to edit Master title style</a:t>
             </a:r>
-            <a:endParaRPr lang="en-US"/>
           </a:p>
         </p:txBody>
       </p:sp>
@@ -2733,38 +2712,37 @@
           <a:p>
             <a:pPr lvl="0"/>
             <a:r>
-              <a:rPr lang="en-US" smtClean="0"/>
+              <a:rPr lang="en-US"/>
               <a:t>Click to edit Master text styles</a:t>
             </a:r>
           </a:p>
           <a:p>
             <a:pPr lvl="1"/>
             <a:r>
-              <a:rPr lang="en-US" smtClean="0"/>
+              <a:rPr lang="en-US"/>
               <a:t>Second level</a:t>
             </a:r>
           </a:p>
           <a:p>
             <a:pPr lvl="2"/>
             <a:r>
-              <a:rPr lang="en-US" smtClean="0"/>
+              <a:rPr lang="en-US"/>
               <a:t>Third level</a:t>
             </a:r>
           </a:p>
           <a:p>
             <a:pPr lvl="3"/>
             <a:r>
-              <a:rPr lang="en-US" smtClean="0"/>
+              <a:rPr lang="en-US"/>
               <a:t>Fourth level</a:t>
             </a:r>
           </a:p>
           <a:p>
             <a:pPr lvl="4"/>
             <a:r>
-              <a:rPr lang="en-US" smtClean="0"/>
+              <a:rPr lang="en-US"/>
               <a:t>Fifth level</a:t>
             </a:r>
-            <a:endParaRPr lang="en-US"/>
           </a:p>
         </p:txBody>
       </p:sp>
@@ -2785,7 +2763,7 @@
           <a:p>
             <a:fld id="{699DC775-C286-4358-8C92-D7E584E969B3}" type="datetimeFigureOut">
               <a:rPr lang="en-US" smtClean="0"/>
-              <a:t>4/12/2019</a:t>
+              <a:t>4/14/2019</a:t>
             </a:fld>
             <a:endParaRPr lang="en-US"/>
           </a:p>
@@ -2888,10 +2866,9 @@
           </a:lstStyle>
           <a:p>
             <a:r>
-              <a:rPr lang="en-US" smtClean="0"/>
+              <a:rPr lang="en-US"/>
               <a:t>Click to edit Master title style</a:t>
             </a:r>
-            <a:endParaRPr lang="en-US"/>
           </a:p>
         </p:txBody>
       </p:sp>
@@ -3015,7 +2992,7 @@
           <a:p>
             <a:pPr lvl="0"/>
             <a:r>
-              <a:rPr lang="en-US" smtClean="0"/>
+              <a:rPr lang="en-US"/>
               <a:t>Click to edit Master text styles</a:t>
             </a:r>
           </a:p>
@@ -3038,7 +3015,7 @@
           <a:p>
             <a:fld id="{699DC775-C286-4358-8C92-D7E584E969B3}" type="datetimeFigureOut">
               <a:rPr lang="en-US" smtClean="0"/>
-              <a:t>4/12/2019</a:t>
+              <a:t>4/14/2019</a:t>
             </a:fld>
             <a:endParaRPr lang="en-US"/>
           </a:p>
@@ -3132,10 +3109,9 @@
           <a:lstStyle/>
           <a:p>
             <a:r>
-              <a:rPr lang="en-US" smtClean="0"/>
+              <a:rPr lang="en-US"/>
               <a:t>Click to edit Master title style</a:t>
             </a:r>
-            <a:endParaRPr lang="en-US"/>
           </a:p>
         </p:txBody>
       </p:sp>
@@ -3156,38 +3132,37 @@
           <a:p>
             <a:pPr lvl="0"/>
             <a:r>
-              <a:rPr lang="en-US" smtClean="0"/>
+              <a:rPr lang="en-US"/>
               <a:t>Click to edit Master text styles</a:t>
             </a:r>
           </a:p>
           <a:p>
             <a:pPr lvl="1"/>
             <a:r>
-              <a:rPr lang="en-US" smtClean="0"/>
+              <a:rPr lang="en-US"/>
               <a:t>Second level</a:t>
             </a:r>
           </a:p>
           <a:p>
             <a:pPr lvl="2"/>
             <a:r>
-              <a:rPr lang="en-US" smtClean="0"/>
+              <a:rPr lang="en-US"/>
               <a:t>Third level</a:t>
             </a:r>
           </a:p>
           <a:p>
             <a:pPr lvl="3"/>
             <a:r>
-              <a:rPr lang="en-US" smtClean="0"/>
+              <a:rPr lang="en-US"/>
               <a:t>Fourth level</a:t>
             </a:r>
           </a:p>
           <a:p>
             <a:pPr lvl="4"/>
             <a:r>
-              <a:rPr lang="en-US" smtClean="0"/>
+              <a:rPr lang="en-US"/>
               <a:t>Fifth level</a:t>
             </a:r>
-            <a:endParaRPr lang="en-US"/>
           </a:p>
         </p:txBody>
       </p:sp>
@@ -3208,7 +3183,7 @@
           <a:p>
             <a:fld id="{699DC775-C286-4358-8C92-D7E584E969B3}" type="datetimeFigureOut">
               <a:rPr lang="en-US" smtClean="0"/>
-              <a:t>4/12/2019</a:t>
+              <a:t>4/14/2019</a:t>
             </a:fld>
             <a:endParaRPr lang="en-US"/>
           </a:p>
@@ -3307,10 +3282,9 @@
           <a:lstStyle/>
           <a:p>
             <a:r>
-              <a:rPr lang="en-US" smtClean="0"/>
+              <a:rPr lang="en-US"/>
               <a:t>Click to edit Master title style</a:t>
             </a:r>
-            <a:endParaRPr lang="en-US"/>
           </a:p>
         </p:txBody>
       </p:sp>
@@ -3336,38 +3310,37 @@
           <a:p>
             <a:pPr lvl="0"/>
             <a:r>
-              <a:rPr lang="en-US" smtClean="0"/>
+              <a:rPr lang="en-US"/>
               <a:t>Click to edit Master text styles</a:t>
             </a:r>
           </a:p>
           <a:p>
             <a:pPr lvl="1"/>
             <a:r>
-              <a:rPr lang="en-US" smtClean="0"/>
+              <a:rPr lang="en-US"/>
               <a:t>Second level</a:t>
             </a:r>
           </a:p>
           <a:p>
             <a:pPr lvl="2"/>
             <a:r>
-              <a:rPr lang="en-US" smtClean="0"/>
+              <a:rPr lang="en-US"/>
               <a:t>Third level</a:t>
             </a:r>
           </a:p>
           <a:p>
             <a:pPr lvl="3"/>
             <a:r>
-              <a:rPr lang="en-US" smtClean="0"/>
+              <a:rPr lang="en-US"/>
               <a:t>Fourth level</a:t>
             </a:r>
           </a:p>
           <a:p>
             <a:pPr lvl="4"/>
             <a:r>
-              <a:rPr lang="en-US" smtClean="0"/>
+              <a:rPr lang="en-US"/>
               <a:t>Fifth level</a:t>
             </a:r>
-            <a:endParaRPr lang="en-US"/>
           </a:p>
         </p:txBody>
       </p:sp>
@@ -3388,7 +3361,7 @@
           <a:p>
             <a:fld id="{699DC775-C286-4358-8C92-D7E584E969B3}" type="datetimeFigureOut">
               <a:rPr lang="en-US" smtClean="0"/>
-              <a:t>4/12/2019</a:t>
+              <a:t>4/14/2019</a:t>
             </a:fld>
             <a:endParaRPr lang="en-US"/>
           </a:p>
@@ -3495,10 +3468,9 @@
           <a:lstStyle/>
           <a:p>
             <a:r>
-              <a:rPr lang="en-US" smtClean="0"/>
+              <a:rPr lang="en-US"/>
               <a:t>Click to edit Master title style</a:t>
             </a:r>
-            <a:endParaRPr lang="en-US"/>
           </a:p>
         </p:txBody>
       </p:sp>
@@ -3614,10 +3586,9 @@
           </a:lstStyle>
           <a:p>
             <a:r>
-              <a:rPr lang="en-US" smtClean="0"/>
+              <a:rPr lang="en-US"/>
               <a:t>Click to edit Master subtitle style</a:t>
             </a:r>
-            <a:endParaRPr lang="en-US"/>
           </a:p>
         </p:txBody>
       </p:sp>
@@ -3638,7 +3609,7 @@
           <a:p>
             <a:fld id="{699DC775-C286-4358-8C92-D7E584E969B3}" type="datetimeFigureOut">
               <a:rPr lang="en-US" smtClean="0"/>
-              <a:t>4/12/2019</a:t>
+              <a:t>4/14/2019</a:t>
             </a:fld>
             <a:endParaRPr lang="en-US"/>
           </a:p>
@@ -3740,10 +3711,9 @@
           <a:lstStyle/>
           <a:p>
             <a:r>
-              <a:rPr lang="en-US" smtClean="0"/>
+              <a:rPr lang="en-US"/>
               <a:t>Click to edit Master title style</a:t>
             </a:r>
-            <a:endParaRPr lang="en-US"/>
           </a:p>
         </p:txBody>
       </p:sp>
@@ -3764,38 +3734,37 @@
           <a:p>
             <a:pPr lvl="0"/>
             <a:r>
-              <a:rPr lang="en-US" smtClean="0"/>
+              <a:rPr lang="en-US"/>
               <a:t>Click to edit Master text styles</a:t>
             </a:r>
           </a:p>
           <a:p>
             <a:pPr lvl="1"/>
             <a:r>
-              <a:rPr lang="en-US" smtClean="0"/>
+              <a:rPr lang="en-US"/>
               <a:t>Second level</a:t>
             </a:r>
           </a:p>
           <a:p>
             <a:pPr lvl="2"/>
             <a:r>
-              <a:rPr lang="en-US" smtClean="0"/>
+              <a:rPr lang="en-US"/>
               <a:t>Third level</a:t>
             </a:r>
           </a:p>
           <a:p>
             <a:pPr lvl="3"/>
             <a:r>
-              <a:rPr lang="en-US" smtClean="0"/>
+              <a:rPr lang="en-US"/>
               <a:t>Fourth level</a:t>
             </a:r>
           </a:p>
           <a:p>
             <a:pPr lvl="4"/>
             <a:r>
-              <a:rPr lang="en-US" smtClean="0"/>
+              <a:rPr lang="en-US"/>
               <a:t>Fifth level</a:t>
             </a:r>
-            <a:endParaRPr lang="en-US"/>
           </a:p>
         </p:txBody>
       </p:sp>
@@ -3816,7 +3785,7 @@
           <a:p>
             <a:fld id="{699DC775-C286-4358-8C92-D7E584E969B3}" type="datetimeFigureOut">
               <a:rPr lang="en-US" smtClean="0"/>
-              <a:t>4/12/2019</a:t>
+              <a:t>4/14/2019</a:t>
             </a:fld>
             <a:endParaRPr lang="en-US"/>
           </a:p>
@@ -3927,10 +3896,9 @@
           </a:lstStyle>
           <a:p>
             <a:r>
-              <a:rPr lang="en-US" smtClean="0"/>
+              <a:rPr lang="en-US"/>
               <a:t>Click to edit Master title style</a:t>
             </a:r>
-            <a:endParaRPr lang="en-US"/>
           </a:p>
         </p:txBody>
       </p:sp>
@@ -4047,7 +4015,7 @@
           <a:p>
             <a:pPr lvl="0"/>
             <a:r>
-              <a:rPr lang="en-US" smtClean="0"/>
+              <a:rPr lang="en-US"/>
               <a:t>Click to edit Master text styles</a:t>
             </a:r>
           </a:p>
@@ -4070,7 +4038,7 @@
           <a:p>
             <a:fld id="{699DC775-C286-4358-8C92-D7E584E969B3}" type="datetimeFigureOut">
               <a:rPr lang="en-US" smtClean="0"/>
-              <a:t>4/12/2019</a:t>
+              <a:t>4/14/2019</a:t>
             </a:fld>
             <a:endParaRPr lang="en-US"/>
           </a:p>
@@ -4172,10 +4140,9 @@
           <a:lstStyle/>
           <a:p>
             <a:r>
-              <a:rPr lang="en-US" smtClean="0"/>
+              <a:rPr lang="en-US"/>
               <a:t>Click to edit Master title style</a:t>
             </a:r>
-            <a:endParaRPr lang="en-US"/>
           </a:p>
         </p:txBody>
       </p:sp>
@@ -4229,38 +4196,37 @@
           <a:p>
             <a:pPr lvl="0"/>
             <a:r>
-              <a:rPr lang="en-US" smtClean="0"/>
+              <a:rPr lang="en-US"/>
               <a:t>Click to edit Master text styles</a:t>
             </a:r>
           </a:p>
           <a:p>
             <a:pPr lvl="1"/>
             <a:r>
-              <a:rPr lang="en-US" smtClean="0"/>
+              <a:rPr lang="en-US"/>
               <a:t>Second level</a:t>
             </a:r>
           </a:p>
           <a:p>
             <a:pPr lvl="2"/>
             <a:r>
-              <a:rPr lang="en-US" smtClean="0"/>
+              <a:rPr lang="en-US"/>
               <a:t>Third level</a:t>
             </a:r>
           </a:p>
           <a:p>
             <a:pPr lvl="3"/>
             <a:r>
-              <a:rPr lang="en-US" smtClean="0"/>
+              <a:rPr lang="en-US"/>
               <a:t>Fourth level</a:t>
             </a:r>
           </a:p>
           <a:p>
             <a:pPr lvl="4"/>
             <a:r>
-              <a:rPr lang="en-US" smtClean="0"/>
+              <a:rPr lang="en-US"/>
               <a:t>Fifth level</a:t>
             </a:r>
-            <a:endParaRPr lang="en-US"/>
           </a:p>
         </p:txBody>
       </p:sp>
@@ -4314,38 +4280,37 @@
           <a:p>
             <a:pPr lvl="0"/>
             <a:r>
-              <a:rPr lang="en-US" smtClean="0"/>
+              <a:rPr lang="en-US"/>
               <a:t>Click to edit Master text styles</a:t>
             </a:r>
           </a:p>
           <a:p>
             <a:pPr lvl="1"/>
             <a:r>
-              <a:rPr lang="en-US" smtClean="0"/>
+              <a:rPr lang="en-US"/>
               <a:t>Second level</a:t>
             </a:r>
           </a:p>
           <a:p>
             <a:pPr lvl="2"/>
             <a:r>
-              <a:rPr lang="en-US" smtClean="0"/>
+              <a:rPr lang="en-US"/>
               <a:t>Third level</a:t>
             </a:r>
           </a:p>
           <a:p>
             <a:pPr lvl="3"/>
             <a:r>
-              <a:rPr lang="en-US" smtClean="0"/>
+              <a:rPr lang="en-US"/>
               <a:t>Fourth level</a:t>
             </a:r>
           </a:p>
           <a:p>
             <a:pPr lvl="4"/>
             <a:r>
-              <a:rPr lang="en-US" smtClean="0"/>
+              <a:rPr lang="en-US"/>
               <a:t>Fifth level</a:t>
             </a:r>
-            <a:endParaRPr lang="en-US"/>
           </a:p>
         </p:txBody>
       </p:sp>
@@ -4366,7 +4331,7 @@
           <a:p>
             <a:fld id="{699DC775-C286-4358-8C92-D7E584E969B3}" type="datetimeFigureOut">
               <a:rPr lang="en-US" smtClean="0"/>
-              <a:t>4/12/2019</a:t>
+              <a:t>4/14/2019</a:t>
             </a:fld>
             <a:endParaRPr lang="en-US"/>
           </a:p>
@@ -4472,10 +4437,9 @@
           </a:lstStyle>
           <a:p>
             <a:r>
-              <a:rPr lang="en-US" smtClean="0"/>
+              <a:rPr lang="en-US"/>
               <a:t>Click to edit Master title style</a:t>
             </a:r>
-            <a:endParaRPr lang="en-US"/>
           </a:p>
         </p:txBody>
       </p:sp>
@@ -4538,7 +4502,7 @@
           <a:p>
             <a:pPr lvl="0"/>
             <a:r>
-              <a:rPr lang="en-US" smtClean="0"/>
+              <a:rPr lang="en-US"/>
               <a:t>Click to edit Master text styles</a:t>
             </a:r>
           </a:p>
@@ -4594,38 +4558,37 @@
           <a:p>
             <a:pPr lvl="0"/>
             <a:r>
-              <a:rPr lang="en-US" smtClean="0"/>
+              <a:rPr lang="en-US"/>
               <a:t>Click to edit Master text styles</a:t>
             </a:r>
           </a:p>
           <a:p>
             <a:pPr lvl="1"/>
             <a:r>
-              <a:rPr lang="en-US" smtClean="0"/>
+              <a:rPr lang="en-US"/>
               <a:t>Second level</a:t>
             </a:r>
           </a:p>
           <a:p>
             <a:pPr lvl="2"/>
             <a:r>
-              <a:rPr lang="en-US" smtClean="0"/>
+              <a:rPr lang="en-US"/>
               <a:t>Third level</a:t>
             </a:r>
           </a:p>
           <a:p>
             <a:pPr lvl="3"/>
             <a:r>
-              <a:rPr lang="en-US" smtClean="0"/>
+              <a:rPr lang="en-US"/>
               <a:t>Fourth level</a:t>
             </a:r>
           </a:p>
           <a:p>
             <a:pPr lvl="4"/>
             <a:r>
-              <a:rPr lang="en-US" smtClean="0"/>
+              <a:rPr lang="en-US"/>
               <a:t>Fifth level</a:t>
             </a:r>
-            <a:endParaRPr lang="en-US"/>
           </a:p>
         </p:txBody>
       </p:sp>
@@ -4688,7 +4651,7 @@
           <a:p>
             <a:pPr lvl="0"/>
             <a:r>
-              <a:rPr lang="en-US" smtClean="0"/>
+              <a:rPr lang="en-US"/>
               <a:t>Click to edit Master text styles</a:t>
             </a:r>
           </a:p>
@@ -4744,38 +4707,37 @@
           <a:p>
             <a:pPr lvl="0"/>
             <a:r>
-              <a:rPr lang="en-US" smtClean="0"/>
+              <a:rPr lang="en-US"/>
               <a:t>Click to edit Master text styles</a:t>
             </a:r>
           </a:p>
           <a:p>
             <a:pPr lvl="1"/>
             <a:r>
-              <a:rPr lang="en-US" smtClean="0"/>
+              <a:rPr lang="en-US"/>
               <a:t>Second level</a:t>
             </a:r>
           </a:p>
           <a:p>
             <a:pPr lvl="2"/>
             <a:r>
-              <a:rPr lang="en-US" smtClean="0"/>
+              <a:rPr lang="en-US"/>
               <a:t>Third level</a:t>
             </a:r>
           </a:p>
           <a:p>
             <a:pPr lvl="3"/>
             <a:r>
-              <a:rPr lang="en-US" smtClean="0"/>
+              <a:rPr lang="en-US"/>
               <a:t>Fourth level</a:t>
             </a:r>
           </a:p>
           <a:p>
             <a:pPr lvl="4"/>
             <a:r>
-              <a:rPr lang="en-US" smtClean="0"/>
+              <a:rPr lang="en-US"/>
               <a:t>Fifth level</a:t>
             </a:r>
-            <a:endParaRPr lang="en-US"/>
           </a:p>
         </p:txBody>
       </p:sp>
@@ -4796,7 +4758,7 @@
           <a:p>
             <a:fld id="{699DC775-C286-4358-8C92-D7E584E969B3}" type="datetimeFigureOut">
               <a:rPr lang="en-US" smtClean="0"/>
-              <a:t>4/12/2019</a:t>
+              <a:t>4/14/2019</a:t>
             </a:fld>
             <a:endParaRPr lang="en-US"/>
           </a:p>
@@ -4898,10 +4860,9 @@
           <a:lstStyle/>
           <a:p>
             <a:r>
-              <a:rPr lang="en-US" smtClean="0"/>
+              <a:rPr lang="en-US"/>
               <a:t>Click to edit Master title style</a:t>
             </a:r>
-            <a:endParaRPr lang="en-US"/>
           </a:p>
         </p:txBody>
       </p:sp>
@@ -4922,7 +4883,7 @@
           <a:p>
             <a:fld id="{699DC775-C286-4358-8C92-D7E584E969B3}" type="datetimeFigureOut">
               <a:rPr lang="en-US" smtClean="0"/>
-              <a:t>4/12/2019</a:t>
+              <a:t>4/14/2019</a:t>
             </a:fld>
             <a:endParaRPr lang="en-US"/>
           </a:p>
@@ -5025,7 +4986,7 @@
           <a:p>
             <a:fld id="{699DC775-C286-4358-8C92-D7E584E969B3}" type="datetimeFigureOut">
               <a:rPr lang="en-US" smtClean="0"/>
-              <a:t>4/12/2019</a:t>
+              <a:t>4/14/2019</a:t>
             </a:fld>
             <a:endParaRPr lang="en-US"/>
           </a:p>
@@ -5128,10 +5089,9 @@
           </a:lstStyle>
           <a:p>
             <a:r>
-              <a:rPr lang="en-US" smtClean="0"/>
+              <a:rPr lang="en-US"/>
               <a:t>Click to edit Master title style</a:t>
             </a:r>
-            <a:endParaRPr lang="en-US"/>
           </a:p>
         </p:txBody>
       </p:sp>
@@ -5248,7 +5208,7 @@
           <a:p>
             <a:pPr lvl="0"/>
             <a:r>
-              <a:rPr lang="en-US" smtClean="0"/>
+              <a:rPr lang="en-US"/>
               <a:t>Click to edit Master text styles</a:t>
             </a:r>
           </a:p>
@@ -5271,7 +5231,7 @@
           <a:p>
             <a:fld id="{699DC775-C286-4358-8C92-D7E584E969B3}" type="datetimeFigureOut">
               <a:rPr lang="en-US" smtClean="0"/>
-              <a:t>4/12/2019</a:t>
+              <a:t>4/14/2019</a:t>
             </a:fld>
             <a:endParaRPr lang="en-US"/>
           </a:p>
@@ -5382,10 +5342,9 @@
           </a:lstStyle>
           <a:p>
             <a:r>
-              <a:rPr lang="en-US" smtClean="0"/>
+              <a:rPr lang="en-US"/>
               <a:t>Click to edit Master title style</a:t>
             </a:r>
-            <a:endParaRPr lang="en-US"/>
           </a:p>
         </p:txBody>
       </p:sp>
@@ -5439,38 +5398,37 @@
           <a:p>
             <a:pPr lvl="0"/>
             <a:r>
-              <a:rPr lang="en-US" smtClean="0"/>
+              <a:rPr lang="en-US"/>
               <a:t>Click to edit Master text styles</a:t>
             </a:r>
           </a:p>
           <a:p>
             <a:pPr lvl="1"/>
             <a:r>
-              <a:rPr lang="en-US" smtClean="0"/>
+              <a:rPr lang="en-US"/>
               <a:t>Second level</a:t>
             </a:r>
           </a:p>
           <a:p>
             <a:pPr lvl="2"/>
             <a:r>
-              <a:rPr lang="en-US" smtClean="0"/>
+              <a:rPr lang="en-US"/>
               <a:t>Third level</a:t>
             </a:r>
           </a:p>
           <a:p>
             <a:pPr lvl="3"/>
             <a:r>
-              <a:rPr lang="en-US" smtClean="0"/>
+              <a:rPr lang="en-US"/>
               <a:t>Fourth level</a:t>
             </a:r>
           </a:p>
           <a:p>
             <a:pPr lvl="4"/>
             <a:r>
-              <a:rPr lang="en-US" smtClean="0"/>
+              <a:rPr lang="en-US"/>
               <a:t>Fifth level</a:t>
             </a:r>
-            <a:endParaRPr lang="en-US"/>
           </a:p>
         </p:txBody>
       </p:sp>
@@ -5533,7 +5491,7 @@
           <a:p>
             <a:pPr lvl="0"/>
             <a:r>
-              <a:rPr lang="en-US" smtClean="0"/>
+              <a:rPr lang="en-US"/>
               <a:t>Click to edit Master text styles</a:t>
             </a:r>
           </a:p>
@@ -5556,7 +5514,7 @@
           <a:p>
             <a:fld id="{699DC775-C286-4358-8C92-D7E584E969B3}" type="datetimeFigureOut">
               <a:rPr lang="en-US" smtClean="0"/>
-              <a:t>4/12/2019</a:t>
+              <a:t>4/14/2019</a:t>
             </a:fld>
             <a:endParaRPr lang="en-US"/>
           </a:p>
@@ -5667,10 +5625,9 @@
           </a:lstStyle>
           <a:p>
             <a:r>
-              <a:rPr lang="en-US" smtClean="0"/>
+              <a:rPr lang="en-US"/>
               <a:t>Click to edit Master title style</a:t>
             </a:r>
-            <a:endParaRPr lang="en-US"/>
           </a:p>
         </p:txBody>
       </p:sp>
@@ -5794,7 +5751,7 @@
           <a:p>
             <a:pPr lvl="0"/>
             <a:r>
-              <a:rPr lang="en-US" smtClean="0"/>
+              <a:rPr lang="en-US"/>
               <a:t>Click to edit Master text styles</a:t>
             </a:r>
           </a:p>
@@ -5817,7 +5774,7 @@
           <a:p>
             <a:fld id="{699DC775-C286-4358-8C92-D7E584E969B3}" type="datetimeFigureOut">
               <a:rPr lang="en-US" smtClean="0"/>
-              <a:t>4/12/2019</a:t>
+              <a:t>4/14/2019</a:t>
             </a:fld>
             <a:endParaRPr lang="en-US"/>
           </a:p>
@@ -5919,10 +5876,9 @@
           <a:lstStyle/>
           <a:p>
             <a:r>
-              <a:rPr lang="en-US" smtClean="0"/>
+              <a:rPr lang="en-US"/>
               <a:t>Click to edit Master title style</a:t>
             </a:r>
-            <a:endParaRPr lang="en-US"/>
           </a:p>
         </p:txBody>
       </p:sp>
@@ -5943,38 +5899,37 @@
           <a:p>
             <a:pPr lvl="0"/>
             <a:r>
-              <a:rPr lang="en-US" smtClean="0"/>
+              <a:rPr lang="en-US"/>
               <a:t>Click to edit Master text styles</a:t>
             </a:r>
           </a:p>
           <a:p>
             <a:pPr lvl="1"/>
             <a:r>
-              <a:rPr lang="en-US" smtClean="0"/>
+              <a:rPr lang="en-US"/>
               <a:t>Second level</a:t>
             </a:r>
           </a:p>
           <a:p>
             <a:pPr lvl="2"/>
             <a:r>
-              <a:rPr lang="en-US" smtClean="0"/>
+              <a:rPr lang="en-US"/>
               <a:t>Third level</a:t>
             </a:r>
           </a:p>
           <a:p>
             <a:pPr lvl="3"/>
             <a:r>
-              <a:rPr lang="en-US" smtClean="0"/>
+              <a:rPr lang="en-US"/>
               <a:t>Fourth level</a:t>
             </a:r>
           </a:p>
           <a:p>
             <a:pPr lvl="4"/>
             <a:r>
-              <a:rPr lang="en-US" smtClean="0"/>
+              <a:rPr lang="en-US"/>
               <a:t>Fifth level</a:t>
             </a:r>
-            <a:endParaRPr lang="en-US"/>
           </a:p>
         </p:txBody>
       </p:sp>
@@ -5995,7 +5950,7 @@
           <a:p>
             <a:fld id="{699DC775-C286-4358-8C92-D7E584E969B3}" type="datetimeFigureOut">
               <a:rPr lang="en-US" smtClean="0"/>
-              <a:t>4/12/2019</a:t>
+              <a:t>4/14/2019</a:t>
             </a:fld>
             <a:endParaRPr lang="en-US"/>
           </a:p>
@@ -6102,10 +6057,9 @@
           <a:lstStyle/>
           <a:p>
             <a:r>
-              <a:rPr lang="en-US" smtClean="0"/>
+              <a:rPr lang="en-US"/>
               <a:t>Click to edit Master title style</a:t>
             </a:r>
-            <a:endParaRPr lang="en-US"/>
           </a:p>
         </p:txBody>
       </p:sp>
@@ -6131,38 +6085,37 @@
           <a:p>
             <a:pPr lvl="0"/>
             <a:r>
-              <a:rPr lang="en-US" smtClean="0"/>
+              <a:rPr lang="en-US"/>
               <a:t>Click to edit Master text styles</a:t>
             </a:r>
           </a:p>
           <a:p>
             <a:pPr lvl="1"/>
             <a:r>
-              <a:rPr lang="en-US" smtClean="0"/>
+              <a:rPr lang="en-US"/>
               <a:t>Second level</a:t>
             </a:r>
           </a:p>
           <a:p>
             <a:pPr lvl="2"/>
             <a:r>
-              <a:rPr lang="en-US" smtClean="0"/>
+              <a:rPr lang="en-US"/>
               <a:t>Third level</a:t>
             </a:r>
           </a:p>
           <a:p>
             <a:pPr lvl="3"/>
             <a:r>
-              <a:rPr lang="en-US" smtClean="0"/>
+              <a:rPr lang="en-US"/>
               <a:t>Fourth level</a:t>
             </a:r>
           </a:p>
           <a:p>
             <a:pPr lvl="4"/>
             <a:r>
-              <a:rPr lang="en-US" smtClean="0"/>
+              <a:rPr lang="en-US"/>
               <a:t>Fifth level</a:t>
             </a:r>
-            <a:endParaRPr lang="en-US"/>
           </a:p>
         </p:txBody>
       </p:sp>
@@ -6183,7 +6136,7 @@
           <a:p>
             <a:fld id="{699DC775-C286-4358-8C92-D7E584E969B3}" type="datetimeFigureOut">
               <a:rPr lang="en-US" smtClean="0"/>
-              <a:t>4/12/2019</a:t>
+              <a:t>4/14/2019</a:t>
             </a:fld>
             <a:endParaRPr lang="en-US"/>
           </a:p>
@@ -6277,10 +6230,9 @@
           <a:lstStyle/>
           <a:p>
             <a:r>
-              <a:rPr lang="en-US" smtClean="0"/>
+              <a:rPr lang="en-US"/>
               <a:t>Click to edit Master title style</a:t>
             </a:r>
-            <a:endParaRPr lang="en-US"/>
           </a:p>
         </p:txBody>
       </p:sp>
@@ -6334,38 +6286,37 @@
           <a:p>
             <a:pPr lvl="0"/>
             <a:r>
-              <a:rPr lang="en-US" smtClean="0"/>
+              <a:rPr lang="en-US"/>
               <a:t>Click to edit Master text styles</a:t>
             </a:r>
           </a:p>
           <a:p>
             <a:pPr lvl="1"/>
             <a:r>
-              <a:rPr lang="en-US" smtClean="0"/>
+              <a:rPr lang="en-US"/>
               <a:t>Second level</a:t>
             </a:r>
           </a:p>
           <a:p>
             <a:pPr lvl="2"/>
             <a:r>
-              <a:rPr lang="en-US" smtClean="0"/>
+              <a:rPr lang="en-US"/>
               <a:t>Third level</a:t>
             </a:r>
           </a:p>
           <a:p>
             <a:pPr lvl="3"/>
             <a:r>
-              <a:rPr lang="en-US" smtClean="0"/>
+              <a:rPr lang="en-US"/>
               <a:t>Fourth level</a:t>
             </a:r>
           </a:p>
           <a:p>
             <a:pPr lvl="4"/>
             <a:r>
-              <a:rPr lang="en-US" smtClean="0"/>
+              <a:rPr lang="en-US"/>
               <a:t>Fifth level</a:t>
             </a:r>
-            <a:endParaRPr lang="en-US"/>
           </a:p>
         </p:txBody>
       </p:sp>
@@ -6419,38 +6370,37 @@
           <a:p>
             <a:pPr lvl="0"/>
             <a:r>
-              <a:rPr lang="en-US" smtClean="0"/>
+              <a:rPr lang="en-US"/>
               <a:t>Click to edit Master text styles</a:t>
             </a:r>
           </a:p>
           <a:p>
             <a:pPr lvl="1"/>
             <a:r>
-              <a:rPr lang="en-US" smtClean="0"/>
+              <a:rPr lang="en-US"/>
               <a:t>Second level</a:t>
             </a:r>
           </a:p>
           <a:p>
             <a:pPr lvl="2"/>
             <a:r>
-              <a:rPr lang="en-US" smtClean="0"/>
+              <a:rPr lang="en-US"/>
               <a:t>Third level</a:t>
             </a:r>
           </a:p>
           <a:p>
             <a:pPr lvl="3"/>
             <a:r>
-              <a:rPr lang="en-US" smtClean="0"/>
+              <a:rPr lang="en-US"/>
               <a:t>Fourth level</a:t>
             </a:r>
           </a:p>
           <a:p>
             <a:pPr lvl="4"/>
             <a:r>
-              <a:rPr lang="en-US" smtClean="0"/>
+              <a:rPr lang="en-US"/>
               <a:t>Fifth level</a:t>
             </a:r>
-            <a:endParaRPr lang="en-US"/>
           </a:p>
         </p:txBody>
       </p:sp>
@@ -6471,7 +6421,7 @@
           <a:p>
             <a:fld id="{699DC775-C286-4358-8C92-D7E584E969B3}" type="datetimeFigureOut">
               <a:rPr lang="en-US" smtClean="0"/>
-              <a:t>4/12/2019</a:t>
+              <a:t>4/14/2019</a:t>
             </a:fld>
             <a:endParaRPr lang="en-US"/>
           </a:p>
@@ -6569,10 +6519,9 @@
           </a:lstStyle>
           <a:p>
             <a:r>
-              <a:rPr lang="en-US" smtClean="0"/>
+              <a:rPr lang="en-US"/>
               <a:t>Click to edit Master title style</a:t>
             </a:r>
-            <a:endParaRPr lang="en-US"/>
           </a:p>
         </p:txBody>
       </p:sp>
@@ -6635,7 +6584,7 @@
           <a:p>
             <a:pPr lvl="0"/>
             <a:r>
-              <a:rPr lang="en-US" smtClean="0"/>
+              <a:rPr lang="en-US"/>
               <a:t>Click to edit Master text styles</a:t>
             </a:r>
           </a:p>
@@ -6691,38 +6640,37 @@
           <a:p>
             <a:pPr lvl="0"/>
             <a:r>
-              <a:rPr lang="en-US" smtClean="0"/>
+              <a:rPr lang="en-US"/>
               <a:t>Click to edit Master text styles</a:t>
             </a:r>
           </a:p>
           <a:p>
             <a:pPr lvl="1"/>
             <a:r>
-              <a:rPr lang="en-US" smtClean="0"/>
+              <a:rPr lang="en-US"/>
               <a:t>Second level</a:t>
             </a:r>
           </a:p>
           <a:p>
             <a:pPr lvl="2"/>
             <a:r>
-              <a:rPr lang="en-US" smtClean="0"/>
+              <a:rPr lang="en-US"/>
               <a:t>Third level</a:t>
             </a:r>
           </a:p>
           <a:p>
             <a:pPr lvl="3"/>
             <a:r>
-              <a:rPr lang="en-US" smtClean="0"/>
+              <a:rPr lang="en-US"/>
               <a:t>Fourth level</a:t>
             </a:r>
           </a:p>
           <a:p>
             <a:pPr lvl="4"/>
             <a:r>
-              <a:rPr lang="en-US" smtClean="0"/>
+              <a:rPr lang="en-US"/>
               <a:t>Fifth level</a:t>
             </a:r>
-            <a:endParaRPr lang="en-US"/>
           </a:p>
         </p:txBody>
       </p:sp>
@@ -6785,7 +6733,7 @@
           <a:p>
             <a:pPr lvl="0"/>
             <a:r>
-              <a:rPr lang="en-US" smtClean="0"/>
+              <a:rPr lang="en-US"/>
               <a:t>Click to edit Master text styles</a:t>
             </a:r>
           </a:p>
@@ -6841,38 +6789,37 @@
           <a:p>
             <a:pPr lvl="0"/>
             <a:r>
-              <a:rPr lang="en-US" smtClean="0"/>
+              <a:rPr lang="en-US"/>
               <a:t>Click to edit Master text styles</a:t>
             </a:r>
           </a:p>
           <a:p>
             <a:pPr lvl="1"/>
             <a:r>
-              <a:rPr lang="en-US" smtClean="0"/>
+              <a:rPr lang="en-US"/>
               <a:t>Second level</a:t>
             </a:r>
           </a:p>
           <a:p>
             <a:pPr lvl="2"/>
             <a:r>
-              <a:rPr lang="en-US" smtClean="0"/>
+              <a:rPr lang="en-US"/>
               <a:t>Third level</a:t>
             </a:r>
           </a:p>
           <a:p>
             <a:pPr lvl="3"/>
             <a:r>
-              <a:rPr lang="en-US" smtClean="0"/>
+              <a:rPr lang="en-US"/>
               <a:t>Fourth level</a:t>
             </a:r>
           </a:p>
           <a:p>
             <a:pPr lvl="4"/>
             <a:r>
-              <a:rPr lang="en-US" smtClean="0"/>
+              <a:rPr lang="en-US"/>
               <a:t>Fifth level</a:t>
             </a:r>
-            <a:endParaRPr lang="en-US"/>
           </a:p>
         </p:txBody>
       </p:sp>
@@ -6893,7 +6840,7 @@
           <a:p>
             <a:fld id="{699DC775-C286-4358-8C92-D7E584E969B3}" type="datetimeFigureOut">
               <a:rPr lang="en-US" smtClean="0"/>
-              <a:t>4/12/2019</a:t>
+              <a:t>4/14/2019</a:t>
             </a:fld>
             <a:endParaRPr lang="en-US"/>
           </a:p>
@@ -6987,10 +6934,9 @@
           <a:lstStyle/>
           <a:p>
             <a:r>
-              <a:rPr lang="en-US" smtClean="0"/>
+              <a:rPr lang="en-US"/>
               <a:t>Click to edit Master title style</a:t>
             </a:r>
-            <a:endParaRPr lang="en-US"/>
           </a:p>
         </p:txBody>
       </p:sp>
@@ -7011,7 +6957,7 @@
           <a:p>
             <a:fld id="{699DC775-C286-4358-8C92-D7E584E969B3}" type="datetimeFigureOut">
               <a:rPr lang="en-US" smtClean="0"/>
-              <a:t>4/12/2019</a:t>
+              <a:t>4/14/2019</a:t>
             </a:fld>
             <a:endParaRPr lang="en-US"/>
           </a:p>
@@ -7106,7 +7052,7 @@
           <a:p>
             <a:fld id="{699DC775-C286-4358-8C92-D7E584E969B3}" type="datetimeFigureOut">
               <a:rPr lang="en-US" smtClean="0"/>
-              <a:t>4/12/2019</a:t>
+              <a:t>4/14/2019</a:t>
             </a:fld>
             <a:endParaRPr lang="en-US"/>
           </a:p>
@@ -7209,10 +7155,9 @@
           </a:lstStyle>
           <a:p>
             <a:r>
-              <a:rPr lang="en-US" smtClean="0"/>
+              <a:rPr lang="en-US"/>
               <a:t>Click to edit Master title style</a:t>
             </a:r>
-            <a:endParaRPr lang="en-US"/>
           </a:p>
         </p:txBody>
       </p:sp>
@@ -7266,38 +7211,37 @@
           <a:p>
             <a:pPr lvl="0"/>
             <a:r>
-              <a:rPr lang="en-US" smtClean="0"/>
+              <a:rPr lang="en-US"/>
               <a:t>Click to edit Master text styles</a:t>
             </a:r>
           </a:p>
           <a:p>
             <a:pPr lvl="1"/>
             <a:r>
-              <a:rPr lang="en-US" smtClean="0"/>
+              <a:rPr lang="en-US"/>
               <a:t>Second level</a:t>
             </a:r>
           </a:p>
           <a:p>
             <a:pPr lvl="2"/>
             <a:r>
-              <a:rPr lang="en-US" smtClean="0"/>
+              <a:rPr lang="en-US"/>
               <a:t>Third level</a:t>
             </a:r>
           </a:p>
           <a:p>
             <a:pPr lvl="3"/>
             <a:r>
-              <a:rPr lang="en-US" smtClean="0"/>
+              <a:rPr lang="en-US"/>
               <a:t>Fourth level</a:t>
             </a:r>
           </a:p>
           <a:p>
             <a:pPr lvl="4"/>
             <a:r>
-              <a:rPr lang="en-US" smtClean="0"/>
+              <a:rPr lang="en-US"/>
               <a:t>Fifth level</a:t>
             </a:r>
-            <a:endParaRPr lang="en-US"/>
           </a:p>
         </p:txBody>
       </p:sp>
@@ -7360,7 +7304,7 @@
           <a:p>
             <a:pPr lvl="0"/>
             <a:r>
-              <a:rPr lang="en-US" smtClean="0"/>
+              <a:rPr lang="en-US"/>
               <a:t>Click to edit Master text styles</a:t>
             </a:r>
           </a:p>
@@ -7383,7 +7327,7 @@
           <a:p>
             <a:fld id="{699DC775-C286-4358-8C92-D7E584E969B3}" type="datetimeFigureOut">
               <a:rPr lang="en-US" smtClean="0"/>
-              <a:t>4/12/2019</a:t>
+              <a:t>4/14/2019</a:t>
             </a:fld>
             <a:endParaRPr lang="en-US"/>
           </a:p>
@@ -7486,10 +7430,9 @@
           </a:lstStyle>
           <a:p>
             <a:r>
-              <a:rPr lang="en-US" smtClean="0"/>
+              <a:rPr lang="en-US"/>
               <a:t>Click to edit Master title style</a:t>
             </a:r>
-            <a:endParaRPr lang="en-US"/>
           </a:p>
         </p:txBody>
       </p:sp>
@@ -7613,7 +7556,7 @@
           <a:p>
             <a:pPr lvl="0"/>
             <a:r>
-              <a:rPr lang="en-US" smtClean="0"/>
+              <a:rPr lang="en-US"/>
               <a:t>Click to edit Master text styles</a:t>
             </a:r>
           </a:p>
@@ -7636,7 +7579,7 @@
           <a:p>
             <a:fld id="{699DC775-C286-4358-8C92-D7E584E969B3}" type="datetimeFigureOut">
               <a:rPr lang="en-US" smtClean="0"/>
-              <a:t>4/12/2019</a:t>
+              <a:t>4/14/2019</a:t>
             </a:fld>
             <a:endParaRPr lang="en-US"/>
           </a:p>
@@ -7745,10 +7688,9 @@
           <a:lstStyle/>
           <a:p>
             <a:r>
-              <a:rPr lang="en-US" smtClean="0"/>
+              <a:rPr lang="en-US"/>
               <a:t>Click to edit Master title style</a:t>
             </a:r>
-            <a:endParaRPr lang="en-US"/>
           </a:p>
         </p:txBody>
       </p:sp>
@@ -7779,38 +7721,37 @@
           <a:p>
             <a:pPr lvl="0"/>
             <a:r>
-              <a:rPr lang="en-US" smtClean="0"/>
+              <a:rPr lang="en-US"/>
               <a:t>Click to edit Master text styles</a:t>
             </a:r>
           </a:p>
           <a:p>
             <a:pPr lvl="1"/>
             <a:r>
-              <a:rPr lang="en-US" smtClean="0"/>
+              <a:rPr lang="en-US"/>
               <a:t>Second level</a:t>
             </a:r>
           </a:p>
           <a:p>
             <a:pPr lvl="2"/>
             <a:r>
-              <a:rPr lang="en-US" smtClean="0"/>
+              <a:rPr lang="en-US"/>
               <a:t>Third level</a:t>
             </a:r>
           </a:p>
           <a:p>
             <a:pPr lvl="3"/>
             <a:r>
-              <a:rPr lang="en-US" smtClean="0"/>
+              <a:rPr lang="en-US"/>
               <a:t>Fourth level</a:t>
             </a:r>
           </a:p>
           <a:p>
             <a:pPr lvl="4"/>
             <a:r>
-              <a:rPr lang="en-US" smtClean="0"/>
+              <a:rPr lang="en-US"/>
               <a:t>Fifth level</a:t>
             </a:r>
-            <a:endParaRPr lang="en-US"/>
           </a:p>
         </p:txBody>
       </p:sp>
@@ -7849,7 +7790,7 @@
           <a:p>
             <a:fld id="{699DC775-C286-4358-8C92-D7E584E969B3}" type="datetimeFigureOut">
               <a:rPr lang="en-US" smtClean="0"/>
-              <a:t>4/12/2019</a:t>
+              <a:t>4/14/2019</a:t>
             </a:fld>
             <a:endParaRPr lang="en-US"/>
           </a:p>
@@ -8260,10 +8201,9 @@
           <a:lstStyle/>
           <a:p>
             <a:r>
-              <a:rPr lang="en-US" smtClean="0"/>
+              <a:rPr lang="en-US"/>
               <a:t>Click to edit Master title style</a:t>
             </a:r>
-            <a:endParaRPr lang="en-US"/>
           </a:p>
         </p:txBody>
       </p:sp>
@@ -8294,38 +8234,37 @@
           <a:p>
             <a:pPr lvl="0"/>
             <a:r>
-              <a:rPr lang="en-US" smtClean="0"/>
+              <a:rPr lang="en-US"/>
               <a:t>Click to edit Master text styles</a:t>
             </a:r>
           </a:p>
           <a:p>
             <a:pPr lvl="1"/>
             <a:r>
-              <a:rPr lang="en-US" smtClean="0"/>
+              <a:rPr lang="en-US"/>
               <a:t>Second level</a:t>
             </a:r>
           </a:p>
           <a:p>
             <a:pPr lvl="2"/>
             <a:r>
-              <a:rPr lang="en-US" smtClean="0"/>
+              <a:rPr lang="en-US"/>
               <a:t>Third level</a:t>
             </a:r>
           </a:p>
           <a:p>
             <a:pPr lvl="3"/>
             <a:r>
-              <a:rPr lang="en-US" smtClean="0"/>
+              <a:rPr lang="en-US"/>
               <a:t>Fourth level</a:t>
             </a:r>
           </a:p>
           <a:p>
             <a:pPr lvl="4"/>
             <a:r>
-              <a:rPr lang="en-US" smtClean="0"/>
+              <a:rPr lang="en-US"/>
               <a:t>Fifth level</a:t>
             </a:r>
-            <a:endParaRPr lang="en-US"/>
           </a:p>
         </p:txBody>
       </p:sp>
@@ -8364,7 +8303,7 @@
           <a:p>
             <a:fld id="{699DC775-C286-4358-8C92-D7E584E969B3}" type="datetimeFigureOut">
               <a:rPr lang="en-US" smtClean="0"/>
-              <a:t>4/12/2019</a:t>
+              <a:t>4/14/2019</a:t>
             </a:fld>
             <a:endParaRPr lang="en-US"/>
           </a:p>
@@ -8773,10 +8712,9 @@
           <a:lstStyle/>
           <a:p>
             <a:r>
-              <a:rPr lang="en-US" dirty="0" smtClean="0"/>
+              <a:rPr lang="en-US" dirty="0"/>
               <a:t>Click to edit Master title style</a:t>
             </a:r>
-            <a:endParaRPr lang="en-US" dirty="0"/>
           </a:p>
         </p:txBody>
       </p:sp>
@@ -8807,38 +8745,37 @@
           <a:p>
             <a:pPr lvl="0"/>
             <a:r>
-              <a:rPr lang="en-US" smtClean="0"/>
+              <a:rPr lang="en-US"/>
               <a:t>Click to edit Master text styles</a:t>
             </a:r>
           </a:p>
           <a:p>
             <a:pPr lvl="1"/>
             <a:r>
-              <a:rPr lang="en-US" smtClean="0"/>
+              <a:rPr lang="en-US"/>
               <a:t>Second level</a:t>
             </a:r>
           </a:p>
           <a:p>
             <a:pPr lvl="2"/>
             <a:r>
-              <a:rPr lang="en-US" smtClean="0"/>
+              <a:rPr lang="en-US"/>
               <a:t>Third level</a:t>
             </a:r>
           </a:p>
           <a:p>
             <a:pPr lvl="3"/>
             <a:r>
-              <a:rPr lang="en-US" smtClean="0"/>
+              <a:rPr lang="en-US"/>
               <a:t>Fourth level</a:t>
             </a:r>
           </a:p>
           <a:p>
             <a:pPr lvl="4"/>
             <a:r>
-              <a:rPr lang="en-US" smtClean="0"/>
+              <a:rPr lang="en-US"/>
               <a:t>Fifth level</a:t>
             </a:r>
-            <a:endParaRPr lang="en-US"/>
           </a:p>
         </p:txBody>
       </p:sp>
@@ -8877,7 +8814,7 @@
           <a:p>
             <a:fld id="{699DC775-C286-4358-8C92-D7E584E969B3}" type="datetimeFigureOut">
               <a:rPr lang="en-US" smtClean="0"/>
-              <a:t>4/12/2019</a:t>
+              <a:t>4/14/2019</a:t>
             </a:fld>
             <a:endParaRPr lang="en-US"/>
           </a:p>
@@ -9270,7 +9207,7 @@
           <a:lstStyle/>
           <a:p>
             <a:r>
-              <a:rPr lang="en-US" sz="5400" b="1" dirty="0" err="1" smtClean="0">
+              <a:rPr lang="en-US" sz="5400" b="1" dirty="0" err="1">
                 <a:solidFill>
                   <a:schemeClr val="accent6">
                     <a:lumMod val="75000"/>
@@ -9280,7 +9217,7 @@
               <a:t>PowerPointLabs</a:t>
             </a:r>
             <a:r>
-              <a:rPr lang="en-US" sz="5400" b="1" dirty="0" smtClean="0">
+              <a:rPr lang="en-US" sz="5400" b="1" dirty="0">
                 <a:solidFill>
                   <a:schemeClr val="accent6">
                     <a:lumMod val="75000"/>
@@ -9318,7 +9255,7 @@
               <a:buNone/>
             </a:pPr>
             <a:r>
-              <a:rPr lang="en-US" b="1" dirty="0" smtClean="0">
+              <a:rPr lang="en-US" b="1" dirty="0">
                 <a:solidFill>
                   <a:srgbClr val="0070C0"/>
                 </a:solidFill>
@@ -9329,34 +9266,21 @@
           <a:p>
             <a:pPr marL="285750" indent="-285750"/>
             <a:r>
-              <a:rPr lang="en-US" b="1" dirty="0" smtClean="0">
-                <a:solidFill>
-                  <a:srgbClr val="0070C0"/>
-                </a:solidFill>
-              </a:rPr>
-              <a:t>DO </a:t>
-            </a:r>
-            <a:r>
               <a:rPr lang="en-US" b="1" dirty="0">
                 <a:solidFill>
                   <a:srgbClr val="0070C0"/>
                 </a:solidFill>
               </a:rPr>
-              <a:t>NOT SAVE </a:t>
+              <a:t>DO NOT SAVE </a:t>
             </a:r>
             <a:r>
-              <a:rPr lang="en-US" dirty="0" smtClean="0">
+              <a:rPr lang="en-US" dirty="0">
                 <a:solidFill>
                   <a:srgbClr val="0070C0"/>
                 </a:solidFill>
               </a:rPr>
               <a:t>these slides after testing. Keep this file in its original form.</a:t>
             </a:r>
-            <a:endParaRPr lang="en-US" dirty="0">
-              <a:solidFill>
-                <a:srgbClr val="0070C0"/>
-              </a:solidFill>
-            </a:endParaRPr>
           </a:p>
           <a:p>
             <a:pPr marL="285750" indent="-285750"/>
@@ -9366,47 +9290,7 @@
                   <a:srgbClr val="0070C0"/>
                 </a:solidFill>
               </a:rPr>
-              <a:t>If </a:t>
-            </a:r>
-            <a:r>
-              <a:rPr lang="en-US" dirty="0" smtClean="0">
-                <a:solidFill>
-                  <a:srgbClr val="0070C0"/>
-                </a:solidFill>
-              </a:rPr>
-              <a:t>your </a:t>
-            </a:r>
-            <a:r>
-              <a:rPr lang="en-US" dirty="0">
-                <a:solidFill>
-                  <a:srgbClr val="0070C0"/>
-                </a:solidFill>
-              </a:rPr>
-              <a:t>result </a:t>
-            </a:r>
-            <a:r>
-              <a:rPr lang="en-US" dirty="0" smtClean="0">
-                <a:solidFill>
-                  <a:srgbClr val="0070C0"/>
-                </a:solidFill>
-              </a:rPr>
-              <a:t>is different from the </a:t>
-            </a:r>
-            <a:r>
-              <a:rPr lang="en-US" dirty="0">
-                <a:solidFill>
-                  <a:srgbClr val="0070C0"/>
-                </a:solidFill>
-              </a:rPr>
-              <a:t>expected output, </a:t>
-            </a:r>
-            <a:r>
-              <a:rPr lang="en-US" dirty="0" smtClean="0">
-                <a:solidFill>
-                  <a:srgbClr val="0070C0"/>
-                </a:solidFill>
-              </a:rPr>
-              <a:t>please submit a bug report (attach slides/screenshots as necessary).</a:t>
+              <a:t>If your result is different from the expected output, please submit a bug report (attach slides/screenshots as necessary).</a:t>
             </a:r>
             <a:endParaRPr lang="en-SG" dirty="0">
               <a:solidFill>
@@ -9429,13 +9313,6 @@
   <p:clrMapOvr>
     <a:masterClrMapping/>
   </p:clrMapOvr>
-  <p:timing>
-    <p:tnLst>
-      <p:par>
-        <p:cTn id="1" dur="indefinite" restart="never" nodeType="tmRoot"/>
-      </p:par>
-    </p:tnLst>
-  </p:timing>
 </p:sld>
 </file>
 
@@ -9946,18 +9823,13 @@
           <a:p>
             <a:pPr algn="ctr"/>
             <a:r>
-              <a:rPr lang="en-US" b="1" smtClean="0">
+              <a:rPr lang="en-US" b="1">
                 <a:solidFill>
                   <a:srgbClr val="FFFFFF"/>
                 </a:solidFill>
               </a:rPr>
               <a:t>Zoom Shape 1</a:t>
             </a:r>
-            <a:endParaRPr lang="en-US" b="1">
-              <a:solidFill>
-                <a:srgbClr val="FFFFFF"/>
-              </a:solidFill>
-            </a:endParaRPr>
           </a:p>
         </p:txBody>
       </p:sp>
@@ -10347,14 +10219,6 @@
   <p:clrMapOvr>
     <a:masterClrMapping/>
   </p:clrMapOvr>
-  <mc:AlternateContent xmlns:mc="http://schemas.openxmlformats.org/markup-compatibility/2006" xmlns:p14="http://schemas.microsoft.com/office/powerpoint/2010/main">
-    <mc:Choice Requires="p14">
-      <p:transition spd="slow" p14:dur="2000"/>
-    </mc:Choice>
-    <mc:Fallback xmlns="">
-      <p:transition spd="slow"/>
-    </mc:Fallback>
-  </mc:AlternateContent>
   <p:timing>
     <p:tnLst>
       <p:par>
@@ -10859,7 +10723,7 @@
           <a:lstStyle/>
           <a:p>
             <a:r>
-              <a:rPr lang="en-US" dirty="0" smtClean="0"/>
+              <a:rPr lang="en-US" dirty="0"/>
               <a:t>Zoom to Area:: Multiple Shapes</a:t>
             </a:r>
             <a:endParaRPr lang="en-SG" dirty="0"/>
@@ -10883,11 +10747,7 @@
           <a:p>
             <a:r>
               <a:rPr lang="en-US" dirty="0"/>
-              <a:t>Select all blue </a:t>
-            </a:r>
-            <a:r>
-              <a:rPr lang="en-US" dirty="0" smtClean="0"/>
-              <a:t>rectangles sequentially.</a:t>
+              <a:t>Select all blue rectangles sequentially.</a:t>
             </a:r>
             <a:endParaRPr lang="en-SG" dirty="0"/>
           </a:p>
@@ -10903,13 +10763,6 @@
   <p:clrMapOvr>
     <a:masterClrMapping/>
   </p:clrMapOvr>
-  <p:timing>
-    <p:tnLst>
-      <p:par>
-        <p:cTn id="1" dur="indefinite" restart="never" nodeType="tmRoot"/>
-      </p:par>
-    </p:tnLst>
-  </p:timing>
 </p:sld>
 </file>
 
@@ -11216,7 +11069,7 @@
           <a:lstStyle/>
           <a:p>
             <a:r>
-              <a:rPr lang="en-US" sz="6600" dirty="0" smtClean="0">
+              <a:rPr lang="en-US" sz="6600" dirty="0">
                 <a:solidFill>
                   <a:schemeClr val="accent1"/>
                 </a:solidFill>
@@ -11302,7 +11155,7 @@
           <a:lstStyle/>
           <a:p>
             <a:r>
-              <a:rPr lang="en-US" sz="6600" dirty="0" smtClean="0">
+              <a:rPr lang="en-US" sz="6600" dirty="0">
                 <a:solidFill>
                   <a:schemeClr val="accent1"/>
                 </a:solidFill>
@@ -11340,10 +11193,9 @@
           <a:lstStyle/>
           <a:p>
             <a:r>
-              <a:rPr lang="en-US" sz="6000" b="1" dirty="0" smtClean="0"/>
+              <a:rPr lang="en-US" sz="6000" b="1" dirty="0"/>
               <a:t>TEXT IN SLIDE</a:t>
             </a:r>
-            <a:endParaRPr lang="en-US" sz="6000" b="1" dirty="0"/>
           </a:p>
         </p:txBody>
       </p:sp>
@@ -11437,11 +11289,11 @@
   <p:clrMapOvr>
     <a:masterClrMapping/>
   </p:clrMapOvr>
-  <mc:AlternateContent xmlns:mc="http://schemas.openxmlformats.org/markup-compatibility/2006">
-    <mc:Choice xmlns:p14="http://schemas.microsoft.com/office/powerpoint/2010/main" Requires="p14">
+  <mc:AlternateContent xmlns:mc="http://schemas.openxmlformats.org/markup-compatibility/2006" xmlns:p14="http://schemas.microsoft.com/office/powerpoint/2010/main">
+    <mc:Choice Requires="p14">
       <p:transition spd="slow" p14:dur="2000" advTm="1000"/>
     </mc:Choice>
-    <mc:Fallback>
+    <mc:Fallback xmlns="">
       <p:transition spd="slow" advTm="1000"/>
     </mc:Fallback>
   </mc:AlternateContent>
@@ -11759,7 +11611,7 @@
 
 <file path=ppt/slides/slide15.xml><?xml version="1.0" encoding="utf-8"?>
 <p:sld xmlns:a="http://schemas.openxmlformats.org/drawingml/2006/main" xmlns:r="http://schemas.openxmlformats.org/officeDocument/2006/relationships" xmlns:p="http://schemas.openxmlformats.org/presentationml/2006/main">
-  <p:cSld name="PPTLabsZoomToAreaSlide201904121153331525">
+  <p:cSld name="PPTLabsZoomToAreaSlide201904141205590370">
     <p:bg>
       <p:bgPr>
         <a:solidFill>
@@ -11927,7 +11779,7 @@
           <a:lstStyle/>
           <a:p>
             <a:r>
-              <a:rPr lang="en-US" sz="6600" dirty="0" smtClean="0">
+              <a:rPr lang="en-US" sz="6600" dirty="0">
                 <a:solidFill>
                   <a:schemeClr val="accent1"/>
                 </a:solidFill>
@@ -11965,7 +11817,7 @@
           <a:lstStyle/>
           <a:p>
             <a:r>
-              <a:rPr lang="en-US" sz="6600" dirty="0" smtClean="0">
+              <a:rPr lang="en-US" sz="6600" dirty="0">
                 <a:solidFill>
                   <a:schemeClr val="accent1"/>
                 </a:solidFill>
@@ -12003,10 +11855,9 @@
           <a:lstStyle/>
           <a:p>
             <a:r>
-              <a:rPr lang="en-US" sz="6000" b="1" dirty="0" smtClean="0"/>
+              <a:rPr lang="en-US" sz="6000" b="1" dirty="0"/>
               <a:t>TEXT IN SLIDE</a:t>
             </a:r>
-            <a:endParaRPr lang="en-US" sz="6000" b="1" dirty="0"/>
           </a:p>
         </p:txBody>
       </p:sp>
@@ -12092,7 +11943,13 @@
       </p:sp>
       <p:sp>
         <p:nvSpPr>
-          <p:cNvPr id="3" name="PPTLabsMagnifyShape201904121153331525"/>
+          <p:cNvPr id="3" name="PPTLabsMagnifyShape201904141205590401">
+            <a:extLst>
+              <a:ext uri="{FF2B5EF4-FFF2-40B4-BE49-F238E27FC236}">
+                <a16:creationId xmlns:a16="http://schemas.microsoft.com/office/drawing/2014/main" id="{418C6831-BA1B-44F6-88BB-4257EF2FEC1B}"/>
+              </a:ext>
+            </a:extLst>
+          </p:cNvPr>
           <p:cNvSpPr/>
           <p:nvPr/>
         </p:nvSpPr>
@@ -12139,24 +11996,25 @@
           <a:p>
             <a:pPr algn="ctr"/>
             <a:r>
-              <a:rPr lang="en-SG" b="1" smtClean="0">
+              <a:rPr lang="en-SG" b="1">
                 <a:solidFill>
                   <a:srgbClr val="FFFFFF"/>
                 </a:solidFill>
               </a:rPr>
               <a:t>Zoom Shape 1</a:t>
             </a:r>
-            <a:endParaRPr lang="en-SG" b="1">
-              <a:solidFill>
-                <a:srgbClr val="FFFFFF"/>
-              </a:solidFill>
-            </a:endParaRPr>
           </a:p>
         </p:txBody>
       </p:sp>
       <p:sp>
         <p:nvSpPr>
-          <p:cNvPr id="8" name="PPTLabsMagnifyShape201904121153331575"/>
+          <p:cNvPr id="8" name="PPTLabsMagnifyShape201904141205590507">
+            <a:extLst>
+              <a:ext uri="{FF2B5EF4-FFF2-40B4-BE49-F238E27FC236}">
+                <a16:creationId xmlns:a16="http://schemas.microsoft.com/office/drawing/2014/main" id="{2DE91705-0397-4065-8661-1E75836501A7}"/>
+              </a:ext>
+            </a:extLst>
+          </p:cNvPr>
           <p:cNvSpPr/>
           <p:nvPr/>
         </p:nvSpPr>
@@ -12203,24 +12061,25 @@
           <a:p>
             <a:pPr algn="ctr"/>
             <a:r>
-              <a:rPr lang="en-SG" b="1" smtClean="0">
+              <a:rPr lang="en-SG" b="1">
                 <a:solidFill>
                   <a:srgbClr val="FFFFFF"/>
                 </a:solidFill>
               </a:rPr>
               <a:t>Zoom Shape 2</a:t>
             </a:r>
-            <a:endParaRPr lang="en-SG" b="1">
-              <a:solidFill>
-                <a:srgbClr val="FFFFFF"/>
-              </a:solidFill>
-            </a:endParaRPr>
           </a:p>
         </p:txBody>
       </p:sp>
       <p:sp>
         <p:nvSpPr>
-          <p:cNvPr id="9" name="PPTLabsMagnifyShape201904121153331604"/>
+          <p:cNvPr id="9" name="PPTLabsMagnifyShape201904141205590557">
+            <a:extLst>
+              <a:ext uri="{FF2B5EF4-FFF2-40B4-BE49-F238E27FC236}">
+                <a16:creationId xmlns:a16="http://schemas.microsoft.com/office/drawing/2014/main" id="{D2025EEF-BAA2-414F-AF97-0A0C58D5A6F9}"/>
+              </a:ext>
+            </a:extLst>
+          </p:cNvPr>
           <p:cNvSpPr/>
           <p:nvPr/>
         </p:nvSpPr>
@@ -12267,24 +12126,25 @@
           <a:p>
             <a:pPr algn="ctr"/>
             <a:r>
-              <a:rPr lang="en-SG" b="1" smtClean="0">
+              <a:rPr lang="en-SG" b="1">
                 <a:solidFill>
                   <a:srgbClr val="FFFFFF"/>
                 </a:solidFill>
               </a:rPr>
               <a:t>Zoom Shape 3</a:t>
             </a:r>
-            <a:endParaRPr lang="en-SG" b="1">
-              <a:solidFill>
-                <a:srgbClr val="FFFFFF"/>
-              </a:solidFill>
-            </a:endParaRPr>
           </a:p>
         </p:txBody>
       </p:sp>
       <p:sp>
         <p:nvSpPr>
-          <p:cNvPr id="10" name="PPTLabsMagnifyShape201904121153331644"/>
+          <p:cNvPr id="10" name="PPTLabsMagnifyShape201904141205590617">
+            <a:extLst>
+              <a:ext uri="{FF2B5EF4-FFF2-40B4-BE49-F238E27FC236}">
+                <a16:creationId xmlns:a16="http://schemas.microsoft.com/office/drawing/2014/main" id="{C3D937A4-66D0-4507-9F9F-8B60445C6435}"/>
+              </a:ext>
+            </a:extLst>
+          </p:cNvPr>
           <p:cNvSpPr/>
           <p:nvPr/>
         </p:nvSpPr>
@@ -12331,25 +12191,20 @@
           <a:p>
             <a:pPr algn="ctr"/>
             <a:r>
-              <a:rPr lang="en-SG" b="1" smtClean="0">
+              <a:rPr lang="en-SG" b="1">
                 <a:solidFill>
                   <a:srgbClr val="FFFFFF"/>
                 </a:solidFill>
               </a:rPr>
               <a:t>Zoom Shape 4</a:t>
             </a:r>
-            <a:endParaRPr lang="en-SG" b="1">
-              <a:solidFill>
-                <a:srgbClr val="FFFFFF"/>
-              </a:solidFill>
-            </a:endParaRPr>
           </a:p>
         </p:txBody>
       </p:sp>
     </p:spTree>
     <p:extLst>
       <p:ext uri="{BB962C8B-B14F-4D97-AF65-F5344CB8AC3E}">
-        <p14:creationId xmlns:p14="http://schemas.microsoft.com/office/powerpoint/2010/main" val="3684537491"/>
+        <p14:creationId xmlns:p14="http://schemas.microsoft.com/office/powerpoint/2010/main" val="2520793505"/>
       </p:ext>
     </p:extLst>
   </p:cSld>
@@ -12773,7 +12628,7 @@
 
 <file path=ppt/slides/slide16.xml><?xml version="1.0" encoding="utf-8"?>
 <p:sld xmlns:a="http://schemas.openxmlformats.org/drawingml/2006/main" xmlns:r="http://schemas.openxmlformats.org/officeDocument/2006/relationships" xmlns:p="http://schemas.openxmlformats.org/presentationml/2006/main">
-  <p:cSld name="PPTLabsMagnifyingSlide201904121153331774">
+  <p:cSld name="PPTLabsMagnifyingSlide201904141205590820">
     <p:bg>
       <p:bgPr>
         <a:solidFill>
@@ -12865,16 +12720,21 @@
           <a:lstStyle/>
           <a:p>
             <a:r>
-              <a:rPr lang="en-US" sz="6000" b="1" dirty="0" smtClean="0"/>
+              <a:rPr lang="en-US" sz="6000" b="1" dirty="0"/>
               <a:t>TEXT IN SLIDE</a:t>
             </a:r>
-            <a:endParaRPr lang="en-US" sz="6000" b="1" dirty="0"/>
           </a:p>
         </p:txBody>
       </p:sp>
       <p:pic>
         <p:nvPicPr>
-          <p:cNvPr id="5" name="PPTLabsMagnifyAreaGroup201904121153336383" hidden="1"/>
+          <p:cNvPr id="6" name="PPTLabsMagnifyAreaGroup201904141205598599" hidden="1">
+            <a:extLst>
+              <a:ext uri="{FF2B5EF4-FFF2-40B4-BE49-F238E27FC236}">
+                <a16:creationId xmlns:a16="http://schemas.microsoft.com/office/drawing/2014/main" id="{8AEB1246-A922-4A9A-96C8-4BEC6E952937}"/>
+              </a:ext>
+            </a:extLst>
+          </p:cNvPr>
           <p:cNvPicPr>
             <a:picLocks/>
           </p:cNvPicPr>
@@ -12904,7 +12764,13 @@
       </p:pic>
       <p:pic>
         <p:nvPicPr>
-          <p:cNvPr id="22" name="PPTLabsMagnifyAreaSlide201904121153336765"/>
+          <p:cNvPr id="22" name="PPTLabsMagnifyAreaSlide201904141205598948">
+            <a:extLst>
+              <a:ext uri="{FF2B5EF4-FFF2-40B4-BE49-F238E27FC236}">
+                <a16:creationId xmlns:a16="http://schemas.microsoft.com/office/drawing/2014/main" id="{9DE4C156-953C-4507-8FE2-D1F395AAD398}"/>
+              </a:ext>
+            </a:extLst>
+          </p:cNvPr>
           <p:cNvPicPr>
             <a:picLocks/>
           </p:cNvPicPr>
@@ -12934,7 +12800,13 @@
       </p:pic>
       <p:pic>
         <p:nvPicPr>
-          <p:cNvPr id="6" name="PPTIndicator201904121153336745"/>
+          <p:cNvPr id="11" name="PPTIndicator201904141205598889">
+            <a:extLst>
+              <a:ext uri="{FF2B5EF4-FFF2-40B4-BE49-F238E27FC236}">
+                <a16:creationId xmlns:a16="http://schemas.microsoft.com/office/drawing/2014/main" id="{35FCA781-7E8D-48FB-A306-C4DC44719867}"/>
+              </a:ext>
+            </a:extLst>
+          </p:cNvPr>
           <p:cNvPicPr>
             <a:picLocks/>
           </p:cNvPicPr>
@@ -12965,18 +12837,18 @@
     </p:spTree>
     <p:extLst>
       <p:ext uri="{BB962C8B-B14F-4D97-AF65-F5344CB8AC3E}">
-        <p14:creationId xmlns:p14="http://schemas.microsoft.com/office/powerpoint/2010/main" val="2415337702"/>
+        <p14:creationId xmlns:p14="http://schemas.microsoft.com/office/powerpoint/2010/main" val="2605763098"/>
       </p:ext>
     </p:extLst>
   </p:cSld>
   <p:clrMapOvr>
     <a:masterClrMapping/>
   </p:clrMapOvr>
-  <mc:AlternateContent xmlns:mc="http://schemas.openxmlformats.org/markup-compatibility/2006" xmlns:p14="http://schemas.microsoft.com/office/powerpoint/2010/main">
-    <mc:Choice Requires="p14">
+  <mc:AlternateContent xmlns:mc="http://schemas.openxmlformats.org/markup-compatibility/2006">
+    <mc:Choice xmlns:p14="http://schemas.microsoft.com/office/powerpoint/2010/main" Requires="p14">
       <p:transition spd="slow" p14:dur="2000" advClick="0" advTm="0"/>
     </mc:Choice>
-    <mc:Fallback xmlns="">
+    <mc:Fallback>
       <p:transition spd="slow" advClick="0" advTm="0"/>
     </mc:Fallback>
   </mc:AlternateContent>
@@ -13017,7 +12889,7 @@
                                           </p:stCondLst>
                                         </p:cTn>
                                         <p:tgtEl>
-                                          <p:spTgt spid="6"/>
+                                          <p:spTgt spid="11"/>
                                         </p:tgtEl>
                                         <p:attrNameLst>
                                           <p:attrName>style.visibility</p:attrName>
@@ -13044,7 +12916,7 @@
                                           </p:stCondLst>
                                         </p:cTn>
                                         <p:tgtEl>
-                                          <p:spTgt spid="6"/>
+                                          <p:spTgt spid="11"/>
                                         </p:tgtEl>
                                         <p:attrNameLst>
                                           <p:attrName>style.visibility</p:attrName>
@@ -13138,7 +13010,7 @@
 
 <file path=ppt/slides/slide17.xml><?xml version="1.0" encoding="utf-8"?>
 <p:sld xmlns:a="http://schemas.openxmlformats.org/drawingml/2006/main" xmlns:r="http://schemas.openxmlformats.org/officeDocument/2006/relationships" xmlns:p="http://schemas.openxmlformats.org/presentationml/2006/main">
-  <p:cSld name="PPTLabsMagnifiedSlide201904121153336785">
+  <p:cSld name="PPTLabsMagnifiedSlide201904141205598988">
     <p:bg>
       <p:bgPr>
         <a:solidFill>
@@ -13163,7 +13035,13 @@
       </p:grpSpPr>
       <p:pic>
         <p:nvPicPr>
-          <p:cNvPr id="5" name="PPTLabsMagnifyAreaGroup201904121153336383"/>
+          <p:cNvPr id="6" name="PPTLabsMagnifyAreaGroup201904141205598599">
+            <a:extLst>
+              <a:ext uri="{FF2B5EF4-FFF2-40B4-BE49-F238E27FC236}">
+                <a16:creationId xmlns:a16="http://schemas.microsoft.com/office/drawing/2014/main" id="{8AEB1246-A922-4A9A-96C8-4BEC6E952937}"/>
+              </a:ext>
+            </a:extLst>
+          </p:cNvPr>
           <p:cNvPicPr>
             <a:picLocks noChangeAspect="1"/>
           </p:cNvPicPr>
@@ -13194,7 +13072,13 @@
       </p:pic>
       <p:pic>
         <p:nvPicPr>
-          <p:cNvPr id="3" name="PPTIndicator201904121153337003"/>
+          <p:cNvPr id="5" name="PPTIndicator201904141205599217">
+            <a:extLst>
+              <a:ext uri="{FF2B5EF4-FFF2-40B4-BE49-F238E27FC236}">
+                <a16:creationId xmlns:a16="http://schemas.microsoft.com/office/drawing/2014/main" id="{4D115C5A-39DD-4047-9B8B-0CE87F20D23C}"/>
+              </a:ext>
+            </a:extLst>
+          </p:cNvPr>
           <p:cNvPicPr>
             <a:picLocks/>
           </p:cNvPicPr>
@@ -13225,21 +13109,13 @@
     </p:spTree>
     <p:extLst>
       <p:ext uri="{BB962C8B-B14F-4D97-AF65-F5344CB8AC3E}">
-        <p14:creationId xmlns:p14="http://schemas.microsoft.com/office/powerpoint/2010/main" val="3901356973"/>
+        <p14:creationId xmlns:p14="http://schemas.microsoft.com/office/powerpoint/2010/main" val="2798808389"/>
       </p:ext>
     </p:extLst>
   </p:cSld>
   <p:clrMapOvr>
     <a:masterClrMapping/>
   </p:clrMapOvr>
-  <mc:AlternateContent xmlns:mc="http://schemas.openxmlformats.org/markup-compatibility/2006" xmlns:p14="http://schemas.microsoft.com/office/powerpoint/2010/main">
-    <mc:Choice Requires="p14">
-      <p:transition spd="slow" p14:dur="2000"/>
-    </mc:Choice>
-    <mc:Fallback xmlns="">
-      <p:transition spd="slow"/>
-    </mc:Fallback>
-  </mc:AlternateContent>
   <p:timing>
     <p:tnLst>
       <p:par>
@@ -13277,7 +13153,7 @@
                                           </p:stCondLst>
                                         </p:cTn>
                                         <p:tgtEl>
-                                          <p:spTgt spid="3"/>
+                                          <p:spTgt spid="5"/>
                                         </p:tgtEl>
                                         <p:attrNameLst>
                                           <p:attrName>style.visibility</p:attrName>
@@ -13304,7 +13180,7 @@
                                           </p:stCondLst>
                                         </p:cTn>
                                         <p:tgtEl>
-                                          <p:spTgt spid="3"/>
+                                          <p:spTgt spid="5"/>
                                         </p:tgtEl>
                                         <p:attrNameLst>
                                           <p:attrName>style.visibility</p:attrName>
@@ -13350,7 +13226,7 @@
 
 <file path=ppt/slides/slide18.xml><?xml version="1.0" encoding="utf-8"?>
 <p:sld xmlns:a="http://schemas.openxmlformats.org/drawingml/2006/main" xmlns:r="http://schemas.openxmlformats.org/officeDocument/2006/relationships" xmlns:p="http://schemas.openxmlformats.org/presentationml/2006/main">
-  <p:cSld name="PPTLabsMagnifiedPanSlide201904121153342321">
+  <p:cSld name="PPTLabsMagnifiedPanSlide201904141206005164">
     <p:bg>
       <p:bgPr>
         <a:solidFill>
@@ -13375,7 +13251,13 @@
       </p:grpSpPr>
       <p:pic>
         <p:nvPicPr>
-          <p:cNvPr id="5" name="PPTLabsMagnifyAreaGroup201904121153336383"/>
+          <p:cNvPr id="6" name="PPTLabsMagnifyAreaGroup201904141205598599">
+            <a:extLst>
+              <a:ext uri="{FF2B5EF4-FFF2-40B4-BE49-F238E27FC236}">
+                <a16:creationId xmlns:a16="http://schemas.microsoft.com/office/drawing/2014/main" id="{8AEB1246-A922-4A9A-96C8-4BEC6E952937}"/>
+              </a:ext>
+            </a:extLst>
+          </p:cNvPr>
           <p:cNvPicPr>
             <a:picLocks/>
           </p:cNvPicPr>
@@ -13406,7 +13288,13 @@
       </p:pic>
       <p:pic>
         <p:nvPicPr>
-          <p:cNvPr id="6" name="PPTLabsMagnifyAreaGroup201904121153336383"/>
+          <p:cNvPr id="7" name="PPTLabsMagnifyAreaGroup201904141205598599">
+            <a:extLst>
+              <a:ext uri="{FF2B5EF4-FFF2-40B4-BE49-F238E27FC236}">
+                <a16:creationId xmlns:a16="http://schemas.microsoft.com/office/drawing/2014/main" id="{B9D3D099-BFBA-4826-8D56-F98054D56A27}"/>
+              </a:ext>
+            </a:extLst>
+          </p:cNvPr>
           <p:cNvPicPr>
             <a:picLocks/>
           </p:cNvPicPr>
@@ -13437,7 +13325,13 @@
       </p:pic>
       <p:pic>
         <p:nvPicPr>
-          <p:cNvPr id="2" name="PPTIndicator201904121153342874"/>
+          <p:cNvPr id="3" name="PPTIndicator201904141206005394">
+            <a:extLst>
+              <a:ext uri="{FF2B5EF4-FFF2-40B4-BE49-F238E27FC236}">
+                <a16:creationId xmlns:a16="http://schemas.microsoft.com/office/drawing/2014/main" id="{BCC6F983-CF47-4BB6-91E0-A904DFC213FD}"/>
+              </a:ext>
+            </a:extLst>
+          </p:cNvPr>
           <p:cNvPicPr>
             <a:picLocks/>
           </p:cNvPicPr>
@@ -13468,18 +13362,18 @@
     </p:spTree>
     <p:extLst>
       <p:ext uri="{BB962C8B-B14F-4D97-AF65-F5344CB8AC3E}">
-        <p14:creationId xmlns:p14="http://schemas.microsoft.com/office/powerpoint/2010/main" val="3486458233"/>
+        <p14:creationId xmlns:p14="http://schemas.microsoft.com/office/powerpoint/2010/main" val="2371078788"/>
       </p:ext>
     </p:extLst>
   </p:cSld>
   <p:clrMapOvr>
     <a:masterClrMapping/>
   </p:clrMapOvr>
-  <mc:AlternateContent xmlns:mc="http://schemas.openxmlformats.org/markup-compatibility/2006" xmlns:p14="http://schemas.microsoft.com/office/powerpoint/2010/main">
-    <mc:Choice Requires="p14">
+  <mc:AlternateContent xmlns:mc="http://schemas.openxmlformats.org/markup-compatibility/2006">
+    <mc:Choice xmlns:p14="http://schemas.microsoft.com/office/powerpoint/2010/main" Requires="p14">
       <p:transition spd="slow" p14:dur="2000" advClick="0" advTm="0"/>
     </mc:Choice>
-    <mc:Fallback xmlns="">
+    <mc:Fallback>
       <p:transition spd="slow" advClick="0" advTm="0"/>
     </mc:Fallback>
   </mc:AlternateContent>
@@ -13520,7 +13414,7 @@
                                           </p:stCondLst>
                                         </p:cTn>
                                         <p:tgtEl>
-                                          <p:spTgt spid="2"/>
+                                          <p:spTgt spid="3"/>
                                         </p:tgtEl>
                                         <p:attrNameLst>
                                           <p:attrName>style.visibility</p:attrName>
@@ -13547,7 +13441,7 @@
                                           </p:stCondLst>
                                         </p:cTn>
                                         <p:tgtEl>
-                                          <p:spTgt spid="2"/>
+                                          <p:spTgt spid="3"/>
                                         </p:tgtEl>
                                         <p:attrNameLst>
                                           <p:attrName>style.visibility</p:attrName>
@@ -13570,7 +13464,7 @@
                                       <p:cBhvr>
                                         <p:cTn id="10" dur="1" fill="hold"/>
                                         <p:tgtEl>
-                                          <p:spTgt spid="5"/>
+                                          <p:spTgt spid="6"/>
                                         </p:tgtEl>
                                         <p:attrNameLst>
                                           <p:attrName>ppt_x</p:attrName>
@@ -13591,7 +13485,7 @@
                                       <p:cBhvr>
                                         <p:cTn id="12" dur="1" fill="hold"/>
                                         <p:tgtEl>
-                                          <p:spTgt spid="5"/>
+                                          <p:spTgt spid="6"/>
                                         </p:tgtEl>
                                       </p:cBhvr>
                                       <p:by x="235671" y="235671"/>
@@ -13609,7 +13503,7 @@
                                       <p:cBhvr>
                                         <p:cTn id="14" dur="10"/>
                                         <p:tgtEl>
-                                          <p:spTgt spid="6"/>
+                                          <p:spTgt spid="7"/>
                                         </p:tgtEl>
                                       </p:cBhvr>
                                     </p:animEffect>
@@ -13621,7 +13515,7 @@
                                           </p:stCondLst>
                                         </p:cTn>
                                         <p:tgtEl>
-                                          <p:spTgt spid="6"/>
+                                          <p:spTgt spid="7"/>
                                         </p:tgtEl>
                                         <p:attrNameLst>
                                           <p:attrName>style.visibility</p:attrName>
@@ -13653,7 +13547,7 @@
                                       <p:cBhvr>
                                         <p:cTn id="18" dur="400" fill="hold"/>
                                         <p:tgtEl>
-                                          <p:spTgt spid="5"/>
+                                          <p:spTgt spid="6"/>
                                         </p:tgtEl>
                                         <p:attrNameLst>
                                           <p:attrName>ppt_x</p:attrName>
@@ -13674,7 +13568,7 @@
                                       <p:cBhvr>
                                         <p:cTn id="20" dur="400" fill="hold"/>
                                         <p:tgtEl>
-                                          <p:spTgt spid="5"/>
+                                          <p:spTgt spid="6"/>
                                         </p:tgtEl>
                                       </p:cBhvr>
                                       <p:by x="224342" y="224333"/>
@@ -13715,7 +13609,7 @@
 
 <file path=ppt/slides/slide19.xml><?xml version="1.0" encoding="utf-8"?>
 <p:sld xmlns:a="http://schemas.openxmlformats.org/drawingml/2006/main" xmlns:r="http://schemas.openxmlformats.org/officeDocument/2006/relationships" xmlns:p="http://schemas.openxmlformats.org/presentationml/2006/main">
-  <p:cSld name="PPTLabsMagnifiedSlide201904121153342002">
+  <p:cSld name="PPTLabsMagnifiedSlide201904141206004950">
     <p:bg>
       <p:bgPr>
         <a:solidFill>
@@ -13740,7 +13634,13 @@
       </p:grpSpPr>
       <p:pic>
         <p:nvPicPr>
-          <p:cNvPr id="5" name="PPTLabsMagnifyAreaGroup201904121153341672"/>
+          <p:cNvPr id="6" name="PPTLabsMagnifyAreaGroup201904141206004703">
+            <a:extLst>
+              <a:ext uri="{FF2B5EF4-FFF2-40B4-BE49-F238E27FC236}">
+                <a16:creationId xmlns:a16="http://schemas.microsoft.com/office/drawing/2014/main" id="{FFF8F9A5-99C2-4CD8-84A2-731CB8473208}"/>
+              </a:ext>
+            </a:extLst>
+          </p:cNvPr>
           <p:cNvPicPr>
             <a:picLocks noChangeAspect="1"/>
           </p:cNvPicPr>
@@ -13771,7 +13671,13 @@
       </p:pic>
       <p:pic>
         <p:nvPicPr>
-          <p:cNvPr id="3" name="PPTIndicator201904121153342281"/>
+          <p:cNvPr id="5" name="PPTIndicator201904141206005074">
+            <a:extLst>
+              <a:ext uri="{FF2B5EF4-FFF2-40B4-BE49-F238E27FC236}">
+                <a16:creationId xmlns:a16="http://schemas.microsoft.com/office/drawing/2014/main" id="{38236E11-AA14-4504-9BD6-6AEA4E9A4930}"/>
+              </a:ext>
+            </a:extLst>
+          </p:cNvPr>
           <p:cNvPicPr>
             <a:picLocks/>
           </p:cNvPicPr>
@@ -13802,21 +13708,13 @@
     </p:spTree>
     <p:extLst>
       <p:ext uri="{BB962C8B-B14F-4D97-AF65-F5344CB8AC3E}">
-        <p14:creationId xmlns:p14="http://schemas.microsoft.com/office/powerpoint/2010/main" val="3248401269"/>
+        <p14:creationId xmlns:p14="http://schemas.microsoft.com/office/powerpoint/2010/main" val="10127285"/>
       </p:ext>
     </p:extLst>
   </p:cSld>
   <p:clrMapOvr>
     <a:masterClrMapping/>
   </p:clrMapOvr>
-  <mc:AlternateContent xmlns:mc="http://schemas.openxmlformats.org/markup-compatibility/2006" xmlns:p14="http://schemas.microsoft.com/office/powerpoint/2010/main">
-    <mc:Choice Requires="p14">
-      <p:transition spd="slow" p14:dur="2000"/>
-    </mc:Choice>
-    <mc:Fallback xmlns="">
-      <p:transition spd="slow"/>
-    </mc:Fallback>
-  </mc:AlternateContent>
   <p:timing>
     <p:tnLst>
       <p:par>
@@ -13854,7 +13752,7 @@
                                           </p:stCondLst>
                                         </p:cTn>
                                         <p:tgtEl>
-                                          <p:spTgt spid="3"/>
+                                          <p:spTgt spid="5"/>
                                         </p:tgtEl>
                                         <p:attrNameLst>
                                           <p:attrName>style.visibility</p:attrName>
@@ -13881,7 +13779,7 @@
                                           </p:stCondLst>
                                         </p:cTn>
                                         <p:tgtEl>
-                                          <p:spTgt spid="3"/>
+                                          <p:spTgt spid="5"/>
                                         </p:tgtEl>
                                         <p:attrNameLst>
                                           <p:attrName>style.visibility</p:attrName>
@@ -13976,7 +13874,7 @@
           <a:p>
             <a:pPr algn="l"/>
             <a:r>
-              <a:rPr lang="en-US" sz="7200" dirty="0" smtClean="0">
+              <a:rPr lang="en-US" sz="7200" dirty="0">
                 <a:solidFill>
                   <a:schemeClr val="bg1"/>
                 </a:solidFill>
@@ -14014,7 +13912,7 @@
           <a:lstStyle/>
           <a:p>
             <a:r>
-              <a:rPr lang="en-US" sz="2400" b="1" dirty="0" smtClean="0">
+              <a:rPr lang="en-US" sz="2400" b="1" dirty="0">
                 <a:solidFill>
                   <a:schemeClr val="bg1"/>
                 </a:solidFill>
@@ -14028,7 +13926,7 @@
               <a:buChar char="•"/>
             </a:pPr>
             <a:r>
-              <a:rPr lang="en-US" sz="2400" dirty="0" smtClean="0">
+              <a:rPr lang="en-US" sz="2400" dirty="0">
                 <a:solidFill>
                   <a:schemeClr val="bg1"/>
                 </a:solidFill>
@@ -14036,7 +13934,7 @@
               <a:t>Select the </a:t>
             </a:r>
             <a:r>
-              <a:rPr lang="en-US" sz="2400" b="1" dirty="0" smtClean="0">
+              <a:rPr lang="en-US" sz="2400" b="1" dirty="0">
                 <a:solidFill>
                   <a:schemeClr val="bg1"/>
                 </a:solidFill>
@@ -14044,7 +13942,7 @@
               <a:t>BLUE</a:t>
             </a:r>
             <a:r>
-              <a:rPr lang="en-US" sz="2400" dirty="0" smtClean="0">
+              <a:rPr lang="en-US" sz="2400" dirty="0">
                 <a:solidFill>
                   <a:schemeClr val="bg1"/>
                 </a:solidFill>
@@ -14058,7 +13956,7 @@
               <a:buChar char="•"/>
             </a:pPr>
             <a:r>
-              <a:rPr lang="en-US" sz="2400" dirty="0" smtClean="0">
+              <a:rPr lang="en-US" sz="2400" dirty="0">
                 <a:solidFill>
                   <a:schemeClr val="bg1"/>
                 </a:solidFill>
@@ -14066,7 +13964,7 @@
               <a:t>Click </a:t>
             </a:r>
             <a:r>
-              <a:rPr lang="en-US" sz="2400" b="1" dirty="0" smtClean="0">
+              <a:rPr lang="en-US" sz="2400" b="1" dirty="0">
                 <a:solidFill>
                   <a:schemeClr val="bg1"/>
                 </a:solidFill>
@@ -14074,7 +13972,7 @@
               <a:t>“Zoom To Area”</a:t>
             </a:r>
             <a:r>
-              <a:rPr lang="en-US" sz="2400" dirty="0" smtClean="0">
+              <a:rPr lang="en-US" sz="2400" dirty="0">
                 <a:solidFill>
                   <a:schemeClr val="bg1"/>
                 </a:solidFill>
@@ -14088,7 +13986,7 @@
               <a:buChar char="•"/>
             </a:pPr>
             <a:r>
-              <a:rPr lang="en-US" sz="2400" dirty="0" smtClean="0">
+              <a:rPr lang="en-US" sz="2400" dirty="0">
                 <a:solidFill>
                   <a:schemeClr val="bg1"/>
                 </a:solidFill>
@@ -14108,19 +14006,12 @@
   <p:clrMapOvr>
     <a:masterClrMapping/>
   </p:clrMapOvr>
-  <p:timing>
-    <p:tnLst>
-      <p:par>
-        <p:cTn id="1" dur="indefinite" restart="never" nodeType="tmRoot"/>
-      </p:par>
-    </p:tnLst>
-  </p:timing>
 </p:sld>
 </file>
 
 <file path=ppt/slides/slide20.xml><?xml version="1.0" encoding="utf-8"?>
 <p:sld xmlns:a="http://schemas.openxmlformats.org/drawingml/2006/main" xmlns:r="http://schemas.openxmlformats.org/officeDocument/2006/relationships" xmlns:p="http://schemas.openxmlformats.org/presentationml/2006/main">
-  <p:cSld name="PPTLabsMagnifiedPanSlide201904121153348704">
+  <p:cSld name="PPTLabsMagnifiedPanSlide201904141206011460">
     <p:bg>
       <p:bgPr>
         <a:solidFill>
@@ -14145,7 +14036,13 @@
       </p:grpSpPr>
       <p:pic>
         <p:nvPicPr>
-          <p:cNvPr id="5" name="PPTLabsMagnifyAreaGroup201904121153341672"/>
+          <p:cNvPr id="6" name="PPTLabsMagnifyAreaGroup201904141206004703">
+            <a:extLst>
+              <a:ext uri="{FF2B5EF4-FFF2-40B4-BE49-F238E27FC236}">
+                <a16:creationId xmlns:a16="http://schemas.microsoft.com/office/drawing/2014/main" id="{FFF8F9A5-99C2-4CD8-84A2-731CB8473208}"/>
+              </a:ext>
+            </a:extLst>
+          </p:cNvPr>
           <p:cNvPicPr>
             <a:picLocks/>
           </p:cNvPicPr>
@@ -14176,7 +14073,13 @@
       </p:pic>
       <p:pic>
         <p:nvPicPr>
-          <p:cNvPr id="6" name="PPTLabsMagnifyAreaGroup201904121153341672"/>
+          <p:cNvPr id="7" name="PPTLabsMagnifyAreaGroup201904141206004703">
+            <a:extLst>
+              <a:ext uri="{FF2B5EF4-FFF2-40B4-BE49-F238E27FC236}">
+                <a16:creationId xmlns:a16="http://schemas.microsoft.com/office/drawing/2014/main" id="{F9161762-8D36-4850-8381-0BCBD3295885}"/>
+              </a:ext>
+            </a:extLst>
+          </p:cNvPr>
           <p:cNvPicPr>
             <a:picLocks/>
           </p:cNvPicPr>
@@ -14207,7 +14110,13 @@
       </p:pic>
       <p:pic>
         <p:nvPicPr>
-          <p:cNvPr id="2" name="PPTIndicator201904121153348879"/>
+          <p:cNvPr id="3" name="PPTIndicator201904141206011540">
+            <a:extLst>
+              <a:ext uri="{FF2B5EF4-FFF2-40B4-BE49-F238E27FC236}">
+                <a16:creationId xmlns:a16="http://schemas.microsoft.com/office/drawing/2014/main" id="{4377D468-4A78-40BB-BBB6-AFEE37DF7856}"/>
+              </a:ext>
+            </a:extLst>
+          </p:cNvPr>
           <p:cNvPicPr>
             <a:picLocks/>
           </p:cNvPicPr>
@@ -14238,18 +14147,18 @@
     </p:spTree>
     <p:extLst>
       <p:ext uri="{BB962C8B-B14F-4D97-AF65-F5344CB8AC3E}">
-        <p14:creationId xmlns:p14="http://schemas.microsoft.com/office/powerpoint/2010/main" val="2753012662"/>
+        <p14:creationId xmlns:p14="http://schemas.microsoft.com/office/powerpoint/2010/main" val="2885240324"/>
       </p:ext>
     </p:extLst>
   </p:cSld>
   <p:clrMapOvr>
     <a:masterClrMapping/>
   </p:clrMapOvr>
-  <mc:AlternateContent xmlns:mc="http://schemas.openxmlformats.org/markup-compatibility/2006" xmlns:p14="http://schemas.microsoft.com/office/powerpoint/2010/main">
-    <mc:Choice Requires="p14">
+  <mc:AlternateContent xmlns:mc="http://schemas.openxmlformats.org/markup-compatibility/2006">
+    <mc:Choice xmlns:p14="http://schemas.microsoft.com/office/powerpoint/2010/main" Requires="p14">
       <p:transition spd="slow" p14:dur="2000" advClick="0" advTm="0"/>
     </mc:Choice>
-    <mc:Fallback xmlns="">
+    <mc:Fallback>
       <p:transition spd="slow" advClick="0" advTm="0"/>
     </mc:Fallback>
   </mc:AlternateContent>
@@ -14290,7 +14199,7 @@
                                           </p:stCondLst>
                                         </p:cTn>
                                         <p:tgtEl>
-                                          <p:spTgt spid="2"/>
+                                          <p:spTgt spid="3"/>
                                         </p:tgtEl>
                                         <p:attrNameLst>
                                           <p:attrName>style.visibility</p:attrName>
@@ -14317,7 +14226,7 @@
                                           </p:stCondLst>
                                         </p:cTn>
                                         <p:tgtEl>
-                                          <p:spTgt spid="2"/>
+                                          <p:spTgt spid="3"/>
                                         </p:tgtEl>
                                         <p:attrNameLst>
                                           <p:attrName>style.visibility</p:attrName>
@@ -14340,7 +14249,7 @@
                                       <p:cBhvr>
                                         <p:cTn id="10" dur="1" fill="hold"/>
                                         <p:tgtEl>
-                                          <p:spTgt spid="5"/>
+                                          <p:spTgt spid="6"/>
                                         </p:tgtEl>
                                         <p:attrNameLst>
                                           <p:attrName>ppt_x</p:attrName>
@@ -14361,7 +14270,7 @@
                                       <p:cBhvr>
                                         <p:cTn id="12" dur="1" fill="hold"/>
                                         <p:tgtEl>
-                                          <p:spTgt spid="5"/>
+                                          <p:spTgt spid="6"/>
                                         </p:tgtEl>
                                       </p:cBhvr>
                                       <p:by x="528709" y="528709"/>
@@ -14379,7 +14288,7 @@
                                       <p:cBhvr>
                                         <p:cTn id="14" dur="10"/>
                                         <p:tgtEl>
-                                          <p:spTgt spid="6"/>
+                                          <p:spTgt spid="7"/>
                                         </p:tgtEl>
                                       </p:cBhvr>
                                     </p:animEffect>
@@ -14391,7 +14300,7 @@
                                           </p:stCondLst>
                                         </p:cTn>
                                         <p:tgtEl>
-                                          <p:spTgt spid="6"/>
+                                          <p:spTgt spid="7"/>
                                         </p:tgtEl>
                                         <p:attrNameLst>
                                           <p:attrName>style.visibility</p:attrName>
@@ -14423,7 +14332,7 @@
                                       <p:cBhvr>
                                         <p:cTn id="18" dur="400" fill="hold"/>
                                         <p:tgtEl>
-                                          <p:spTgt spid="5"/>
+                                          <p:spTgt spid="6"/>
                                         </p:tgtEl>
                                         <p:attrNameLst>
                                           <p:attrName>ppt_x</p:attrName>
@@ -14444,7 +14353,7 @@
                                       <p:cBhvr>
                                         <p:cTn id="20" dur="400" fill="hold"/>
                                         <p:tgtEl>
-                                          <p:spTgt spid="5"/>
+                                          <p:spTgt spid="6"/>
                                         </p:tgtEl>
                                       </p:cBhvr>
                                       <p:by x="35522" y="35523"/>
@@ -14485,7 +14394,7 @@
 
 <file path=ppt/slides/slide21.xml><?xml version="1.0" encoding="utf-8"?>
 <p:sld xmlns:a="http://schemas.openxmlformats.org/drawingml/2006/main" xmlns:r="http://schemas.openxmlformats.org/officeDocument/2006/relationships" xmlns:p="http://schemas.openxmlformats.org/presentationml/2006/main">
-  <p:cSld name="PPTLabsMagnifiedSlide201904121153348361">
+  <p:cSld name="PPTLabsMagnifiedSlide201904141206011300">
     <p:bg>
       <p:bgPr>
         <a:solidFill>
@@ -14510,7 +14419,13 @@
       </p:grpSpPr>
       <p:pic>
         <p:nvPicPr>
-          <p:cNvPr id="5" name="PPTLabsMagnifyAreaGroup201904121153347921"/>
+          <p:cNvPr id="6" name="PPTLabsMagnifyAreaGroup201904141206010972">
+            <a:extLst>
+              <a:ext uri="{FF2B5EF4-FFF2-40B4-BE49-F238E27FC236}">
+                <a16:creationId xmlns:a16="http://schemas.microsoft.com/office/drawing/2014/main" id="{8E409A64-37F9-47BE-BE9A-EDFB0F55575F}"/>
+              </a:ext>
+            </a:extLst>
+          </p:cNvPr>
           <p:cNvPicPr>
             <a:picLocks noChangeAspect="1"/>
           </p:cNvPicPr>
@@ -14541,7 +14456,13 @@
       </p:pic>
       <p:pic>
         <p:nvPicPr>
-          <p:cNvPr id="3" name="PPTIndicator201904121153348664"/>
+          <p:cNvPr id="5" name="PPTIndicator201904141206011410">
+            <a:extLst>
+              <a:ext uri="{FF2B5EF4-FFF2-40B4-BE49-F238E27FC236}">
+                <a16:creationId xmlns:a16="http://schemas.microsoft.com/office/drawing/2014/main" id="{FEA4EBE3-84BF-4F67-8B6D-AE8B2FFE5826}"/>
+              </a:ext>
+            </a:extLst>
+          </p:cNvPr>
           <p:cNvPicPr>
             <a:picLocks/>
           </p:cNvPicPr>
@@ -14572,21 +14493,13 @@
     </p:spTree>
     <p:extLst>
       <p:ext uri="{BB962C8B-B14F-4D97-AF65-F5344CB8AC3E}">
-        <p14:creationId xmlns:p14="http://schemas.microsoft.com/office/powerpoint/2010/main" val="3789742803"/>
+        <p14:creationId xmlns:p14="http://schemas.microsoft.com/office/powerpoint/2010/main" val="1076583126"/>
       </p:ext>
     </p:extLst>
   </p:cSld>
   <p:clrMapOvr>
     <a:masterClrMapping/>
   </p:clrMapOvr>
-  <mc:AlternateContent xmlns:mc="http://schemas.openxmlformats.org/markup-compatibility/2006" xmlns:p14="http://schemas.microsoft.com/office/powerpoint/2010/main">
-    <mc:Choice Requires="p14">
-      <p:transition spd="slow" p14:dur="2000"/>
-    </mc:Choice>
-    <mc:Fallback xmlns="">
-      <p:transition spd="slow"/>
-    </mc:Fallback>
-  </mc:AlternateContent>
   <p:timing>
     <p:tnLst>
       <p:par>
@@ -14624,7 +14537,7 @@
                                           </p:stCondLst>
                                         </p:cTn>
                                         <p:tgtEl>
-                                          <p:spTgt spid="3"/>
+                                          <p:spTgt spid="5"/>
                                         </p:tgtEl>
                                         <p:attrNameLst>
                                           <p:attrName>style.visibility</p:attrName>
@@ -14651,7 +14564,7 @@
                                           </p:stCondLst>
                                         </p:cTn>
                                         <p:tgtEl>
-                                          <p:spTgt spid="3"/>
+                                          <p:spTgt spid="5"/>
                                         </p:tgtEl>
                                         <p:attrNameLst>
                                           <p:attrName>style.visibility</p:attrName>
@@ -14697,7 +14610,7 @@
 
 <file path=ppt/slides/slide22.xml><?xml version="1.0" encoding="utf-8"?>
 <p:sld xmlns:a="http://schemas.openxmlformats.org/drawingml/2006/main" xmlns:r="http://schemas.openxmlformats.org/officeDocument/2006/relationships" xmlns:p="http://schemas.openxmlformats.org/presentationml/2006/main">
-  <p:cSld name="PPTLabsMagnifiedPanSlide201904121153354874">
+  <p:cSld name="PPTLabsMagnifiedPanSlide201904141206017484">
     <p:bg>
       <p:bgPr>
         <a:solidFill>
@@ -14722,7 +14635,13 @@
       </p:grpSpPr>
       <p:pic>
         <p:nvPicPr>
-          <p:cNvPr id="5" name="PPTLabsMagnifyAreaGroup201904121153347921"/>
+          <p:cNvPr id="6" name="PPTLabsMagnifyAreaGroup201904141206010972">
+            <a:extLst>
+              <a:ext uri="{FF2B5EF4-FFF2-40B4-BE49-F238E27FC236}">
+                <a16:creationId xmlns:a16="http://schemas.microsoft.com/office/drawing/2014/main" id="{8E409A64-37F9-47BE-BE9A-EDFB0F55575F}"/>
+              </a:ext>
+            </a:extLst>
+          </p:cNvPr>
           <p:cNvPicPr>
             <a:picLocks/>
           </p:cNvPicPr>
@@ -14753,7 +14672,13 @@
       </p:pic>
       <p:pic>
         <p:nvPicPr>
-          <p:cNvPr id="6" name="PPTLabsMagnifyAreaGroup201904121153347921"/>
+          <p:cNvPr id="7" name="PPTLabsMagnifyAreaGroup201904141206010972">
+            <a:extLst>
+              <a:ext uri="{FF2B5EF4-FFF2-40B4-BE49-F238E27FC236}">
+                <a16:creationId xmlns:a16="http://schemas.microsoft.com/office/drawing/2014/main" id="{1A307D71-EFFC-4D94-B128-3B12CF3238FC}"/>
+              </a:ext>
+            </a:extLst>
+          </p:cNvPr>
           <p:cNvPicPr>
             <a:picLocks/>
           </p:cNvPicPr>
@@ -14784,7 +14709,13 @@
       </p:pic>
       <p:pic>
         <p:nvPicPr>
-          <p:cNvPr id="2" name="PPTIndicator201904121153355010"/>
+          <p:cNvPr id="3" name="PPTIndicator201904141206017573">
+            <a:extLst>
+              <a:ext uri="{FF2B5EF4-FFF2-40B4-BE49-F238E27FC236}">
+                <a16:creationId xmlns:a16="http://schemas.microsoft.com/office/drawing/2014/main" id="{EEB6E6F3-5AAA-4D2F-B325-11F362F0C7A3}"/>
+              </a:ext>
+            </a:extLst>
+          </p:cNvPr>
           <p:cNvPicPr>
             <a:picLocks/>
           </p:cNvPicPr>
@@ -14815,18 +14746,18 @@
     </p:spTree>
     <p:extLst>
       <p:ext uri="{BB962C8B-B14F-4D97-AF65-F5344CB8AC3E}">
-        <p14:creationId xmlns:p14="http://schemas.microsoft.com/office/powerpoint/2010/main" val="2551552537"/>
+        <p14:creationId xmlns:p14="http://schemas.microsoft.com/office/powerpoint/2010/main" val="3912316661"/>
       </p:ext>
     </p:extLst>
   </p:cSld>
   <p:clrMapOvr>
     <a:masterClrMapping/>
   </p:clrMapOvr>
-  <mc:AlternateContent xmlns:mc="http://schemas.openxmlformats.org/markup-compatibility/2006" xmlns:p14="http://schemas.microsoft.com/office/powerpoint/2010/main">
-    <mc:Choice Requires="p14">
+  <mc:AlternateContent xmlns:mc="http://schemas.openxmlformats.org/markup-compatibility/2006">
+    <mc:Choice xmlns:p14="http://schemas.microsoft.com/office/powerpoint/2010/main" Requires="p14">
       <p:transition spd="slow" p14:dur="2000" advClick="0" advTm="0"/>
     </mc:Choice>
-    <mc:Fallback xmlns="">
+    <mc:Fallback>
       <p:transition spd="slow" advClick="0" advTm="0"/>
     </mc:Fallback>
   </mc:AlternateContent>
@@ -14867,7 +14798,7 @@
                                           </p:stCondLst>
                                         </p:cTn>
                                         <p:tgtEl>
-                                          <p:spTgt spid="2"/>
+                                          <p:spTgt spid="3"/>
                                         </p:tgtEl>
                                         <p:attrNameLst>
                                           <p:attrName>style.visibility</p:attrName>
@@ -14894,7 +14825,7 @@
                                           </p:stCondLst>
                                         </p:cTn>
                                         <p:tgtEl>
-                                          <p:spTgt spid="2"/>
+                                          <p:spTgt spid="3"/>
                                         </p:tgtEl>
                                         <p:attrNameLst>
                                           <p:attrName>style.visibility</p:attrName>
@@ -14917,7 +14848,7 @@
                                       <p:cBhvr>
                                         <p:cTn id="10" dur="1" fill="hold"/>
                                         <p:tgtEl>
-                                          <p:spTgt spid="5"/>
+                                          <p:spTgt spid="6"/>
                                         </p:tgtEl>
                                         <p:attrNameLst>
                                           <p:attrName>ppt_x</p:attrName>
@@ -14938,7 +14869,7 @@
                                       <p:cBhvr>
                                         <p:cTn id="12" dur="1" fill="hold"/>
                                         <p:tgtEl>
-                                          <p:spTgt spid="5"/>
+                                          <p:spTgt spid="6"/>
                                         </p:tgtEl>
                                       </p:cBhvr>
                                       <p:by x="187808" y="187808"/>
@@ -14956,7 +14887,7 @@
                                       <p:cBhvr>
                                         <p:cTn id="14" dur="10"/>
                                         <p:tgtEl>
-                                          <p:spTgt spid="6"/>
+                                          <p:spTgt spid="7"/>
                                         </p:tgtEl>
                                       </p:cBhvr>
                                     </p:animEffect>
@@ -14968,7 +14899,7 @@
                                           </p:stCondLst>
                                         </p:cTn>
                                         <p:tgtEl>
-                                          <p:spTgt spid="6"/>
+                                          <p:spTgt spid="7"/>
                                         </p:tgtEl>
                                         <p:attrNameLst>
                                           <p:attrName>style.visibility</p:attrName>
@@ -15000,7 +14931,7 @@
                                       <p:cBhvr>
                                         <p:cTn id="18" dur="400" fill="hold"/>
                                         <p:tgtEl>
-                                          <p:spTgt spid="5"/>
+                                          <p:spTgt spid="6"/>
                                         </p:tgtEl>
                                         <p:attrNameLst>
                                           <p:attrName>ppt_x</p:attrName>
@@ -15021,7 +14952,7 @@
                                       <p:cBhvr>
                                         <p:cTn id="20" dur="400" fill="hold"/>
                                         <p:tgtEl>
-                                          <p:spTgt spid="5"/>
+                                          <p:spTgt spid="6"/>
                                         </p:tgtEl>
                                       </p:cBhvr>
                                       <p:by x="108283" y="108281"/>
@@ -15062,7 +14993,7 @@
 
 <file path=ppt/slides/slide23.xml><?xml version="1.0" encoding="utf-8"?>
 <p:sld xmlns:a="http://schemas.openxmlformats.org/drawingml/2006/main" xmlns:r="http://schemas.openxmlformats.org/officeDocument/2006/relationships" xmlns:p="http://schemas.openxmlformats.org/presentationml/2006/main">
-  <p:cSld name="PPTLabsMagnifiedSlide201904121153354530">
+  <p:cSld name="PPTLabsMagnifiedSlide201904141206017314">
     <p:bg>
       <p:bgPr>
         <a:solidFill>
@@ -15087,7 +15018,13 @@
       </p:grpSpPr>
       <p:pic>
         <p:nvPicPr>
-          <p:cNvPr id="5" name="PPTLabsMagnifyAreaGroup201904121153354153"/>
+          <p:cNvPr id="6" name="PPTLabsMagnifyAreaGroup201904141206017085">
+            <a:extLst>
+              <a:ext uri="{FF2B5EF4-FFF2-40B4-BE49-F238E27FC236}">
+                <a16:creationId xmlns:a16="http://schemas.microsoft.com/office/drawing/2014/main" id="{949F1A23-B831-47F5-9B15-9FFF33BF3408}"/>
+              </a:ext>
+            </a:extLst>
+          </p:cNvPr>
           <p:cNvPicPr>
             <a:picLocks noChangeAspect="1"/>
           </p:cNvPicPr>
@@ -15118,7 +15055,13 @@
       </p:pic>
       <p:pic>
         <p:nvPicPr>
-          <p:cNvPr id="3" name="PPTIndicator201904121153354844"/>
+          <p:cNvPr id="5" name="PPTIndicator201904141206017434">
+            <a:extLst>
+              <a:ext uri="{FF2B5EF4-FFF2-40B4-BE49-F238E27FC236}">
+                <a16:creationId xmlns:a16="http://schemas.microsoft.com/office/drawing/2014/main" id="{50ABE48D-933A-4758-8A78-35D6EA975DBC}"/>
+              </a:ext>
+            </a:extLst>
+          </p:cNvPr>
           <p:cNvPicPr>
             <a:picLocks/>
           </p:cNvPicPr>
@@ -15149,21 +15092,13 @@
     </p:spTree>
     <p:extLst>
       <p:ext uri="{BB962C8B-B14F-4D97-AF65-F5344CB8AC3E}">
-        <p14:creationId xmlns:p14="http://schemas.microsoft.com/office/powerpoint/2010/main" val="3978186483"/>
+        <p14:creationId xmlns:p14="http://schemas.microsoft.com/office/powerpoint/2010/main" val="2076296826"/>
       </p:ext>
     </p:extLst>
   </p:cSld>
   <p:clrMapOvr>
     <a:masterClrMapping/>
   </p:clrMapOvr>
-  <mc:AlternateContent xmlns:mc="http://schemas.openxmlformats.org/markup-compatibility/2006" xmlns:p14="http://schemas.microsoft.com/office/powerpoint/2010/main">
-    <mc:Choice Requires="p14">
-      <p:transition spd="slow" p14:dur="2000"/>
-    </mc:Choice>
-    <mc:Fallback xmlns="">
-      <p:transition spd="slow"/>
-    </mc:Fallback>
-  </mc:AlternateContent>
   <p:timing>
     <p:tnLst>
       <p:par>
@@ -15201,7 +15136,7 @@
                                           </p:stCondLst>
                                         </p:cTn>
                                         <p:tgtEl>
-                                          <p:spTgt spid="3"/>
+                                          <p:spTgt spid="5"/>
                                         </p:tgtEl>
                                         <p:attrNameLst>
                                           <p:attrName>style.visibility</p:attrName>
@@ -15228,7 +15163,7 @@
                                           </p:stCondLst>
                                         </p:cTn>
                                         <p:tgtEl>
-                                          <p:spTgt spid="3"/>
+                                          <p:spTgt spid="5"/>
                                         </p:tgtEl>
                                         <p:attrNameLst>
                                           <p:attrName>style.visibility</p:attrName>
@@ -15274,7 +15209,7 @@
 
 <file path=ppt/slides/slide24.xml><?xml version="1.0" encoding="utf-8"?>
 <p:sld xmlns:a="http://schemas.openxmlformats.org/drawingml/2006/main" xmlns:r="http://schemas.openxmlformats.org/officeDocument/2006/relationships" xmlns:p="http://schemas.openxmlformats.org/presentationml/2006/main">
-  <p:cSld name="PPTLabsDeMagnifyingSlide201904121153355059">
+  <p:cSld name="PPTLabsDeMagnifyingSlide201904141206017653">
     <p:bg>
       <p:bgPr>
         <a:solidFill>
@@ -15366,16 +15301,21 @@
           <a:lstStyle/>
           <a:p>
             <a:r>
-              <a:rPr lang="en-US" sz="6000" b="1" dirty="0" smtClean="0"/>
+              <a:rPr lang="en-US" sz="6000" b="1" dirty="0"/>
               <a:t>TEXT IN SLIDE</a:t>
             </a:r>
-            <a:endParaRPr lang="en-US" sz="6000" b="1" dirty="0"/>
           </a:p>
         </p:txBody>
       </p:sp>
       <p:pic>
         <p:nvPicPr>
-          <p:cNvPr id="5" name="PPTLabsMagnifyAreaGroup201904121153354153"/>
+          <p:cNvPr id="6" name="PPTLabsMagnifyAreaGroup201904141206017085">
+            <a:extLst>
+              <a:ext uri="{FF2B5EF4-FFF2-40B4-BE49-F238E27FC236}">
+                <a16:creationId xmlns:a16="http://schemas.microsoft.com/office/drawing/2014/main" id="{949F1A23-B831-47F5-9B15-9FFF33BF3408}"/>
+              </a:ext>
+            </a:extLst>
+          </p:cNvPr>
           <p:cNvPicPr>
             <a:picLocks/>
           </p:cNvPicPr>
@@ -15405,7 +15345,13 @@
       </p:pic>
       <p:pic>
         <p:nvPicPr>
-          <p:cNvPr id="10" name="PPTLabsMagnifyAreaGroup201904121153354153"/>
+          <p:cNvPr id="12" name="PPTLabsMagnifyAreaGroup201904141206017085">
+            <a:extLst>
+              <a:ext uri="{FF2B5EF4-FFF2-40B4-BE49-F238E27FC236}">
+                <a16:creationId xmlns:a16="http://schemas.microsoft.com/office/drawing/2014/main" id="{0FB0A9F3-C089-4B41-AEE5-6BE85ABB7C48}"/>
+              </a:ext>
+            </a:extLst>
+          </p:cNvPr>
           <p:cNvPicPr>
             <a:picLocks/>
           </p:cNvPicPr>
@@ -15435,7 +15381,13 @@
       </p:pic>
       <p:pic>
         <p:nvPicPr>
-          <p:cNvPr id="3" name="PPTIndicator201904121153355349"/>
+          <p:cNvPr id="5" name="PPTIndicator201904141206017773">
+            <a:extLst>
+              <a:ext uri="{FF2B5EF4-FFF2-40B4-BE49-F238E27FC236}">
+                <a16:creationId xmlns:a16="http://schemas.microsoft.com/office/drawing/2014/main" id="{CF71A1A9-9EB0-4768-B284-D4274F732829}"/>
+              </a:ext>
+            </a:extLst>
+          </p:cNvPr>
           <p:cNvPicPr>
             <a:picLocks/>
           </p:cNvPicPr>
@@ -15466,21 +15418,13 @@
     </p:spTree>
     <p:extLst>
       <p:ext uri="{BB962C8B-B14F-4D97-AF65-F5344CB8AC3E}">
-        <p14:creationId xmlns:p14="http://schemas.microsoft.com/office/powerpoint/2010/main" val="1297785741"/>
+        <p14:creationId xmlns:p14="http://schemas.microsoft.com/office/powerpoint/2010/main" val="594385792"/>
       </p:ext>
     </p:extLst>
   </p:cSld>
   <p:clrMapOvr>
     <a:masterClrMapping/>
   </p:clrMapOvr>
-  <mc:AlternateContent xmlns:mc="http://schemas.openxmlformats.org/markup-compatibility/2006" xmlns:p14="http://schemas.microsoft.com/office/powerpoint/2010/main">
-    <mc:Choice Requires="p14">
-      <p:transition spd="slow" p14:dur="2000"/>
-    </mc:Choice>
-    <mc:Fallback xmlns="">
-      <p:transition spd="slow"/>
-    </mc:Fallback>
-  </mc:AlternateContent>
   <p:timing>
     <p:tnLst>
       <p:par>
@@ -15518,7 +15462,7 @@
                                           </p:stCondLst>
                                         </p:cTn>
                                         <p:tgtEl>
-                                          <p:spTgt spid="3"/>
+                                          <p:spTgt spid="5"/>
                                         </p:tgtEl>
                                         <p:attrNameLst>
                                           <p:attrName>style.visibility</p:attrName>
@@ -15545,7 +15489,7 @@
                                           </p:stCondLst>
                                         </p:cTn>
                                         <p:tgtEl>
-                                          <p:spTgt spid="3"/>
+                                          <p:spTgt spid="5"/>
                                         </p:tgtEl>
                                         <p:attrNameLst>
                                           <p:attrName>style.visibility</p:attrName>
@@ -15568,7 +15512,7 @@
                                       <p:cBhvr>
                                         <p:cTn id="10" dur="1" fill="hold"/>
                                         <p:tgtEl>
-                                          <p:spTgt spid="5"/>
+                                          <p:spTgt spid="6"/>
                                         </p:tgtEl>
                                         <p:attrNameLst>
                                           <p:attrName>ppt_x</p:attrName>
@@ -15589,7 +15533,7 @@
                                       <p:cBhvr>
                                         <p:cTn id="12" dur="1" fill="hold"/>
                                         <p:tgtEl>
-                                          <p:spTgt spid="5"/>
+                                          <p:spTgt spid="6"/>
                                         </p:tgtEl>
                                       </p:cBhvr>
                                       <p:by x="203390" y="203390"/>
@@ -15607,7 +15551,7 @@
                                       <p:cBhvr>
                                         <p:cTn id="14" dur="10"/>
                                         <p:tgtEl>
-                                          <p:spTgt spid="10"/>
+                                          <p:spTgt spid="12"/>
                                         </p:tgtEl>
                                       </p:cBhvr>
                                     </p:animEffect>
@@ -15619,7 +15563,7 @@
                                           </p:stCondLst>
                                         </p:cTn>
                                         <p:tgtEl>
-                                          <p:spTgt spid="10"/>
+                                          <p:spTgt spid="12"/>
                                         </p:tgtEl>
                                         <p:attrNameLst>
                                           <p:attrName>style.visibility</p:attrName>
@@ -15642,7 +15586,7 @@
                                       <p:cBhvr>
                                         <p:cTn id="17" dur="400" fill="hold"/>
                                         <p:tgtEl>
-                                          <p:spTgt spid="5"/>
+                                          <p:spTgt spid="6"/>
                                         </p:tgtEl>
                                         <p:attrNameLst>
                                           <p:attrName>ppt_x</p:attrName>
@@ -15663,7 +15607,7 @@
                                       <p:cBhvr>
                                         <p:cTn id="19" dur="400" fill="hold"/>
                                         <p:tgtEl>
-                                          <p:spTgt spid="5"/>
+                                          <p:spTgt spid="6"/>
                                         </p:tgtEl>
                                       </p:cBhvr>
                                       <p:by x="49167" y="49167"/>
@@ -15744,7 +15688,7 @@
                                       <p:cBhvr>
                                         <p:cTn id="26" dur="10"/>
                                         <p:tgtEl>
-                                          <p:spTgt spid="5"/>
+                                          <p:spTgt spid="6"/>
                                         </p:tgtEl>
                                       </p:cBhvr>
                                     </p:animEffect>
@@ -15756,7 +15700,7 @@
                                           </p:stCondLst>
                                         </p:cTn>
                                         <p:tgtEl>
-                                          <p:spTgt spid="5"/>
+                                          <p:spTgt spid="6"/>
                                         </p:tgtEl>
                                         <p:attrNameLst>
                                           <p:attrName>style.visibility</p:attrName>
@@ -15836,7 +15780,7 @@
           <a:lstStyle/>
           <a:p>
             <a:r>
-              <a:rPr lang="en-US" dirty="0" smtClean="0"/>
+              <a:rPr lang="en-US" dirty="0"/>
               <a:t>Zoom to Area:: Multiple Shapes</a:t>
             </a:r>
             <a:endParaRPr lang="en-SG" dirty="0"/>
@@ -15860,11 +15804,7 @@
           <a:p>
             <a:r>
               <a:rPr lang="en-US" dirty="0"/>
-              <a:t>Select all blue </a:t>
-            </a:r>
-            <a:r>
-              <a:rPr lang="en-US" dirty="0" smtClean="0"/>
-              <a:t>rectangles sequentially.</a:t>
+              <a:t>Select all blue rectangles sequentially.</a:t>
             </a:r>
           </a:p>
           <a:p>
@@ -15876,13 +15816,8 @@
           <a:p>
             <a:r>
               <a:rPr lang="en-SG" dirty="0"/>
-              <a:t>Include Slide Background: </a:t>
+              <a:t>Include Slide Background: True</a:t>
             </a:r>
-            <a:r>
-              <a:rPr lang="en-SG" dirty="0" smtClean="0"/>
-              <a:t>True</a:t>
-            </a:r>
-            <a:endParaRPr lang="en-SG" dirty="0"/>
           </a:p>
           <a:p>
             <a:r>
@@ -15905,13 +15840,6 @@
   <p:clrMapOvr>
     <a:masterClrMapping/>
   </p:clrMapOvr>
-  <p:timing>
-    <p:tnLst>
-      <p:par>
-        <p:cTn id="1" dur="indefinite" restart="never" nodeType="tmRoot"/>
-      </p:par>
-    </p:tnLst>
-  </p:timing>
 </p:sld>
 </file>
 
@@ -16218,7 +16146,7 @@
           <a:lstStyle/>
           <a:p>
             <a:r>
-              <a:rPr lang="en-US" sz="6600" dirty="0" smtClean="0">
+              <a:rPr lang="en-US" sz="6600" dirty="0">
                 <a:solidFill>
                   <a:schemeClr val="accent1"/>
                 </a:solidFill>
@@ -16304,7 +16232,7 @@
           <a:lstStyle/>
           <a:p>
             <a:r>
-              <a:rPr lang="en-US" sz="6600" dirty="0" smtClean="0">
+              <a:rPr lang="en-US" sz="6600" dirty="0">
                 <a:solidFill>
                   <a:schemeClr val="accent1"/>
                 </a:solidFill>
@@ -16342,10 +16270,9 @@
           <a:lstStyle/>
           <a:p>
             <a:r>
-              <a:rPr lang="en-US" sz="6000" b="1" dirty="0" smtClean="0"/>
+              <a:rPr lang="en-US" sz="6000" b="1" dirty="0"/>
               <a:t>TEXT IN SLIDE</a:t>
             </a:r>
-            <a:endParaRPr lang="en-US" sz="6000" b="1" dirty="0"/>
           </a:p>
         </p:txBody>
       </p:sp>
@@ -16929,7 +16856,7 @@
           <a:lstStyle/>
           <a:p>
             <a:r>
-              <a:rPr lang="en-US" sz="6600" dirty="0" smtClean="0">
+              <a:rPr lang="en-US" sz="6600" dirty="0">
                 <a:solidFill>
                   <a:schemeClr val="accent1"/>
                 </a:solidFill>
@@ -16967,7 +16894,7 @@
           <a:lstStyle/>
           <a:p>
             <a:r>
-              <a:rPr lang="en-US" sz="6600" dirty="0" smtClean="0">
+              <a:rPr lang="en-US" sz="6600" dirty="0">
                 <a:solidFill>
                   <a:schemeClr val="accent1"/>
                 </a:solidFill>
@@ -17005,10 +16932,9 @@
           <a:lstStyle/>
           <a:p>
             <a:r>
-              <a:rPr lang="en-US" sz="6000" b="1" dirty="0" smtClean="0"/>
+              <a:rPr lang="en-US" sz="6000" b="1" dirty="0"/>
               <a:t>TEXT IN SLIDE</a:t>
             </a:r>
-            <a:endParaRPr lang="en-US" sz="6000" b="1" dirty="0"/>
           </a:p>
         </p:txBody>
       </p:sp>
@@ -17141,18 +17067,13 @@
           <a:p>
             <a:pPr algn="ctr"/>
             <a:r>
-              <a:rPr lang="en-SG" b="1" smtClean="0">
+              <a:rPr lang="en-SG" b="1">
                 <a:solidFill>
                   <a:srgbClr val="FFFFFF"/>
                 </a:solidFill>
               </a:rPr>
               <a:t>Zoom Shape 1</a:t>
             </a:r>
-            <a:endParaRPr lang="en-SG" b="1">
-              <a:solidFill>
-                <a:srgbClr val="FFFFFF"/>
-              </a:solidFill>
-            </a:endParaRPr>
           </a:p>
         </p:txBody>
       </p:sp>
@@ -17205,18 +17126,13 @@
           <a:p>
             <a:pPr algn="ctr"/>
             <a:r>
-              <a:rPr lang="en-SG" b="1" smtClean="0">
+              <a:rPr lang="en-SG" b="1">
                 <a:solidFill>
                   <a:srgbClr val="FFFFFF"/>
                 </a:solidFill>
               </a:rPr>
               <a:t>Zoom Shape 2</a:t>
             </a:r>
-            <a:endParaRPr lang="en-SG" b="1">
-              <a:solidFill>
-                <a:srgbClr val="FFFFFF"/>
-              </a:solidFill>
-            </a:endParaRPr>
           </a:p>
         </p:txBody>
       </p:sp>
@@ -17269,18 +17185,13 @@
           <a:p>
             <a:pPr algn="ctr"/>
             <a:r>
-              <a:rPr lang="en-SG" b="1" smtClean="0">
+              <a:rPr lang="en-SG" b="1">
                 <a:solidFill>
                   <a:srgbClr val="FFFFFF"/>
                 </a:solidFill>
               </a:rPr>
               <a:t>Zoom Shape 3</a:t>
             </a:r>
-            <a:endParaRPr lang="en-SG" b="1">
-              <a:solidFill>
-                <a:srgbClr val="FFFFFF"/>
-              </a:solidFill>
-            </a:endParaRPr>
           </a:p>
         </p:txBody>
       </p:sp>
@@ -17333,18 +17244,13 @@
           <a:p>
             <a:pPr algn="ctr"/>
             <a:r>
-              <a:rPr lang="en-SG" b="1" smtClean="0">
+              <a:rPr lang="en-SG" b="1">
                 <a:solidFill>
                   <a:srgbClr val="FFFFFF"/>
                 </a:solidFill>
               </a:rPr>
               <a:t>Zoom Shape 4</a:t>
             </a:r>
-            <a:endParaRPr lang="en-SG" b="1">
-              <a:solidFill>
-                <a:srgbClr val="FFFFFF"/>
-              </a:solidFill>
-            </a:endParaRPr>
           </a:p>
         </p:txBody>
       </p:sp>
@@ -17867,10 +17773,9 @@
           <a:lstStyle/>
           <a:p>
             <a:r>
-              <a:rPr lang="en-US" sz="6000" b="1" dirty="0" smtClean="0"/>
+              <a:rPr lang="en-US" sz="6000" b="1" dirty="0"/>
               <a:t>TEXT IN SLIDE</a:t>
             </a:r>
-            <a:endParaRPr lang="en-US" sz="6000" b="1" dirty="0"/>
           </a:p>
         </p:txBody>
       </p:sp>
@@ -18313,10 +18218,9 @@
           <a:lstStyle/>
           <a:p>
             <a:r>
-              <a:rPr lang="en-US" sz="6000" b="1" dirty="0" smtClean="0"/>
+              <a:rPr lang="en-US" sz="6000" b="1" dirty="0"/>
               <a:t>TEXT IN SLIDE</a:t>
             </a:r>
-            <a:endParaRPr lang="en-US" sz="6000" b="1" dirty="0"/>
           </a:p>
         </p:txBody>
       </p:sp>
@@ -18420,14 +18324,6 @@
   <p:clrMapOvr>
     <a:masterClrMapping/>
   </p:clrMapOvr>
-  <mc:AlternateContent xmlns:mc="http://schemas.openxmlformats.org/markup-compatibility/2006" xmlns:p14="http://schemas.microsoft.com/office/powerpoint/2010/main">
-    <mc:Choice Requires="p14">
-      <p:transition spd="slow" p14:dur="2000"/>
-    </mc:Choice>
-    <mc:Fallback xmlns="">
-      <p:transition spd="slow"/>
-    </mc:Fallback>
-  </mc:AlternateContent>
   <p:timing>
     <p:tnLst>
       <p:par>
@@ -19927,7 +19823,7 @@
           <a:lstStyle/>
           <a:p>
             <a:r>
-              <a:rPr lang="en-US" dirty="0" smtClean="0"/>
+              <a:rPr lang="en-US" dirty="0"/>
               <a:t>Zoom to Area:: Multiple Shapes</a:t>
             </a:r>
             <a:endParaRPr lang="en-SG" dirty="0"/>
@@ -19951,11 +19847,7 @@
           <a:p>
             <a:r>
               <a:rPr lang="en-US" dirty="0"/>
-              <a:t>Select all blue </a:t>
-            </a:r>
-            <a:r>
-              <a:rPr lang="en-US" dirty="0" smtClean="0"/>
-              <a:t>rectangles sequentially.</a:t>
+              <a:t>Select all blue rectangles sequentially.</a:t>
             </a:r>
           </a:p>
           <a:p>
@@ -19973,13 +19865,8 @@
           <a:p>
             <a:r>
               <a:rPr lang="en-SG" dirty="0"/>
-              <a:t>Put all zoom effects on separate slides: </a:t>
+              <a:t>Put all zoom effects on separate slides: True</a:t>
             </a:r>
-            <a:r>
-              <a:rPr lang="en-SG" dirty="0" smtClean="0"/>
-              <a:t>True</a:t>
-            </a:r>
-            <a:endParaRPr lang="en-SG" dirty="0"/>
           </a:p>
           <a:p>
             <a:endParaRPr lang="en-SG" dirty="0"/>
@@ -19996,13 +19883,6 @@
   <p:clrMapOvr>
     <a:masterClrMapping/>
   </p:clrMapOvr>
-  <p:timing>
-    <p:tnLst>
-      <p:par>
-        <p:cTn id="1" dur="indefinite" restart="never" nodeType="tmRoot"/>
-      </p:par>
-    </p:tnLst>
-  </p:timing>
 </p:sld>
 </file>
 
@@ -20039,7 +19919,7 @@
           <a:lstStyle/>
           <a:p>
             <a:r>
-              <a:rPr lang="en-US" dirty="0" smtClean="0"/>
+              <a:rPr lang="en-US" dirty="0"/>
               <a:t>Zoom to Area:: Single Shape</a:t>
             </a:r>
             <a:endParaRPr lang="en-SG" dirty="0"/>
@@ -20075,13 +19955,6 @@
   <p:clrMapOvr>
     <a:masterClrMapping/>
   </p:clrMapOvr>
-  <p:timing>
-    <p:tnLst>
-      <p:par>
-        <p:cTn id="1" dur="indefinite" restart="never" nodeType="tmRoot"/>
-      </p:par>
-    </p:tnLst>
-  </p:timing>
 </p:sld>
 </file>
 
@@ -20388,7 +20261,7 @@
           <a:lstStyle/>
           <a:p>
             <a:r>
-              <a:rPr lang="en-US" sz="6600" dirty="0" smtClean="0">
+              <a:rPr lang="en-US" sz="6600" dirty="0">
                 <a:solidFill>
                   <a:schemeClr val="accent1"/>
                 </a:solidFill>
@@ -20474,7 +20347,7 @@
           <a:lstStyle/>
           <a:p>
             <a:r>
-              <a:rPr lang="en-US" sz="6600" dirty="0" smtClean="0">
+              <a:rPr lang="en-US" sz="6600" dirty="0">
                 <a:solidFill>
                   <a:schemeClr val="accent1"/>
                 </a:solidFill>
@@ -20512,10 +20385,9 @@
           <a:lstStyle/>
           <a:p>
             <a:r>
-              <a:rPr lang="en-US" sz="6000" b="1" dirty="0" smtClean="0"/>
+              <a:rPr lang="en-US" sz="6000" b="1" dirty="0"/>
               <a:t>TEXT IN SLIDE</a:t>
             </a:r>
-            <a:endParaRPr lang="en-US" sz="6000" b="1" dirty="0"/>
           </a:p>
         </p:txBody>
       </p:sp>
@@ -20931,7 +20803,7 @@
 
 <file path=ppt/slides/slide31.xml><?xml version="1.0" encoding="utf-8"?>
 <p:sld xmlns:a="http://schemas.openxmlformats.org/drawingml/2006/main" xmlns:r="http://schemas.openxmlformats.org/officeDocument/2006/relationships" xmlns:p="http://schemas.openxmlformats.org/presentationml/2006/main">
-  <p:cSld name="PPTLabsZoomToAreaSlide201904121151295328">
+  <p:cSld name="PPTLabsZoomToAreaSlide201904141204254578">
     <p:bg>
       <p:bgPr>
         <a:solidFill>
@@ -21099,7 +20971,7 @@
           <a:lstStyle/>
           <a:p>
             <a:r>
-              <a:rPr lang="en-US" sz="6600" dirty="0" smtClean="0">
+              <a:rPr lang="en-US" sz="6600" dirty="0">
                 <a:solidFill>
                   <a:schemeClr val="accent1"/>
                 </a:solidFill>
@@ -21137,7 +21009,7 @@
           <a:lstStyle/>
           <a:p>
             <a:r>
-              <a:rPr lang="en-US" sz="6600" dirty="0" smtClean="0">
+              <a:rPr lang="en-US" sz="6600" dirty="0">
                 <a:solidFill>
                   <a:schemeClr val="accent1"/>
                 </a:solidFill>
@@ -21175,10 +21047,9 @@
           <a:lstStyle/>
           <a:p>
             <a:r>
-              <a:rPr lang="en-US" sz="6000" b="1" dirty="0" smtClean="0"/>
+              <a:rPr lang="en-US" sz="6000" b="1" dirty="0"/>
               <a:t>TEXT IN SLIDE</a:t>
             </a:r>
-            <a:endParaRPr lang="en-US" sz="6000" b="1" dirty="0"/>
           </a:p>
         </p:txBody>
       </p:sp>
@@ -21264,7 +21135,13 @@
       </p:sp>
       <p:sp>
         <p:nvSpPr>
-          <p:cNvPr id="3" name="PPTLabsMagnifyShape201904121151295368"/>
+          <p:cNvPr id="3" name="PPTLabsMagnifyShape201904141204254618">
+            <a:extLst>
+              <a:ext uri="{FF2B5EF4-FFF2-40B4-BE49-F238E27FC236}">
+                <a16:creationId xmlns:a16="http://schemas.microsoft.com/office/drawing/2014/main" id="{F0723A3A-B4FA-4791-AD28-E9B4E50E4F7D}"/>
+              </a:ext>
+            </a:extLst>
+          </p:cNvPr>
           <p:cNvSpPr/>
           <p:nvPr/>
         </p:nvSpPr>
@@ -21311,24 +21188,25 @@
           <a:p>
             <a:pPr algn="ctr"/>
             <a:r>
-              <a:rPr lang="en-SG" b="1" smtClean="0">
+              <a:rPr lang="en-SG" b="1">
                 <a:solidFill>
                   <a:srgbClr val="FFFFFF"/>
                 </a:solidFill>
               </a:rPr>
               <a:t>Zoom Shape 1</a:t>
             </a:r>
-            <a:endParaRPr lang="en-SG" b="1">
-              <a:solidFill>
-                <a:srgbClr val="FFFFFF"/>
-              </a:solidFill>
-            </a:endParaRPr>
           </a:p>
         </p:txBody>
       </p:sp>
       <p:sp>
         <p:nvSpPr>
-          <p:cNvPr id="8" name="PPTLabsMagnifyShape201904121151295488"/>
+          <p:cNvPr id="8" name="PPTLabsMagnifyShape201904141204254728">
+            <a:extLst>
+              <a:ext uri="{FF2B5EF4-FFF2-40B4-BE49-F238E27FC236}">
+                <a16:creationId xmlns:a16="http://schemas.microsoft.com/office/drawing/2014/main" id="{605AAE1C-0E80-4AE6-B545-F8FA91450ABB}"/>
+              </a:ext>
+            </a:extLst>
+          </p:cNvPr>
           <p:cNvSpPr/>
           <p:nvPr/>
         </p:nvSpPr>
@@ -21375,24 +21253,25 @@
           <a:p>
             <a:pPr algn="ctr"/>
             <a:r>
-              <a:rPr lang="en-SG" b="1" smtClean="0">
+              <a:rPr lang="en-SG" b="1">
                 <a:solidFill>
                   <a:srgbClr val="FFFFFF"/>
                 </a:solidFill>
               </a:rPr>
               <a:t>Zoom Shape 2</a:t>
             </a:r>
-            <a:endParaRPr lang="en-SG" b="1">
-              <a:solidFill>
-                <a:srgbClr val="FFFFFF"/>
-              </a:solidFill>
-            </a:endParaRPr>
           </a:p>
         </p:txBody>
       </p:sp>
       <p:sp>
         <p:nvSpPr>
-          <p:cNvPr id="9" name="PPTLabsMagnifyShape201904121151295528"/>
+          <p:cNvPr id="9" name="PPTLabsMagnifyShape201904141204254778">
+            <a:extLst>
+              <a:ext uri="{FF2B5EF4-FFF2-40B4-BE49-F238E27FC236}">
+                <a16:creationId xmlns:a16="http://schemas.microsoft.com/office/drawing/2014/main" id="{8F0E0266-3FCC-4210-87D8-E8D39E33B97A}"/>
+              </a:ext>
+            </a:extLst>
+          </p:cNvPr>
           <p:cNvSpPr/>
           <p:nvPr/>
         </p:nvSpPr>
@@ -21439,24 +21318,25 @@
           <a:p>
             <a:pPr algn="ctr"/>
             <a:r>
-              <a:rPr lang="en-SG" b="1" smtClean="0">
+              <a:rPr lang="en-SG" b="1">
                 <a:solidFill>
                   <a:srgbClr val="FFFFFF"/>
                 </a:solidFill>
               </a:rPr>
               <a:t>Zoom Shape 3</a:t>
             </a:r>
-            <a:endParaRPr lang="en-SG" b="1">
-              <a:solidFill>
-                <a:srgbClr val="FFFFFF"/>
-              </a:solidFill>
-            </a:endParaRPr>
           </a:p>
         </p:txBody>
       </p:sp>
       <p:sp>
         <p:nvSpPr>
-          <p:cNvPr id="10" name="PPTLabsMagnifyShape201904121151295558"/>
+          <p:cNvPr id="10" name="PPTLabsMagnifyShape201904141204254837">
+            <a:extLst>
+              <a:ext uri="{FF2B5EF4-FFF2-40B4-BE49-F238E27FC236}">
+                <a16:creationId xmlns:a16="http://schemas.microsoft.com/office/drawing/2014/main" id="{9A921C44-349E-46E3-BC06-C357F6676015}"/>
+              </a:ext>
+            </a:extLst>
+          </p:cNvPr>
           <p:cNvSpPr/>
           <p:nvPr/>
         </p:nvSpPr>
@@ -21503,25 +21383,20 @@
           <a:p>
             <a:pPr algn="ctr"/>
             <a:r>
-              <a:rPr lang="en-SG" b="1" smtClean="0">
+              <a:rPr lang="en-SG" b="1">
                 <a:solidFill>
                   <a:srgbClr val="FFFFFF"/>
                 </a:solidFill>
               </a:rPr>
               <a:t>Zoom Shape 4</a:t>
             </a:r>
-            <a:endParaRPr lang="en-SG" b="1">
-              <a:solidFill>
-                <a:srgbClr val="FFFFFF"/>
-              </a:solidFill>
-            </a:endParaRPr>
           </a:p>
         </p:txBody>
       </p:sp>
     </p:spTree>
     <p:extLst>
       <p:ext uri="{BB962C8B-B14F-4D97-AF65-F5344CB8AC3E}">
-        <p14:creationId xmlns:p14="http://schemas.microsoft.com/office/powerpoint/2010/main" val="1956007888"/>
+        <p14:creationId xmlns:p14="http://schemas.microsoft.com/office/powerpoint/2010/main" val="3198704494"/>
       </p:ext>
     </p:extLst>
   </p:cSld>
@@ -21945,7 +21820,7 @@
 
 <file path=ppt/slides/slide32.xml><?xml version="1.0" encoding="utf-8"?>
 <p:sld xmlns:a="http://schemas.openxmlformats.org/drawingml/2006/main" xmlns:r="http://schemas.openxmlformats.org/officeDocument/2006/relationships" xmlns:p="http://schemas.openxmlformats.org/presentationml/2006/main">
-  <p:cSld name="PPTLabsMagnifyingSlide201904121151295677">
+  <p:cSld name="PPTLabsMagnifyingSlide201904141204255067">
     <p:bg>
       <p:bgPr>
         <a:solidFill>
@@ -22037,16 +21912,21 @@
           <a:lstStyle/>
           <a:p>
             <a:r>
-              <a:rPr lang="en-US" sz="6000" b="1" dirty="0" smtClean="0"/>
+              <a:rPr lang="en-US" sz="6000" b="1" dirty="0"/>
               <a:t>TEXT IN SLIDE</a:t>
             </a:r>
-            <a:endParaRPr lang="en-US" sz="6000" b="1" dirty="0"/>
           </a:p>
         </p:txBody>
       </p:sp>
       <p:pic>
         <p:nvPicPr>
-          <p:cNvPr id="5" name="PPTLabsMagnifyAreaGroup201904121151301981" hidden="1"/>
+          <p:cNvPr id="6" name="PPTLabsMagnifyAreaGroup201904141204262916" hidden="1">
+            <a:extLst>
+              <a:ext uri="{FF2B5EF4-FFF2-40B4-BE49-F238E27FC236}">
+                <a16:creationId xmlns:a16="http://schemas.microsoft.com/office/drawing/2014/main" id="{6A800E02-7805-4B39-AB28-DC2EF60D69FD}"/>
+              </a:ext>
+            </a:extLst>
+          </p:cNvPr>
           <p:cNvPicPr>
             <a:picLocks/>
           </p:cNvPicPr>
@@ -22076,7 +21956,13 @@
       </p:pic>
       <p:pic>
         <p:nvPicPr>
-          <p:cNvPr id="22" name="PPTLabsMagnifyAreaSlide201904121151302407"/>
+          <p:cNvPr id="22" name="PPTLabsMagnifyAreaSlide201904141204263305">
+            <a:extLst>
+              <a:ext uri="{FF2B5EF4-FFF2-40B4-BE49-F238E27FC236}">
+                <a16:creationId xmlns:a16="http://schemas.microsoft.com/office/drawing/2014/main" id="{D10CACC3-DEDC-4421-BFBB-5CEE54115EF2}"/>
+              </a:ext>
+            </a:extLst>
+          </p:cNvPr>
           <p:cNvPicPr>
             <a:picLocks/>
           </p:cNvPicPr>
@@ -22107,7 +21993,13 @@
       </p:pic>
       <p:pic>
         <p:nvPicPr>
-          <p:cNvPr id="6" name="PPTIndicator201904121151302337"/>
+          <p:cNvPr id="11" name="PPTIndicator201904141204263205">
+            <a:extLst>
+              <a:ext uri="{FF2B5EF4-FFF2-40B4-BE49-F238E27FC236}">
+                <a16:creationId xmlns:a16="http://schemas.microsoft.com/office/drawing/2014/main" id="{F594676B-216F-48A2-92F7-7773B1C3715A}"/>
+              </a:ext>
+            </a:extLst>
+          </p:cNvPr>
           <p:cNvPicPr>
             <a:picLocks/>
           </p:cNvPicPr>
@@ -22138,7 +22030,7 @@
     </p:spTree>
     <p:extLst>
       <p:ext uri="{BB962C8B-B14F-4D97-AF65-F5344CB8AC3E}">
-        <p14:creationId xmlns:p14="http://schemas.microsoft.com/office/powerpoint/2010/main" val="256203005"/>
+        <p14:creationId xmlns:p14="http://schemas.microsoft.com/office/powerpoint/2010/main" val="523246796"/>
       </p:ext>
     </p:extLst>
   </p:cSld>
@@ -22190,7 +22082,7 @@
                                           </p:stCondLst>
                                         </p:cTn>
                                         <p:tgtEl>
-                                          <p:spTgt spid="6"/>
+                                          <p:spTgt spid="11"/>
                                         </p:tgtEl>
                                         <p:attrNameLst>
                                           <p:attrName>style.visibility</p:attrName>
@@ -22217,7 +22109,7 @@
                                           </p:stCondLst>
                                         </p:cTn>
                                         <p:tgtEl>
-                                          <p:spTgt spid="6"/>
+                                          <p:spTgt spid="11"/>
                                         </p:tgtEl>
                                         <p:attrNameLst>
                                           <p:attrName>style.visibility</p:attrName>
@@ -22384,7 +22276,7 @@
 
 <file path=ppt/slides/slide33.xml><?xml version="1.0" encoding="utf-8"?>
 <p:sld xmlns:a="http://schemas.openxmlformats.org/drawingml/2006/main" xmlns:r="http://schemas.openxmlformats.org/officeDocument/2006/relationships" xmlns:p="http://schemas.openxmlformats.org/presentationml/2006/main">
-  <p:cSld name="PPTLabsMagnifiedSlide201904121151302426">
+  <p:cSld name="PPTLabsMagnifiedSlide201904141204263335">
     <p:bg>
       <p:bgPr>
         <a:solidFill>
@@ -22409,7 +22301,13 @@
       </p:grpSpPr>
       <p:pic>
         <p:nvPicPr>
-          <p:cNvPr id="5" name="PPTLabsMagnifyAreaGroup201904121151301981"/>
+          <p:cNvPr id="6" name="PPTLabsMagnifyAreaGroup201904141204262916">
+            <a:extLst>
+              <a:ext uri="{FF2B5EF4-FFF2-40B4-BE49-F238E27FC236}">
+                <a16:creationId xmlns:a16="http://schemas.microsoft.com/office/drawing/2014/main" id="{6A800E02-7805-4B39-AB28-DC2EF60D69FD}"/>
+              </a:ext>
+            </a:extLst>
+          </p:cNvPr>
           <p:cNvPicPr>
             <a:picLocks noChangeAspect="1"/>
           </p:cNvPicPr>
@@ -22440,7 +22338,13 @@
       </p:pic>
       <p:pic>
         <p:nvPicPr>
-          <p:cNvPr id="3" name="PPTIndicator201904121151302661"/>
+          <p:cNvPr id="5" name="PPTIndicator201904141204263534">
+            <a:extLst>
+              <a:ext uri="{FF2B5EF4-FFF2-40B4-BE49-F238E27FC236}">
+                <a16:creationId xmlns:a16="http://schemas.microsoft.com/office/drawing/2014/main" id="{A04834F4-40C5-4582-9B54-DAA2ABB7F1F1}"/>
+              </a:ext>
+            </a:extLst>
+          </p:cNvPr>
           <p:cNvPicPr>
             <a:picLocks/>
           </p:cNvPicPr>
@@ -22471,21 +22375,13 @@
     </p:spTree>
     <p:extLst>
       <p:ext uri="{BB962C8B-B14F-4D97-AF65-F5344CB8AC3E}">
-        <p14:creationId xmlns:p14="http://schemas.microsoft.com/office/powerpoint/2010/main" val="3375459919"/>
+        <p14:creationId xmlns:p14="http://schemas.microsoft.com/office/powerpoint/2010/main" val="687667125"/>
       </p:ext>
     </p:extLst>
   </p:cSld>
   <p:clrMapOvr>
     <a:masterClrMapping/>
   </p:clrMapOvr>
-  <mc:AlternateContent xmlns:mc="http://schemas.openxmlformats.org/markup-compatibility/2006" xmlns:p14="http://schemas.microsoft.com/office/powerpoint/2010/main">
-    <mc:Choice Requires="p14">
-      <p:transition spd="slow" p14:dur="2000"/>
-    </mc:Choice>
-    <mc:Fallback xmlns="">
-      <p:transition spd="slow"/>
-    </mc:Fallback>
-  </mc:AlternateContent>
   <p:timing>
     <p:tnLst>
       <p:par>
@@ -22523,7 +22419,7 @@
                                           </p:stCondLst>
                                         </p:cTn>
                                         <p:tgtEl>
-                                          <p:spTgt spid="3"/>
+                                          <p:spTgt spid="5"/>
                                         </p:tgtEl>
                                         <p:attrNameLst>
                                           <p:attrName>style.visibility</p:attrName>
@@ -22550,7 +22446,7 @@
                                           </p:stCondLst>
                                         </p:cTn>
                                         <p:tgtEl>
-                                          <p:spTgt spid="3"/>
+                                          <p:spTgt spid="5"/>
                                         </p:tgtEl>
                                         <p:attrNameLst>
                                           <p:attrName>style.visibility</p:attrName>
@@ -22596,7 +22492,7 @@
 
 <file path=ppt/slides/slide34.xml><?xml version="1.0" encoding="utf-8"?>
 <p:sld xmlns:a="http://schemas.openxmlformats.org/drawingml/2006/main" xmlns:r="http://schemas.openxmlformats.org/officeDocument/2006/relationships" xmlns:p="http://schemas.openxmlformats.org/presentationml/2006/main">
-  <p:cSld name="PPTLabsMagnifiedPanSlide201904121151307851">
+  <p:cSld name="PPTLabsMagnifiedPanSlide201904141204270113">
     <p:bg>
       <p:bgPr>
         <a:solidFill>
@@ -22621,7 +22517,13 @@
       </p:grpSpPr>
       <p:pic>
         <p:nvPicPr>
-          <p:cNvPr id="5" name="PPTLabsMagnifyAreaGroup201904121151301981"/>
+          <p:cNvPr id="6" name="PPTLabsMagnifyAreaGroup201904141204262916">
+            <a:extLst>
+              <a:ext uri="{FF2B5EF4-FFF2-40B4-BE49-F238E27FC236}">
+                <a16:creationId xmlns:a16="http://schemas.microsoft.com/office/drawing/2014/main" id="{6A800E02-7805-4B39-AB28-DC2EF60D69FD}"/>
+              </a:ext>
+            </a:extLst>
+          </p:cNvPr>
           <p:cNvPicPr>
             <a:picLocks/>
           </p:cNvPicPr>
@@ -22652,7 +22554,13 @@
       </p:pic>
       <p:pic>
         <p:nvPicPr>
-          <p:cNvPr id="6" name="PPTLabsMagnifyAreaGroup201904121151301981"/>
+          <p:cNvPr id="7" name="PPTLabsMagnifyAreaGroup201904141204262916">
+            <a:extLst>
+              <a:ext uri="{FF2B5EF4-FFF2-40B4-BE49-F238E27FC236}">
+                <a16:creationId xmlns:a16="http://schemas.microsoft.com/office/drawing/2014/main" id="{F658EC92-29B1-4F95-BE10-4B73903D654D}"/>
+              </a:ext>
+            </a:extLst>
+          </p:cNvPr>
           <p:cNvPicPr>
             <a:picLocks/>
           </p:cNvPicPr>
@@ -22683,7 +22591,13 @@
       </p:pic>
       <p:pic>
         <p:nvPicPr>
-          <p:cNvPr id="2" name="PPTIndicator201904121151308450"/>
+          <p:cNvPr id="3" name="PPTIndicator201904141204270365">
+            <a:extLst>
+              <a:ext uri="{FF2B5EF4-FFF2-40B4-BE49-F238E27FC236}">
+                <a16:creationId xmlns:a16="http://schemas.microsoft.com/office/drawing/2014/main" id="{BC7C9D6D-9319-4A39-9194-DE60569A4FD6}"/>
+              </a:ext>
+            </a:extLst>
+          </p:cNvPr>
           <p:cNvPicPr>
             <a:picLocks/>
           </p:cNvPicPr>
@@ -22714,7 +22628,7 @@
     </p:spTree>
     <p:extLst>
       <p:ext uri="{BB962C8B-B14F-4D97-AF65-F5344CB8AC3E}">
-        <p14:creationId xmlns:p14="http://schemas.microsoft.com/office/powerpoint/2010/main" val="165756691"/>
+        <p14:creationId xmlns:p14="http://schemas.microsoft.com/office/powerpoint/2010/main" val="3463557653"/>
       </p:ext>
     </p:extLst>
   </p:cSld>
@@ -22766,7 +22680,7 @@
                                           </p:stCondLst>
                                         </p:cTn>
                                         <p:tgtEl>
-                                          <p:spTgt spid="2"/>
+                                          <p:spTgt spid="3"/>
                                         </p:tgtEl>
                                         <p:attrNameLst>
                                           <p:attrName>style.visibility</p:attrName>
@@ -22793,7 +22707,7 @@
                                           </p:stCondLst>
                                         </p:cTn>
                                         <p:tgtEl>
-                                          <p:spTgt spid="2"/>
+                                          <p:spTgt spid="3"/>
                                         </p:tgtEl>
                                         <p:attrNameLst>
                                           <p:attrName>style.visibility</p:attrName>
@@ -22816,7 +22730,7 @@
                                       <p:cBhvr>
                                         <p:cTn id="10" dur="1" fill="hold"/>
                                         <p:tgtEl>
-                                          <p:spTgt spid="5"/>
+                                          <p:spTgt spid="6"/>
                                         </p:tgtEl>
                                         <p:attrNameLst>
                                           <p:attrName>ppt_x</p:attrName>
@@ -22837,7 +22751,7 @@
                                       <p:cBhvr>
                                         <p:cTn id="12" dur="1" fill="hold"/>
                                         <p:tgtEl>
-                                          <p:spTgt spid="5"/>
+                                          <p:spTgt spid="6"/>
                                         </p:tgtEl>
                                       </p:cBhvr>
                                       <p:by x="235671" y="235671"/>
@@ -22855,7 +22769,7 @@
                                       <p:cBhvr>
                                         <p:cTn id="14" dur="10"/>
                                         <p:tgtEl>
-                                          <p:spTgt spid="6"/>
+                                          <p:spTgt spid="7"/>
                                         </p:tgtEl>
                                       </p:cBhvr>
                                     </p:animEffect>
@@ -22867,7 +22781,7 @@
                                           </p:stCondLst>
                                         </p:cTn>
                                         <p:tgtEl>
-                                          <p:spTgt spid="6"/>
+                                          <p:spTgt spid="7"/>
                                         </p:tgtEl>
                                         <p:attrNameLst>
                                           <p:attrName>style.visibility</p:attrName>
@@ -22899,7 +22813,7 @@
                                       <p:cBhvr>
                                         <p:cTn id="18" dur="400" fill="hold"/>
                                         <p:tgtEl>
-                                          <p:spTgt spid="5"/>
+                                          <p:spTgt spid="6"/>
                                         </p:tgtEl>
                                         <p:attrNameLst>
                                           <p:attrName>ppt_x</p:attrName>
@@ -22920,7 +22834,7 @@
                                       <p:cBhvr>
                                         <p:cTn id="20" dur="400" fill="hold"/>
                                         <p:tgtEl>
-                                          <p:spTgt spid="5"/>
+                                          <p:spTgt spid="6"/>
                                         </p:tgtEl>
                                       </p:cBhvr>
                                       <p:by x="224342" y="224333"/>
@@ -22961,7 +22875,7 @@
 
 <file path=ppt/slides/slide35.xml><?xml version="1.0" encoding="utf-8"?>
 <p:sld xmlns:a="http://schemas.openxmlformats.org/drawingml/2006/main" xmlns:r="http://schemas.openxmlformats.org/officeDocument/2006/relationships" xmlns:p="http://schemas.openxmlformats.org/presentationml/2006/main">
-  <p:cSld name="PPTLabsMagnifiedSlide201904121151307518">
+  <p:cSld name="PPTLabsMagnifiedSlide201904141204269793">
     <p:bg>
       <p:bgPr>
         <a:solidFill>
@@ -22986,7 +22900,13 @@
       </p:grpSpPr>
       <p:pic>
         <p:nvPicPr>
-          <p:cNvPr id="5" name="PPTLabsMagnifyAreaGroup201904121151307249"/>
+          <p:cNvPr id="6" name="PPTLabsMagnifyAreaGroup201904141204269374">
+            <a:extLst>
+              <a:ext uri="{FF2B5EF4-FFF2-40B4-BE49-F238E27FC236}">
+                <a16:creationId xmlns:a16="http://schemas.microsoft.com/office/drawing/2014/main" id="{B0D17AB2-B648-4DBA-B463-82A3DAFA3AF4}"/>
+              </a:ext>
+            </a:extLst>
+          </p:cNvPr>
           <p:cNvPicPr>
             <a:picLocks noChangeAspect="1"/>
           </p:cNvPicPr>
@@ -23017,7 +22937,13 @@
       </p:pic>
       <p:pic>
         <p:nvPicPr>
-          <p:cNvPr id="3" name="PPTIndicator201904121151307811"/>
+          <p:cNvPr id="5" name="PPTIndicator201904141204270033">
+            <a:extLst>
+              <a:ext uri="{FF2B5EF4-FFF2-40B4-BE49-F238E27FC236}">
+                <a16:creationId xmlns:a16="http://schemas.microsoft.com/office/drawing/2014/main" id="{43669A85-0745-400E-9546-61A1623E3506}"/>
+              </a:ext>
+            </a:extLst>
+          </p:cNvPr>
           <p:cNvPicPr>
             <a:picLocks/>
           </p:cNvPicPr>
@@ -23048,21 +22974,13 @@
     </p:spTree>
     <p:extLst>
       <p:ext uri="{BB962C8B-B14F-4D97-AF65-F5344CB8AC3E}">
-        <p14:creationId xmlns:p14="http://schemas.microsoft.com/office/powerpoint/2010/main" val="4021697351"/>
+        <p14:creationId xmlns:p14="http://schemas.microsoft.com/office/powerpoint/2010/main" val="3509885557"/>
       </p:ext>
     </p:extLst>
   </p:cSld>
   <p:clrMapOvr>
     <a:masterClrMapping/>
   </p:clrMapOvr>
-  <mc:AlternateContent xmlns:mc="http://schemas.openxmlformats.org/markup-compatibility/2006" xmlns:p14="http://schemas.microsoft.com/office/powerpoint/2010/main">
-    <mc:Choice Requires="p14">
-      <p:transition spd="slow" p14:dur="2000"/>
-    </mc:Choice>
-    <mc:Fallback xmlns="">
-      <p:transition spd="slow"/>
-    </mc:Fallback>
-  </mc:AlternateContent>
   <p:timing>
     <p:tnLst>
       <p:par>
@@ -23100,7 +23018,7 @@
                                           </p:stCondLst>
                                         </p:cTn>
                                         <p:tgtEl>
-                                          <p:spTgt spid="3"/>
+                                          <p:spTgt spid="5"/>
                                         </p:tgtEl>
                                         <p:attrNameLst>
                                           <p:attrName>style.visibility</p:attrName>
@@ -23127,7 +23045,7 @@
                                           </p:stCondLst>
                                         </p:cTn>
                                         <p:tgtEl>
-                                          <p:spTgt spid="3"/>
+                                          <p:spTgt spid="5"/>
                                         </p:tgtEl>
                                         <p:attrNameLst>
                                           <p:attrName>style.visibility</p:attrName>
@@ -23173,7 +23091,7 @@
 
 <file path=ppt/slides/slide36.xml><?xml version="1.0" encoding="utf-8"?>
 <p:sld xmlns:a="http://schemas.openxmlformats.org/drawingml/2006/main" xmlns:r="http://schemas.openxmlformats.org/officeDocument/2006/relationships" xmlns:p="http://schemas.openxmlformats.org/presentationml/2006/main">
-  <p:cSld name="PPTLabsMagnifiedPanSlide201904121151314375">
+  <p:cSld name="PPTLabsMagnifiedPanSlide201904141204276602">
     <p:bg>
       <p:bgPr>
         <a:solidFill>
@@ -23198,7 +23116,13 @@
       </p:grpSpPr>
       <p:pic>
         <p:nvPicPr>
-          <p:cNvPr id="5" name="PPTLabsMagnifyAreaGroup201904121151307249"/>
+          <p:cNvPr id="6" name="PPTLabsMagnifyAreaGroup201904141204269374">
+            <a:extLst>
+              <a:ext uri="{FF2B5EF4-FFF2-40B4-BE49-F238E27FC236}">
+                <a16:creationId xmlns:a16="http://schemas.microsoft.com/office/drawing/2014/main" id="{B0D17AB2-B648-4DBA-B463-82A3DAFA3AF4}"/>
+              </a:ext>
+            </a:extLst>
+          </p:cNvPr>
           <p:cNvPicPr>
             <a:picLocks/>
           </p:cNvPicPr>
@@ -23229,7 +23153,13 @@
       </p:pic>
       <p:pic>
         <p:nvPicPr>
-          <p:cNvPr id="6" name="PPTLabsMagnifyAreaGroup201904121151307249"/>
+          <p:cNvPr id="7" name="PPTLabsMagnifyAreaGroup201904141204269374">
+            <a:extLst>
+              <a:ext uri="{FF2B5EF4-FFF2-40B4-BE49-F238E27FC236}">
+                <a16:creationId xmlns:a16="http://schemas.microsoft.com/office/drawing/2014/main" id="{0108DA21-A49D-4B6B-9E08-33263A39F7BD}"/>
+              </a:ext>
+            </a:extLst>
+          </p:cNvPr>
           <p:cNvPicPr>
             <a:picLocks/>
           </p:cNvPicPr>
@@ -23260,7 +23190,13 @@
       </p:pic>
       <p:pic>
         <p:nvPicPr>
-          <p:cNvPr id="2" name="PPTIndicator201904121151314512"/>
+          <p:cNvPr id="3" name="PPTIndicator201904141204276692">
+            <a:extLst>
+              <a:ext uri="{FF2B5EF4-FFF2-40B4-BE49-F238E27FC236}">
+                <a16:creationId xmlns:a16="http://schemas.microsoft.com/office/drawing/2014/main" id="{BCB7E6B8-A19F-4FB0-A015-E1B0558D40F0}"/>
+              </a:ext>
+            </a:extLst>
+          </p:cNvPr>
           <p:cNvPicPr>
             <a:picLocks/>
           </p:cNvPicPr>
@@ -23291,7 +23227,7 @@
     </p:spTree>
     <p:extLst>
       <p:ext uri="{BB962C8B-B14F-4D97-AF65-F5344CB8AC3E}">
-        <p14:creationId xmlns:p14="http://schemas.microsoft.com/office/powerpoint/2010/main" val="3102557951"/>
+        <p14:creationId xmlns:p14="http://schemas.microsoft.com/office/powerpoint/2010/main" val="951000236"/>
       </p:ext>
     </p:extLst>
   </p:cSld>
@@ -23343,7 +23279,7 @@
                                           </p:stCondLst>
                                         </p:cTn>
                                         <p:tgtEl>
-                                          <p:spTgt spid="2"/>
+                                          <p:spTgt spid="3"/>
                                         </p:tgtEl>
                                         <p:attrNameLst>
                                           <p:attrName>style.visibility</p:attrName>
@@ -23370,7 +23306,7 @@
                                           </p:stCondLst>
                                         </p:cTn>
                                         <p:tgtEl>
-                                          <p:spTgt spid="2"/>
+                                          <p:spTgt spid="3"/>
                                         </p:tgtEl>
                                         <p:attrNameLst>
                                           <p:attrName>style.visibility</p:attrName>
@@ -23393,7 +23329,7 @@
                                       <p:cBhvr>
                                         <p:cTn id="10" dur="1" fill="hold"/>
                                         <p:tgtEl>
-                                          <p:spTgt spid="5"/>
+                                          <p:spTgt spid="6"/>
                                         </p:tgtEl>
                                         <p:attrNameLst>
                                           <p:attrName>ppt_x</p:attrName>
@@ -23414,7 +23350,7 @@
                                       <p:cBhvr>
                                         <p:cTn id="12" dur="1" fill="hold"/>
                                         <p:tgtEl>
-                                          <p:spTgt spid="5"/>
+                                          <p:spTgt spid="6"/>
                                         </p:tgtEl>
                                       </p:cBhvr>
                                       <p:by x="528709" y="528709"/>
@@ -23432,7 +23368,7 @@
                                       <p:cBhvr>
                                         <p:cTn id="14" dur="10"/>
                                         <p:tgtEl>
-                                          <p:spTgt spid="6"/>
+                                          <p:spTgt spid="7"/>
                                         </p:tgtEl>
                                       </p:cBhvr>
                                     </p:animEffect>
@@ -23444,7 +23380,7 @@
                                           </p:stCondLst>
                                         </p:cTn>
                                         <p:tgtEl>
-                                          <p:spTgt spid="6"/>
+                                          <p:spTgt spid="7"/>
                                         </p:tgtEl>
                                         <p:attrNameLst>
                                           <p:attrName>style.visibility</p:attrName>
@@ -23476,7 +23412,7 @@
                                       <p:cBhvr>
                                         <p:cTn id="18" dur="400" fill="hold"/>
                                         <p:tgtEl>
-                                          <p:spTgt spid="5"/>
+                                          <p:spTgt spid="6"/>
                                         </p:tgtEl>
                                         <p:attrNameLst>
                                           <p:attrName>ppt_x</p:attrName>
@@ -23497,7 +23433,7 @@
                                       <p:cBhvr>
                                         <p:cTn id="20" dur="400" fill="hold"/>
                                         <p:tgtEl>
-                                          <p:spTgt spid="5"/>
+                                          <p:spTgt spid="6"/>
                                         </p:tgtEl>
                                       </p:cBhvr>
                                       <p:by x="35522" y="35523"/>
@@ -23538,7 +23474,7 @@
 
 <file path=ppt/slides/slide37.xml><?xml version="1.0" encoding="utf-8"?>
 <p:sld xmlns:a="http://schemas.openxmlformats.org/drawingml/2006/main" xmlns:r="http://schemas.openxmlformats.org/officeDocument/2006/relationships" xmlns:p="http://schemas.openxmlformats.org/presentationml/2006/main">
-  <p:cSld name="PPTLabsMagnifiedSlide201904121151314052">
+  <p:cSld name="PPTLabsMagnifiedSlide201904141204276311">
     <p:bg>
       <p:bgPr>
         <a:solidFill>
@@ -23563,7 +23499,13 @@
       </p:grpSpPr>
       <p:pic>
         <p:nvPicPr>
-          <p:cNvPr id="5" name="PPTLabsMagnifyAreaGroup201904121151313648"/>
+          <p:cNvPr id="6" name="PPTLabsMagnifyAreaGroup201904141204275990">
+            <a:extLst>
+              <a:ext uri="{FF2B5EF4-FFF2-40B4-BE49-F238E27FC236}">
+                <a16:creationId xmlns:a16="http://schemas.microsoft.com/office/drawing/2014/main" id="{EFE048B6-C58A-4744-99C2-23ED63CA044C}"/>
+              </a:ext>
+            </a:extLst>
+          </p:cNvPr>
           <p:cNvPicPr>
             <a:picLocks noChangeAspect="1"/>
           </p:cNvPicPr>
@@ -23594,7 +23536,13 @@
       </p:pic>
       <p:pic>
         <p:nvPicPr>
-          <p:cNvPr id="3" name="PPTIndicator201904121151314335"/>
+          <p:cNvPr id="5" name="PPTIndicator201904141204276542">
+            <a:extLst>
+              <a:ext uri="{FF2B5EF4-FFF2-40B4-BE49-F238E27FC236}">
+                <a16:creationId xmlns:a16="http://schemas.microsoft.com/office/drawing/2014/main" id="{7EFD4177-7B20-49E6-8C27-56CF2E6D560F}"/>
+              </a:ext>
+            </a:extLst>
+          </p:cNvPr>
           <p:cNvPicPr>
             <a:picLocks/>
           </p:cNvPicPr>
@@ -23625,21 +23573,13 @@
     </p:spTree>
     <p:extLst>
       <p:ext uri="{BB962C8B-B14F-4D97-AF65-F5344CB8AC3E}">
-        <p14:creationId xmlns:p14="http://schemas.microsoft.com/office/powerpoint/2010/main" val="2462021186"/>
+        <p14:creationId xmlns:p14="http://schemas.microsoft.com/office/powerpoint/2010/main" val="1254273384"/>
       </p:ext>
     </p:extLst>
   </p:cSld>
   <p:clrMapOvr>
     <a:masterClrMapping/>
   </p:clrMapOvr>
-  <mc:AlternateContent xmlns:mc="http://schemas.openxmlformats.org/markup-compatibility/2006" xmlns:p14="http://schemas.microsoft.com/office/powerpoint/2010/main">
-    <mc:Choice Requires="p14">
-      <p:transition spd="slow" p14:dur="2000"/>
-    </mc:Choice>
-    <mc:Fallback xmlns="">
-      <p:transition spd="slow"/>
-    </mc:Fallback>
-  </mc:AlternateContent>
   <p:timing>
     <p:tnLst>
       <p:par>
@@ -23677,7 +23617,7 @@
                                           </p:stCondLst>
                                         </p:cTn>
                                         <p:tgtEl>
-                                          <p:spTgt spid="3"/>
+                                          <p:spTgt spid="5"/>
                                         </p:tgtEl>
                                         <p:attrNameLst>
                                           <p:attrName>style.visibility</p:attrName>
@@ -23704,7 +23644,7 @@
                                           </p:stCondLst>
                                         </p:cTn>
                                         <p:tgtEl>
-                                          <p:spTgt spid="3"/>
+                                          <p:spTgt spid="5"/>
                                         </p:tgtEl>
                                         <p:attrNameLst>
                                           <p:attrName>style.visibility</p:attrName>
@@ -23750,7 +23690,7 @@
 
 <file path=ppt/slides/slide38.xml><?xml version="1.0" encoding="utf-8"?>
 <p:sld xmlns:a="http://schemas.openxmlformats.org/drawingml/2006/main" xmlns:r="http://schemas.openxmlformats.org/officeDocument/2006/relationships" xmlns:p="http://schemas.openxmlformats.org/presentationml/2006/main">
-  <p:cSld name="PPTLabsMagnifiedPanSlide201904121151319690">
+  <p:cSld name="PPTLabsMagnifiedPanSlide201904141204282950">
     <p:bg>
       <p:bgPr>
         <a:solidFill>
@@ -23775,7 +23715,13 @@
       </p:grpSpPr>
       <p:pic>
         <p:nvPicPr>
-          <p:cNvPr id="5" name="PPTLabsMagnifyAreaGroup201904121151313648"/>
+          <p:cNvPr id="6" name="PPTLabsMagnifyAreaGroup201904141204275990">
+            <a:extLst>
+              <a:ext uri="{FF2B5EF4-FFF2-40B4-BE49-F238E27FC236}">
+                <a16:creationId xmlns:a16="http://schemas.microsoft.com/office/drawing/2014/main" id="{EFE048B6-C58A-4744-99C2-23ED63CA044C}"/>
+              </a:ext>
+            </a:extLst>
+          </p:cNvPr>
           <p:cNvPicPr>
             <a:picLocks/>
           </p:cNvPicPr>
@@ -23806,7 +23752,13 @@
       </p:pic>
       <p:pic>
         <p:nvPicPr>
-          <p:cNvPr id="6" name="PPTLabsMagnifyAreaGroup201904121151313648"/>
+          <p:cNvPr id="7" name="PPTLabsMagnifyAreaGroup201904141204275990">
+            <a:extLst>
+              <a:ext uri="{FF2B5EF4-FFF2-40B4-BE49-F238E27FC236}">
+                <a16:creationId xmlns:a16="http://schemas.microsoft.com/office/drawing/2014/main" id="{A8F929E6-3ACC-42C0-BFB2-66B92FF237A2}"/>
+              </a:ext>
+            </a:extLst>
+          </p:cNvPr>
           <p:cNvPicPr>
             <a:picLocks/>
           </p:cNvPicPr>
@@ -23837,7 +23789,13 @@
       </p:pic>
       <p:pic>
         <p:nvPicPr>
-          <p:cNvPr id="2" name="PPTIndicator201904121151319999"/>
+          <p:cNvPr id="3" name="PPTIndicator201904141204283039">
+            <a:extLst>
+              <a:ext uri="{FF2B5EF4-FFF2-40B4-BE49-F238E27FC236}">
+                <a16:creationId xmlns:a16="http://schemas.microsoft.com/office/drawing/2014/main" id="{A122A07D-54BA-4F5C-A234-C97B3AB03945}"/>
+              </a:ext>
+            </a:extLst>
+          </p:cNvPr>
           <p:cNvPicPr>
             <a:picLocks/>
           </p:cNvPicPr>
@@ -23868,7 +23826,7 @@
     </p:spTree>
     <p:extLst>
       <p:ext uri="{BB962C8B-B14F-4D97-AF65-F5344CB8AC3E}">
-        <p14:creationId xmlns:p14="http://schemas.microsoft.com/office/powerpoint/2010/main" val="866110915"/>
+        <p14:creationId xmlns:p14="http://schemas.microsoft.com/office/powerpoint/2010/main" val="4280896357"/>
       </p:ext>
     </p:extLst>
   </p:cSld>
@@ -23920,7 +23878,7 @@
                                           </p:stCondLst>
                                         </p:cTn>
                                         <p:tgtEl>
-                                          <p:spTgt spid="2"/>
+                                          <p:spTgt spid="3"/>
                                         </p:tgtEl>
                                         <p:attrNameLst>
                                           <p:attrName>style.visibility</p:attrName>
@@ -23947,7 +23905,7 @@
                                           </p:stCondLst>
                                         </p:cTn>
                                         <p:tgtEl>
-                                          <p:spTgt spid="2"/>
+                                          <p:spTgt spid="3"/>
                                         </p:tgtEl>
                                         <p:attrNameLst>
                                           <p:attrName>style.visibility</p:attrName>
@@ -23970,7 +23928,7 @@
                                       <p:cBhvr>
                                         <p:cTn id="10" dur="1" fill="hold"/>
                                         <p:tgtEl>
-                                          <p:spTgt spid="5"/>
+                                          <p:spTgt spid="6"/>
                                         </p:tgtEl>
                                         <p:attrNameLst>
                                           <p:attrName>ppt_x</p:attrName>
@@ -23991,7 +23949,7 @@
                                       <p:cBhvr>
                                         <p:cTn id="12" dur="1" fill="hold"/>
                                         <p:tgtEl>
-                                          <p:spTgt spid="5"/>
+                                          <p:spTgt spid="6"/>
                                         </p:tgtEl>
                                       </p:cBhvr>
                                       <p:by x="187808" y="187808"/>
@@ -24009,7 +23967,7 @@
                                       <p:cBhvr>
                                         <p:cTn id="14" dur="10"/>
                                         <p:tgtEl>
-                                          <p:spTgt spid="6"/>
+                                          <p:spTgt spid="7"/>
                                         </p:tgtEl>
                                       </p:cBhvr>
                                     </p:animEffect>
@@ -24021,7 +23979,7 @@
                                           </p:stCondLst>
                                         </p:cTn>
                                         <p:tgtEl>
-                                          <p:spTgt spid="6"/>
+                                          <p:spTgt spid="7"/>
                                         </p:tgtEl>
                                         <p:attrNameLst>
                                           <p:attrName>style.visibility</p:attrName>
@@ -24053,7 +24011,7 @@
                                       <p:cBhvr>
                                         <p:cTn id="18" dur="400" fill="hold"/>
                                         <p:tgtEl>
-                                          <p:spTgt spid="5"/>
+                                          <p:spTgt spid="6"/>
                                         </p:tgtEl>
                                         <p:attrNameLst>
                                           <p:attrName>ppt_x</p:attrName>
@@ -24074,7 +24032,7 @@
                                       <p:cBhvr>
                                         <p:cTn id="20" dur="400" fill="hold"/>
                                         <p:tgtEl>
-                                          <p:spTgt spid="5"/>
+                                          <p:spTgt spid="6"/>
                                         </p:tgtEl>
                                       </p:cBhvr>
                                       <p:by x="108283" y="108281"/>
@@ -24115,7 +24073,7 @@
 
 <file path=ppt/slides/slide39.xml><?xml version="1.0" encoding="utf-8"?>
 <p:sld xmlns:a="http://schemas.openxmlformats.org/drawingml/2006/main" xmlns:r="http://schemas.openxmlformats.org/officeDocument/2006/relationships" xmlns:p="http://schemas.openxmlformats.org/presentationml/2006/main">
-  <p:cSld name="PPTLabsMagnifiedSlide201904121151319395">
+  <p:cSld name="PPTLabsMagnifiedSlide201904141204282648">
     <p:bg>
       <p:bgPr>
         <a:solidFill>
@@ -24140,7 +24098,13 @@
       </p:grpSpPr>
       <p:pic>
         <p:nvPicPr>
-          <p:cNvPr id="5" name="PPTLabsMagnifyAreaGroup201904121151319050"/>
+          <p:cNvPr id="6" name="PPTLabsMagnifyAreaGroup201904141204282369">
+            <a:extLst>
+              <a:ext uri="{FF2B5EF4-FFF2-40B4-BE49-F238E27FC236}">
+                <a16:creationId xmlns:a16="http://schemas.microsoft.com/office/drawing/2014/main" id="{C7D8C2F2-CAD2-4FE6-AE7F-62185252C31A}"/>
+              </a:ext>
+            </a:extLst>
+          </p:cNvPr>
           <p:cNvPicPr>
             <a:picLocks noChangeAspect="1"/>
           </p:cNvPicPr>
@@ -24171,7 +24135,13 @@
       </p:pic>
       <p:pic>
         <p:nvPicPr>
-          <p:cNvPr id="3" name="PPTIndicator201904121151319650"/>
+          <p:cNvPr id="5" name="PPTIndicator201904141204282890">
+            <a:extLst>
+              <a:ext uri="{FF2B5EF4-FFF2-40B4-BE49-F238E27FC236}">
+                <a16:creationId xmlns:a16="http://schemas.microsoft.com/office/drawing/2014/main" id="{472C6CDB-5B69-4491-AD73-303F7C3D8F11}"/>
+              </a:ext>
+            </a:extLst>
+          </p:cNvPr>
           <p:cNvPicPr>
             <a:picLocks/>
           </p:cNvPicPr>
@@ -24202,21 +24172,13 @@
     </p:spTree>
     <p:extLst>
       <p:ext uri="{BB962C8B-B14F-4D97-AF65-F5344CB8AC3E}">
-        <p14:creationId xmlns:p14="http://schemas.microsoft.com/office/powerpoint/2010/main" val="986965900"/>
+        <p14:creationId xmlns:p14="http://schemas.microsoft.com/office/powerpoint/2010/main" val="125948053"/>
       </p:ext>
     </p:extLst>
   </p:cSld>
   <p:clrMapOvr>
     <a:masterClrMapping/>
   </p:clrMapOvr>
-  <mc:AlternateContent xmlns:mc="http://schemas.openxmlformats.org/markup-compatibility/2006" xmlns:p14="http://schemas.microsoft.com/office/powerpoint/2010/main">
-    <mc:Choice Requires="p14">
-      <p:transition spd="slow" p14:dur="2000"/>
-    </mc:Choice>
-    <mc:Fallback xmlns="">
-      <p:transition spd="slow"/>
-    </mc:Fallback>
-  </mc:AlternateContent>
   <p:timing>
     <p:tnLst>
       <p:par>
@@ -24254,7 +24216,7 @@
                                           </p:stCondLst>
                                         </p:cTn>
                                         <p:tgtEl>
-                                          <p:spTgt spid="3"/>
+                                          <p:spTgt spid="5"/>
                                         </p:tgtEl>
                                         <p:attrNameLst>
                                           <p:attrName>style.visibility</p:attrName>
@@ -24281,7 +24243,7 @@
                                           </p:stCondLst>
                                         </p:cTn>
                                         <p:tgtEl>
-                                          <p:spTgt spid="3"/>
+                                          <p:spTgt spid="5"/>
                                         </p:tgtEl>
                                         <p:attrNameLst>
                                           <p:attrName>style.visibility</p:attrName>
@@ -24634,7 +24596,7 @@
 
 <file path=ppt/slides/slide40.xml><?xml version="1.0" encoding="utf-8"?>
 <p:sld xmlns:a="http://schemas.openxmlformats.org/drawingml/2006/main" xmlns:r="http://schemas.openxmlformats.org/officeDocument/2006/relationships" xmlns:p="http://schemas.openxmlformats.org/presentationml/2006/main">
-  <p:cSld name="PPTLabsDeMagnifyingSlide201904121151320129">
+  <p:cSld name="PPTLabsDeMagnifyingSlide201904141204283129">
     <p:bg>
       <p:bgPr>
         <a:solidFill>
@@ -24726,16 +24688,21 @@
           <a:lstStyle/>
           <a:p>
             <a:r>
-              <a:rPr lang="en-US" sz="6000" b="1" dirty="0" smtClean="0"/>
+              <a:rPr lang="en-US" sz="6000" b="1" dirty="0"/>
               <a:t>TEXT IN SLIDE</a:t>
             </a:r>
-            <a:endParaRPr lang="en-US" sz="6000" b="1" dirty="0"/>
           </a:p>
         </p:txBody>
       </p:sp>
       <p:pic>
         <p:nvPicPr>
-          <p:cNvPr id="5" name="PPTLabsMagnifyAreaGroup201904121151319050"/>
+          <p:cNvPr id="6" name="PPTLabsMagnifyAreaGroup201904141204282369">
+            <a:extLst>
+              <a:ext uri="{FF2B5EF4-FFF2-40B4-BE49-F238E27FC236}">
+                <a16:creationId xmlns:a16="http://schemas.microsoft.com/office/drawing/2014/main" id="{C7D8C2F2-CAD2-4FE6-AE7F-62185252C31A}"/>
+              </a:ext>
+            </a:extLst>
+          </p:cNvPr>
           <p:cNvPicPr>
             <a:picLocks/>
           </p:cNvPicPr>
@@ -24766,7 +24733,13 @@
       </p:pic>
       <p:pic>
         <p:nvPicPr>
-          <p:cNvPr id="3" name="PPTIndicator201904121151320574"/>
+          <p:cNvPr id="5" name="PPTIndicator201904141204283393">
+            <a:extLst>
+              <a:ext uri="{FF2B5EF4-FFF2-40B4-BE49-F238E27FC236}">
+                <a16:creationId xmlns:a16="http://schemas.microsoft.com/office/drawing/2014/main" id="{A7BE7DFE-EA22-4840-B263-B03DD8356D9C}"/>
+              </a:ext>
+            </a:extLst>
+          </p:cNvPr>
           <p:cNvPicPr>
             <a:picLocks/>
           </p:cNvPicPr>
@@ -24797,21 +24770,13 @@
     </p:spTree>
     <p:extLst>
       <p:ext uri="{BB962C8B-B14F-4D97-AF65-F5344CB8AC3E}">
-        <p14:creationId xmlns:p14="http://schemas.microsoft.com/office/powerpoint/2010/main" val="2842464007"/>
+        <p14:creationId xmlns:p14="http://schemas.microsoft.com/office/powerpoint/2010/main" val="3050719852"/>
       </p:ext>
     </p:extLst>
   </p:cSld>
   <p:clrMapOvr>
     <a:masterClrMapping/>
   </p:clrMapOvr>
-  <mc:AlternateContent xmlns:mc="http://schemas.openxmlformats.org/markup-compatibility/2006" xmlns:p14="http://schemas.microsoft.com/office/powerpoint/2010/main">
-    <mc:Choice Requires="p14">
-      <p:transition spd="slow" p14:dur="2000"/>
-    </mc:Choice>
-    <mc:Fallback xmlns="">
-      <p:transition spd="slow"/>
-    </mc:Fallback>
-  </mc:AlternateContent>
   <p:timing>
     <p:tnLst>
       <p:par>
@@ -24849,7 +24814,7 @@
                                           </p:stCondLst>
                                         </p:cTn>
                                         <p:tgtEl>
-                                          <p:spTgt spid="3"/>
+                                          <p:spTgt spid="5"/>
                                         </p:tgtEl>
                                         <p:attrNameLst>
                                           <p:attrName>style.visibility</p:attrName>
@@ -24876,7 +24841,7 @@
                                           </p:stCondLst>
                                         </p:cTn>
                                         <p:tgtEl>
-                                          <p:spTgt spid="3"/>
+                                          <p:spTgt spid="5"/>
                                         </p:tgtEl>
                                         <p:attrNameLst>
                                           <p:attrName>style.visibility</p:attrName>
@@ -24899,7 +24864,7 @@
                                       <p:cBhvr>
                                         <p:cTn id="10" dur="500" fill="hold"/>
                                         <p:tgtEl>
-                                          <p:spTgt spid="5"/>
+                                          <p:spTgt spid="6"/>
                                         </p:tgtEl>
                                         <p:attrNameLst>
                                           <p:attrName>ppt_x</p:attrName>
@@ -24920,7 +24885,7 @@
                                       <p:cBhvr>
                                         <p:cTn id="12" dur="500" fill="hold"/>
                                         <p:tgtEl>
-                                          <p:spTgt spid="5"/>
+                                          <p:spTgt spid="6"/>
                                         </p:tgtEl>
                                       </p:cBhvr>
                                       <p:by x="49167" y="49167"/>
@@ -25017,7 +24982,7 @@
                                       <p:cBhvr>
                                         <p:cTn id="21" dur="250"/>
                                         <p:tgtEl>
-                                          <p:spTgt spid="5"/>
+                                          <p:spTgt spid="6"/>
                                         </p:tgtEl>
                                       </p:cBhvr>
                                     </p:animEffect>
@@ -25029,7 +24994,7 @@
                                           </p:stCondLst>
                                         </p:cTn>
                                         <p:tgtEl>
-                                          <p:spTgt spid="5"/>
+                                          <p:spTgt spid="6"/>
                                         </p:tgtEl>
                                         <p:attrNameLst>
                                           <p:attrName>style.visibility</p:attrName>
@@ -25109,7 +25074,7 @@
           <a:lstStyle/>
           <a:p>
             <a:r>
-              <a:rPr lang="en-US" dirty="0" smtClean="0"/>
+              <a:rPr lang="en-US" dirty="0"/>
               <a:t>Zoom to Area:: Multiple Shapes</a:t>
             </a:r>
             <a:endParaRPr lang="en-SG" dirty="0"/>
@@ -25133,11 +25098,7 @@
           <a:p>
             <a:r>
               <a:rPr lang="en-US" dirty="0"/>
-              <a:t>Select all blue </a:t>
-            </a:r>
-            <a:r>
-              <a:rPr lang="en-US" dirty="0" smtClean="0"/>
-              <a:t>rectangles sequentially.</a:t>
+              <a:t>Select all blue rectangles sequentially.</a:t>
             </a:r>
           </a:p>
           <a:p>
@@ -25155,13 +25116,8 @@
           <a:p>
             <a:r>
               <a:rPr lang="en-SG" dirty="0"/>
-              <a:t>Put all zoom effects on separate slides: </a:t>
+              <a:t>Put all zoom effects on separate slides: False</a:t>
             </a:r>
-            <a:r>
-              <a:rPr lang="en-SG" dirty="0" smtClean="0"/>
-              <a:t>False</a:t>
-            </a:r>
-            <a:endParaRPr lang="en-SG" dirty="0"/>
           </a:p>
           <a:p>
             <a:endParaRPr lang="en-SG" dirty="0"/>
@@ -25178,13 +25134,6 @@
   <p:clrMapOvr>
     <a:masterClrMapping/>
   </p:clrMapOvr>
-  <p:timing>
-    <p:tnLst>
-      <p:par>
-        <p:cTn id="1" dur="indefinite" restart="never" nodeType="tmRoot"/>
-      </p:par>
-    </p:tnLst>
-  </p:timing>
 </p:sld>
 </file>
 
@@ -25491,7 +25440,7 @@
           <a:lstStyle/>
           <a:p>
             <a:r>
-              <a:rPr lang="en-US" sz="6600" dirty="0" smtClean="0">
+              <a:rPr lang="en-US" sz="6600" dirty="0">
                 <a:solidFill>
                   <a:schemeClr val="accent1"/>
                 </a:solidFill>
@@ -25577,7 +25526,7 @@
           <a:lstStyle/>
           <a:p>
             <a:r>
-              <a:rPr lang="en-US" sz="6600" dirty="0" smtClean="0">
+              <a:rPr lang="en-US" sz="6600" dirty="0">
                 <a:solidFill>
                   <a:schemeClr val="accent1"/>
                 </a:solidFill>
@@ -25615,10 +25564,9 @@
           <a:lstStyle/>
           <a:p>
             <a:r>
-              <a:rPr lang="en-US" sz="6000" b="1" dirty="0" smtClean="0"/>
+              <a:rPr lang="en-US" sz="6000" b="1" dirty="0"/>
               <a:t>TEXT IN SLIDE</a:t>
             </a:r>
-            <a:endParaRPr lang="en-US" sz="6000" b="1" dirty="0"/>
           </a:p>
         </p:txBody>
       </p:sp>
@@ -26202,7 +26150,7 @@
           <a:lstStyle/>
           <a:p>
             <a:r>
-              <a:rPr lang="en-US" sz="6600" dirty="0" smtClean="0">
+              <a:rPr lang="en-US" sz="6600" dirty="0">
                 <a:solidFill>
                   <a:schemeClr val="accent1"/>
                 </a:solidFill>
@@ -26240,7 +26188,7 @@
           <a:lstStyle/>
           <a:p>
             <a:r>
-              <a:rPr lang="en-US" sz="6600" dirty="0" smtClean="0">
+              <a:rPr lang="en-US" sz="6600" dirty="0">
                 <a:solidFill>
                   <a:schemeClr val="accent1"/>
                 </a:solidFill>
@@ -26278,10 +26226,9 @@
           <a:lstStyle/>
           <a:p>
             <a:r>
-              <a:rPr lang="en-US" sz="6000" b="1" dirty="0" smtClean="0"/>
+              <a:rPr lang="en-US" sz="6000" b="1" dirty="0"/>
               <a:t>TEXT IN SLIDE</a:t>
             </a:r>
-            <a:endParaRPr lang="en-US" sz="6000" b="1" dirty="0"/>
           </a:p>
         </p:txBody>
       </p:sp>
@@ -26414,18 +26361,13 @@
           <a:p>
             <a:pPr algn="ctr"/>
             <a:r>
-              <a:rPr lang="en-SG" b="1" smtClean="0">
+              <a:rPr lang="en-SG" b="1">
                 <a:solidFill>
                   <a:srgbClr val="FFFFFF"/>
                 </a:solidFill>
               </a:rPr>
               <a:t>Zoom Shape 1</a:t>
             </a:r>
-            <a:endParaRPr lang="en-SG" b="1">
-              <a:solidFill>
-                <a:srgbClr val="FFFFFF"/>
-              </a:solidFill>
-            </a:endParaRPr>
           </a:p>
         </p:txBody>
       </p:sp>
@@ -26478,18 +26420,13 @@
           <a:p>
             <a:pPr algn="ctr"/>
             <a:r>
-              <a:rPr lang="en-SG" b="1" smtClean="0">
+              <a:rPr lang="en-SG" b="1">
                 <a:solidFill>
                   <a:srgbClr val="FFFFFF"/>
                 </a:solidFill>
               </a:rPr>
               <a:t>Zoom Shape 2</a:t>
             </a:r>
-            <a:endParaRPr lang="en-SG" b="1">
-              <a:solidFill>
-                <a:srgbClr val="FFFFFF"/>
-              </a:solidFill>
-            </a:endParaRPr>
           </a:p>
         </p:txBody>
       </p:sp>
@@ -26542,18 +26479,13 @@
           <a:p>
             <a:pPr algn="ctr"/>
             <a:r>
-              <a:rPr lang="en-SG" b="1" smtClean="0">
+              <a:rPr lang="en-SG" b="1">
                 <a:solidFill>
                   <a:srgbClr val="FFFFFF"/>
                 </a:solidFill>
               </a:rPr>
               <a:t>Zoom Shape 3</a:t>
             </a:r>
-            <a:endParaRPr lang="en-SG" b="1">
-              <a:solidFill>
-                <a:srgbClr val="FFFFFF"/>
-              </a:solidFill>
-            </a:endParaRPr>
           </a:p>
         </p:txBody>
       </p:sp>
@@ -26606,18 +26538,13 @@
           <a:p>
             <a:pPr algn="ctr"/>
             <a:r>
-              <a:rPr lang="en-SG" b="1" smtClean="0">
+              <a:rPr lang="en-SG" b="1">
                 <a:solidFill>
                   <a:srgbClr val="FFFFFF"/>
                 </a:solidFill>
               </a:rPr>
               <a:t>Zoom Shape 4</a:t>
             </a:r>
-            <a:endParaRPr lang="en-SG" b="1">
-              <a:solidFill>
-                <a:srgbClr val="FFFFFF"/>
-              </a:solidFill>
-            </a:endParaRPr>
           </a:p>
         </p:txBody>
       </p:sp>
@@ -27140,10 +27067,9 @@
           <a:lstStyle/>
           <a:p>
             <a:r>
-              <a:rPr lang="en-US" sz="6000" b="1" dirty="0" smtClean="0"/>
+              <a:rPr lang="en-US" sz="6000" b="1" dirty="0"/>
               <a:t>TEXT IN SLIDE</a:t>
             </a:r>
-            <a:endParaRPr lang="en-US" sz="6000" b="1" dirty="0"/>
           </a:p>
         </p:txBody>
       </p:sp>
@@ -27557,10 +27483,9 @@
           <a:lstStyle/>
           <a:p>
             <a:r>
-              <a:rPr lang="en-US" sz="6000" b="1" dirty="0" smtClean="0"/>
+              <a:rPr lang="en-US" sz="6000" b="1" dirty="0"/>
               <a:t>TEXT IN SLIDE</a:t>
             </a:r>
-            <a:endParaRPr lang="en-US" sz="6000" b="1" dirty="0"/>
           </a:p>
         </p:txBody>
       </p:sp>
@@ -27665,14 +27590,6 @@
   <p:clrMapOvr>
     <a:masterClrMapping/>
   </p:clrMapOvr>
-  <mc:AlternateContent xmlns:mc="http://schemas.openxmlformats.org/markup-compatibility/2006" xmlns:p14="http://schemas.microsoft.com/office/powerpoint/2010/main">
-    <mc:Choice Requires="p14">
-      <p:transition spd="slow" p14:dur="2000"/>
-    </mc:Choice>
-    <mc:Fallback xmlns="">
-      <p:transition spd="slow"/>
-    </mc:Fallback>
-  </mc:AlternateContent>
   <p:timing>
     <p:tnLst>
       <p:par>
@@ -29127,21 +29044,6 @@
   <p:clrMapOvr>
     <a:masterClrMapping/>
   </p:clrMapOvr>
-  <mc:AlternateContent xmlns:mc="http://schemas.openxmlformats.org/markup-compatibility/2006" xmlns:p14="http://schemas.microsoft.com/office/powerpoint/2010/main">
-    <mc:Choice Requires="p14">
-      <p:transition spd="slow" p14:dur="2000"/>
-    </mc:Choice>
-    <mc:Fallback xmlns="">
-      <p:transition spd="slow"/>
-    </mc:Fallback>
-  </mc:AlternateContent>
-  <p:timing>
-    <p:tnLst>
-      <p:par>
-        <p:cTn id="1" dur="indefinite" restart="never" nodeType="tmRoot"/>
-      </p:par>
-    </p:tnLst>
-  </p:timing>
 </p:sld>
 </file>
 
@@ -29345,18 +29247,13 @@
           <a:p>
             <a:pPr algn="ctr"/>
             <a:r>
-              <a:rPr lang="en-US" b="1" smtClean="0">
+              <a:rPr lang="en-US" b="1">
                 <a:solidFill>
                   <a:srgbClr val="FFFFFF"/>
                 </a:solidFill>
               </a:rPr>
               <a:t>Zoom Shape 1</a:t>
             </a:r>
-            <a:endParaRPr lang="en-US" b="1">
-              <a:solidFill>
-                <a:srgbClr val="FFFFFF"/>
-              </a:solidFill>
-            </a:endParaRPr>
           </a:p>
         </p:txBody>
       </p:sp>
@@ -29903,14 +29800,6 @@
   <p:clrMapOvr>
     <a:masterClrMapping/>
   </p:clrMapOvr>
-  <mc:AlternateContent xmlns:mc="http://schemas.openxmlformats.org/markup-compatibility/2006" xmlns:p14="http://schemas.microsoft.com/office/powerpoint/2010/main">
-    <mc:Choice Requires="p14">
-      <p:transition spd="slow" p14:dur="2000"/>
-    </mc:Choice>
-    <mc:Fallback xmlns="">
-      <p:transition spd="slow"/>
-    </mc:Fallback>
-  </mc:AlternateContent>
   <p:timing>
     <p:tnLst>
       <p:par>
@@ -30178,14 +30067,6 @@
   <p:clrMapOvr>
     <a:masterClrMapping/>
   </p:clrMapOvr>
-  <mc:AlternateContent xmlns:mc="http://schemas.openxmlformats.org/markup-compatibility/2006" xmlns:p14="http://schemas.microsoft.com/office/powerpoint/2010/main">
-    <mc:Choice Requires="p14">
-      <p:transition spd="slow" p14:dur="2000"/>
-    </mc:Choice>
-    <mc:Fallback xmlns="">
-      <p:transition spd="slow"/>
-    </mc:Fallback>
-  </mc:AlternateContent>
   <p:timing>
     <p:tnLst>
       <p:par>
@@ -30511,7 +30392,7 @@
           <a:lstStyle/>
           <a:p>
             <a:r>
-              <a:rPr lang="en-US" dirty="0" smtClean="0"/>
+              <a:rPr lang="en-US" dirty="0"/>
               <a:t>Zoom to Area:: Single Shape</a:t>
             </a:r>
             <a:endParaRPr lang="en-SG" dirty="0"/>
@@ -30534,22 +30415,21 @@
           <a:lstStyle/>
           <a:p>
             <a:r>
-              <a:rPr lang="en-SG" dirty="0" smtClean="0"/>
+              <a:rPr lang="en-SG" dirty="0"/>
               <a:t>Use these settings:</a:t>
             </a:r>
           </a:p>
           <a:p>
             <a:r>
-              <a:rPr lang="en-SG" dirty="0" smtClean="0"/>
+              <a:rPr lang="en-SG" dirty="0"/>
               <a:t>Include Slide Background: False</a:t>
             </a:r>
           </a:p>
           <a:p>
             <a:r>
-              <a:rPr lang="en-SG" dirty="0" smtClean="0"/>
+              <a:rPr lang="en-SG" dirty="0"/>
               <a:t>Put all zoom effects on separate slides: False</a:t>
             </a:r>
-            <a:endParaRPr lang="en-SG" dirty="0"/>
           </a:p>
         </p:txBody>
       </p:sp>
@@ -30563,13 +30443,6 @@
   <p:clrMapOvr>
     <a:masterClrMapping/>
   </p:clrMapOvr>
-  <p:timing>
-    <p:tnLst>
-      <p:par>
-        <p:cTn id="1" dur="indefinite" restart="never" nodeType="tmRoot"/>
-      </p:par>
-    </p:tnLst>
-  </p:timing>
 </p:sld>
 </file>
 

--- a/doc/test/ZoomLab/ZoomToArea.pptx
+++ b/doc/test/ZoomLab/ZoomToArea.pptx
@@ -20,37 +20,37 @@
     <p:sldId id="375" r:id="rId14"/>
     <p:sldId id="376" r:id="rId15"/>
     <p:sldId id="296" r:id="rId16"/>
-    <p:sldId id="374" r:id="rId17"/>
-    <p:sldId id="297" r:id="rId18"/>
-    <p:sldId id="362" r:id="rId19"/>
-    <p:sldId id="363" r:id="rId20"/>
-    <p:sldId id="366" r:id="rId21"/>
-    <p:sldId id="365" r:id="rId22"/>
-    <p:sldId id="369" r:id="rId23"/>
-    <p:sldId id="368" r:id="rId24"/>
-    <p:sldId id="372" r:id="rId25"/>
-    <p:sldId id="371" r:id="rId26"/>
-    <p:sldId id="373" r:id="rId27"/>
+    <p:sldId id="410" r:id="rId17"/>
+    <p:sldId id="424" r:id="rId18"/>
+    <p:sldId id="425" r:id="rId19"/>
+    <p:sldId id="426" r:id="rId20"/>
+    <p:sldId id="429" r:id="rId21"/>
+    <p:sldId id="428" r:id="rId22"/>
+    <p:sldId id="432" r:id="rId23"/>
+    <p:sldId id="431" r:id="rId24"/>
+    <p:sldId id="435" r:id="rId25"/>
+    <p:sldId id="434" r:id="rId26"/>
+    <p:sldId id="436" r:id="rId27"/>
     <p:sldId id="318" r:id="rId28"/>
     <p:sldId id="319" r:id="rId29"/>
-    <p:sldId id="360" r:id="rId30"/>
-    <p:sldId id="361" r:id="rId31"/>
+    <p:sldId id="396" r:id="rId30"/>
+    <p:sldId id="397" r:id="rId31"/>
     <p:sldId id="324" r:id="rId32"/>
     <p:sldId id="325" r:id="rId33"/>
-    <p:sldId id="347" r:id="rId34"/>
-    <p:sldId id="348" r:id="rId35"/>
-    <p:sldId id="349" r:id="rId36"/>
-    <p:sldId id="352" r:id="rId37"/>
-    <p:sldId id="351" r:id="rId38"/>
-    <p:sldId id="355" r:id="rId39"/>
-    <p:sldId id="354" r:id="rId40"/>
-    <p:sldId id="358" r:id="rId41"/>
-    <p:sldId id="357" r:id="rId42"/>
-    <p:sldId id="359" r:id="rId43"/>
+    <p:sldId id="411" r:id="rId34"/>
+    <p:sldId id="412" r:id="rId35"/>
+    <p:sldId id="413" r:id="rId36"/>
+    <p:sldId id="416" r:id="rId37"/>
+    <p:sldId id="415" r:id="rId38"/>
+    <p:sldId id="419" r:id="rId39"/>
+    <p:sldId id="418" r:id="rId40"/>
+    <p:sldId id="422" r:id="rId41"/>
+    <p:sldId id="421" r:id="rId42"/>
+    <p:sldId id="423" r:id="rId43"/>
     <p:sldId id="322" r:id="rId44"/>
     <p:sldId id="323" r:id="rId45"/>
-    <p:sldId id="345" r:id="rId46"/>
-    <p:sldId id="346" r:id="rId47"/>
+    <p:sldId id="381" r:id="rId46"/>
+    <p:sldId id="382" r:id="rId47"/>
     <p:sldId id="304" r:id="rId48"/>
   </p:sldIdLst>
   <p:sldSz cx="9144000" cy="6858000" type="screen4x3"/>
@@ -172,37 +172,37 @@
             <p14:sldId id="375"/>
             <p14:sldId id="376"/>
             <p14:sldId id="296"/>
-            <p14:sldId id="374"/>
-            <p14:sldId id="297"/>
-            <p14:sldId id="362"/>
-            <p14:sldId id="363"/>
-            <p14:sldId id="366"/>
-            <p14:sldId id="365"/>
-            <p14:sldId id="369"/>
-            <p14:sldId id="368"/>
-            <p14:sldId id="372"/>
-            <p14:sldId id="371"/>
-            <p14:sldId id="373"/>
+            <p14:sldId id="410"/>
+            <p14:sldId id="424"/>
+            <p14:sldId id="425"/>
+            <p14:sldId id="426"/>
+            <p14:sldId id="429"/>
+            <p14:sldId id="428"/>
+            <p14:sldId id="432"/>
+            <p14:sldId id="431"/>
+            <p14:sldId id="435"/>
+            <p14:sldId id="434"/>
+            <p14:sldId id="436"/>
             <p14:sldId id="318"/>
             <p14:sldId id="319"/>
-            <p14:sldId id="360"/>
-            <p14:sldId id="361"/>
+            <p14:sldId id="396"/>
+            <p14:sldId id="397"/>
             <p14:sldId id="324"/>
             <p14:sldId id="325"/>
-            <p14:sldId id="347"/>
-            <p14:sldId id="348"/>
-            <p14:sldId id="349"/>
-            <p14:sldId id="352"/>
-            <p14:sldId id="351"/>
-            <p14:sldId id="355"/>
-            <p14:sldId id="354"/>
-            <p14:sldId id="358"/>
-            <p14:sldId id="357"/>
-            <p14:sldId id="359"/>
+            <p14:sldId id="411"/>
+            <p14:sldId id="412"/>
+            <p14:sldId id="413"/>
+            <p14:sldId id="416"/>
+            <p14:sldId id="415"/>
+            <p14:sldId id="419"/>
+            <p14:sldId id="418"/>
+            <p14:sldId id="422"/>
+            <p14:sldId id="421"/>
+            <p14:sldId id="423"/>
             <p14:sldId id="322"/>
             <p14:sldId id="323"/>
-            <p14:sldId id="345"/>
-            <p14:sldId id="346"/>
+            <p14:sldId id="381"/>
+            <p14:sldId id="382"/>
             <p14:sldId id="304"/>
           </p14:sldIdLst>
         </p14:section>
@@ -264,10 +264,9 @@
           <a:lstStyle/>
           <a:p>
             <a:r>
-              <a:rPr lang="en-US" smtClean="0"/>
+              <a:rPr lang="en-US"/>
               <a:t>Click to edit Master title style</a:t>
             </a:r>
-            <a:endParaRPr lang="en-US"/>
           </a:p>
         </p:txBody>
       </p:sp>
@@ -383,10 +382,9 @@
           </a:lstStyle>
           <a:p>
             <a:r>
-              <a:rPr lang="en-US" smtClean="0"/>
+              <a:rPr lang="en-US"/>
               <a:t>Click to edit Master subtitle style</a:t>
             </a:r>
-            <a:endParaRPr lang="en-US"/>
           </a:p>
         </p:txBody>
       </p:sp>
@@ -407,7 +405,7 @@
           <a:p>
             <a:fld id="{699DC775-C286-4358-8C92-D7E584E969B3}" type="datetimeFigureOut">
               <a:rPr lang="en-US" smtClean="0"/>
-              <a:t>5/11/2017</a:t>
+              <a:t>4/14/2019</a:t>
             </a:fld>
             <a:endParaRPr lang="en-US"/>
           </a:p>
@@ -501,10 +499,9 @@
           <a:lstStyle/>
           <a:p>
             <a:r>
-              <a:rPr lang="en-US" smtClean="0"/>
+              <a:rPr lang="en-US"/>
               <a:t>Click to edit Master title style</a:t>
             </a:r>
-            <a:endParaRPr lang="en-US"/>
           </a:p>
         </p:txBody>
       </p:sp>
@@ -525,38 +522,37 @@
           <a:p>
             <a:pPr lvl="0"/>
             <a:r>
-              <a:rPr lang="en-US" smtClean="0"/>
+              <a:rPr lang="en-US"/>
               <a:t>Click to edit Master text styles</a:t>
             </a:r>
           </a:p>
           <a:p>
             <a:pPr lvl="1"/>
             <a:r>
-              <a:rPr lang="en-US" smtClean="0"/>
+              <a:rPr lang="en-US"/>
               <a:t>Second level</a:t>
             </a:r>
           </a:p>
           <a:p>
             <a:pPr lvl="2"/>
             <a:r>
-              <a:rPr lang="en-US" smtClean="0"/>
+              <a:rPr lang="en-US"/>
               <a:t>Third level</a:t>
             </a:r>
           </a:p>
           <a:p>
             <a:pPr lvl="3"/>
             <a:r>
-              <a:rPr lang="en-US" smtClean="0"/>
+              <a:rPr lang="en-US"/>
               <a:t>Fourth level</a:t>
             </a:r>
           </a:p>
           <a:p>
             <a:pPr lvl="4"/>
             <a:r>
-              <a:rPr lang="en-US" smtClean="0"/>
+              <a:rPr lang="en-US"/>
               <a:t>Fifth level</a:t>
             </a:r>
-            <a:endParaRPr lang="en-US"/>
           </a:p>
         </p:txBody>
       </p:sp>
@@ -577,7 +573,7 @@
           <a:p>
             <a:fld id="{699DC775-C286-4358-8C92-D7E584E969B3}" type="datetimeFigureOut">
               <a:rPr lang="en-US" smtClean="0"/>
-              <a:t>5/11/2017</a:t>
+              <a:t>4/14/2019</a:t>
             </a:fld>
             <a:endParaRPr lang="en-US"/>
           </a:p>
@@ -676,10 +672,9 @@
           <a:lstStyle/>
           <a:p>
             <a:r>
-              <a:rPr lang="en-US" smtClean="0"/>
+              <a:rPr lang="en-US"/>
               <a:t>Click to edit Master title style</a:t>
             </a:r>
-            <a:endParaRPr lang="en-US"/>
           </a:p>
         </p:txBody>
       </p:sp>
@@ -705,38 +700,37 @@
           <a:p>
             <a:pPr lvl="0"/>
             <a:r>
-              <a:rPr lang="en-US" smtClean="0"/>
+              <a:rPr lang="en-US"/>
               <a:t>Click to edit Master text styles</a:t>
             </a:r>
           </a:p>
           <a:p>
             <a:pPr lvl="1"/>
             <a:r>
-              <a:rPr lang="en-US" smtClean="0"/>
+              <a:rPr lang="en-US"/>
               <a:t>Second level</a:t>
             </a:r>
           </a:p>
           <a:p>
             <a:pPr lvl="2"/>
             <a:r>
-              <a:rPr lang="en-US" smtClean="0"/>
+              <a:rPr lang="en-US"/>
               <a:t>Third level</a:t>
             </a:r>
           </a:p>
           <a:p>
             <a:pPr lvl="3"/>
             <a:r>
-              <a:rPr lang="en-US" smtClean="0"/>
+              <a:rPr lang="en-US"/>
               <a:t>Fourth level</a:t>
             </a:r>
           </a:p>
           <a:p>
             <a:pPr lvl="4"/>
             <a:r>
-              <a:rPr lang="en-US" smtClean="0"/>
+              <a:rPr lang="en-US"/>
               <a:t>Fifth level</a:t>
             </a:r>
-            <a:endParaRPr lang="en-US"/>
           </a:p>
         </p:txBody>
       </p:sp>
@@ -757,7 +751,7 @@
           <a:p>
             <a:fld id="{699DC775-C286-4358-8C92-D7E584E969B3}" type="datetimeFigureOut">
               <a:rPr lang="en-US" smtClean="0"/>
-              <a:t>5/11/2017</a:t>
+              <a:t>4/14/2019</a:t>
             </a:fld>
             <a:endParaRPr lang="en-US"/>
           </a:p>
@@ -856,10 +850,9 @@
           <a:lstStyle/>
           <a:p>
             <a:r>
-              <a:rPr lang="en-US" smtClean="0"/>
+              <a:rPr lang="en-US"/>
               <a:t>Click to edit Master title style</a:t>
             </a:r>
-            <a:endParaRPr lang="en-US"/>
           </a:p>
         </p:txBody>
       </p:sp>
@@ -975,10 +968,9 @@
           </a:lstStyle>
           <a:p>
             <a:r>
-              <a:rPr lang="en-US" smtClean="0"/>
+              <a:rPr lang="en-US"/>
               <a:t>Click to edit Master subtitle style</a:t>
             </a:r>
-            <a:endParaRPr lang="en-US"/>
           </a:p>
         </p:txBody>
       </p:sp>
@@ -999,7 +991,7 @@
           <a:p>
             <a:fld id="{699DC775-C286-4358-8C92-D7E584E969B3}" type="datetimeFigureOut">
               <a:rPr lang="en-US" smtClean="0"/>
-              <a:t>5/11/2017</a:t>
+              <a:t>4/14/2019</a:t>
             </a:fld>
             <a:endParaRPr lang="en-US"/>
           </a:p>
@@ -1093,10 +1085,9 @@
           <a:lstStyle/>
           <a:p>
             <a:r>
-              <a:rPr lang="en-US" smtClean="0"/>
+              <a:rPr lang="en-US"/>
               <a:t>Click to edit Master title style</a:t>
             </a:r>
-            <a:endParaRPr lang="en-US"/>
           </a:p>
         </p:txBody>
       </p:sp>
@@ -1117,38 +1108,37 @@
           <a:p>
             <a:pPr lvl="0"/>
             <a:r>
-              <a:rPr lang="en-US" smtClean="0"/>
+              <a:rPr lang="en-US"/>
               <a:t>Click to edit Master text styles</a:t>
             </a:r>
           </a:p>
           <a:p>
             <a:pPr lvl="1"/>
             <a:r>
-              <a:rPr lang="en-US" smtClean="0"/>
+              <a:rPr lang="en-US"/>
               <a:t>Second level</a:t>
             </a:r>
           </a:p>
           <a:p>
             <a:pPr lvl="2"/>
             <a:r>
-              <a:rPr lang="en-US" smtClean="0"/>
+              <a:rPr lang="en-US"/>
               <a:t>Third level</a:t>
             </a:r>
           </a:p>
           <a:p>
             <a:pPr lvl="3"/>
             <a:r>
-              <a:rPr lang="en-US" smtClean="0"/>
+              <a:rPr lang="en-US"/>
               <a:t>Fourth level</a:t>
             </a:r>
           </a:p>
           <a:p>
             <a:pPr lvl="4"/>
             <a:r>
-              <a:rPr lang="en-US" smtClean="0"/>
+              <a:rPr lang="en-US"/>
               <a:t>Fifth level</a:t>
             </a:r>
-            <a:endParaRPr lang="en-US"/>
           </a:p>
         </p:txBody>
       </p:sp>
@@ -1169,7 +1159,7 @@
           <a:p>
             <a:fld id="{699DC775-C286-4358-8C92-D7E584E969B3}" type="datetimeFigureOut">
               <a:rPr lang="en-US" smtClean="0"/>
-              <a:t>5/11/2017</a:t>
+              <a:t>4/14/2019</a:t>
             </a:fld>
             <a:endParaRPr lang="en-US"/>
           </a:p>
@@ -1272,10 +1262,9 @@
           </a:lstStyle>
           <a:p>
             <a:r>
-              <a:rPr lang="en-US" smtClean="0"/>
+              <a:rPr lang="en-US"/>
               <a:t>Click to edit Master title style</a:t>
             </a:r>
-            <a:endParaRPr lang="en-US"/>
           </a:p>
         </p:txBody>
       </p:sp>
@@ -1392,7 +1381,7 @@
           <a:p>
             <a:pPr lvl="0"/>
             <a:r>
-              <a:rPr lang="en-US" smtClean="0"/>
+              <a:rPr lang="en-US"/>
               <a:t>Click to edit Master text styles</a:t>
             </a:r>
           </a:p>
@@ -1415,7 +1404,7 @@
           <a:p>
             <a:fld id="{699DC775-C286-4358-8C92-D7E584E969B3}" type="datetimeFigureOut">
               <a:rPr lang="en-US" smtClean="0"/>
-              <a:t>5/11/2017</a:t>
+              <a:t>4/14/2019</a:t>
             </a:fld>
             <a:endParaRPr lang="en-US"/>
           </a:p>
@@ -1509,10 +1498,9 @@
           <a:lstStyle/>
           <a:p>
             <a:r>
-              <a:rPr lang="en-US" smtClean="0"/>
+              <a:rPr lang="en-US"/>
               <a:t>Click to edit Master title style</a:t>
             </a:r>
-            <a:endParaRPr lang="en-US"/>
           </a:p>
         </p:txBody>
       </p:sp>
@@ -1566,38 +1554,37 @@
           <a:p>
             <a:pPr lvl="0"/>
             <a:r>
-              <a:rPr lang="en-US" smtClean="0"/>
+              <a:rPr lang="en-US"/>
               <a:t>Click to edit Master text styles</a:t>
             </a:r>
           </a:p>
           <a:p>
             <a:pPr lvl="1"/>
             <a:r>
-              <a:rPr lang="en-US" smtClean="0"/>
+              <a:rPr lang="en-US"/>
               <a:t>Second level</a:t>
             </a:r>
           </a:p>
           <a:p>
             <a:pPr lvl="2"/>
             <a:r>
-              <a:rPr lang="en-US" smtClean="0"/>
+              <a:rPr lang="en-US"/>
               <a:t>Third level</a:t>
             </a:r>
           </a:p>
           <a:p>
             <a:pPr lvl="3"/>
             <a:r>
-              <a:rPr lang="en-US" smtClean="0"/>
+              <a:rPr lang="en-US"/>
               <a:t>Fourth level</a:t>
             </a:r>
           </a:p>
           <a:p>
             <a:pPr lvl="4"/>
             <a:r>
-              <a:rPr lang="en-US" smtClean="0"/>
+              <a:rPr lang="en-US"/>
               <a:t>Fifth level</a:t>
             </a:r>
-            <a:endParaRPr lang="en-US"/>
           </a:p>
         </p:txBody>
       </p:sp>
@@ -1651,38 +1638,37 @@
           <a:p>
             <a:pPr lvl="0"/>
             <a:r>
-              <a:rPr lang="en-US" smtClean="0"/>
+              <a:rPr lang="en-US"/>
               <a:t>Click to edit Master text styles</a:t>
             </a:r>
           </a:p>
           <a:p>
             <a:pPr lvl="1"/>
             <a:r>
-              <a:rPr lang="en-US" smtClean="0"/>
+              <a:rPr lang="en-US"/>
               <a:t>Second level</a:t>
             </a:r>
           </a:p>
           <a:p>
             <a:pPr lvl="2"/>
             <a:r>
-              <a:rPr lang="en-US" smtClean="0"/>
+              <a:rPr lang="en-US"/>
               <a:t>Third level</a:t>
             </a:r>
           </a:p>
           <a:p>
             <a:pPr lvl="3"/>
             <a:r>
-              <a:rPr lang="en-US" smtClean="0"/>
+              <a:rPr lang="en-US"/>
               <a:t>Fourth level</a:t>
             </a:r>
           </a:p>
           <a:p>
             <a:pPr lvl="4"/>
             <a:r>
-              <a:rPr lang="en-US" smtClean="0"/>
+              <a:rPr lang="en-US"/>
               <a:t>Fifth level</a:t>
             </a:r>
-            <a:endParaRPr lang="en-US"/>
           </a:p>
         </p:txBody>
       </p:sp>
@@ -1703,7 +1689,7 @@
           <a:p>
             <a:fld id="{699DC775-C286-4358-8C92-D7E584E969B3}" type="datetimeFigureOut">
               <a:rPr lang="en-US" smtClean="0"/>
-              <a:t>5/11/2017</a:t>
+              <a:t>4/14/2019</a:t>
             </a:fld>
             <a:endParaRPr lang="en-US"/>
           </a:p>
@@ -1801,10 +1787,9 @@
           </a:lstStyle>
           <a:p>
             <a:r>
-              <a:rPr lang="en-US" smtClean="0"/>
+              <a:rPr lang="en-US"/>
               <a:t>Click to edit Master title style</a:t>
             </a:r>
-            <a:endParaRPr lang="en-US"/>
           </a:p>
         </p:txBody>
       </p:sp>
@@ -1867,7 +1852,7 @@
           <a:p>
             <a:pPr lvl="0"/>
             <a:r>
-              <a:rPr lang="en-US" smtClean="0"/>
+              <a:rPr lang="en-US"/>
               <a:t>Click to edit Master text styles</a:t>
             </a:r>
           </a:p>
@@ -1923,38 +1908,37 @@
           <a:p>
             <a:pPr lvl="0"/>
             <a:r>
-              <a:rPr lang="en-US" smtClean="0"/>
+              <a:rPr lang="en-US"/>
               <a:t>Click to edit Master text styles</a:t>
             </a:r>
           </a:p>
           <a:p>
             <a:pPr lvl="1"/>
             <a:r>
-              <a:rPr lang="en-US" smtClean="0"/>
+              <a:rPr lang="en-US"/>
               <a:t>Second level</a:t>
             </a:r>
           </a:p>
           <a:p>
             <a:pPr lvl="2"/>
             <a:r>
-              <a:rPr lang="en-US" smtClean="0"/>
+              <a:rPr lang="en-US"/>
               <a:t>Third level</a:t>
             </a:r>
           </a:p>
           <a:p>
             <a:pPr lvl="3"/>
             <a:r>
-              <a:rPr lang="en-US" smtClean="0"/>
+              <a:rPr lang="en-US"/>
               <a:t>Fourth level</a:t>
             </a:r>
           </a:p>
           <a:p>
             <a:pPr lvl="4"/>
             <a:r>
-              <a:rPr lang="en-US" smtClean="0"/>
+              <a:rPr lang="en-US"/>
               <a:t>Fifth level</a:t>
             </a:r>
-            <a:endParaRPr lang="en-US"/>
           </a:p>
         </p:txBody>
       </p:sp>
@@ -2017,7 +2001,7 @@
           <a:p>
             <a:pPr lvl="0"/>
             <a:r>
-              <a:rPr lang="en-US" smtClean="0"/>
+              <a:rPr lang="en-US"/>
               <a:t>Click to edit Master text styles</a:t>
             </a:r>
           </a:p>
@@ -2073,38 +2057,37 @@
           <a:p>
             <a:pPr lvl="0"/>
             <a:r>
-              <a:rPr lang="en-US" smtClean="0"/>
+              <a:rPr lang="en-US"/>
               <a:t>Click to edit Master text styles</a:t>
             </a:r>
           </a:p>
           <a:p>
             <a:pPr lvl="1"/>
             <a:r>
-              <a:rPr lang="en-US" smtClean="0"/>
+              <a:rPr lang="en-US"/>
               <a:t>Second level</a:t>
             </a:r>
           </a:p>
           <a:p>
             <a:pPr lvl="2"/>
             <a:r>
-              <a:rPr lang="en-US" smtClean="0"/>
+              <a:rPr lang="en-US"/>
               <a:t>Third level</a:t>
             </a:r>
           </a:p>
           <a:p>
             <a:pPr lvl="3"/>
             <a:r>
-              <a:rPr lang="en-US" smtClean="0"/>
+              <a:rPr lang="en-US"/>
               <a:t>Fourth level</a:t>
             </a:r>
           </a:p>
           <a:p>
             <a:pPr lvl="4"/>
             <a:r>
-              <a:rPr lang="en-US" smtClean="0"/>
+              <a:rPr lang="en-US"/>
               <a:t>Fifth level</a:t>
             </a:r>
-            <a:endParaRPr lang="en-US"/>
           </a:p>
         </p:txBody>
       </p:sp>
@@ -2125,7 +2108,7 @@
           <a:p>
             <a:fld id="{699DC775-C286-4358-8C92-D7E584E969B3}" type="datetimeFigureOut">
               <a:rPr lang="en-US" smtClean="0"/>
-              <a:t>5/11/2017</a:t>
+              <a:t>4/14/2019</a:t>
             </a:fld>
             <a:endParaRPr lang="en-US"/>
           </a:p>
@@ -2219,10 +2202,9 @@
           <a:lstStyle/>
           <a:p>
             <a:r>
-              <a:rPr lang="en-US" smtClean="0"/>
+              <a:rPr lang="en-US"/>
               <a:t>Click to edit Master title style</a:t>
             </a:r>
-            <a:endParaRPr lang="en-US"/>
           </a:p>
         </p:txBody>
       </p:sp>
@@ -2243,7 +2225,7 @@
           <a:p>
             <a:fld id="{699DC775-C286-4358-8C92-D7E584E969B3}" type="datetimeFigureOut">
               <a:rPr lang="en-US" smtClean="0"/>
-              <a:t>5/11/2017</a:t>
+              <a:t>4/14/2019</a:t>
             </a:fld>
             <a:endParaRPr lang="en-US"/>
           </a:p>
@@ -2338,7 +2320,7 @@
           <a:p>
             <a:fld id="{699DC775-C286-4358-8C92-D7E584E969B3}" type="datetimeFigureOut">
               <a:rPr lang="en-US" smtClean="0"/>
-              <a:t>5/11/2017</a:t>
+              <a:t>4/14/2019</a:t>
             </a:fld>
             <a:endParaRPr lang="en-US"/>
           </a:p>
@@ -2441,10 +2423,9 @@
           </a:lstStyle>
           <a:p>
             <a:r>
-              <a:rPr lang="en-US" smtClean="0"/>
+              <a:rPr lang="en-US"/>
               <a:t>Click to edit Master title style</a:t>
             </a:r>
-            <a:endParaRPr lang="en-US"/>
           </a:p>
         </p:txBody>
       </p:sp>
@@ -2498,38 +2479,37 @@
           <a:p>
             <a:pPr lvl="0"/>
             <a:r>
-              <a:rPr lang="en-US" smtClean="0"/>
+              <a:rPr lang="en-US"/>
               <a:t>Click to edit Master text styles</a:t>
             </a:r>
           </a:p>
           <a:p>
             <a:pPr lvl="1"/>
             <a:r>
-              <a:rPr lang="en-US" smtClean="0"/>
+              <a:rPr lang="en-US"/>
               <a:t>Second level</a:t>
             </a:r>
           </a:p>
           <a:p>
             <a:pPr lvl="2"/>
             <a:r>
-              <a:rPr lang="en-US" smtClean="0"/>
+              <a:rPr lang="en-US"/>
               <a:t>Third level</a:t>
             </a:r>
           </a:p>
           <a:p>
             <a:pPr lvl="3"/>
             <a:r>
-              <a:rPr lang="en-US" smtClean="0"/>
+              <a:rPr lang="en-US"/>
               <a:t>Fourth level</a:t>
             </a:r>
           </a:p>
           <a:p>
             <a:pPr lvl="4"/>
             <a:r>
-              <a:rPr lang="en-US" smtClean="0"/>
+              <a:rPr lang="en-US"/>
               <a:t>Fifth level</a:t>
             </a:r>
-            <a:endParaRPr lang="en-US"/>
           </a:p>
         </p:txBody>
       </p:sp>
@@ -2592,7 +2572,7 @@
           <a:p>
             <a:pPr lvl="0"/>
             <a:r>
-              <a:rPr lang="en-US" smtClean="0"/>
+              <a:rPr lang="en-US"/>
               <a:t>Click to edit Master text styles</a:t>
             </a:r>
           </a:p>
@@ -2615,7 +2595,7 @@
           <a:p>
             <a:fld id="{699DC775-C286-4358-8C92-D7E584E969B3}" type="datetimeFigureOut">
               <a:rPr lang="en-US" smtClean="0"/>
-              <a:t>5/11/2017</a:t>
+              <a:t>4/14/2019</a:t>
             </a:fld>
             <a:endParaRPr lang="en-US"/>
           </a:p>
@@ -2709,10 +2689,9 @@
           <a:lstStyle/>
           <a:p>
             <a:r>
-              <a:rPr lang="en-US" smtClean="0"/>
+              <a:rPr lang="en-US"/>
               <a:t>Click to edit Master title style</a:t>
             </a:r>
-            <a:endParaRPr lang="en-US"/>
           </a:p>
         </p:txBody>
       </p:sp>
@@ -2733,38 +2712,37 @@
           <a:p>
             <a:pPr lvl="0"/>
             <a:r>
-              <a:rPr lang="en-US" smtClean="0"/>
+              <a:rPr lang="en-US"/>
               <a:t>Click to edit Master text styles</a:t>
             </a:r>
           </a:p>
           <a:p>
             <a:pPr lvl="1"/>
             <a:r>
-              <a:rPr lang="en-US" smtClean="0"/>
+              <a:rPr lang="en-US"/>
               <a:t>Second level</a:t>
             </a:r>
           </a:p>
           <a:p>
             <a:pPr lvl="2"/>
             <a:r>
-              <a:rPr lang="en-US" smtClean="0"/>
+              <a:rPr lang="en-US"/>
               <a:t>Third level</a:t>
             </a:r>
           </a:p>
           <a:p>
             <a:pPr lvl="3"/>
             <a:r>
-              <a:rPr lang="en-US" smtClean="0"/>
+              <a:rPr lang="en-US"/>
               <a:t>Fourth level</a:t>
             </a:r>
           </a:p>
           <a:p>
             <a:pPr lvl="4"/>
             <a:r>
-              <a:rPr lang="en-US" smtClean="0"/>
+              <a:rPr lang="en-US"/>
               <a:t>Fifth level</a:t>
             </a:r>
-            <a:endParaRPr lang="en-US"/>
           </a:p>
         </p:txBody>
       </p:sp>
@@ -2785,7 +2763,7 @@
           <a:p>
             <a:fld id="{699DC775-C286-4358-8C92-D7E584E969B3}" type="datetimeFigureOut">
               <a:rPr lang="en-US" smtClean="0"/>
-              <a:t>5/11/2017</a:t>
+              <a:t>4/14/2019</a:t>
             </a:fld>
             <a:endParaRPr lang="en-US"/>
           </a:p>
@@ -2888,10 +2866,9 @@
           </a:lstStyle>
           <a:p>
             <a:r>
-              <a:rPr lang="en-US" smtClean="0"/>
+              <a:rPr lang="en-US"/>
               <a:t>Click to edit Master title style</a:t>
             </a:r>
-            <a:endParaRPr lang="en-US"/>
           </a:p>
         </p:txBody>
       </p:sp>
@@ -3015,7 +2992,7 @@
           <a:p>
             <a:pPr lvl="0"/>
             <a:r>
-              <a:rPr lang="en-US" smtClean="0"/>
+              <a:rPr lang="en-US"/>
               <a:t>Click to edit Master text styles</a:t>
             </a:r>
           </a:p>
@@ -3038,7 +3015,7 @@
           <a:p>
             <a:fld id="{699DC775-C286-4358-8C92-D7E584E969B3}" type="datetimeFigureOut">
               <a:rPr lang="en-US" smtClean="0"/>
-              <a:t>5/11/2017</a:t>
+              <a:t>4/14/2019</a:t>
             </a:fld>
             <a:endParaRPr lang="en-US"/>
           </a:p>
@@ -3132,10 +3109,9 @@
           <a:lstStyle/>
           <a:p>
             <a:r>
-              <a:rPr lang="en-US" smtClean="0"/>
+              <a:rPr lang="en-US"/>
               <a:t>Click to edit Master title style</a:t>
             </a:r>
-            <a:endParaRPr lang="en-US"/>
           </a:p>
         </p:txBody>
       </p:sp>
@@ -3156,38 +3132,37 @@
           <a:p>
             <a:pPr lvl="0"/>
             <a:r>
-              <a:rPr lang="en-US" smtClean="0"/>
+              <a:rPr lang="en-US"/>
               <a:t>Click to edit Master text styles</a:t>
             </a:r>
           </a:p>
           <a:p>
             <a:pPr lvl="1"/>
             <a:r>
-              <a:rPr lang="en-US" smtClean="0"/>
+              <a:rPr lang="en-US"/>
               <a:t>Second level</a:t>
             </a:r>
           </a:p>
           <a:p>
             <a:pPr lvl="2"/>
             <a:r>
-              <a:rPr lang="en-US" smtClean="0"/>
+              <a:rPr lang="en-US"/>
               <a:t>Third level</a:t>
             </a:r>
           </a:p>
           <a:p>
             <a:pPr lvl="3"/>
             <a:r>
-              <a:rPr lang="en-US" smtClean="0"/>
+              <a:rPr lang="en-US"/>
               <a:t>Fourth level</a:t>
             </a:r>
           </a:p>
           <a:p>
             <a:pPr lvl="4"/>
             <a:r>
-              <a:rPr lang="en-US" smtClean="0"/>
+              <a:rPr lang="en-US"/>
               <a:t>Fifth level</a:t>
             </a:r>
-            <a:endParaRPr lang="en-US"/>
           </a:p>
         </p:txBody>
       </p:sp>
@@ -3208,7 +3183,7 @@
           <a:p>
             <a:fld id="{699DC775-C286-4358-8C92-D7E584E969B3}" type="datetimeFigureOut">
               <a:rPr lang="en-US" smtClean="0"/>
-              <a:t>5/11/2017</a:t>
+              <a:t>4/14/2019</a:t>
             </a:fld>
             <a:endParaRPr lang="en-US"/>
           </a:p>
@@ -3307,10 +3282,9 @@
           <a:lstStyle/>
           <a:p>
             <a:r>
-              <a:rPr lang="en-US" smtClean="0"/>
+              <a:rPr lang="en-US"/>
               <a:t>Click to edit Master title style</a:t>
             </a:r>
-            <a:endParaRPr lang="en-US"/>
           </a:p>
         </p:txBody>
       </p:sp>
@@ -3336,38 +3310,37 @@
           <a:p>
             <a:pPr lvl="0"/>
             <a:r>
-              <a:rPr lang="en-US" smtClean="0"/>
+              <a:rPr lang="en-US"/>
               <a:t>Click to edit Master text styles</a:t>
             </a:r>
           </a:p>
           <a:p>
             <a:pPr lvl="1"/>
             <a:r>
-              <a:rPr lang="en-US" smtClean="0"/>
+              <a:rPr lang="en-US"/>
               <a:t>Second level</a:t>
             </a:r>
           </a:p>
           <a:p>
             <a:pPr lvl="2"/>
             <a:r>
-              <a:rPr lang="en-US" smtClean="0"/>
+              <a:rPr lang="en-US"/>
               <a:t>Third level</a:t>
             </a:r>
           </a:p>
           <a:p>
             <a:pPr lvl="3"/>
             <a:r>
-              <a:rPr lang="en-US" smtClean="0"/>
+              <a:rPr lang="en-US"/>
               <a:t>Fourth level</a:t>
             </a:r>
           </a:p>
           <a:p>
             <a:pPr lvl="4"/>
             <a:r>
-              <a:rPr lang="en-US" smtClean="0"/>
+              <a:rPr lang="en-US"/>
               <a:t>Fifth level</a:t>
             </a:r>
-            <a:endParaRPr lang="en-US"/>
           </a:p>
         </p:txBody>
       </p:sp>
@@ -3388,7 +3361,7 @@
           <a:p>
             <a:fld id="{699DC775-C286-4358-8C92-D7E584E969B3}" type="datetimeFigureOut">
               <a:rPr lang="en-US" smtClean="0"/>
-              <a:t>5/11/2017</a:t>
+              <a:t>4/14/2019</a:t>
             </a:fld>
             <a:endParaRPr lang="en-US"/>
           </a:p>
@@ -3495,10 +3468,9 @@
           <a:lstStyle/>
           <a:p>
             <a:r>
-              <a:rPr lang="en-US" smtClean="0"/>
+              <a:rPr lang="en-US"/>
               <a:t>Click to edit Master title style</a:t>
             </a:r>
-            <a:endParaRPr lang="en-US"/>
           </a:p>
         </p:txBody>
       </p:sp>
@@ -3614,10 +3586,9 @@
           </a:lstStyle>
           <a:p>
             <a:r>
-              <a:rPr lang="en-US" smtClean="0"/>
+              <a:rPr lang="en-US"/>
               <a:t>Click to edit Master subtitle style</a:t>
             </a:r>
-            <a:endParaRPr lang="en-US"/>
           </a:p>
         </p:txBody>
       </p:sp>
@@ -3638,7 +3609,7 @@
           <a:p>
             <a:fld id="{699DC775-C286-4358-8C92-D7E584E969B3}" type="datetimeFigureOut">
               <a:rPr lang="en-US" smtClean="0"/>
-              <a:t>5/11/2017</a:t>
+              <a:t>4/14/2019</a:t>
             </a:fld>
             <a:endParaRPr lang="en-US"/>
           </a:p>
@@ -3740,10 +3711,9 @@
           <a:lstStyle/>
           <a:p>
             <a:r>
-              <a:rPr lang="en-US" smtClean="0"/>
+              <a:rPr lang="en-US"/>
               <a:t>Click to edit Master title style</a:t>
             </a:r>
-            <a:endParaRPr lang="en-US"/>
           </a:p>
         </p:txBody>
       </p:sp>
@@ -3764,38 +3734,37 @@
           <a:p>
             <a:pPr lvl="0"/>
             <a:r>
-              <a:rPr lang="en-US" smtClean="0"/>
+              <a:rPr lang="en-US"/>
               <a:t>Click to edit Master text styles</a:t>
             </a:r>
           </a:p>
           <a:p>
             <a:pPr lvl="1"/>
             <a:r>
-              <a:rPr lang="en-US" smtClean="0"/>
+              <a:rPr lang="en-US"/>
               <a:t>Second level</a:t>
             </a:r>
           </a:p>
           <a:p>
             <a:pPr lvl="2"/>
             <a:r>
-              <a:rPr lang="en-US" smtClean="0"/>
+              <a:rPr lang="en-US"/>
               <a:t>Third level</a:t>
             </a:r>
           </a:p>
           <a:p>
             <a:pPr lvl="3"/>
             <a:r>
-              <a:rPr lang="en-US" smtClean="0"/>
+              <a:rPr lang="en-US"/>
               <a:t>Fourth level</a:t>
             </a:r>
           </a:p>
           <a:p>
             <a:pPr lvl="4"/>
             <a:r>
-              <a:rPr lang="en-US" smtClean="0"/>
+              <a:rPr lang="en-US"/>
               <a:t>Fifth level</a:t>
             </a:r>
-            <a:endParaRPr lang="en-US"/>
           </a:p>
         </p:txBody>
       </p:sp>
@@ -3816,7 +3785,7 @@
           <a:p>
             <a:fld id="{699DC775-C286-4358-8C92-D7E584E969B3}" type="datetimeFigureOut">
               <a:rPr lang="en-US" smtClean="0"/>
-              <a:t>5/11/2017</a:t>
+              <a:t>4/14/2019</a:t>
             </a:fld>
             <a:endParaRPr lang="en-US"/>
           </a:p>
@@ -3927,10 +3896,9 @@
           </a:lstStyle>
           <a:p>
             <a:r>
-              <a:rPr lang="en-US" smtClean="0"/>
+              <a:rPr lang="en-US"/>
               <a:t>Click to edit Master title style</a:t>
             </a:r>
-            <a:endParaRPr lang="en-US"/>
           </a:p>
         </p:txBody>
       </p:sp>
@@ -4047,7 +4015,7 @@
           <a:p>
             <a:pPr lvl="0"/>
             <a:r>
-              <a:rPr lang="en-US" smtClean="0"/>
+              <a:rPr lang="en-US"/>
               <a:t>Click to edit Master text styles</a:t>
             </a:r>
           </a:p>
@@ -4070,7 +4038,7 @@
           <a:p>
             <a:fld id="{699DC775-C286-4358-8C92-D7E584E969B3}" type="datetimeFigureOut">
               <a:rPr lang="en-US" smtClean="0"/>
-              <a:t>5/11/2017</a:t>
+              <a:t>4/14/2019</a:t>
             </a:fld>
             <a:endParaRPr lang="en-US"/>
           </a:p>
@@ -4172,10 +4140,9 @@
           <a:lstStyle/>
           <a:p>
             <a:r>
-              <a:rPr lang="en-US" smtClean="0"/>
+              <a:rPr lang="en-US"/>
               <a:t>Click to edit Master title style</a:t>
             </a:r>
-            <a:endParaRPr lang="en-US"/>
           </a:p>
         </p:txBody>
       </p:sp>
@@ -4229,38 +4196,37 @@
           <a:p>
             <a:pPr lvl="0"/>
             <a:r>
-              <a:rPr lang="en-US" smtClean="0"/>
+              <a:rPr lang="en-US"/>
               <a:t>Click to edit Master text styles</a:t>
             </a:r>
           </a:p>
           <a:p>
             <a:pPr lvl="1"/>
             <a:r>
-              <a:rPr lang="en-US" smtClean="0"/>
+              <a:rPr lang="en-US"/>
               <a:t>Second level</a:t>
             </a:r>
           </a:p>
           <a:p>
             <a:pPr lvl="2"/>
             <a:r>
-              <a:rPr lang="en-US" smtClean="0"/>
+              <a:rPr lang="en-US"/>
               <a:t>Third level</a:t>
             </a:r>
           </a:p>
           <a:p>
             <a:pPr lvl="3"/>
             <a:r>
-              <a:rPr lang="en-US" smtClean="0"/>
+              <a:rPr lang="en-US"/>
               <a:t>Fourth level</a:t>
             </a:r>
           </a:p>
           <a:p>
             <a:pPr lvl="4"/>
             <a:r>
-              <a:rPr lang="en-US" smtClean="0"/>
+              <a:rPr lang="en-US"/>
               <a:t>Fifth level</a:t>
             </a:r>
-            <a:endParaRPr lang="en-US"/>
           </a:p>
         </p:txBody>
       </p:sp>
@@ -4314,38 +4280,37 @@
           <a:p>
             <a:pPr lvl="0"/>
             <a:r>
-              <a:rPr lang="en-US" smtClean="0"/>
+              <a:rPr lang="en-US"/>
               <a:t>Click to edit Master text styles</a:t>
             </a:r>
           </a:p>
           <a:p>
             <a:pPr lvl="1"/>
             <a:r>
-              <a:rPr lang="en-US" smtClean="0"/>
+              <a:rPr lang="en-US"/>
               <a:t>Second level</a:t>
             </a:r>
           </a:p>
           <a:p>
             <a:pPr lvl="2"/>
             <a:r>
-              <a:rPr lang="en-US" smtClean="0"/>
+              <a:rPr lang="en-US"/>
               <a:t>Third level</a:t>
             </a:r>
           </a:p>
           <a:p>
             <a:pPr lvl="3"/>
             <a:r>
-              <a:rPr lang="en-US" smtClean="0"/>
+              <a:rPr lang="en-US"/>
               <a:t>Fourth level</a:t>
             </a:r>
           </a:p>
           <a:p>
             <a:pPr lvl="4"/>
             <a:r>
-              <a:rPr lang="en-US" smtClean="0"/>
+              <a:rPr lang="en-US"/>
               <a:t>Fifth level</a:t>
             </a:r>
-            <a:endParaRPr lang="en-US"/>
           </a:p>
         </p:txBody>
       </p:sp>
@@ -4366,7 +4331,7 @@
           <a:p>
             <a:fld id="{699DC775-C286-4358-8C92-D7E584E969B3}" type="datetimeFigureOut">
               <a:rPr lang="en-US" smtClean="0"/>
-              <a:t>5/11/2017</a:t>
+              <a:t>4/14/2019</a:t>
             </a:fld>
             <a:endParaRPr lang="en-US"/>
           </a:p>
@@ -4472,10 +4437,9 @@
           </a:lstStyle>
           <a:p>
             <a:r>
-              <a:rPr lang="en-US" smtClean="0"/>
+              <a:rPr lang="en-US"/>
               <a:t>Click to edit Master title style</a:t>
             </a:r>
-            <a:endParaRPr lang="en-US"/>
           </a:p>
         </p:txBody>
       </p:sp>
@@ -4538,7 +4502,7 @@
           <a:p>
             <a:pPr lvl="0"/>
             <a:r>
-              <a:rPr lang="en-US" smtClean="0"/>
+              <a:rPr lang="en-US"/>
               <a:t>Click to edit Master text styles</a:t>
             </a:r>
           </a:p>
@@ -4594,38 +4558,37 @@
           <a:p>
             <a:pPr lvl="0"/>
             <a:r>
-              <a:rPr lang="en-US" smtClean="0"/>
+              <a:rPr lang="en-US"/>
               <a:t>Click to edit Master text styles</a:t>
             </a:r>
           </a:p>
           <a:p>
             <a:pPr lvl="1"/>
             <a:r>
-              <a:rPr lang="en-US" smtClean="0"/>
+              <a:rPr lang="en-US"/>
               <a:t>Second level</a:t>
             </a:r>
           </a:p>
           <a:p>
             <a:pPr lvl="2"/>
             <a:r>
-              <a:rPr lang="en-US" smtClean="0"/>
+              <a:rPr lang="en-US"/>
               <a:t>Third level</a:t>
             </a:r>
           </a:p>
           <a:p>
             <a:pPr lvl="3"/>
             <a:r>
-              <a:rPr lang="en-US" smtClean="0"/>
+              <a:rPr lang="en-US"/>
               <a:t>Fourth level</a:t>
             </a:r>
           </a:p>
           <a:p>
             <a:pPr lvl="4"/>
             <a:r>
-              <a:rPr lang="en-US" smtClean="0"/>
+              <a:rPr lang="en-US"/>
               <a:t>Fifth level</a:t>
             </a:r>
-            <a:endParaRPr lang="en-US"/>
           </a:p>
         </p:txBody>
       </p:sp>
@@ -4688,7 +4651,7 @@
           <a:p>
             <a:pPr lvl="0"/>
             <a:r>
-              <a:rPr lang="en-US" smtClean="0"/>
+              <a:rPr lang="en-US"/>
               <a:t>Click to edit Master text styles</a:t>
             </a:r>
           </a:p>
@@ -4744,38 +4707,37 @@
           <a:p>
             <a:pPr lvl="0"/>
             <a:r>
-              <a:rPr lang="en-US" smtClean="0"/>
+              <a:rPr lang="en-US"/>
               <a:t>Click to edit Master text styles</a:t>
             </a:r>
           </a:p>
           <a:p>
             <a:pPr lvl="1"/>
             <a:r>
-              <a:rPr lang="en-US" smtClean="0"/>
+              <a:rPr lang="en-US"/>
               <a:t>Second level</a:t>
             </a:r>
           </a:p>
           <a:p>
             <a:pPr lvl="2"/>
             <a:r>
-              <a:rPr lang="en-US" smtClean="0"/>
+              <a:rPr lang="en-US"/>
               <a:t>Third level</a:t>
             </a:r>
           </a:p>
           <a:p>
             <a:pPr lvl="3"/>
             <a:r>
-              <a:rPr lang="en-US" smtClean="0"/>
+              <a:rPr lang="en-US"/>
               <a:t>Fourth level</a:t>
             </a:r>
           </a:p>
           <a:p>
             <a:pPr lvl="4"/>
             <a:r>
-              <a:rPr lang="en-US" smtClean="0"/>
+              <a:rPr lang="en-US"/>
               <a:t>Fifth level</a:t>
             </a:r>
-            <a:endParaRPr lang="en-US"/>
           </a:p>
         </p:txBody>
       </p:sp>
@@ -4796,7 +4758,7 @@
           <a:p>
             <a:fld id="{699DC775-C286-4358-8C92-D7E584E969B3}" type="datetimeFigureOut">
               <a:rPr lang="en-US" smtClean="0"/>
-              <a:t>5/11/2017</a:t>
+              <a:t>4/14/2019</a:t>
             </a:fld>
             <a:endParaRPr lang="en-US"/>
           </a:p>
@@ -4898,10 +4860,9 @@
           <a:lstStyle/>
           <a:p>
             <a:r>
-              <a:rPr lang="en-US" smtClean="0"/>
+              <a:rPr lang="en-US"/>
               <a:t>Click to edit Master title style</a:t>
             </a:r>
-            <a:endParaRPr lang="en-US"/>
           </a:p>
         </p:txBody>
       </p:sp>
@@ -4922,7 +4883,7 @@
           <a:p>
             <a:fld id="{699DC775-C286-4358-8C92-D7E584E969B3}" type="datetimeFigureOut">
               <a:rPr lang="en-US" smtClean="0"/>
-              <a:t>5/11/2017</a:t>
+              <a:t>4/14/2019</a:t>
             </a:fld>
             <a:endParaRPr lang="en-US"/>
           </a:p>
@@ -5025,7 +4986,7 @@
           <a:p>
             <a:fld id="{699DC775-C286-4358-8C92-D7E584E969B3}" type="datetimeFigureOut">
               <a:rPr lang="en-US" smtClean="0"/>
-              <a:t>5/11/2017</a:t>
+              <a:t>4/14/2019</a:t>
             </a:fld>
             <a:endParaRPr lang="en-US"/>
           </a:p>
@@ -5128,10 +5089,9 @@
           </a:lstStyle>
           <a:p>
             <a:r>
-              <a:rPr lang="en-US" smtClean="0"/>
+              <a:rPr lang="en-US"/>
               <a:t>Click to edit Master title style</a:t>
             </a:r>
-            <a:endParaRPr lang="en-US"/>
           </a:p>
         </p:txBody>
       </p:sp>
@@ -5248,7 +5208,7 @@
           <a:p>
             <a:pPr lvl="0"/>
             <a:r>
-              <a:rPr lang="en-US" smtClean="0"/>
+              <a:rPr lang="en-US"/>
               <a:t>Click to edit Master text styles</a:t>
             </a:r>
           </a:p>
@@ -5271,7 +5231,7 @@
           <a:p>
             <a:fld id="{699DC775-C286-4358-8C92-D7E584E969B3}" type="datetimeFigureOut">
               <a:rPr lang="en-US" smtClean="0"/>
-              <a:t>5/11/2017</a:t>
+              <a:t>4/14/2019</a:t>
             </a:fld>
             <a:endParaRPr lang="en-US"/>
           </a:p>
@@ -5382,10 +5342,9 @@
           </a:lstStyle>
           <a:p>
             <a:r>
-              <a:rPr lang="en-US" smtClean="0"/>
+              <a:rPr lang="en-US"/>
               <a:t>Click to edit Master title style</a:t>
             </a:r>
-            <a:endParaRPr lang="en-US"/>
           </a:p>
         </p:txBody>
       </p:sp>
@@ -5439,38 +5398,37 @@
           <a:p>
             <a:pPr lvl="0"/>
             <a:r>
-              <a:rPr lang="en-US" smtClean="0"/>
+              <a:rPr lang="en-US"/>
               <a:t>Click to edit Master text styles</a:t>
             </a:r>
           </a:p>
           <a:p>
             <a:pPr lvl="1"/>
             <a:r>
-              <a:rPr lang="en-US" smtClean="0"/>
+              <a:rPr lang="en-US"/>
               <a:t>Second level</a:t>
             </a:r>
           </a:p>
           <a:p>
             <a:pPr lvl="2"/>
             <a:r>
-              <a:rPr lang="en-US" smtClean="0"/>
+              <a:rPr lang="en-US"/>
               <a:t>Third level</a:t>
             </a:r>
           </a:p>
           <a:p>
             <a:pPr lvl="3"/>
             <a:r>
-              <a:rPr lang="en-US" smtClean="0"/>
+              <a:rPr lang="en-US"/>
               <a:t>Fourth level</a:t>
             </a:r>
           </a:p>
           <a:p>
             <a:pPr lvl="4"/>
             <a:r>
-              <a:rPr lang="en-US" smtClean="0"/>
+              <a:rPr lang="en-US"/>
               <a:t>Fifth level</a:t>
             </a:r>
-            <a:endParaRPr lang="en-US"/>
           </a:p>
         </p:txBody>
       </p:sp>
@@ -5533,7 +5491,7 @@
           <a:p>
             <a:pPr lvl="0"/>
             <a:r>
-              <a:rPr lang="en-US" smtClean="0"/>
+              <a:rPr lang="en-US"/>
               <a:t>Click to edit Master text styles</a:t>
             </a:r>
           </a:p>
@@ -5556,7 +5514,7 @@
           <a:p>
             <a:fld id="{699DC775-C286-4358-8C92-D7E584E969B3}" type="datetimeFigureOut">
               <a:rPr lang="en-US" smtClean="0"/>
-              <a:t>5/11/2017</a:t>
+              <a:t>4/14/2019</a:t>
             </a:fld>
             <a:endParaRPr lang="en-US"/>
           </a:p>
@@ -5667,10 +5625,9 @@
           </a:lstStyle>
           <a:p>
             <a:r>
-              <a:rPr lang="en-US" smtClean="0"/>
+              <a:rPr lang="en-US"/>
               <a:t>Click to edit Master title style</a:t>
             </a:r>
-            <a:endParaRPr lang="en-US"/>
           </a:p>
         </p:txBody>
       </p:sp>
@@ -5794,7 +5751,7 @@
           <a:p>
             <a:pPr lvl="0"/>
             <a:r>
-              <a:rPr lang="en-US" smtClean="0"/>
+              <a:rPr lang="en-US"/>
               <a:t>Click to edit Master text styles</a:t>
             </a:r>
           </a:p>
@@ -5817,7 +5774,7 @@
           <a:p>
             <a:fld id="{699DC775-C286-4358-8C92-D7E584E969B3}" type="datetimeFigureOut">
               <a:rPr lang="en-US" smtClean="0"/>
-              <a:t>5/11/2017</a:t>
+              <a:t>4/14/2019</a:t>
             </a:fld>
             <a:endParaRPr lang="en-US"/>
           </a:p>
@@ -5919,10 +5876,9 @@
           <a:lstStyle/>
           <a:p>
             <a:r>
-              <a:rPr lang="en-US" smtClean="0"/>
+              <a:rPr lang="en-US"/>
               <a:t>Click to edit Master title style</a:t>
             </a:r>
-            <a:endParaRPr lang="en-US"/>
           </a:p>
         </p:txBody>
       </p:sp>
@@ -5943,38 +5899,37 @@
           <a:p>
             <a:pPr lvl="0"/>
             <a:r>
-              <a:rPr lang="en-US" smtClean="0"/>
+              <a:rPr lang="en-US"/>
               <a:t>Click to edit Master text styles</a:t>
             </a:r>
           </a:p>
           <a:p>
             <a:pPr lvl="1"/>
             <a:r>
-              <a:rPr lang="en-US" smtClean="0"/>
+              <a:rPr lang="en-US"/>
               <a:t>Second level</a:t>
             </a:r>
           </a:p>
           <a:p>
             <a:pPr lvl="2"/>
             <a:r>
-              <a:rPr lang="en-US" smtClean="0"/>
+              <a:rPr lang="en-US"/>
               <a:t>Third level</a:t>
             </a:r>
           </a:p>
           <a:p>
             <a:pPr lvl="3"/>
             <a:r>
-              <a:rPr lang="en-US" smtClean="0"/>
+              <a:rPr lang="en-US"/>
               <a:t>Fourth level</a:t>
             </a:r>
           </a:p>
           <a:p>
             <a:pPr lvl="4"/>
             <a:r>
-              <a:rPr lang="en-US" smtClean="0"/>
+              <a:rPr lang="en-US"/>
               <a:t>Fifth level</a:t>
             </a:r>
-            <a:endParaRPr lang="en-US"/>
           </a:p>
         </p:txBody>
       </p:sp>
@@ -5995,7 +5950,7 @@
           <a:p>
             <a:fld id="{699DC775-C286-4358-8C92-D7E584E969B3}" type="datetimeFigureOut">
               <a:rPr lang="en-US" smtClean="0"/>
-              <a:t>5/11/2017</a:t>
+              <a:t>4/14/2019</a:t>
             </a:fld>
             <a:endParaRPr lang="en-US"/>
           </a:p>
@@ -6102,10 +6057,9 @@
           <a:lstStyle/>
           <a:p>
             <a:r>
-              <a:rPr lang="en-US" smtClean="0"/>
+              <a:rPr lang="en-US"/>
               <a:t>Click to edit Master title style</a:t>
             </a:r>
-            <a:endParaRPr lang="en-US"/>
           </a:p>
         </p:txBody>
       </p:sp>
@@ -6131,38 +6085,37 @@
           <a:p>
             <a:pPr lvl="0"/>
             <a:r>
-              <a:rPr lang="en-US" smtClean="0"/>
+              <a:rPr lang="en-US"/>
               <a:t>Click to edit Master text styles</a:t>
             </a:r>
           </a:p>
           <a:p>
             <a:pPr lvl="1"/>
             <a:r>
-              <a:rPr lang="en-US" smtClean="0"/>
+              <a:rPr lang="en-US"/>
               <a:t>Second level</a:t>
             </a:r>
           </a:p>
           <a:p>
             <a:pPr lvl="2"/>
             <a:r>
-              <a:rPr lang="en-US" smtClean="0"/>
+              <a:rPr lang="en-US"/>
               <a:t>Third level</a:t>
             </a:r>
           </a:p>
           <a:p>
             <a:pPr lvl="3"/>
             <a:r>
-              <a:rPr lang="en-US" smtClean="0"/>
+              <a:rPr lang="en-US"/>
               <a:t>Fourth level</a:t>
             </a:r>
           </a:p>
           <a:p>
             <a:pPr lvl="4"/>
             <a:r>
-              <a:rPr lang="en-US" smtClean="0"/>
+              <a:rPr lang="en-US"/>
               <a:t>Fifth level</a:t>
             </a:r>
-            <a:endParaRPr lang="en-US"/>
           </a:p>
         </p:txBody>
       </p:sp>
@@ -6183,7 +6136,7 @@
           <a:p>
             <a:fld id="{699DC775-C286-4358-8C92-D7E584E969B3}" type="datetimeFigureOut">
               <a:rPr lang="en-US" smtClean="0"/>
-              <a:t>5/11/2017</a:t>
+              <a:t>4/14/2019</a:t>
             </a:fld>
             <a:endParaRPr lang="en-US"/>
           </a:p>
@@ -6277,10 +6230,9 @@
           <a:lstStyle/>
           <a:p>
             <a:r>
-              <a:rPr lang="en-US" smtClean="0"/>
+              <a:rPr lang="en-US"/>
               <a:t>Click to edit Master title style</a:t>
             </a:r>
-            <a:endParaRPr lang="en-US"/>
           </a:p>
         </p:txBody>
       </p:sp>
@@ -6334,38 +6286,37 @@
           <a:p>
             <a:pPr lvl="0"/>
             <a:r>
-              <a:rPr lang="en-US" smtClean="0"/>
+              <a:rPr lang="en-US"/>
               <a:t>Click to edit Master text styles</a:t>
             </a:r>
           </a:p>
           <a:p>
             <a:pPr lvl="1"/>
             <a:r>
-              <a:rPr lang="en-US" smtClean="0"/>
+              <a:rPr lang="en-US"/>
               <a:t>Second level</a:t>
             </a:r>
           </a:p>
           <a:p>
             <a:pPr lvl="2"/>
             <a:r>
-              <a:rPr lang="en-US" smtClean="0"/>
+              <a:rPr lang="en-US"/>
               <a:t>Third level</a:t>
             </a:r>
           </a:p>
           <a:p>
             <a:pPr lvl="3"/>
             <a:r>
-              <a:rPr lang="en-US" smtClean="0"/>
+              <a:rPr lang="en-US"/>
               <a:t>Fourth level</a:t>
             </a:r>
           </a:p>
           <a:p>
             <a:pPr lvl="4"/>
             <a:r>
-              <a:rPr lang="en-US" smtClean="0"/>
+              <a:rPr lang="en-US"/>
               <a:t>Fifth level</a:t>
             </a:r>
-            <a:endParaRPr lang="en-US"/>
           </a:p>
         </p:txBody>
       </p:sp>
@@ -6419,38 +6370,37 @@
           <a:p>
             <a:pPr lvl="0"/>
             <a:r>
-              <a:rPr lang="en-US" smtClean="0"/>
+              <a:rPr lang="en-US"/>
               <a:t>Click to edit Master text styles</a:t>
             </a:r>
           </a:p>
           <a:p>
             <a:pPr lvl="1"/>
             <a:r>
-              <a:rPr lang="en-US" smtClean="0"/>
+              <a:rPr lang="en-US"/>
               <a:t>Second level</a:t>
             </a:r>
           </a:p>
           <a:p>
             <a:pPr lvl="2"/>
             <a:r>
-              <a:rPr lang="en-US" smtClean="0"/>
+              <a:rPr lang="en-US"/>
               <a:t>Third level</a:t>
             </a:r>
           </a:p>
           <a:p>
             <a:pPr lvl="3"/>
             <a:r>
-              <a:rPr lang="en-US" smtClean="0"/>
+              <a:rPr lang="en-US"/>
               <a:t>Fourth level</a:t>
             </a:r>
           </a:p>
           <a:p>
             <a:pPr lvl="4"/>
             <a:r>
-              <a:rPr lang="en-US" smtClean="0"/>
+              <a:rPr lang="en-US"/>
               <a:t>Fifth level</a:t>
             </a:r>
-            <a:endParaRPr lang="en-US"/>
           </a:p>
         </p:txBody>
       </p:sp>
@@ -6471,7 +6421,7 @@
           <a:p>
             <a:fld id="{699DC775-C286-4358-8C92-D7E584E969B3}" type="datetimeFigureOut">
               <a:rPr lang="en-US" smtClean="0"/>
-              <a:t>5/11/2017</a:t>
+              <a:t>4/14/2019</a:t>
             </a:fld>
             <a:endParaRPr lang="en-US"/>
           </a:p>
@@ -6569,10 +6519,9 @@
           </a:lstStyle>
           <a:p>
             <a:r>
-              <a:rPr lang="en-US" smtClean="0"/>
+              <a:rPr lang="en-US"/>
               <a:t>Click to edit Master title style</a:t>
             </a:r>
-            <a:endParaRPr lang="en-US"/>
           </a:p>
         </p:txBody>
       </p:sp>
@@ -6635,7 +6584,7 @@
           <a:p>
             <a:pPr lvl="0"/>
             <a:r>
-              <a:rPr lang="en-US" smtClean="0"/>
+              <a:rPr lang="en-US"/>
               <a:t>Click to edit Master text styles</a:t>
             </a:r>
           </a:p>
@@ -6691,38 +6640,37 @@
           <a:p>
             <a:pPr lvl="0"/>
             <a:r>
-              <a:rPr lang="en-US" smtClean="0"/>
+              <a:rPr lang="en-US"/>
               <a:t>Click to edit Master text styles</a:t>
             </a:r>
           </a:p>
           <a:p>
             <a:pPr lvl="1"/>
             <a:r>
-              <a:rPr lang="en-US" smtClean="0"/>
+              <a:rPr lang="en-US"/>
               <a:t>Second level</a:t>
             </a:r>
           </a:p>
           <a:p>
             <a:pPr lvl="2"/>
             <a:r>
-              <a:rPr lang="en-US" smtClean="0"/>
+              <a:rPr lang="en-US"/>
               <a:t>Third level</a:t>
             </a:r>
           </a:p>
           <a:p>
             <a:pPr lvl="3"/>
             <a:r>
-              <a:rPr lang="en-US" smtClean="0"/>
+              <a:rPr lang="en-US"/>
               <a:t>Fourth level</a:t>
             </a:r>
           </a:p>
           <a:p>
             <a:pPr lvl="4"/>
             <a:r>
-              <a:rPr lang="en-US" smtClean="0"/>
+              <a:rPr lang="en-US"/>
               <a:t>Fifth level</a:t>
             </a:r>
-            <a:endParaRPr lang="en-US"/>
           </a:p>
         </p:txBody>
       </p:sp>
@@ -6785,7 +6733,7 @@
           <a:p>
             <a:pPr lvl="0"/>
             <a:r>
-              <a:rPr lang="en-US" smtClean="0"/>
+              <a:rPr lang="en-US"/>
               <a:t>Click to edit Master text styles</a:t>
             </a:r>
           </a:p>
@@ -6841,38 +6789,37 @@
           <a:p>
             <a:pPr lvl="0"/>
             <a:r>
-              <a:rPr lang="en-US" smtClean="0"/>
+              <a:rPr lang="en-US"/>
               <a:t>Click to edit Master text styles</a:t>
             </a:r>
           </a:p>
           <a:p>
             <a:pPr lvl="1"/>
             <a:r>
-              <a:rPr lang="en-US" smtClean="0"/>
+              <a:rPr lang="en-US"/>
               <a:t>Second level</a:t>
             </a:r>
           </a:p>
           <a:p>
             <a:pPr lvl="2"/>
             <a:r>
-              <a:rPr lang="en-US" smtClean="0"/>
+              <a:rPr lang="en-US"/>
               <a:t>Third level</a:t>
             </a:r>
           </a:p>
           <a:p>
             <a:pPr lvl="3"/>
             <a:r>
-              <a:rPr lang="en-US" smtClean="0"/>
+              <a:rPr lang="en-US"/>
               <a:t>Fourth level</a:t>
             </a:r>
           </a:p>
           <a:p>
             <a:pPr lvl="4"/>
             <a:r>
-              <a:rPr lang="en-US" smtClean="0"/>
+              <a:rPr lang="en-US"/>
               <a:t>Fifth level</a:t>
             </a:r>
-            <a:endParaRPr lang="en-US"/>
           </a:p>
         </p:txBody>
       </p:sp>
@@ -6893,7 +6840,7 @@
           <a:p>
             <a:fld id="{699DC775-C286-4358-8C92-D7E584E969B3}" type="datetimeFigureOut">
               <a:rPr lang="en-US" smtClean="0"/>
-              <a:t>5/11/2017</a:t>
+              <a:t>4/14/2019</a:t>
             </a:fld>
             <a:endParaRPr lang="en-US"/>
           </a:p>
@@ -6987,10 +6934,9 @@
           <a:lstStyle/>
           <a:p>
             <a:r>
-              <a:rPr lang="en-US" smtClean="0"/>
+              <a:rPr lang="en-US"/>
               <a:t>Click to edit Master title style</a:t>
             </a:r>
-            <a:endParaRPr lang="en-US"/>
           </a:p>
         </p:txBody>
       </p:sp>
@@ -7011,7 +6957,7 @@
           <a:p>
             <a:fld id="{699DC775-C286-4358-8C92-D7E584E969B3}" type="datetimeFigureOut">
               <a:rPr lang="en-US" smtClean="0"/>
-              <a:t>5/11/2017</a:t>
+              <a:t>4/14/2019</a:t>
             </a:fld>
             <a:endParaRPr lang="en-US"/>
           </a:p>
@@ -7106,7 +7052,7 @@
           <a:p>
             <a:fld id="{699DC775-C286-4358-8C92-D7E584E969B3}" type="datetimeFigureOut">
               <a:rPr lang="en-US" smtClean="0"/>
-              <a:t>5/11/2017</a:t>
+              <a:t>4/14/2019</a:t>
             </a:fld>
             <a:endParaRPr lang="en-US"/>
           </a:p>
@@ -7209,10 +7155,9 @@
           </a:lstStyle>
           <a:p>
             <a:r>
-              <a:rPr lang="en-US" smtClean="0"/>
+              <a:rPr lang="en-US"/>
               <a:t>Click to edit Master title style</a:t>
             </a:r>
-            <a:endParaRPr lang="en-US"/>
           </a:p>
         </p:txBody>
       </p:sp>
@@ -7266,38 +7211,37 @@
           <a:p>
             <a:pPr lvl="0"/>
             <a:r>
-              <a:rPr lang="en-US" smtClean="0"/>
+              <a:rPr lang="en-US"/>
               <a:t>Click to edit Master text styles</a:t>
             </a:r>
           </a:p>
           <a:p>
             <a:pPr lvl="1"/>
             <a:r>
-              <a:rPr lang="en-US" smtClean="0"/>
+              <a:rPr lang="en-US"/>
               <a:t>Second level</a:t>
             </a:r>
           </a:p>
           <a:p>
             <a:pPr lvl="2"/>
             <a:r>
-              <a:rPr lang="en-US" smtClean="0"/>
+              <a:rPr lang="en-US"/>
               <a:t>Third level</a:t>
             </a:r>
           </a:p>
           <a:p>
             <a:pPr lvl="3"/>
             <a:r>
-              <a:rPr lang="en-US" smtClean="0"/>
+              <a:rPr lang="en-US"/>
               <a:t>Fourth level</a:t>
             </a:r>
           </a:p>
           <a:p>
             <a:pPr lvl="4"/>
             <a:r>
-              <a:rPr lang="en-US" smtClean="0"/>
+              <a:rPr lang="en-US"/>
               <a:t>Fifth level</a:t>
             </a:r>
-            <a:endParaRPr lang="en-US"/>
           </a:p>
         </p:txBody>
       </p:sp>
@@ -7360,7 +7304,7 @@
           <a:p>
             <a:pPr lvl="0"/>
             <a:r>
-              <a:rPr lang="en-US" smtClean="0"/>
+              <a:rPr lang="en-US"/>
               <a:t>Click to edit Master text styles</a:t>
             </a:r>
           </a:p>
@@ -7383,7 +7327,7 @@
           <a:p>
             <a:fld id="{699DC775-C286-4358-8C92-D7E584E969B3}" type="datetimeFigureOut">
               <a:rPr lang="en-US" smtClean="0"/>
-              <a:t>5/11/2017</a:t>
+              <a:t>4/14/2019</a:t>
             </a:fld>
             <a:endParaRPr lang="en-US"/>
           </a:p>
@@ -7486,10 +7430,9 @@
           </a:lstStyle>
           <a:p>
             <a:r>
-              <a:rPr lang="en-US" smtClean="0"/>
+              <a:rPr lang="en-US"/>
               <a:t>Click to edit Master title style</a:t>
             </a:r>
-            <a:endParaRPr lang="en-US"/>
           </a:p>
         </p:txBody>
       </p:sp>
@@ -7613,7 +7556,7 @@
           <a:p>
             <a:pPr lvl="0"/>
             <a:r>
-              <a:rPr lang="en-US" smtClean="0"/>
+              <a:rPr lang="en-US"/>
               <a:t>Click to edit Master text styles</a:t>
             </a:r>
           </a:p>
@@ -7636,7 +7579,7 @@
           <a:p>
             <a:fld id="{699DC775-C286-4358-8C92-D7E584E969B3}" type="datetimeFigureOut">
               <a:rPr lang="en-US" smtClean="0"/>
-              <a:t>5/11/2017</a:t>
+              <a:t>4/14/2019</a:t>
             </a:fld>
             <a:endParaRPr lang="en-US"/>
           </a:p>
@@ -7745,10 +7688,9 @@
           <a:lstStyle/>
           <a:p>
             <a:r>
-              <a:rPr lang="en-US" smtClean="0"/>
+              <a:rPr lang="en-US"/>
               <a:t>Click to edit Master title style</a:t>
             </a:r>
-            <a:endParaRPr lang="en-US"/>
           </a:p>
         </p:txBody>
       </p:sp>
@@ -7779,38 +7721,37 @@
           <a:p>
             <a:pPr lvl="0"/>
             <a:r>
-              <a:rPr lang="en-US" smtClean="0"/>
+              <a:rPr lang="en-US"/>
               <a:t>Click to edit Master text styles</a:t>
             </a:r>
           </a:p>
           <a:p>
             <a:pPr lvl="1"/>
             <a:r>
-              <a:rPr lang="en-US" smtClean="0"/>
+              <a:rPr lang="en-US"/>
               <a:t>Second level</a:t>
             </a:r>
           </a:p>
           <a:p>
             <a:pPr lvl="2"/>
             <a:r>
-              <a:rPr lang="en-US" smtClean="0"/>
+              <a:rPr lang="en-US"/>
               <a:t>Third level</a:t>
             </a:r>
           </a:p>
           <a:p>
             <a:pPr lvl="3"/>
             <a:r>
-              <a:rPr lang="en-US" smtClean="0"/>
+              <a:rPr lang="en-US"/>
               <a:t>Fourth level</a:t>
             </a:r>
           </a:p>
           <a:p>
             <a:pPr lvl="4"/>
             <a:r>
-              <a:rPr lang="en-US" smtClean="0"/>
+              <a:rPr lang="en-US"/>
               <a:t>Fifth level</a:t>
             </a:r>
-            <a:endParaRPr lang="en-US"/>
           </a:p>
         </p:txBody>
       </p:sp>
@@ -7849,7 +7790,7 @@
           <a:p>
             <a:fld id="{699DC775-C286-4358-8C92-D7E584E969B3}" type="datetimeFigureOut">
               <a:rPr lang="en-US" smtClean="0"/>
-              <a:t>5/11/2017</a:t>
+              <a:t>4/14/2019</a:t>
             </a:fld>
             <a:endParaRPr lang="en-US"/>
           </a:p>
@@ -8260,10 +8201,9 @@
           <a:lstStyle/>
           <a:p>
             <a:r>
-              <a:rPr lang="en-US" smtClean="0"/>
+              <a:rPr lang="en-US"/>
               <a:t>Click to edit Master title style</a:t>
             </a:r>
-            <a:endParaRPr lang="en-US"/>
           </a:p>
         </p:txBody>
       </p:sp>
@@ -8294,38 +8234,37 @@
           <a:p>
             <a:pPr lvl="0"/>
             <a:r>
-              <a:rPr lang="en-US" smtClean="0"/>
+              <a:rPr lang="en-US"/>
               <a:t>Click to edit Master text styles</a:t>
             </a:r>
           </a:p>
           <a:p>
             <a:pPr lvl="1"/>
             <a:r>
-              <a:rPr lang="en-US" smtClean="0"/>
+              <a:rPr lang="en-US"/>
               <a:t>Second level</a:t>
             </a:r>
           </a:p>
           <a:p>
             <a:pPr lvl="2"/>
             <a:r>
-              <a:rPr lang="en-US" smtClean="0"/>
+              <a:rPr lang="en-US"/>
               <a:t>Third level</a:t>
             </a:r>
           </a:p>
           <a:p>
             <a:pPr lvl="3"/>
             <a:r>
-              <a:rPr lang="en-US" smtClean="0"/>
+              <a:rPr lang="en-US"/>
               <a:t>Fourth level</a:t>
             </a:r>
           </a:p>
           <a:p>
             <a:pPr lvl="4"/>
             <a:r>
-              <a:rPr lang="en-US" smtClean="0"/>
+              <a:rPr lang="en-US"/>
               <a:t>Fifth level</a:t>
             </a:r>
-            <a:endParaRPr lang="en-US"/>
           </a:p>
         </p:txBody>
       </p:sp>
@@ -8364,7 +8303,7 @@
           <a:p>
             <a:fld id="{699DC775-C286-4358-8C92-D7E584E969B3}" type="datetimeFigureOut">
               <a:rPr lang="en-US" smtClean="0"/>
-              <a:t>5/11/2017</a:t>
+              <a:t>4/14/2019</a:t>
             </a:fld>
             <a:endParaRPr lang="en-US"/>
           </a:p>
@@ -8773,10 +8712,9 @@
           <a:lstStyle/>
           <a:p>
             <a:r>
-              <a:rPr lang="en-US" dirty="0" smtClean="0"/>
+              <a:rPr lang="en-US" dirty="0"/>
               <a:t>Click to edit Master title style</a:t>
             </a:r>
-            <a:endParaRPr lang="en-US" dirty="0"/>
           </a:p>
         </p:txBody>
       </p:sp>
@@ -8807,38 +8745,37 @@
           <a:p>
             <a:pPr lvl="0"/>
             <a:r>
-              <a:rPr lang="en-US" smtClean="0"/>
+              <a:rPr lang="en-US"/>
               <a:t>Click to edit Master text styles</a:t>
             </a:r>
           </a:p>
           <a:p>
             <a:pPr lvl="1"/>
             <a:r>
-              <a:rPr lang="en-US" smtClean="0"/>
+              <a:rPr lang="en-US"/>
               <a:t>Second level</a:t>
             </a:r>
           </a:p>
           <a:p>
             <a:pPr lvl="2"/>
             <a:r>
-              <a:rPr lang="en-US" smtClean="0"/>
+              <a:rPr lang="en-US"/>
               <a:t>Third level</a:t>
             </a:r>
           </a:p>
           <a:p>
             <a:pPr lvl="3"/>
             <a:r>
-              <a:rPr lang="en-US" smtClean="0"/>
+              <a:rPr lang="en-US"/>
               <a:t>Fourth level</a:t>
             </a:r>
           </a:p>
           <a:p>
             <a:pPr lvl="4"/>
             <a:r>
-              <a:rPr lang="en-US" smtClean="0"/>
+              <a:rPr lang="en-US"/>
               <a:t>Fifth level</a:t>
             </a:r>
-            <a:endParaRPr lang="en-US"/>
           </a:p>
         </p:txBody>
       </p:sp>
@@ -8877,7 +8814,7 @@
           <a:p>
             <a:fld id="{699DC775-C286-4358-8C92-D7E584E969B3}" type="datetimeFigureOut">
               <a:rPr lang="en-US" smtClean="0"/>
-              <a:t>5/11/2017</a:t>
+              <a:t>4/14/2019</a:t>
             </a:fld>
             <a:endParaRPr lang="en-US"/>
           </a:p>
@@ -9270,7 +9207,7 @@
           <a:lstStyle/>
           <a:p>
             <a:r>
-              <a:rPr lang="en-US" sz="5400" b="1" dirty="0" err="1" smtClean="0">
+              <a:rPr lang="en-US" sz="5400" b="1" dirty="0" err="1">
                 <a:solidFill>
                   <a:schemeClr val="accent6">
                     <a:lumMod val="75000"/>
@@ -9280,7 +9217,7 @@
               <a:t>PowerPointLabs</a:t>
             </a:r>
             <a:r>
-              <a:rPr lang="en-US" sz="5400" b="1" dirty="0" smtClean="0">
+              <a:rPr lang="en-US" sz="5400" b="1" dirty="0">
                 <a:solidFill>
                   <a:schemeClr val="accent6">
                     <a:lumMod val="75000"/>
@@ -9318,7 +9255,7 @@
               <a:buNone/>
             </a:pPr>
             <a:r>
-              <a:rPr lang="en-US" b="1" dirty="0" smtClean="0">
+              <a:rPr lang="en-US" b="1" dirty="0">
                 <a:solidFill>
                   <a:srgbClr val="0070C0"/>
                 </a:solidFill>
@@ -9329,34 +9266,21 @@
           <a:p>
             <a:pPr marL="285750" indent="-285750"/>
             <a:r>
-              <a:rPr lang="en-US" b="1" dirty="0" smtClean="0">
-                <a:solidFill>
-                  <a:srgbClr val="0070C0"/>
-                </a:solidFill>
-              </a:rPr>
-              <a:t>DO </a:t>
-            </a:r>
-            <a:r>
               <a:rPr lang="en-US" b="1" dirty="0">
                 <a:solidFill>
                   <a:srgbClr val="0070C0"/>
                 </a:solidFill>
               </a:rPr>
-              <a:t>NOT SAVE </a:t>
+              <a:t>DO NOT SAVE </a:t>
             </a:r>
             <a:r>
-              <a:rPr lang="en-US" dirty="0" smtClean="0">
+              <a:rPr lang="en-US" dirty="0">
                 <a:solidFill>
                   <a:srgbClr val="0070C0"/>
                 </a:solidFill>
               </a:rPr>
               <a:t>these slides after testing. Keep this file in its original form.</a:t>
             </a:r>
-            <a:endParaRPr lang="en-US" dirty="0">
-              <a:solidFill>
-                <a:srgbClr val="0070C0"/>
-              </a:solidFill>
-            </a:endParaRPr>
           </a:p>
           <a:p>
             <a:pPr marL="285750" indent="-285750"/>
@@ -9366,47 +9290,7 @@
                   <a:srgbClr val="0070C0"/>
                 </a:solidFill>
               </a:rPr>
-              <a:t>If </a:t>
-            </a:r>
-            <a:r>
-              <a:rPr lang="en-US" dirty="0" smtClean="0">
-                <a:solidFill>
-                  <a:srgbClr val="0070C0"/>
-                </a:solidFill>
-              </a:rPr>
-              <a:t>your </a:t>
-            </a:r>
-            <a:r>
-              <a:rPr lang="en-US" dirty="0">
-                <a:solidFill>
-                  <a:srgbClr val="0070C0"/>
-                </a:solidFill>
-              </a:rPr>
-              <a:t>result </a:t>
-            </a:r>
-            <a:r>
-              <a:rPr lang="en-US" dirty="0" smtClean="0">
-                <a:solidFill>
-                  <a:srgbClr val="0070C0"/>
-                </a:solidFill>
-              </a:rPr>
-              <a:t>is different from the </a:t>
-            </a:r>
-            <a:r>
-              <a:rPr lang="en-US" dirty="0">
-                <a:solidFill>
-                  <a:srgbClr val="0070C0"/>
-                </a:solidFill>
-              </a:rPr>
-              <a:t>expected output, </a:t>
-            </a:r>
-            <a:r>
-              <a:rPr lang="en-US" dirty="0" smtClean="0">
-                <a:solidFill>
-                  <a:srgbClr val="0070C0"/>
-                </a:solidFill>
-              </a:rPr>
-              <a:t>please submit a bug report (attach slides/screenshots as necessary).</a:t>
+              <a:t>If your result is different from the expected output, please submit a bug report (attach slides/screenshots as necessary).</a:t>
             </a:r>
             <a:endParaRPr lang="en-SG" dirty="0">
               <a:solidFill>
@@ -9429,13 +9313,6 @@
   <p:clrMapOvr>
     <a:masterClrMapping/>
   </p:clrMapOvr>
-  <p:timing>
-    <p:tnLst>
-      <p:par>
-        <p:cTn id="1" dur="indefinite" restart="never" nodeType="tmRoot"/>
-      </p:par>
-    </p:tnLst>
-  </p:timing>
 </p:sld>
 </file>
 
@@ -9946,18 +9823,13 @@
           <a:p>
             <a:pPr algn="ctr"/>
             <a:r>
-              <a:rPr lang="en-US" b="1" smtClean="0">
+              <a:rPr lang="en-US" b="1">
                 <a:solidFill>
                   <a:srgbClr val="FFFFFF"/>
                 </a:solidFill>
               </a:rPr>
               <a:t>Zoom Shape 1</a:t>
             </a:r>
-            <a:endParaRPr lang="en-US" b="1">
-              <a:solidFill>
-                <a:srgbClr val="FFFFFF"/>
-              </a:solidFill>
-            </a:endParaRPr>
           </a:p>
         </p:txBody>
       </p:sp>
@@ -10347,14 +10219,6 @@
   <p:clrMapOvr>
     <a:masterClrMapping/>
   </p:clrMapOvr>
-  <mc:AlternateContent xmlns:mc="http://schemas.openxmlformats.org/markup-compatibility/2006">
-    <mc:Choice xmlns:p14="http://schemas.microsoft.com/office/powerpoint/2010/main" Requires="p14">
-      <p:transition spd="slow" p14:dur="2000"/>
-    </mc:Choice>
-    <mc:Fallback>
-      <p:transition spd="slow"/>
-    </mc:Fallback>
-  </mc:AlternateContent>
   <p:timing>
     <p:tnLst>
       <p:par>
@@ -10859,7 +10723,7 @@
           <a:lstStyle/>
           <a:p>
             <a:r>
-              <a:rPr lang="en-US" dirty="0" smtClean="0"/>
+              <a:rPr lang="en-US" dirty="0"/>
               <a:t>Zoom to Area:: Multiple Shapes</a:t>
             </a:r>
             <a:endParaRPr lang="en-SG" dirty="0"/>
@@ -10883,11 +10747,7 @@
           <a:p>
             <a:r>
               <a:rPr lang="en-US" dirty="0"/>
-              <a:t>Select all blue </a:t>
-            </a:r>
-            <a:r>
-              <a:rPr lang="en-US" dirty="0" smtClean="0"/>
-              <a:t>rectangles sequentially.</a:t>
+              <a:t>Select all blue rectangles sequentially.</a:t>
             </a:r>
             <a:endParaRPr lang="en-SG" dirty="0"/>
           </a:p>
@@ -10903,13 +10763,6 @@
   <p:clrMapOvr>
     <a:masterClrMapping/>
   </p:clrMapOvr>
-  <p:timing>
-    <p:tnLst>
-      <p:par>
-        <p:cTn id="1" dur="indefinite" restart="never" nodeType="tmRoot"/>
-      </p:par>
-    </p:tnLst>
-  </p:timing>
 </p:sld>
 </file>
 
@@ -11216,7 +11069,7 @@
           <a:lstStyle/>
           <a:p>
             <a:r>
-              <a:rPr lang="en-US" sz="6600" dirty="0" smtClean="0">
+              <a:rPr lang="en-US" sz="6600" dirty="0">
                 <a:solidFill>
                   <a:schemeClr val="accent1"/>
                 </a:solidFill>
@@ -11302,7 +11155,7 @@
           <a:lstStyle/>
           <a:p>
             <a:r>
-              <a:rPr lang="en-US" sz="6600" dirty="0" smtClean="0">
+              <a:rPr lang="en-US" sz="6600" dirty="0">
                 <a:solidFill>
                   <a:schemeClr val="accent1"/>
                 </a:solidFill>
@@ -11340,10 +11193,9 @@
           <a:lstStyle/>
           <a:p>
             <a:r>
-              <a:rPr lang="en-US" sz="6000" b="1" dirty="0" smtClean="0"/>
+              <a:rPr lang="en-US" sz="6000" b="1" dirty="0"/>
               <a:t>TEXT IN SLIDE</a:t>
             </a:r>
-            <a:endParaRPr lang="en-US" sz="6000" b="1" dirty="0"/>
           </a:p>
         </p:txBody>
       </p:sp>
@@ -11430,7 +11282,7 @@
     </p:spTree>
     <p:extLst>
       <p:ext uri="{BB962C8B-B14F-4D97-AF65-F5344CB8AC3E}">
-        <p14:creationId xmlns:p14="http://schemas.microsoft.com/office/powerpoint/2010/main" val="3684537491"/>
+        <p14:creationId xmlns:p14="http://schemas.microsoft.com/office/powerpoint/2010/main" val="3806220602"/>
       </p:ext>
     </p:extLst>
   </p:cSld>
@@ -11759,7 +11611,7 @@
 
 <file path=ppt/slides/slide15.xml><?xml version="1.0" encoding="utf-8"?>
 <p:sld xmlns:a="http://schemas.openxmlformats.org/drawingml/2006/main" xmlns:r="http://schemas.openxmlformats.org/officeDocument/2006/relationships" xmlns:p="http://schemas.openxmlformats.org/presentationml/2006/main">
-  <p:cSld name="PPTLabsZoomToAreaSlide201705111428194626">
+  <p:cSld name="PPTLabsZoomToAreaSlide201904141205590370">
     <p:bg>
       <p:bgPr>
         <a:solidFill>
@@ -11927,7 +11779,7 @@
           <a:lstStyle/>
           <a:p>
             <a:r>
-              <a:rPr lang="en-US" sz="6600" dirty="0" smtClean="0">
+              <a:rPr lang="en-US" sz="6600" dirty="0">
                 <a:solidFill>
                   <a:schemeClr val="accent1"/>
                 </a:solidFill>
@@ -11965,7 +11817,7 @@
           <a:lstStyle/>
           <a:p>
             <a:r>
-              <a:rPr lang="en-US" sz="6600" dirty="0" smtClean="0">
+              <a:rPr lang="en-US" sz="6600" dirty="0">
                 <a:solidFill>
                   <a:schemeClr val="accent1"/>
                 </a:solidFill>
@@ -12003,10 +11855,9 @@
           <a:lstStyle/>
           <a:p>
             <a:r>
-              <a:rPr lang="en-US" sz="6000" b="1" dirty="0" smtClean="0"/>
+              <a:rPr lang="en-US" sz="6000" b="1" dirty="0"/>
               <a:t>TEXT IN SLIDE</a:t>
             </a:r>
-            <a:endParaRPr lang="en-US" sz="6000" b="1" dirty="0"/>
           </a:p>
         </p:txBody>
       </p:sp>
@@ -12092,7 +11943,13 @@
       </p:sp>
       <p:sp>
         <p:nvSpPr>
-          <p:cNvPr id="3" name="PPTLabsMagnifyShape201705111428194645"/>
+          <p:cNvPr id="3" name="PPTLabsMagnifyShape201904141205590401">
+            <a:extLst>
+              <a:ext uri="{FF2B5EF4-FFF2-40B4-BE49-F238E27FC236}">
+                <a16:creationId xmlns:a16="http://schemas.microsoft.com/office/drawing/2014/main" id="{418C6831-BA1B-44F6-88BB-4257EF2FEC1B}"/>
+              </a:ext>
+            </a:extLst>
+          </p:cNvPr>
           <p:cNvSpPr/>
           <p:nvPr/>
         </p:nvSpPr>
@@ -12139,24 +11996,25 @@
           <a:p>
             <a:pPr algn="ctr"/>
             <a:r>
-              <a:rPr lang="en-US" b="1" smtClean="0">
+              <a:rPr lang="en-SG" b="1">
                 <a:solidFill>
                   <a:srgbClr val="FFFFFF"/>
                 </a:solidFill>
               </a:rPr>
               <a:t>Zoom Shape 1</a:t>
             </a:r>
-            <a:endParaRPr lang="en-US" b="1">
-              <a:solidFill>
-                <a:srgbClr val="FFFFFF"/>
-              </a:solidFill>
-            </a:endParaRPr>
           </a:p>
         </p:txBody>
       </p:sp>
       <p:sp>
         <p:nvSpPr>
-          <p:cNvPr id="8" name="PPTLabsMagnifyShape201705111428194696"/>
+          <p:cNvPr id="8" name="PPTLabsMagnifyShape201904141205590507">
+            <a:extLst>
+              <a:ext uri="{FF2B5EF4-FFF2-40B4-BE49-F238E27FC236}">
+                <a16:creationId xmlns:a16="http://schemas.microsoft.com/office/drawing/2014/main" id="{2DE91705-0397-4065-8661-1E75836501A7}"/>
+              </a:ext>
+            </a:extLst>
+          </p:cNvPr>
           <p:cNvSpPr/>
           <p:nvPr/>
         </p:nvSpPr>
@@ -12203,24 +12061,25 @@
           <a:p>
             <a:pPr algn="ctr"/>
             <a:r>
-              <a:rPr lang="en-US" b="1" smtClean="0">
+              <a:rPr lang="en-SG" b="1">
                 <a:solidFill>
                   <a:srgbClr val="FFFFFF"/>
                 </a:solidFill>
               </a:rPr>
               <a:t>Zoom Shape 2</a:t>
             </a:r>
-            <a:endParaRPr lang="en-US" b="1">
-              <a:solidFill>
-                <a:srgbClr val="FFFFFF"/>
-              </a:solidFill>
-            </a:endParaRPr>
           </a:p>
         </p:txBody>
       </p:sp>
       <p:sp>
         <p:nvSpPr>
-          <p:cNvPr id="9" name="PPTLabsMagnifyShape201705111428194756"/>
+          <p:cNvPr id="9" name="PPTLabsMagnifyShape201904141205590557">
+            <a:extLst>
+              <a:ext uri="{FF2B5EF4-FFF2-40B4-BE49-F238E27FC236}">
+                <a16:creationId xmlns:a16="http://schemas.microsoft.com/office/drawing/2014/main" id="{D2025EEF-BAA2-414F-AF97-0A0C58D5A6F9}"/>
+              </a:ext>
+            </a:extLst>
+          </p:cNvPr>
           <p:cNvSpPr/>
           <p:nvPr/>
         </p:nvSpPr>
@@ -12267,24 +12126,25 @@
           <a:p>
             <a:pPr algn="ctr"/>
             <a:r>
-              <a:rPr lang="en-US" b="1" smtClean="0">
+              <a:rPr lang="en-SG" b="1">
                 <a:solidFill>
                   <a:srgbClr val="FFFFFF"/>
                 </a:solidFill>
               </a:rPr>
               <a:t>Zoom Shape 3</a:t>
             </a:r>
-            <a:endParaRPr lang="en-US" b="1">
-              <a:solidFill>
-                <a:srgbClr val="FFFFFF"/>
-              </a:solidFill>
-            </a:endParaRPr>
           </a:p>
         </p:txBody>
       </p:sp>
       <p:sp>
         <p:nvSpPr>
-          <p:cNvPr id="10" name="PPTLabsMagnifyShape201705111428194806"/>
+          <p:cNvPr id="10" name="PPTLabsMagnifyShape201904141205590617">
+            <a:extLst>
+              <a:ext uri="{FF2B5EF4-FFF2-40B4-BE49-F238E27FC236}">
+                <a16:creationId xmlns:a16="http://schemas.microsoft.com/office/drawing/2014/main" id="{C3D937A4-66D0-4507-9F9F-8B60445C6435}"/>
+              </a:ext>
+            </a:extLst>
+          </p:cNvPr>
           <p:cNvSpPr/>
           <p:nvPr/>
         </p:nvSpPr>
@@ -12331,25 +12191,20 @@
           <a:p>
             <a:pPr algn="ctr"/>
             <a:r>
-              <a:rPr lang="en-US" b="1" smtClean="0">
+              <a:rPr lang="en-SG" b="1">
                 <a:solidFill>
                   <a:srgbClr val="FFFFFF"/>
                 </a:solidFill>
               </a:rPr>
               <a:t>Zoom Shape 4</a:t>
             </a:r>
-            <a:endParaRPr lang="en-US" b="1">
-              <a:solidFill>
-                <a:srgbClr val="FFFFFF"/>
-              </a:solidFill>
-            </a:endParaRPr>
           </a:p>
         </p:txBody>
       </p:sp>
     </p:spTree>
     <p:extLst>
       <p:ext uri="{BB962C8B-B14F-4D97-AF65-F5344CB8AC3E}">
-        <p14:creationId xmlns:p14="http://schemas.microsoft.com/office/powerpoint/2010/main" val="1061844167"/>
+        <p14:creationId xmlns:p14="http://schemas.microsoft.com/office/powerpoint/2010/main" val="2520793505"/>
       </p:ext>
     </p:extLst>
   </p:cSld>
@@ -12773,7 +12628,7 @@
 
 <file path=ppt/slides/slide16.xml><?xml version="1.0" encoding="utf-8"?>
 <p:sld xmlns:a="http://schemas.openxmlformats.org/drawingml/2006/main" xmlns:r="http://schemas.openxmlformats.org/officeDocument/2006/relationships" xmlns:p="http://schemas.openxmlformats.org/presentationml/2006/main">
-  <p:cSld name="PPTLabsMagnifyingSlide201705111428195046">
+  <p:cSld name="PPTLabsMagnifyingSlide201904141205590820">
     <p:bg>
       <p:bgPr>
         <a:solidFill>
@@ -12865,23 +12720,34 @@
           <a:lstStyle/>
           <a:p>
             <a:r>
-              <a:rPr lang="en-US" sz="6000" b="1" dirty="0" smtClean="0"/>
+              <a:rPr lang="en-US" sz="6000" b="1" dirty="0"/>
               <a:t>TEXT IN SLIDE</a:t>
             </a:r>
-            <a:endParaRPr lang="en-US" sz="6000" b="1" dirty="0"/>
           </a:p>
         </p:txBody>
       </p:sp>
       <p:pic>
         <p:nvPicPr>
-          <p:cNvPr id="5" name="PPTLabsMagnifyAreaGroup201705111428197711" hidden="1"/>
+          <p:cNvPr id="6" name="PPTLabsMagnifyAreaGroup201904141205598599" hidden="1">
+            <a:extLst>
+              <a:ext uri="{FF2B5EF4-FFF2-40B4-BE49-F238E27FC236}">
+                <a16:creationId xmlns:a16="http://schemas.microsoft.com/office/drawing/2014/main" id="{8AEB1246-A922-4A9A-96C8-4BEC6E952937}"/>
+              </a:ext>
+            </a:extLst>
+          </p:cNvPr>
           <p:cNvPicPr>
             <a:picLocks/>
           </p:cNvPicPr>
           <p:nvPr/>
         </p:nvPicPr>
         <p:blipFill>
-          <a:blip r:embed="rId3"/>
+          <a:blip r:embed="rId3">
+            <a:extLst>
+              <a:ext uri="{28A0092B-C50C-407E-A947-70E740481C1C}">
+                <a14:useLocalDpi xmlns:a14="http://schemas.microsoft.com/office/drawing/2010/main" val="0"/>
+              </a:ext>
+            </a:extLst>
+          </a:blip>
           <a:stretch>
             <a:fillRect/>
           </a:stretch>
@@ -12898,14 +12764,26 @@
       </p:pic>
       <p:pic>
         <p:nvPicPr>
-          <p:cNvPr id="22" name="PPTLabsMagnifyAreaSlide201705111428198221"/>
+          <p:cNvPr id="22" name="PPTLabsMagnifyAreaSlide201904141205598948">
+            <a:extLst>
+              <a:ext uri="{FF2B5EF4-FFF2-40B4-BE49-F238E27FC236}">
+                <a16:creationId xmlns:a16="http://schemas.microsoft.com/office/drawing/2014/main" id="{9DE4C156-953C-4507-8FE2-D1F395AAD398}"/>
+              </a:ext>
+            </a:extLst>
+          </p:cNvPr>
           <p:cNvPicPr>
             <a:picLocks/>
           </p:cNvPicPr>
           <p:nvPr/>
         </p:nvPicPr>
         <p:blipFill>
-          <a:blip r:embed="rId3"/>
+          <a:blip r:embed="rId3">
+            <a:extLst>
+              <a:ext uri="{28A0092B-C50C-407E-A947-70E740481C1C}">
+                <a14:useLocalDpi xmlns:a14="http://schemas.microsoft.com/office/drawing/2010/main" val="0"/>
+              </a:ext>
+            </a:extLst>
+          </a:blip>
           <a:stretch>
             <a:fillRect/>
           </a:stretch>
@@ -12922,7 +12800,13 @@
       </p:pic>
       <p:pic>
         <p:nvPicPr>
-          <p:cNvPr id="6" name="PPTIndicator201705111428198191"/>
+          <p:cNvPr id="11" name="PPTIndicator201904141205598889">
+            <a:extLst>
+              <a:ext uri="{FF2B5EF4-FFF2-40B4-BE49-F238E27FC236}">
+                <a16:creationId xmlns:a16="http://schemas.microsoft.com/office/drawing/2014/main" id="{35FCA781-7E8D-48FB-A306-C4DC44719867}"/>
+              </a:ext>
+            </a:extLst>
+          </p:cNvPr>
           <p:cNvPicPr>
             <a:picLocks/>
           </p:cNvPicPr>
@@ -12953,18 +12837,18 @@
     </p:spTree>
     <p:extLst>
       <p:ext uri="{BB962C8B-B14F-4D97-AF65-F5344CB8AC3E}">
-        <p14:creationId xmlns:p14="http://schemas.microsoft.com/office/powerpoint/2010/main" val="789142181"/>
+        <p14:creationId xmlns:p14="http://schemas.microsoft.com/office/powerpoint/2010/main" val="2605763098"/>
       </p:ext>
     </p:extLst>
   </p:cSld>
   <p:clrMapOvr>
     <a:masterClrMapping/>
   </p:clrMapOvr>
-  <mc:AlternateContent xmlns:mc="http://schemas.openxmlformats.org/markup-compatibility/2006" xmlns:p14="http://schemas.microsoft.com/office/powerpoint/2010/main">
-    <mc:Choice Requires="p14">
+  <mc:AlternateContent xmlns:mc="http://schemas.openxmlformats.org/markup-compatibility/2006">
+    <mc:Choice xmlns:p14="http://schemas.microsoft.com/office/powerpoint/2010/main" Requires="p14">
       <p:transition spd="slow" p14:dur="2000" advClick="0" advTm="0"/>
     </mc:Choice>
-    <mc:Fallback xmlns="">
+    <mc:Fallback>
       <p:transition spd="slow" advClick="0" advTm="0"/>
     </mc:Fallback>
   </mc:AlternateContent>
@@ -13005,7 +12889,7 @@
                                           </p:stCondLst>
                                         </p:cTn>
                                         <p:tgtEl>
-                                          <p:spTgt spid="6"/>
+                                          <p:spTgt spid="11"/>
                                         </p:tgtEl>
                                         <p:attrNameLst>
                                           <p:attrName>style.visibility</p:attrName>
@@ -13032,7 +12916,7 @@
                                           </p:stCondLst>
                                         </p:cTn>
                                         <p:tgtEl>
-                                          <p:spTgt spid="6"/>
+                                          <p:spTgt spid="11"/>
                                         </p:tgtEl>
                                         <p:attrNameLst>
                                           <p:attrName>style.visibility</p:attrName>
@@ -13060,7 +12944,7 @@
                                     <p:cond delay="0"/>
                                   </p:stCondLst>
                                   <p:childTnLst>
-                                    <p:animMotion origin="layout" path="M 0 0 C 0.2105131 0.2478195 0.2105131 0.2478195 0.4210261 0.495639 E" pathEditMode="relative" ptsTypes="">
+                                    <p:animMotion origin="layout" path="M 0 0 C 0.2105131 0.2478196 0.2105131 0.2478196 0.4210261 0.4956393 E" pathEditMode="relative" ptsTypes="">
                                       <p:cBhvr>
                                         <p:cTn id="11" dur="500" fill="hold"/>
                                         <p:tgtEl>
@@ -13126,7 +13010,7 @@
 
 <file path=ppt/slides/slide17.xml><?xml version="1.0" encoding="utf-8"?>
 <p:sld xmlns:a="http://schemas.openxmlformats.org/drawingml/2006/main" xmlns:r="http://schemas.openxmlformats.org/officeDocument/2006/relationships" xmlns:p="http://schemas.openxmlformats.org/presentationml/2006/main">
-  <p:cSld name="PPTLabsMagnifiedSlide201705111428198241">
+  <p:cSld name="PPTLabsMagnifiedSlide201904141205598988">
     <p:bg>
       <p:bgPr>
         <a:solidFill>
@@ -13151,14 +13035,26 @@
       </p:grpSpPr>
       <p:pic>
         <p:nvPicPr>
-          <p:cNvPr id="5" name="PPTLabsMagnifyAreaGroup201705111428197711"/>
+          <p:cNvPr id="6" name="PPTLabsMagnifyAreaGroup201904141205598599">
+            <a:extLst>
+              <a:ext uri="{FF2B5EF4-FFF2-40B4-BE49-F238E27FC236}">
+                <a16:creationId xmlns:a16="http://schemas.microsoft.com/office/drawing/2014/main" id="{8AEB1246-A922-4A9A-96C8-4BEC6E952937}"/>
+              </a:ext>
+            </a:extLst>
+          </p:cNvPr>
           <p:cNvPicPr>
             <a:picLocks noChangeAspect="1"/>
           </p:cNvPicPr>
           <p:nvPr/>
         </p:nvPicPr>
         <p:blipFill>
-          <a:blip r:embed="rId2"/>
+          <a:blip r:embed="rId2">
+            <a:extLst>
+              <a:ext uri="{28A0092B-C50C-407E-A947-70E740481C1C}">
+                <a14:useLocalDpi xmlns:a14="http://schemas.microsoft.com/office/drawing/2010/main" val="0"/>
+              </a:ext>
+            </a:extLst>
+          </a:blip>
           <a:srcRect/>
           <a:stretch>
             <a:fillRect/>
@@ -13166,8 +13062,8 @@
         </p:blipFill>
         <p:spPr>
           <a:xfrm>
-            <a:off x="-2354749" y="-1254471"/>
-            <a:ext cx="21551802" cy="16163835"/>
+            <a:off x="-2354311" y="-1254200"/>
+            <a:ext cx="21549770" cy="16162343"/>
           </a:xfrm>
           <a:prstGeom prst="rect">
             <a:avLst/>
@@ -13176,7 +13072,13 @@
       </p:pic>
       <p:pic>
         <p:nvPicPr>
-          <p:cNvPr id="3" name="PPTIndicator201705111428198471"/>
+          <p:cNvPr id="5" name="PPTIndicator201904141205599217">
+            <a:extLst>
+              <a:ext uri="{FF2B5EF4-FFF2-40B4-BE49-F238E27FC236}">
+                <a16:creationId xmlns:a16="http://schemas.microsoft.com/office/drawing/2014/main" id="{4D115C5A-39DD-4047-9B8B-0CE87F20D23C}"/>
+              </a:ext>
+            </a:extLst>
+          </p:cNvPr>
           <p:cNvPicPr>
             <a:picLocks/>
           </p:cNvPicPr>
@@ -13207,21 +13109,13 @@
     </p:spTree>
     <p:extLst>
       <p:ext uri="{BB962C8B-B14F-4D97-AF65-F5344CB8AC3E}">
-        <p14:creationId xmlns:p14="http://schemas.microsoft.com/office/powerpoint/2010/main" val="3438702707"/>
+        <p14:creationId xmlns:p14="http://schemas.microsoft.com/office/powerpoint/2010/main" val="2798808389"/>
       </p:ext>
     </p:extLst>
   </p:cSld>
   <p:clrMapOvr>
     <a:masterClrMapping/>
   </p:clrMapOvr>
-  <mc:AlternateContent xmlns:mc="http://schemas.openxmlformats.org/markup-compatibility/2006" xmlns:p14="http://schemas.microsoft.com/office/powerpoint/2010/main">
-    <mc:Choice Requires="p14">
-      <p:transition spd="slow" p14:dur="2000"/>
-    </mc:Choice>
-    <mc:Fallback xmlns="">
-      <p:transition spd="slow"/>
-    </mc:Fallback>
-  </mc:AlternateContent>
   <p:timing>
     <p:tnLst>
       <p:par>
@@ -13259,7 +13153,7 @@
                                           </p:stCondLst>
                                         </p:cTn>
                                         <p:tgtEl>
-                                          <p:spTgt spid="3"/>
+                                          <p:spTgt spid="5"/>
                                         </p:tgtEl>
                                         <p:attrNameLst>
                                           <p:attrName>style.visibility</p:attrName>
@@ -13286,7 +13180,7 @@
                                           </p:stCondLst>
                                         </p:cTn>
                                         <p:tgtEl>
-                                          <p:spTgt spid="3"/>
+                                          <p:spTgt spid="5"/>
                                         </p:tgtEl>
                                         <p:attrNameLst>
                                           <p:attrName>style.visibility</p:attrName>
@@ -13332,7 +13226,7 @@
 
 <file path=ppt/slides/slide18.xml><?xml version="1.0" encoding="utf-8"?>
 <p:sld xmlns:a="http://schemas.openxmlformats.org/drawingml/2006/main" xmlns:r="http://schemas.openxmlformats.org/officeDocument/2006/relationships" xmlns:p="http://schemas.openxmlformats.org/presentationml/2006/main">
-  <p:cSld name="PPTLabsMagnifiedPanSlide201705111428201825">
+  <p:cSld name="PPTLabsMagnifiedPanSlide201904141206005164">
     <p:bg>
       <p:bgPr>
         <a:solidFill>
@@ -13357,14 +13251,26 @@
       </p:grpSpPr>
       <p:pic>
         <p:nvPicPr>
-          <p:cNvPr id="5" name="PPTLabsMagnifyAreaGroup201705111428197711"/>
+          <p:cNvPr id="6" name="PPTLabsMagnifyAreaGroup201904141205598599">
+            <a:extLst>
+              <a:ext uri="{FF2B5EF4-FFF2-40B4-BE49-F238E27FC236}">
+                <a16:creationId xmlns:a16="http://schemas.microsoft.com/office/drawing/2014/main" id="{8AEB1246-A922-4A9A-96C8-4BEC6E952937}"/>
+              </a:ext>
+            </a:extLst>
+          </p:cNvPr>
           <p:cNvPicPr>
             <a:picLocks/>
           </p:cNvPicPr>
           <p:nvPr/>
         </p:nvPicPr>
         <p:blipFill>
-          <a:blip r:embed="rId2"/>
+          <a:blip r:embed="rId2">
+            <a:extLst>
+              <a:ext uri="{28A0092B-C50C-407E-A947-70E740481C1C}">
+                <a14:useLocalDpi xmlns:a14="http://schemas.microsoft.com/office/drawing/2010/main" val="0"/>
+              </a:ext>
+            </a:extLst>
+          </a:blip>
           <a:srcRect/>
           <a:stretch>
             <a:fillRect/>
@@ -13372,8 +13278,8 @@
         </p:blipFill>
         <p:spPr>
           <a:xfrm>
-            <a:off x="0" y="0"/>
-            <a:ext cx="9144000" cy="6857993"/>
+            <a:off x="1" y="0"/>
+            <a:ext cx="9143991" cy="6858000"/>
           </a:xfrm>
           <a:prstGeom prst="rect">
             <a:avLst/>
@@ -13382,14 +13288,26 @@
       </p:pic>
       <p:pic>
         <p:nvPicPr>
-          <p:cNvPr id="6" name="PPTLabsMagnifyAreaGroup201705111428197711"/>
+          <p:cNvPr id="7" name="PPTLabsMagnifyAreaGroup201904141205598599">
+            <a:extLst>
+              <a:ext uri="{FF2B5EF4-FFF2-40B4-BE49-F238E27FC236}">
+                <a16:creationId xmlns:a16="http://schemas.microsoft.com/office/drawing/2014/main" id="{B9D3D099-BFBA-4826-8D56-F98054D56A27}"/>
+              </a:ext>
+            </a:extLst>
+          </p:cNvPr>
           <p:cNvPicPr>
             <a:picLocks/>
           </p:cNvPicPr>
           <p:nvPr/>
         </p:nvPicPr>
         <p:blipFill>
-          <a:blip r:embed="rId2"/>
+          <a:blip r:embed="rId2">
+            <a:extLst>
+              <a:ext uri="{28A0092B-C50C-407E-A947-70E740481C1C}">
+                <a14:useLocalDpi xmlns:a14="http://schemas.microsoft.com/office/drawing/2010/main" val="0"/>
+              </a:ext>
+            </a:extLst>
+          </a:blip>
           <a:srcRect/>
           <a:stretch>
             <a:fillRect/>
@@ -13397,8 +13315,8 @@
         </p:blipFill>
         <p:spPr>
           <a:xfrm>
-            <a:off x="-2354749" y="-1254471"/>
-            <a:ext cx="21551802" cy="16163835"/>
+            <a:off x="-2354311" y="-1254200"/>
+            <a:ext cx="21549770" cy="16162343"/>
           </a:xfrm>
           <a:prstGeom prst="rect">
             <a:avLst/>
@@ -13407,7 +13325,13 @@
       </p:pic>
       <p:pic>
         <p:nvPicPr>
-          <p:cNvPr id="2" name="PPTIndicator201705111428202131"/>
+          <p:cNvPr id="3" name="PPTIndicator201904141206005394">
+            <a:extLst>
+              <a:ext uri="{FF2B5EF4-FFF2-40B4-BE49-F238E27FC236}">
+                <a16:creationId xmlns:a16="http://schemas.microsoft.com/office/drawing/2014/main" id="{BCC6F983-CF47-4BB6-91E0-A904DFC213FD}"/>
+              </a:ext>
+            </a:extLst>
+          </p:cNvPr>
           <p:cNvPicPr>
             <a:picLocks/>
           </p:cNvPicPr>
@@ -13438,18 +13362,18 @@
     </p:spTree>
     <p:extLst>
       <p:ext uri="{BB962C8B-B14F-4D97-AF65-F5344CB8AC3E}">
-        <p14:creationId xmlns:p14="http://schemas.microsoft.com/office/powerpoint/2010/main" val="3752020867"/>
+        <p14:creationId xmlns:p14="http://schemas.microsoft.com/office/powerpoint/2010/main" val="2371078788"/>
       </p:ext>
     </p:extLst>
   </p:cSld>
   <p:clrMapOvr>
     <a:masterClrMapping/>
   </p:clrMapOvr>
-  <mc:AlternateContent xmlns:mc="http://schemas.openxmlformats.org/markup-compatibility/2006" xmlns:p14="http://schemas.microsoft.com/office/powerpoint/2010/main">
-    <mc:Choice Requires="p14">
+  <mc:AlternateContent xmlns:mc="http://schemas.openxmlformats.org/markup-compatibility/2006">
+    <mc:Choice xmlns:p14="http://schemas.microsoft.com/office/powerpoint/2010/main" Requires="p14">
       <p:transition spd="slow" p14:dur="2000" advClick="0" advTm="0"/>
     </mc:Choice>
-    <mc:Fallback xmlns="">
+    <mc:Fallback>
       <p:transition spd="slow" advClick="0" advTm="0"/>
     </mc:Fallback>
   </mc:AlternateContent>
@@ -13490,7 +13414,7 @@
                                           </p:stCondLst>
                                         </p:cTn>
                                         <p:tgtEl>
-                                          <p:spTgt spid="2"/>
+                                          <p:spTgt spid="3"/>
                                         </p:tgtEl>
                                         <p:attrNameLst>
                                           <p:attrName>style.visibility</p:attrName>
@@ -13517,7 +13441,7 @@
                                           </p:stCondLst>
                                         </p:cTn>
                                         <p:tgtEl>
-                                          <p:spTgt spid="2"/>
+                                          <p:spTgt spid="3"/>
                                         </p:tgtEl>
                                         <p:attrNameLst>
                                           <p:attrName>style.visibility</p:attrName>
@@ -13536,11 +13460,11 @@
                                     <p:cond delay="0"/>
                                   </p:stCondLst>
                                   <p:childTnLst>
-                                    <p:animMotion origin="layout" path="M 0 0 C 0.2104742 0.2477727 0.2104742 0.2477727 0.4209484 0.4955453 E" pathEditMode="relative" ptsTypes="">
+                                    <p:animMotion origin="layout" path="M 0 0 C 0.2104428 0.2477378 0.2104428 0.2477378 0.4208856 0.4954756 E" pathEditMode="relative" ptsTypes="">
                                       <p:cBhvr>
                                         <p:cTn id="10" dur="1" fill="hold"/>
                                         <p:tgtEl>
-                                          <p:spTgt spid="5"/>
+                                          <p:spTgt spid="6"/>
                                         </p:tgtEl>
                                         <p:attrNameLst>
                                           <p:attrName>ppt_x</p:attrName>
@@ -13561,10 +13485,10 @@
                                       <p:cBhvr>
                                         <p:cTn id="12" dur="1" fill="hold"/>
                                         <p:tgtEl>
-                                          <p:spTgt spid="5"/>
-                                        </p:tgtEl>
-                                      </p:cBhvr>
-                                      <p:by x="235693" y="235693"/>
+                                          <p:spTgt spid="6"/>
+                                        </p:tgtEl>
+                                      </p:cBhvr>
+                                      <p:by x="235671" y="235671"/>
                                     </p:animScale>
                                   </p:childTnLst>
                                 </p:cTn>
@@ -13579,7 +13503,7 @@
                                       <p:cBhvr>
                                         <p:cTn id="14" dur="10"/>
                                         <p:tgtEl>
-                                          <p:spTgt spid="6"/>
+                                          <p:spTgt spid="7"/>
                                         </p:tgtEl>
                                       </p:cBhvr>
                                     </p:animEffect>
@@ -13591,7 +13515,7 @@
                                           </p:stCondLst>
                                         </p:cTn>
                                         <p:tgtEl>
-                                          <p:spTgt spid="6"/>
+                                          <p:spTgt spid="7"/>
                                         </p:tgtEl>
                                         <p:attrNameLst>
                                           <p:attrName>style.visibility</p:attrName>
@@ -13619,11 +13543,11 @@
                                     <p:cond delay="0"/>
                                   </p:stCondLst>
                                   <p:childTnLst>
-                                    <p:animMotion origin="layout" path="M 0.4209484 0.4955453 C 0.4328169 0.9727173 0.4328169 0.9727173 0.4446853 1.449889 E" pathEditMode="relative" ptsTypes="">
+                                    <p:animMotion origin="layout" path="M 0.4208857 0.4954756 C 0.4327389 0.9724518 0.4327389 0.9724518 0.4445921 1.449428 E" pathEditMode="relative" ptsTypes="">
                                       <p:cBhvr>
                                         <p:cTn id="18" dur="400" fill="hold"/>
                                         <p:tgtEl>
-                                          <p:spTgt spid="5"/>
+                                          <p:spTgt spid="6"/>
                                         </p:tgtEl>
                                         <p:attrNameLst>
                                           <p:attrName>ppt_x</p:attrName>
@@ -13644,10 +13568,10 @@
                                       <p:cBhvr>
                                         <p:cTn id="20" dur="400" fill="hold"/>
                                         <p:tgtEl>
-                                          <p:spTgt spid="5"/>
-                                        </p:tgtEl>
-                                      </p:cBhvr>
-                                      <p:by x="224368" y="224372"/>
+                                          <p:spTgt spid="6"/>
+                                        </p:tgtEl>
+                                      </p:cBhvr>
+                                      <p:by x="224342" y="224333"/>
                                     </p:animScale>
                                   </p:childTnLst>
                                 </p:cTn>
@@ -13685,7 +13609,7 @@
 
 <file path=ppt/slides/slide19.xml><?xml version="1.0" encoding="utf-8"?>
 <p:sld xmlns:a="http://schemas.openxmlformats.org/drawingml/2006/main" xmlns:r="http://schemas.openxmlformats.org/officeDocument/2006/relationships" xmlns:p="http://schemas.openxmlformats.org/presentationml/2006/main">
-  <p:cSld name="PPTLabsMagnifiedSlide201705111428201521">
+  <p:cSld name="PPTLabsMagnifiedSlide201904141206004950">
     <p:bg>
       <p:bgPr>
         <a:solidFill>
@@ -13710,14 +13634,26 @@
       </p:grpSpPr>
       <p:pic>
         <p:nvPicPr>
-          <p:cNvPr id="5" name="PPTLabsMagnifyAreaGroup201705111428201069"/>
+          <p:cNvPr id="6" name="PPTLabsMagnifyAreaGroup201904141206004703">
+            <a:extLst>
+              <a:ext uri="{FF2B5EF4-FFF2-40B4-BE49-F238E27FC236}">
+                <a16:creationId xmlns:a16="http://schemas.microsoft.com/office/drawing/2014/main" id="{FFF8F9A5-99C2-4CD8-84A2-731CB8473208}"/>
+              </a:ext>
+            </a:extLst>
+          </p:cNvPr>
           <p:cNvPicPr>
             <a:picLocks noChangeAspect="1"/>
           </p:cNvPicPr>
           <p:nvPr/>
         </p:nvPicPr>
         <p:blipFill>
-          <a:blip r:embed="rId2"/>
+          <a:blip r:embed="rId2">
+            <a:extLst>
+              <a:ext uri="{28A0092B-C50C-407E-A947-70E740481C1C}">
+                <a14:useLocalDpi xmlns:a14="http://schemas.microsoft.com/office/drawing/2010/main" val="0"/>
+              </a:ext>
+            </a:extLst>
+          </a:blip>
           <a:srcRect/>
           <a:stretch>
             <a:fillRect/>
@@ -13725,8 +13661,8 @@
         </p:blipFill>
         <p:spPr>
           <a:xfrm>
-            <a:off x="-15539485" y="-4761187"/>
-            <a:ext cx="48355375" cy="36267051"/>
+            <a:off x="-15535223" y="-4759577"/>
+            <a:ext cx="48345137" cy="36257512"/>
           </a:xfrm>
           <a:prstGeom prst="rect">
             <a:avLst/>
@@ -13735,7 +13671,13 @@
       </p:pic>
       <p:pic>
         <p:nvPicPr>
-          <p:cNvPr id="3" name="PPTIndicator201705111428201795"/>
+          <p:cNvPr id="5" name="PPTIndicator201904141206005074">
+            <a:extLst>
+              <a:ext uri="{FF2B5EF4-FFF2-40B4-BE49-F238E27FC236}">
+                <a16:creationId xmlns:a16="http://schemas.microsoft.com/office/drawing/2014/main" id="{38236E11-AA14-4504-9BD6-6AEA4E9A4930}"/>
+              </a:ext>
+            </a:extLst>
+          </p:cNvPr>
           <p:cNvPicPr>
             <a:picLocks/>
           </p:cNvPicPr>
@@ -13766,21 +13708,13 @@
     </p:spTree>
     <p:extLst>
       <p:ext uri="{BB962C8B-B14F-4D97-AF65-F5344CB8AC3E}">
-        <p14:creationId xmlns:p14="http://schemas.microsoft.com/office/powerpoint/2010/main" val="847195898"/>
+        <p14:creationId xmlns:p14="http://schemas.microsoft.com/office/powerpoint/2010/main" val="10127285"/>
       </p:ext>
     </p:extLst>
   </p:cSld>
   <p:clrMapOvr>
     <a:masterClrMapping/>
   </p:clrMapOvr>
-  <mc:AlternateContent xmlns:mc="http://schemas.openxmlformats.org/markup-compatibility/2006" xmlns:p14="http://schemas.microsoft.com/office/powerpoint/2010/main">
-    <mc:Choice Requires="p14">
-      <p:transition spd="slow" p14:dur="2000"/>
-    </mc:Choice>
-    <mc:Fallback xmlns="">
-      <p:transition spd="slow"/>
-    </mc:Fallback>
-  </mc:AlternateContent>
   <p:timing>
     <p:tnLst>
       <p:par>
@@ -13818,7 +13752,7 @@
                                           </p:stCondLst>
                                         </p:cTn>
                                         <p:tgtEl>
-                                          <p:spTgt spid="3"/>
+                                          <p:spTgt spid="5"/>
                                         </p:tgtEl>
                                         <p:attrNameLst>
                                           <p:attrName>style.visibility</p:attrName>
@@ -13845,7 +13779,7 @@
                                           </p:stCondLst>
                                         </p:cTn>
                                         <p:tgtEl>
-                                          <p:spTgt spid="3"/>
+                                          <p:spTgt spid="5"/>
                                         </p:tgtEl>
                                         <p:attrNameLst>
                                           <p:attrName>style.visibility</p:attrName>
@@ -13940,7 +13874,7 @@
           <a:p>
             <a:pPr algn="l"/>
             <a:r>
-              <a:rPr lang="en-US" sz="7200" dirty="0" smtClean="0">
+              <a:rPr lang="en-US" sz="7200" dirty="0">
                 <a:solidFill>
                   <a:schemeClr val="bg1"/>
                 </a:solidFill>
@@ -13978,7 +13912,7 @@
           <a:lstStyle/>
           <a:p>
             <a:r>
-              <a:rPr lang="en-US" sz="2400" b="1" dirty="0" smtClean="0">
+              <a:rPr lang="en-US" sz="2400" b="1" dirty="0">
                 <a:solidFill>
                   <a:schemeClr val="bg1"/>
                 </a:solidFill>
@@ -13992,7 +13926,7 @@
               <a:buChar char="•"/>
             </a:pPr>
             <a:r>
-              <a:rPr lang="en-US" sz="2400" dirty="0" smtClean="0">
+              <a:rPr lang="en-US" sz="2400" dirty="0">
                 <a:solidFill>
                   <a:schemeClr val="bg1"/>
                 </a:solidFill>
@@ -14000,7 +13934,7 @@
               <a:t>Select the </a:t>
             </a:r>
             <a:r>
-              <a:rPr lang="en-US" sz="2400" b="1" dirty="0" smtClean="0">
+              <a:rPr lang="en-US" sz="2400" b="1" dirty="0">
                 <a:solidFill>
                   <a:schemeClr val="bg1"/>
                 </a:solidFill>
@@ -14008,7 +13942,7 @@
               <a:t>BLUE</a:t>
             </a:r>
             <a:r>
-              <a:rPr lang="en-US" sz="2400" dirty="0" smtClean="0">
+              <a:rPr lang="en-US" sz="2400" dirty="0">
                 <a:solidFill>
                   <a:schemeClr val="bg1"/>
                 </a:solidFill>
@@ -14022,7 +13956,7 @@
               <a:buChar char="•"/>
             </a:pPr>
             <a:r>
-              <a:rPr lang="en-US" sz="2400" dirty="0" smtClean="0">
+              <a:rPr lang="en-US" sz="2400" dirty="0">
                 <a:solidFill>
                   <a:schemeClr val="bg1"/>
                 </a:solidFill>
@@ -14030,7 +13964,7 @@
               <a:t>Click </a:t>
             </a:r>
             <a:r>
-              <a:rPr lang="en-US" sz="2400" b="1" dirty="0" smtClean="0">
+              <a:rPr lang="en-US" sz="2400" b="1" dirty="0">
                 <a:solidFill>
                   <a:schemeClr val="bg1"/>
                 </a:solidFill>
@@ -14038,7 +13972,7 @@
               <a:t>“Zoom To Area”</a:t>
             </a:r>
             <a:r>
-              <a:rPr lang="en-US" sz="2400" dirty="0" smtClean="0">
+              <a:rPr lang="en-US" sz="2400" dirty="0">
                 <a:solidFill>
                   <a:schemeClr val="bg1"/>
                 </a:solidFill>
@@ -14052,7 +13986,7 @@
               <a:buChar char="•"/>
             </a:pPr>
             <a:r>
-              <a:rPr lang="en-US" sz="2400" dirty="0" smtClean="0">
+              <a:rPr lang="en-US" sz="2400" dirty="0">
                 <a:solidFill>
                   <a:schemeClr val="bg1"/>
                 </a:solidFill>
@@ -14072,19 +14006,12 @@
   <p:clrMapOvr>
     <a:masterClrMapping/>
   </p:clrMapOvr>
-  <p:timing>
-    <p:tnLst>
-      <p:par>
-        <p:cTn id="1" dur="indefinite" restart="never" nodeType="tmRoot"/>
-      </p:par>
-    </p:tnLst>
-  </p:timing>
 </p:sld>
 </file>
 
 <file path=ppt/slides/slide20.xml><?xml version="1.0" encoding="utf-8"?>
 <p:sld xmlns:a="http://schemas.openxmlformats.org/drawingml/2006/main" xmlns:r="http://schemas.openxmlformats.org/officeDocument/2006/relationships" xmlns:p="http://schemas.openxmlformats.org/presentationml/2006/main">
-  <p:cSld name="PPTLabsMagnifiedPanSlide201705111428205327">
+  <p:cSld name="PPTLabsMagnifiedPanSlide201904141206011460">
     <p:bg>
       <p:bgPr>
         <a:solidFill>
@@ -14109,14 +14036,26 @@
       </p:grpSpPr>
       <p:pic>
         <p:nvPicPr>
-          <p:cNvPr id="5" name="PPTLabsMagnifyAreaGroup201705111428201069"/>
+          <p:cNvPr id="6" name="PPTLabsMagnifyAreaGroup201904141206004703">
+            <a:extLst>
+              <a:ext uri="{FF2B5EF4-FFF2-40B4-BE49-F238E27FC236}">
+                <a16:creationId xmlns:a16="http://schemas.microsoft.com/office/drawing/2014/main" id="{FFF8F9A5-99C2-4CD8-84A2-731CB8473208}"/>
+              </a:ext>
+            </a:extLst>
+          </p:cNvPr>
           <p:cNvPicPr>
             <a:picLocks/>
           </p:cNvPicPr>
           <p:nvPr/>
         </p:nvPicPr>
         <p:blipFill>
-          <a:blip r:embed="rId2"/>
+          <a:blip r:embed="rId2">
+            <a:extLst>
+              <a:ext uri="{28A0092B-C50C-407E-A947-70E740481C1C}">
+                <a14:useLocalDpi xmlns:a14="http://schemas.microsoft.com/office/drawing/2010/main" val="0"/>
+              </a:ext>
+            </a:extLst>
+          </a:blip>
           <a:srcRect/>
           <a:stretch>
             <a:fillRect/>
@@ -14124,8 +14063,8 @@
         </p:blipFill>
         <p:spPr>
           <a:xfrm>
-            <a:off x="0" y="0"/>
-            <a:ext cx="9143869" cy="6858000"/>
+            <a:off x="0" y="1"/>
+            <a:ext cx="9144000" cy="6857747"/>
           </a:xfrm>
           <a:prstGeom prst="rect">
             <a:avLst/>
@@ -14134,14 +14073,26 @@
       </p:pic>
       <p:pic>
         <p:nvPicPr>
-          <p:cNvPr id="6" name="PPTLabsMagnifyAreaGroup201705111428201069"/>
+          <p:cNvPr id="7" name="PPTLabsMagnifyAreaGroup201904141206004703">
+            <a:extLst>
+              <a:ext uri="{FF2B5EF4-FFF2-40B4-BE49-F238E27FC236}">
+                <a16:creationId xmlns:a16="http://schemas.microsoft.com/office/drawing/2014/main" id="{F9161762-8D36-4850-8381-0BCBD3295885}"/>
+              </a:ext>
+            </a:extLst>
+          </p:cNvPr>
           <p:cNvPicPr>
             <a:picLocks/>
           </p:cNvPicPr>
           <p:nvPr/>
         </p:nvPicPr>
         <p:blipFill>
-          <a:blip r:embed="rId2"/>
+          <a:blip r:embed="rId2">
+            <a:extLst>
+              <a:ext uri="{28A0092B-C50C-407E-A947-70E740481C1C}">
+                <a14:useLocalDpi xmlns:a14="http://schemas.microsoft.com/office/drawing/2010/main" val="0"/>
+              </a:ext>
+            </a:extLst>
+          </a:blip>
           <a:srcRect/>
           <a:stretch>
             <a:fillRect/>
@@ -14149,8 +14100,8 @@
         </p:blipFill>
         <p:spPr>
           <a:xfrm>
-            <a:off x="-15539486" y="-4761187"/>
-            <a:ext cx="48355375" cy="36267051"/>
+            <a:off x="-15535222" y="-4759577"/>
+            <a:ext cx="48345137" cy="36257512"/>
           </a:xfrm>
           <a:prstGeom prst="rect">
             <a:avLst/>
@@ -14159,7 +14110,13 @@
       </p:pic>
       <p:pic>
         <p:nvPicPr>
-          <p:cNvPr id="2" name="PPTIndicator201705111428205497"/>
+          <p:cNvPr id="3" name="PPTIndicator201904141206011540">
+            <a:extLst>
+              <a:ext uri="{FF2B5EF4-FFF2-40B4-BE49-F238E27FC236}">
+                <a16:creationId xmlns:a16="http://schemas.microsoft.com/office/drawing/2014/main" id="{4377D468-4A78-40BB-BBB6-AFEE37DF7856}"/>
+              </a:ext>
+            </a:extLst>
+          </p:cNvPr>
           <p:cNvPicPr>
             <a:picLocks/>
           </p:cNvPicPr>
@@ -14190,18 +14147,18 @@
     </p:spTree>
     <p:extLst>
       <p:ext uri="{BB962C8B-B14F-4D97-AF65-F5344CB8AC3E}">
-        <p14:creationId xmlns:p14="http://schemas.microsoft.com/office/powerpoint/2010/main" val="2215249357"/>
+        <p14:creationId xmlns:p14="http://schemas.microsoft.com/office/powerpoint/2010/main" val="2885240324"/>
       </p:ext>
     </p:extLst>
   </p:cSld>
   <p:clrMapOvr>
     <a:masterClrMapping/>
   </p:clrMapOvr>
-  <mc:AlternateContent xmlns:mc="http://schemas.openxmlformats.org/markup-compatibility/2006" xmlns:p14="http://schemas.microsoft.com/office/powerpoint/2010/main">
-    <mc:Choice Requires="p14">
+  <mc:AlternateContent xmlns:mc="http://schemas.openxmlformats.org/markup-compatibility/2006">
+    <mc:Choice xmlns:p14="http://schemas.microsoft.com/office/powerpoint/2010/main" Requires="p14">
       <p:transition spd="slow" p14:dur="2000" advClick="0" advTm="0"/>
     </mc:Choice>
-    <mc:Fallback xmlns="">
+    <mc:Fallback>
       <p:transition spd="slow" advClick="0" advTm="0"/>
     </mc:Fallback>
   </mc:AlternateContent>
@@ -14242,7 +14199,7 @@
                                           </p:stCondLst>
                                         </p:cTn>
                                         <p:tgtEl>
-                                          <p:spTgt spid="2"/>
+                                          <p:spTgt spid="3"/>
                                         </p:tgtEl>
                                         <p:attrNameLst>
                                           <p:attrName>style.visibility</p:attrName>
@@ -14269,7 +14226,7 @@
                                           </p:stCondLst>
                                         </p:cTn>
                                         <p:tgtEl>
-                                          <p:spTgt spid="2"/>
+                                          <p:spTgt spid="3"/>
                                         </p:tgtEl>
                                         <p:attrNameLst>
                                           <p:attrName>style.visibility</p:attrName>
@@ -14288,11 +14245,11 @@
                                     <p:cond delay="0"/>
                                   </p:stCondLst>
                                   <p:childTnLst>
-                                    <p:animMotion origin="layout" path="M 0 0 C 0.2223462 0.7249445 0.2223462 0.7249445 0.4446925 1.449889 E" pathEditMode="relative" ptsTypes="">
+                                    <p:animMotion origin="layout" path="M 0 0 C 0.2222958 0.7247232 0.2222958 0.7247232 0.4445916 1.449446 E" pathEditMode="relative" ptsTypes="">
                                       <p:cBhvr>
                                         <p:cTn id="10" dur="1" fill="hold"/>
                                         <p:tgtEl>
-                                          <p:spTgt spid="5"/>
+                                          <p:spTgt spid="6"/>
                                         </p:tgtEl>
                                         <p:attrNameLst>
                                           <p:attrName>ppt_x</p:attrName>
@@ -14313,10 +14270,10 @@
                                       <p:cBhvr>
                                         <p:cTn id="12" dur="1" fill="hold"/>
                                         <p:tgtEl>
-                                          <p:spTgt spid="5"/>
-                                        </p:tgtEl>
-                                      </p:cBhvr>
-                                      <p:by x="528828" y="528828"/>
+                                          <p:spTgt spid="6"/>
+                                        </p:tgtEl>
+                                      </p:cBhvr>
+                                      <p:by x="528709" y="528709"/>
                                     </p:animScale>
                                   </p:childTnLst>
                                 </p:cTn>
@@ -14331,7 +14288,7 @@
                                       <p:cBhvr>
                                         <p:cTn id="14" dur="10"/>
                                         <p:tgtEl>
-                                          <p:spTgt spid="6"/>
+                                          <p:spTgt spid="7"/>
                                         </p:tgtEl>
                                       </p:cBhvr>
                                     </p:animEffect>
@@ -14343,7 +14300,7 @@
                                           </p:stCondLst>
                                         </p:cTn>
                                         <p:tgtEl>
-                                          <p:spTgt spid="6"/>
+                                          <p:spTgt spid="7"/>
                                         </p:tgtEl>
                                         <p:attrNameLst>
                                           <p:attrName>style.visibility</p:attrName>
@@ -14371,11 +14328,11 @@
                                     <p:cond delay="0"/>
                                   </p:stCondLst>
                                   <p:childTnLst>
-                                    <p:animMotion origin="layout" path="M 0.4446925 1.449889 C 0.002813399 0.8386196 0.002813399 0.8386196 -0.4390657 0.2273501 E" pathEditMode="relative" ptsTypes="">
+                                    <p:animMotion origin="layout" path="M 0.4445916 1.449447 C 0.0027771 0.8383933 0.0027771 0.8383933 -0.4390375 0.2273406 E" pathEditMode="relative" ptsTypes="">
                                       <p:cBhvr>
                                         <p:cTn id="18" dur="400" fill="hold"/>
                                         <p:tgtEl>
-                                          <p:spTgt spid="5"/>
+                                          <p:spTgt spid="6"/>
                                         </p:tgtEl>
                                         <p:attrNameLst>
                                           <p:attrName>ppt_x</p:attrName>
@@ -14396,10 +14353,10 @@
                                       <p:cBhvr>
                                         <p:cTn id="20" dur="400" fill="hold"/>
                                         <p:tgtEl>
-                                          <p:spTgt spid="5"/>
-                                        </p:tgtEl>
-                                      </p:cBhvr>
-                                      <p:by x="35516" y="35515"/>
+                                          <p:spTgt spid="6"/>
+                                        </p:tgtEl>
+                                      </p:cBhvr>
+                                      <p:by x="35522" y="35523"/>
                                     </p:animScale>
                                   </p:childTnLst>
                                 </p:cTn>
@@ -14437,7 +14394,7 @@
 
 <file path=ppt/slides/slide21.xml><?xml version="1.0" encoding="utf-8"?>
 <p:sld xmlns:a="http://schemas.openxmlformats.org/drawingml/2006/main" xmlns:r="http://schemas.openxmlformats.org/officeDocument/2006/relationships" xmlns:p="http://schemas.openxmlformats.org/presentationml/2006/main">
-  <p:cSld name="PPTLabsMagnifiedSlide201705111428205036">
+  <p:cSld name="PPTLabsMagnifiedSlide201904141206011300">
     <p:bg>
       <p:bgPr>
         <a:solidFill>
@@ -14462,14 +14419,26 @@
       </p:grpSpPr>
       <p:pic>
         <p:nvPicPr>
-          <p:cNvPr id="5" name="PPTLabsMagnifyAreaGroup201705111428204704"/>
+          <p:cNvPr id="6" name="PPTLabsMagnifyAreaGroup201904141206010972">
+            <a:extLst>
+              <a:ext uri="{FF2B5EF4-FFF2-40B4-BE49-F238E27FC236}">
+                <a16:creationId xmlns:a16="http://schemas.microsoft.com/office/drawing/2014/main" id="{8E409A64-37F9-47BE-BE9A-EDFB0F55575F}"/>
+              </a:ext>
+            </a:extLst>
+          </p:cNvPr>
           <p:cNvPicPr>
             <a:picLocks noChangeAspect="1"/>
           </p:cNvPicPr>
           <p:nvPr/>
         </p:nvPicPr>
         <p:blipFill>
-          <a:blip r:embed="rId2"/>
+          <a:blip r:embed="rId2">
+            <a:extLst>
+              <a:ext uri="{28A0092B-C50C-407E-A947-70E740481C1C}">
+                <a14:useLocalDpi xmlns:a14="http://schemas.microsoft.com/office/drawing/2010/main" val="0"/>
+              </a:ext>
+            </a:extLst>
+          </a:blip>
           <a:srcRect/>
           <a:stretch>
             <a:fillRect/>
@@ -14477,8 +14446,8 @@
         </p:blipFill>
         <p:spPr>
           <a:xfrm>
-            <a:off x="-8029764" y="-1452008"/>
-            <a:ext cx="17173764" cy="12880349"/>
+            <a:off x="-8029119" y="-1451933"/>
+            <a:ext cx="17173119" cy="12879811"/>
           </a:xfrm>
           <a:prstGeom prst="rect">
             <a:avLst/>
@@ -14487,7 +14456,13 @@
       </p:pic>
       <p:pic>
         <p:nvPicPr>
-          <p:cNvPr id="3" name="PPTIndicator201705111428205297"/>
+          <p:cNvPr id="5" name="PPTIndicator201904141206011410">
+            <a:extLst>
+              <a:ext uri="{FF2B5EF4-FFF2-40B4-BE49-F238E27FC236}">
+                <a16:creationId xmlns:a16="http://schemas.microsoft.com/office/drawing/2014/main" id="{FEA4EBE3-84BF-4F67-8B6D-AE8B2FFE5826}"/>
+              </a:ext>
+            </a:extLst>
+          </p:cNvPr>
           <p:cNvPicPr>
             <a:picLocks/>
           </p:cNvPicPr>
@@ -14518,21 +14493,13 @@
     </p:spTree>
     <p:extLst>
       <p:ext uri="{BB962C8B-B14F-4D97-AF65-F5344CB8AC3E}">
-        <p14:creationId xmlns:p14="http://schemas.microsoft.com/office/powerpoint/2010/main" val="102992547"/>
+        <p14:creationId xmlns:p14="http://schemas.microsoft.com/office/powerpoint/2010/main" val="1076583126"/>
       </p:ext>
     </p:extLst>
   </p:cSld>
   <p:clrMapOvr>
     <a:masterClrMapping/>
   </p:clrMapOvr>
-  <mc:AlternateContent xmlns:mc="http://schemas.openxmlformats.org/markup-compatibility/2006" xmlns:p14="http://schemas.microsoft.com/office/powerpoint/2010/main">
-    <mc:Choice Requires="p14">
-      <p:transition spd="slow" p14:dur="2000"/>
-    </mc:Choice>
-    <mc:Fallback xmlns="">
-      <p:transition spd="slow"/>
-    </mc:Fallback>
-  </mc:AlternateContent>
   <p:timing>
     <p:tnLst>
       <p:par>
@@ -14570,7 +14537,7 @@
                                           </p:stCondLst>
                                         </p:cTn>
                                         <p:tgtEl>
-                                          <p:spTgt spid="3"/>
+                                          <p:spTgt spid="5"/>
                                         </p:tgtEl>
                                         <p:attrNameLst>
                                           <p:attrName>style.visibility</p:attrName>
@@ -14597,7 +14564,7 @@
                                           </p:stCondLst>
                                         </p:cTn>
                                         <p:tgtEl>
-                                          <p:spTgt spid="3"/>
+                                          <p:spTgt spid="5"/>
                                         </p:tgtEl>
                                         <p:attrNameLst>
                                           <p:attrName>style.visibility</p:attrName>
@@ -14643,7 +14610,7 @@
 
 <file path=ppt/slides/slide22.xml><?xml version="1.0" encoding="utf-8"?>
 <p:sld xmlns:a="http://schemas.openxmlformats.org/drawingml/2006/main" xmlns:r="http://schemas.openxmlformats.org/officeDocument/2006/relationships" xmlns:p="http://schemas.openxmlformats.org/presentationml/2006/main">
-  <p:cSld name="PPTLabsMagnifiedPanSlide201705111428208828">
+  <p:cSld name="PPTLabsMagnifiedPanSlide201904141206017484">
     <p:bg>
       <p:bgPr>
         <a:solidFill>
@@ -14668,14 +14635,26 @@
       </p:grpSpPr>
       <p:pic>
         <p:nvPicPr>
-          <p:cNvPr id="5" name="PPTLabsMagnifyAreaGroup201705111428204704"/>
+          <p:cNvPr id="6" name="PPTLabsMagnifyAreaGroup201904141206010972">
+            <a:extLst>
+              <a:ext uri="{FF2B5EF4-FFF2-40B4-BE49-F238E27FC236}">
+                <a16:creationId xmlns:a16="http://schemas.microsoft.com/office/drawing/2014/main" id="{8E409A64-37F9-47BE-BE9A-EDFB0F55575F}"/>
+              </a:ext>
+            </a:extLst>
+          </p:cNvPr>
           <p:cNvPicPr>
             <a:picLocks/>
           </p:cNvPicPr>
           <p:nvPr/>
         </p:nvPicPr>
         <p:blipFill>
-          <a:blip r:embed="rId2"/>
+          <a:blip r:embed="rId2">
+            <a:extLst>
+              <a:ext uri="{28A0092B-C50C-407E-A947-70E740481C1C}">
+                <a14:useLocalDpi xmlns:a14="http://schemas.microsoft.com/office/drawing/2010/main" val="0"/>
+              </a:ext>
+            </a:extLst>
+          </a:blip>
           <a:srcRect/>
           <a:stretch>
             <a:fillRect/>
@@ -14683,8 +14662,8 @@
         </p:blipFill>
         <p:spPr>
           <a:xfrm>
-            <a:off x="1" y="0"/>
-            <a:ext cx="9143981" cy="6858000"/>
+            <a:off x="0" y="0"/>
+            <a:ext cx="9144001" cy="6857984"/>
           </a:xfrm>
           <a:prstGeom prst="rect">
             <a:avLst/>
@@ -14693,14 +14672,26 @@
       </p:pic>
       <p:pic>
         <p:nvPicPr>
-          <p:cNvPr id="6" name="PPTLabsMagnifyAreaGroup201705111428204704"/>
+          <p:cNvPr id="7" name="PPTLabsMagnifyAreaGroup201904141206010972">
+            <a:extLst>
+              <a:ext uri="{FF2B5EF4-FFF2-40B4-BE49-F238E27FC236}">
+                <a16:creationId xmlns:a16="http://schemas.microsoft.com/office/drawing/2014/main" id="{1A307D71-EFFC-4D94-B128-3B12CF3238FC}"/>
+              </a:ext>
+            </a:extLst>
+          </p:cNvPr>
           <p:cNvPicPr>
             <a:picLocks/>
           </p:cNvPicPr>
           <p:nvPr/>
         </p:nvPicPr>
         <p:blipFill>
-          <a:blip r:embed="rId2"/>
+          <a:blip r:embed="rId2">
+            <a:extLst>
+              <a:ext uri="{28A0092B-C50C-407E-A947-70E740481C1C}">
+                <a14:useLocalDpi xmlns:a14="http://schemas.microsoft.com/office/drawing/2010/main" val="0"/>
+              </a:ext>
+            </a:extLst>
+          </a:blip>
           <a:srcRect/>
           <a:stretch>
             <a:fillRect/>
@@ -14708,8 +14699,8 @@
         </p:blipFill>
         <p:spPr>
           <a:xfrm>
-            <a:off x="-8029764" y="-1452008"/>
-            <a:ext cx="17173764" cy="12880349"/>
+            <a:off x="-8029119" y="-1451933"/>
+            <a:ext cx="17173119" cy="12879811"/>
           </a:xfrm>
           <a:prstGeom prst="rect">
             <a:avLst/>
@@ -14718,7 +14709,13 @@
       </p:pic>
       <p:pic>
         <p:nvPicPr>
-          <p:cNvPr id="2" name="PPTIndicator201705111428209008"/>
+          <p:cNvPr id="3" name="PPTIndicator201904141206017573">
+            <a:extLst>
+              <a:ext uri="{FF2B5EF4-FFF2-40B4-BE49-F238E27FC236}">
+                <a16:creationId xmlns:a16="http://schemas.microsoft.com/office/drawing/2014/main" id="{EEB6E6F3-5AAA-4D2F-B325-11F362F0C7A3}"/>
+              </a:ext>
+            </a:extLst>
+          </p:cNvPr>
           <p:cNvPicPr>
             <a:picLocks/>
           </p:cNvPicPr>
@@ -14749,18 +14746,18 @@
     </p:spTree>
     <p:extLst>
       <p:ext uri="{BB962C8B-B14F-4D97-AF65-F5344CB8AC3E}">
-        <p14:creationId xmlns:p14="http://schemas.microsoft.com/office/powerpoint/2010/main" val="1170809142"/>
+        <p14:creationId xmlns:p14="http://schemas.microsoft.com/office/powerpoint/2010/main" val="3912316661"/>
       </p:ext>
     </p:extLst>
   </p:cSld>
   <p:clrMapOvr>
     <a:masterClrMapping/>
   </p:clrMapOvr>
-  <mc:AlternateContent xmlns:mc="http://schemas.openxmlformats.org/markup-compatibility/2006" xmlns:p14="http://schemas.microsoft.com/office/powerpoint/2010/main">
-    <mc:Choice Requires="p14">
+  <mc:AlternateContent xmlns:mc="http://schemas.openxmlformats.org/markup-compatibility/2006">
+    <mc:Choice xmlns:p14="http://schemas.microsoft.com/office/powerpoint/2010/main" Requires="p14">
       <p:transition spd="slow" p14:dur="2000" advClick="0" advTm="0"/>
     </mc:Choice>
-    <mc:Fallback xmlns="">
+    <mc:Fallback>
       <p:transition spd="slow" advClick="0" advTm="0"/>
     </mc:Fallback>
   </mc:AlternateContent>
@@ -14801,7 +14798,7 @@
                                           </p:stCondLst>
                                         </p:cTn>
                                         <p:tgtEl>
-                                          <p:spTgt spid="2"/>
+                                          <p:spTgt spid="3"/>
                                         </p:tgtEl>
                                         <p:attrNameLst>
                                           <p:attrName>style.visibility</p:attrName>
@@ -14828,7 +14825,7 @@
                                           </p:stCondLst>
                                         </p:cTn>
                                         <p:tgtEl>
-                                          <p:spTgt spid="2"/>
+                                          <p:spTgt spid="3"/>
                                         </p:tgtEl>
                                         <p:attrNameLst>
                                           <p:attrName>style.visibility</p:attrName>
@@ -14847,11 +14844,11 @@
                                     <p:cond delay="0"/>
                                   </p:stCondLst>
                                   <p:childTnLst>
-                                    <p:animMotion origin="layout" path="M 0 0 C -0.219536 0.113675 -0.219536 0.113675 -0.4390719 0.22735 E" pathEditMode="relative" ptsTypes="">
+                                    <p:animMotion origin="layout" path="M 0 0 C -0.2195188 0.1136615 -0.2195188 0.1136615 -0.4390375 0.2273229 E" pathEditMode="relative" ptsTypes="">
                                       <p:cBhvr>
                                         <p:cTn id="10" dur="1" fill="hold"/>
                                         <p:tgtEl>
-                                          <p:spTgt spid="5"/>
+                                          <p:spTgt spid="6"/>
                                         </p:tgtEl>
                                         <p:attrNameLst>
                                           <p:attrName>ppt_x</p:attrName>
@@ -14872,10 +14869,10 @@
                                       <p:cBhvr>
                                         <p:cTn id="12" dur="1" fill="hold"/>
                                         <p:tgtEl>
-                                          <p:spTgt spid="5"/>
-                                        </p:tgtEl>
-                                      </p:cBhvr>
-                                      <p:by x="187815" y="187815"/>
+                                          <p:spTgt spid="6"/>
+                                        </p:tgtEl>
+                                      </p:cBhvr>
+                                      <p:by x="187808" y="187808"/>
                                     </p:animScale>
                                   </p:childTnLst>
                                 </p:cTn>
@@ -14890,7 +14887,7 @@
                                       <p:cBhvr>
                                         <p:cTn id="14" dur="10"/>
                                         <p:tgtEl>
-                                          <p:spTgt spid="6"/>
+                                          <p:spTgt spid="7"/>
                                         </p:tgtEl>
                                       </p:cBhvr>
                                     </p:animEffect>
@@ -14902,7 +14899,7 @@
                                           </p:stCondLst>
                                         </p:cTn>
                                         <p:tgtEl>
-                                          <p:spTgt spid="6"/>
+                                          <p:spTgt spid="7"/>
                                         </p:tgtEl>
                                         <p:attrNameLst>
                                           <p:attrName>style.visibility</p:attrName>
@@ -14930,11 +14927,11 @@
                                     <p:cond delay="0"/>
                                   </p:stCondLst>
                                   <p:childTnLst>
-                                    <p:animMotion origin="layout" path="M -0.4390718 0.22735 C -0.1814083 -0.1447552 -0.1814083 -0.1447552 0.07625526 -0.5168604 E" pathEditMode="relative" ptsTypes="">
+                                    <p:animMotion origin="layout" path="M -0.4390375 0.2273228 C -0.1813931 -0.1447375 -0.1813931 -0.1447375 0.07625118 -0.5167978 E" pathEditMode="relative" ptsTypes="">
                                       <p:cBhvr>
                                         <p:cTn id="18" dur="400" fill="hold"/>
                                         <p:tgtEl>
-                                          <p:spTgt spid="5"/>
+                                          <p:spTgt spid="6"/>
                                         </p:tgtEl>
                                         <p:attrNameLst>
                                           <p:attrName>ppt_x</p:attrName>
@@ -14955,10 +14952,10 @@
                                       <p:cBhvr>
                                         <p:cTn id="20" dur="400" fill="hold"/>
                                         <p:tgtEl>
-                                          <p:spTgt spid="5"/>
-                                        </p:tgtEl>
-                                      </p:cBhvr>
-                                      <p:by x="108283" y="108283"/>
+                                          <p:spTgt spid="6"/>
+                                        </p:tgtEl>
+                                      </p:cBhvr>
+                                      <p:by x="108283" y="108281"/>
                                     </p:animScale>
                                   </p:childTnLst>
                                 </p:cTn>
@@ -14996,7 +14993,7 @@
 
 <file path=ppt/slides/slide23.xml><?xml version="1.0" encoding="utf-8"?>
 <p:sld xmlns:a="http://schemas.openxmlformats.org/drawingml/2006/main" xmlns:r="http://schemas.openxmlformats.org/officeDocument/2006/relationships" xmlns:p="http://schemas.openxmlformats.org/presentationml/2006/main">
-  <p:cSld name="PPTLabsMagnifiedSlide201705111428208527">
+  <p:cSld name="PPTLabsMagnifiedSlide201904141206017314">
     <p:bg>
       <p:bgPr>
         <a:solidFill>
@@ -15021,14 +15018,26 @@
       </p:grpSpPr>
       <p:pic>
         <p:nvPicPr>
-          <p:cNvPr id="5" name="PPTLabsMagnifyAreaGroup201705111428208072"/>
+          <p:cNvPr id="6" name="PPTLabsMagnifyAreaGroup201904141206017085">
+            <a:extLst>
+              <a:ext uri="{FF2B5EF4-FFF2-40B4-BE49-F238E27FC236}">
+                <a16:creationId xmlns:a16="http://schemas.microsoft.com/office/drawing/2014/main" id="{949F1A23-B831-47F5-9B15-9FFF33BF3408}"/>
+              </a:ext>
+            </a:extLst>
+          </p:cNvPr>
           <p:cNvPicPr>
             <a:picLocks noChangeAspect="1"/>
           </p:cNvPicPr>
           <p:nvPr/>
         </p:nvPicPr>
         <p:blipFill>
-          <a:blip r:embed="rId2"/>
+          <a:blip r:embed="rId2">
+            <a:extLst>
+              <a:ext uri="{28A0092B-C50C-407E-A947-70E740481C1C}">
+                <a14:useLocalDpi xmlns:a14="http://schemas.microsoft.com/office/drawing/2010/main" val="0"/>
+              </a:ext>
+            </a:extLst>
+          </a:blip>
           <a:srcRect/>
           <a:stretch>
             <a:fillRect/>
@@ -15036,8 +15045,8 @@
         </p:blipFill>
         <p:spPr>
           <a:xfrm>
-            <a:off x="-4028893" y="-7089260"/>
-            <a:ext cx="18596324" cy="13947264"/>
+            <a:off x="-4028544" y="-7088422"/>
+            <a:ext cx="18595570" cy="13946431"/>
           </a:xfrm>
           <a:prstGeom prst="rect">
             <a:avLst/>
@@ -15046,7 +15055,13 @@
       </p:pic>
       <p:pic>
         <p:nvPicPr>
-          <p:cNvPr id="3" name="PPTIndicator201705111428208798"/>
+          <p:cNvPr id="5" name="PPTIndicator201904141206017434">
+            <a:extLst>
+              <a:ext uri="{FF2B5EF4-FFF2-40B4-BE49-F238E27FC236}">
+                <a16:creationId xmlns:a16="http://schemas.microsoft.com/office/drawing/2014/main" id="{50ABE48D-933A-4758-8A78-35D6EA975DBC}"/>
+              </a:ext>
+            </a:extLst>
+          </p:cNvPr>
           <p:cNvPicPr>
             <a:picLocks/>
           </p:cNvPicPr>
@@ -15077,21 +15092,13 @@
     </p:spTree>
     <p:extLst>
       <p:ext uri="{BB962C8B-B14F-4D97-AF65-F5344CB8AC3E}">
-        <p14:creationId xmlns:p14="http://schemas.microsoft.com/office/powerpoint/2010/main" val="1203944331"/>
+        <p14:creationId xmlns:p14="http://schemas.microsoft.com/office/powerpoint/2010/main" val="2076296826"/>
       </p:ext>
     </p:extLst>
   </p:cSld>
   <p:clrMapOvr>
     <a:masterClrMapping/>
   </p:clrMapOvr>
-  <mc:AlternateContent xmlns:mc="http://schemas.openxmlformats.org/markup-compatibility/2006" xmlns:p14="http://schemas.microsoft.com/office/powerpoint/2010/main">
-    <mc:Choice Requires="p14">
-      <p:transition spd="slow" p14:dur="2000"/>
-    </mc:Choice>
-    <mc:Fallback xmlns="">
-      <p:transition spd="slow"/>
-    </mc:Fallback>
-  </mc:AlternateContent>
   <p:timing>
     <p:tnLst>
       <p:par>
@@ -15129,7 +15136,7 @@
                                           </p:stCondLst>
                                         </p:cTn>
                                         <p:tgtEl>
-                                          <p:spTgt spid="3"/>
+                                          <p:spTgt spid="5"/>
                                         </p:tgtEl>
                                         <p:attrNameLst>
                                           <p:attrName>style.visibility</p:attrName>
@@ -15156,7 +15163,7 @@
                                           </p:stCondLst>
                                         </p:cTn>
                                         <p:tgtEl>
-                                          <p:spTgt spid="3"/>
+                                          <p:spTgt spid="5"/>
                                         </p:tgtEl>
                                         <p:attrNameLst>
                                           <p:attrName>style.visibility</p:attrName>
@@ -15202,7 +15209,7 @@
 
 <file path=ppt/slides/slide24.xml><?xml version="1.0" encoding="utf-8"?>
 <p:sld xmlns:a="http://schemas.openxmlformats.org/drawingml/2006/main" xmlns:r="http://schemas.openxmlformats.org/officeDocument/2006/relationships" xmlns:p="http://schemas.openxmlformats.org/presentationml/2006/main">
-  <p:cSld name="PPTLabsDeMagnifyingSlide201705111428209078">
+  <p:cSld name="PPTLabsDeMagnifyingSlide201904141206017653">
     <p:bg>
       <p:bgPr>
         <a:solidFill>
@@ -15294,23 +15301,34 @@
           <a:lstStyle/>
           <a:p>
             <a:r>
-              <a:rPr lang="en-US" sz="6000" b="1" dirty="0" smtClean="0"/>
+              <a:rPr lang="en-US" sz="6000" b="1" dirty="0"/>
               <a:t>TEXT IN SLIDE</a:t>
             </a:r>
-            <a:endParaRPr lang="en-US" sz="6000" b="1" dirty="0"/>
           </a:p>
         </p:txBody>
       </p:sp>
       <p:pic>
         <p:nvPicPr>
-          <p:cNvPr id="5" name="PPTLabsMagnifyAreaGroup201705111428208072"/>
+          <p:cNvPr id="6" name="PPTLabsMagnifyAreaGroup201904141206017085">
+            <a:extLst>
+              <a:ext uri="{FF2B5EF4-FFF2-40B4-BE49-F238E27FC236}">
+                <a16:creationId xmlns:a16="http://schemas.microsoft.com/office/drawing/2014/main" id="{949F1A23-B831-47F5-9B15-9FFF33BF3408}"/>
+              </a:ext>
+            </a:extLst>
+          </p:cNvPr>
           <p:cNvPicPr>
             <a:picLocks/>
           </p:cNvPicPr>
           <p:nvPr/>
         </p:nvPicPr>
         <p:blipFill>
-          <a:blip r:embed="rId3"/>
+          <a:blip r:embed="rId3">
+            <a:extLst>
+              <a:ext uri="{28A0092B-C50C-407E-A947-70E740481C1C}">
+                <a14:useLocalDpi xmlns:a14="http://schemas.microsoft.com/office/drawing/2010/main" val="0"/>
+              </a:ext>
+            </a:extLst>
+          </a:blip>
           <a:stretch>
             <a:fillRect/>
           </a:stretch>
@@ -15318,7 +15336,7 @@
         <p:spPr>
           <a:xfrm>
             <a:off x="0" y="0"/>
-            <a:ext cx="9144000" cy="6857998"/>
+            <a:ext cx="9144000" cy="6858000"/>
           </a:xfrm>
           <a:prstGeom prst="rect">
             <a:avLst/>
@@ -15327,22 +15345,34 @@
       </p:pic>
       <p:pic>
         <p:nvPicPr>
-          <p:cNvPr id="11" name="PPTLabsMagnifyAreaGroup201705111428208072"/>
+          <p:cNvPr id="12" name="PPTLabsMagnifyAreaGroup201904141206017085">
+            <a:extLst>
+              <a:ext uri="{FF2B5EF4-FFF2-40B4-BE49-F238E27FC236}">
+                <a16:creationId xmlns:a16="http://schemas.microsoft.com/office/drawing/2014/main" id="{0FB0A9F3-C089-4B41-AEE5-6BE85ABB7C48}"/>
+              </a:ext>
+            </a:extLst>
+          </p:cNvPr>
           <p:cNvPicPr>
             <a:picLocks/>
           </p:cNvPicPr>
           <p:nvPr/>
         </p:nvPicPr>
         <p:blipFill>
-          <a:blip r:embed="rId3"/>
+          <a:blip r:embed="rId3">
+            <a:extLst>
+              <a:ext uri="{28A0092B-C50C-407E-A947-70E740481C1C}">
+                <a14:useLocalDpi xmlns:a14="http://schemas.microsoft.com/office/drawing/2010/main" val="0"/>
+              </a:ext>
+            </a:extLst>
+          </a:blip>
           <a:stretch>
             <a:fillRect/>
           </a:stretch>
         </p:blipFill>
         <p:spPr>
           <a:xfrm>
-            <a:off x="-4029560" y="-7090474"/>
-            <a:ext cx="18597967" cy="13948474"/>
+            <a:off x="-4029559" y="-7090474"/>
+            <a:ext cx="18597966" cy="13948474"/>
           </a:xfrm>
           <a:prstGeom prst="rect">
             <a:avLst/>
@@ -15351,7 +15381,13 @@
       </p:pic>
       <p:pic>
         <p:nvPicPr>
-          <p:cNvPr id="3" name="PPTIndicator201705111428209298"/>
+          <p:cNvPr id="5" name="PPTIndicator201904141206017773">
+            <a:extLst>
+              <a:ext uri="{FF2B5EF4-FFF2-40B4-BE49-F238E27FC236}">
+                <a16:creationId xmlns:a16="http://schemas.microsoft.com/office/drawing/2014/main" id="{CF71A1A9-9EB0-4768-B284-D4274F732829}"/>
+              </a:ext>
+            </a:extLst>
+          </p:cNvPr>
           <p:cNvPicPr>
             <a:picLocks/>
           </p:cNvPicPr>
@@ -15382,21 +15418,13 @@
     </p:spTree>
     <p:extLst>
       <p:ext uri="{BB962C8B-B14F-4D97-AF65-F5344CB8AC3E}">
-        <p14:creationId xmlns:p14="http://schemas.microsoft.com/office/powerpoint/2010/main" val="2628252027"/>
+        <p14:creationId xmlns:p14="http://schemas.microsoft.com/office/powerpoint/2010/main" val="594385792"/>
       </p:ext>
     </p:extLst>
   </p:cSld>
   <p:clrMapOvr>
     <a:masterClrMapping/>
   </p:clrMapOvr>
-  <mc:AlternateContent xmlns:mc="http://schemas.openxmlformats.org/markup-compatibility/2006" xmlns:p14="http://schemas.microsoft.com/office/powerpoint/2010/main">
-    <mc:Choice Requires="p14">
-      <p:transition spd="slow" p14:dur="2000"/>
-    </mc:Choice>
-    <mc:Fallback xmlns="">
-      <p:transition spd="slow"/>
-    </mc:Fallback>
-  </mc:AlternateContent>
   <p:timing>
     <p:tnLst>
       <p:par>
@@ -15434,7 +15462,7 @@
                                           </p:stCondLst>
                                         </p:cTn>
                                         <p:tgtEl>
-                                          <p:spTgt spid="3"/>
+                                          <p:spTgt spid="5"/>
                                         </p:tgtEl>
                                         <p:attrNameLst>
                                           <p:attrName>style.visibility</p:attrName>
@@ -15461,7 +15489,7 @@
                                           </p:stCondLst>
                                         </p:cTn>
                                         <p:tgtEl>
-                                          <p:spTgt spid="3"/>
+                                          <p:spTgt spid="5"/>
                                         </p:tgtEl>
                                         <p:attrNameLst>
                                           <p:attrName>style.visibility</p:attrName>
@@ -15480,11 +15508,11 @@
                                     <p:cond delay="0"/>
                                   </p:stCondLst>
                                   <p:childTnLst>
-                                    <p:animMotion origin="layout" path="M 0 0 C 0.03813563 -0.2584745 0.03813563 -0.2584745 0.07627127 -0.5169489 E" pathEditMode="relative" ptsTypes="">
+                                    <p:animMotion origin="layout" path="M 0 0 C 0.03813559 -0.2584746 0.03813559 -0.2584746 0.07627118 -0.5169491 E" pathEditMode="relative" ptsTypes="">
                                       <p:cBhvr>
                                         <p:cTn id="10" dur="1" fill="hold"/>
                                         <p:tgtEl>
-                                          <p:spTgt spid="5"/>
+                                          <p:spTgt spid="6"/>
                                         </p:tgtEl>
                                         <p:attrNameLst>
                                           <p:attrName>ppt_x</p:attrName>
@@ -15505,7 +15533,7 @@
                                       <p:cBhvr>
                                         <p:cTn id="12" dur="1" fill="hold"/>
                                         <p:tgtEl>
-                                          <p:spTgt spid="5"/>
+                                          <p:spTgt spid="6"/>
                                         </p:tgtEl>
                                       </p:cBhvr>
                                       <p:by x="203390" y="203390"/>
@@ -15523,7 +15551,7 @@
                                       <p:cBhvr>
                                         <p:cTn id="14" dur="10"/>
                                         <p:tgtEl>
-                                          <p:spTgt spid="11"/>
+                                          <p:spTgt spid="12"/>
                                         </p:tgtEl>
                                       </p:cBhvr>
                                     </p:animEffect>
@@ -15535,7 +15563,7 @@
                                           </p:stCondLst>
                                         </p:cTn>
                                         <p:tgtEl>
-                                          <p:spTgt spid="11"/>
+                                          <p:spTgt spid="12"/>
                                         </p:tgtEl>
                                         <p:attrNameLst>
                                           <p:attrName>style.visibility</p:attrName>
@@ -15554,11 +15582,11 @@
                                     <p:cond delay="0"/>
                                   </p:stCondLst>
                                   <p:childTnLst>
-                                    <p:animMotion origin="layout" path="M 0.07627127 -0.516949 C 0.03813564 -0.2584744 0.03813564 -0.2584744 -7.450581E-09 1.192093E-07 E" pathEditMode="relative" ptsTypes="">
+                                    <p:animMotion origin="layout" path="M 0.07627118 -0.5169491 C 0.0381356 -0.2584745 0.0381356 -0.2584745 7.450581E-09 0 E" pathEditMode="relative" ptsTypes="">
                                       <p:cBhvr>
                                         <p:cTn id="17" dur="400" fill="hold"/>
                                         <p:tgtEl>
-                                          <p:spTgt spid="5"/>
+                                          <p:spTgt spid="6"/>
                                         </p:tgtEl>
                                         <p:attrNameLst>
                                           <p:attrName>ppt_x</p:attrName>
@@ -15579,7 +15607,7 @@
                                       <p:cBhvr>
                                         <p:cTn id="19" dur="400" fill="hold"/>
                                         <p:tgtEl>
-                                          <p:spTgt spid="5"/>
+                                          <p:spTgt spid="6"/>
                                         </p:tgtEl>
                                       </p:cBhvr>
                                       <p:by x="49167" y="49167"/>
@@ -15660,7 +15688,7 @@
                                       <p:cBhvr>
                                         <p:cTn id="26" dur="10"/>
                                         <p:tgtEl>
-                                          <p:spTgt spid="5"/>
+                                          <p:spTgt spid="6"/>
                                         </p:tgtEl>
                                       </p:cBhvr>
                                     </p:animEffect>
@@ -15672,7 +15700,7 @@
                                           </p:stCondLst>
                                         </p:cTn>
                                         <p:tgtEl>
-                                          <p:spTgt spid="5"/>
+                                          <p:spTgt spid="6"/>
                                         </p:tgtEl>
                                         <p:attrNameLst>
                                           <p:attrName>style.visibility</p:attrName>
@@ -15752,7 +15780,7 @@
           <a:lstStyle/>
           <a:p>
             <a:r>
-              <a:rPr lang="en-US" dirty="0" smtClean="0"/>
+              <a:rPr lang="en-US" dirty="0"/>
               <a:t>Zoom to Area:: Multiple Shapes</a:t>
             </a:r>
             <a:endParaRPr lang="en-SG" dirty="0"/>
@@ -15776,11 +15804,7 @@
           <a:p>
             <a:r>
               <a:rPr lang="en-US" dirty="0"/>
-              <a:t>Select all blue </a:t>
-            </a:r>
-            <a:r>
-              <a:rPr lang="en-US" dirty="0" smtClean="0"/>
-              <a:t>rectangles sequentially.</a:t>
+              <a:t>Select all blue rectangles sequentially.</a:t>
             </a:r>
           </a:p>
           <a:p>
@@ -15792,13 +15816,8 @@
           <a:p>
             <a:r>
               <a:rPr lang="en-SG" dirty="0"/>
-              <a:t>Include Slide Background: </a:t>
+              <a:t>Include Slide Background: True</a:t>
             </a:r>
-            <a:r>
-              <a:rPr lang="en-SG" dirty="0" smtClean="0"/>
-              <a:t>True</a:t>
-            </a:r>
-            <a:endParaRPr lang="en-SG" dirty="0"/>
           </a:p>
           <a:p>
             <a:r>
@@ -15821,13 +15840,6 @@
   <p:clrMapOvr>
     <a:masterClrMapping/>
   </p:clrMapOvr>
-  <p:timing>
-    <p:tnLst>
-      <p:par>
-        <p:cTn id="1" dur="indefinite" restart="never" nodeType="tmRoot"/>
-      </p:par>
-    </p:tnLst>
-  </p:timing>
 </p:sld>
 </file>
 
@@ -16134,7 +16146,7 @@
           <a:lstStyle/>
           <a:p>
             <a:r>
-              <a:rPr lang="en-US" sz="6600" dirty="0" smtClean="0">
+              <a:rPr lang="en-US" sz="6600" dirty="0">
                 <a:solidFill>
                   <a:schemeClr val="accent1"/>
                 </a:solidFill>
@@ -16220,7 +16232,7 @@
           <a:lstStyle/>
           <a:p>
             <a:r>
-              <a:rPr lang="en-US" sz="6600" dirty="0" smtClean="0">
+              <a:rPr lang="en-US" sz="6600" dirty="0">
                 <a:solidFill>
                   <a:schemeClr val="accent1"/>
                 </a:solidFill>
@@ -16258,10 +16270,9 @@
           <a:lstStyle/>
           <a:p>
             <a:r>
-              <a:rPr lang="en-US" sz="6000" b="1" dirty="0" smtClean="0"/>
+              <a:rPr lang="en-US" sz="6000" b="1" dirty="0"/>
               <a:t>TEXT IN SLIDE</a:t>
             </a:r>
-            <a:endParaRPr lang="en-US" sz="6000" b="1" dirty="0"/>
           </a:p>
         </p:txBody>
       </p:sp>
@@ -16677,7 +16688,7 @@
 
 <file path=ppt/slides/slide27.xml><?xml version="1.0" encoding="utf-8"?>
 <p:sld xmlns:a="http://schemas.openxmlformats.org/drawingml/2006/main" xmlns:r="http://schemas.openxmlformats.org/officeDocument/2006/relationships" xmlns:p="http://schemas.openxmlformats.org/presentationml/2006/main">
-  <p:cSld name="PPTLabsZoomToAreaSlide201705111427513434">
+  <p:cSld name="PPTLabsZoomToAreaSlide201904121152572795">
     <p:bg>
       <p:bgPr>
         <a:solidFill>
@@ -16845,7 +16856,7 @@
           <a:lstStyle/>
           <a:p>
             <a:r>
-              <a:rPr lang="en-US" sz="6600" dirty="0" smtClean="0">
+              <a:rPr lang="en-US" sz="6600" dirty="0">
                 <a:solidFill>
                   <a:schemeClr val="accent1"/>
                 </a:solidFill>
@@ -16883,7 +16894,7 @@
           <a:lstStyle/>
           <a:p>
             <a:r>
-              <a:rPr lang="en-US" sz="6600" dirty="0" smtClean="0">
+              <a:rPr lang="en-US" sz="6600" dirty="0">
                 <a:solidFill>
                   <a:schemeClr val="accent1"/>
                 </a:solidFill>
@@ -16921,10 +16932,9 @@
           <a:lstStyle/>
           <a:p>
             <a:r>
-              <a:rPr lang="en-US" sz="6000" b="1" dirty="0" smtClean="0"/>
+              <a:rPr lang="en-US" sz="6000" b="1" dirty="0"/>
               <a:t>TEXT IN SLIDE</a:t>
             </a:r>
-            <a:endParaRPr lang="en-US" sz="6000" b="1" dirty="0"/>
           </a:p>
         </p:txBody>
       </p:sp>
@@ -17010,7 +17020,7 @@
       </p:sp>
       <p:sp>
         <p:nvSpPr>
-          <p:cNvPr id="3" name="PPTLabsMagnifyShape201705111427513514"/>
+          <p:cNvPr id="3" name="PPTLabsMagnifyShape201904121152572835"/>
           <p:cNvSpPr/>
           <p:nvPr/>
         </p:nvSpPr>
@@ -17057,24 +17067,19 @@
           <a:p>
             <a:pPr algn="ctr"/>
             <a:r>
-              <a:rPr lang="en-US" b="1" smtClean="0">
+              <a:rPr lang="en-SG" b="1">
                 <a:solidFill>
                   <a:srgbClr val="FFFFFF"/>
                 </a:solidFill>
               </a:rPr>
               <a:t>Zoom Shape 1</a:t>
             </a:r>
-            <a:endParaRPr lang="en-US" b="1">
-              <a:solidFill>
-                <a:srgbClr val="FFFFFF"/>
-              </a:solidFill>
-            </a:endParaRPr>
           </a:p>
         </p:txBody>
       </p:sp>
       <p:sp>
         <p:nvSpPr>
-          <p:cNvPr id="8" name="PPTLabsMagnifyShape201705111427513674"/>
+          <p:cNvPr id="8" name="PPTLabsMagnifyShape201904121152572964"/>
           <p:cNvSpPr/>
           <p:nvPr/>
         </p:nvSpPr>
@@ -17121,24 +17126,19 @@
           <a:p>
             <a:pPr algn="ctr"/>
             <a:r>
-              <a:rPr lang="en-US" b="1" smtClean="0">
+              <a:rPr lang="en-SG" b="1">
                 <a:solidFill>
                   <a:srgbClr val="FFFFFF"/>
                 </a:solidFill>
               </a:rPr>
               <a:t>Zoom Shape 2</a:t>
             </a:r>
-            <a:endParaRPr lang="en-US" b="1">
-              <a:solidFill>
-                <a:srgbClr val="FFFFFF"/>
-              </a:solidFill>
-            </a:endParaRPr>
           </a:p>
         </p:txBody>
       </p:sp>
       <p:sp>
         <p:nvSpPr>
-          <p:cNvPr id="9" name="PPTLabsMagnifyShape201705111427513724"/>
+          <p:cNvPr id="9" name="PPTLabsMagnifyShape201904121152573004"/>
           <p:cNvSpPr/>
           <p:nvPr/>
         </p:nvSpPr>
@@ -17185,24 +17185,19 @@
           <a:p>
             <a:pPr algn="ctr"/>
             <a:r>
-              <a:rPr lang="en-US" b="1" smtClean="0">
+              <a:rPr lang="en-SG" b="1">
                 <a:solidFill>
                   <a:srgbClr val="FFFFFF"/>
                 </a:solidFill>
               </a:rPr>
               <a:t>Zoom Shape 3</a:t>
             </a:r>
-            <a:endParaRPr lang="en-US" b="1">
-              <a:solidFill>
-                <a:srgbClr val="FFFFFF"/>
-              </a:solidFill>
-            </a:endParaRPr>
           </a:p>
         </p:txBody>
       </p:sp>
       <p:sp>
         <p:nvSpPr>
-          <p:cNvPr id="10" name="PPTLabsMagnifyShape201705111427513784"/>
+          <p:cNvPr id="10" name="PPTLabsMagnifyShape201904121152573044"/>
           <p:cNvSpPr/>
           <p:nvPr/>
         </p:nvSpPr>
@@ -17249,25 +17244,20 @@
           <a:p>
             <a:pPr algn="ctr"/>
             <a:r>
-              <a:rPr lang="en-US" b="1" smtClean="0">
+              <a:rPr lang="en-SG" b="1">
                 <a:solidFill>
                   <a:srgbClr val="FFFFFF"/>
                 </a:solidFill>
               </a:rPr>
               <a:t>Zoom Shape 4</a:t>
             </a:r>
-            <a:endParaRPr lang="en-US" b="1">
-              <a:solidFill>
-                <a:srgbClr val="FFFFFF"/>
-              </a:solidFill>
-            </a:endParaRPr>
           </a:p>
         </p:txBody>
       </p:sp>
     </p:spTree>
     <p:extLst>
       <p:ext uri="{BB962C8B-B14F-4D97-AF65-F5344CB8AC3E}">
-        <p14:creationId xmlns:p14="http://schemas.microsoft.com/office/powerpoint/2010/main" val="3915566693"/>
+        <p14:creationId xmlns:p14="http://schemas.microsoft.com/office/powerpoint/2010/main" val="3228635756"/>
       </p:ext>
     </p:extLst>
   </p:cSld>
@@ -17691,7 +17681,7 @@
 
 <file path=ppt/slides/slide28.xml><?xml version="1.0" encoding="utf-8"?>
 <p:sld xmlns:a="http://schemas.openxmlformats.org/drawingml/2006/main" xmlns:r="http://schemas.openxmlformats.org/officeDocument/2006/relationships" xmlns:p="http://schemas.openxmlformats.org/presentationml/2006/main">
-  <p:cSld name="PPTLabsMagnifyingSlide201705111427514103">
+  <p:cSld name="PPTLabsMagnifyingSlide201904121152573167">
     <p:bg>
       <p:bgPr>
         <a:solidFill>
@@ -17716,7 +17706,7 @@
       </p:grpSpPr>
       <p:pic>
         <p:nvPicPr>
-          <p:cNvPr id="34" name="Picture 3" descr="File:AmineTreating.png"/>
+          <p:cNvPr id="33" name="Picture 3" descr="File:AmineTreating.png"/>
           <p:cNvPicPr>
             <a:picLocks noChangeAspect="1" noChangeArrowheads="1"/>
           </p:cNvPicPr>
@@ -17762,7 +17752,7 @@
       </p:pic>
       <p:sp>
         <p:nvSpPr>
-          <p:cNvPr id="35" name="TextBox 1"/>
+          <p:cNvPr id="34" name="TextBox 1"/>
           <p:cNvSpPr txBox="1"/>
           <p:nvPr/>
         </p:nvSpPr>
@@ -17783,23 +17773,28 @@
           <a:lstStyle/>
           <a:p>
             <a:r>
-              <a:rPr lang="en-US" sz="6000" b="1" dirty="0" smtClean="0"/>
+              <a:rPr lang="en-US" sz="6000" b="1" dirty="0"/>
               <a:t>TEXT IN SLIDE</a:t>
             </a:r>
-            <a:endParaRPr lang="en-US" sz="6000" b="1" dirty="0"/>
           </a:p>
         </p:txBody>
       </p:sp>
       <p:pic>
         <p:nvPicPr>
-          <p:cNvPr id="36" name="PPTLabsMagnifyAreaGroup201705111427528056"/>
+          <p:cNvPr id="35" name="PPTLabsMagnifyAreaGroup201904121152597793"/>
           <p:cNvPicPr>
             <a:picLocks/>
           </p:cNvPicPr>
           <p:nvPr/>
         </p:nvPicPr>
         <p:blipFill>
-          <a:blip r:embed="rId3"/>
+          <a:blip r:embed="rId3">
+            <a:extLst>
+              <a:ext uri="{28A0092B-C50C-407E-A947-70E740481C1C}">
+                <a14:useLocalDpi xmlns:a14="http://schemas.microsoft.com/office/drawing/2010/main" val="0"/>
+              </a:ext>
+            </a:extLst>
+          </a:blip>
           <a:stretch>
             <a:fillRect/>
           </a:stretch>
@@ -17807,7 +17802,7 @@
         <p:spPr>
           <a:xfrm>
             <a:off x="0" y="0"/>
-            <a:ext cx="9144000" cy="6857998"/>
+            <a:ext cx="9144000" cy="6858000"/>
           </a:xfrm>
           <a:prstGeom prst="rect">
             <a:avLst/>
@@ -17816,22 +17811,28 @@
       </p:pic>
       <p:pic>
         <p:nvPicPr>
-          <p:cNvPr id="37" name="PPTLabsMagnifyAreaGroup201705111427528056"/>
+          <p:cNvPr id="36" name="PPTLabsMagnifyAreaGroup201904121152597793"/>
           <p:cNvPicPr>
             <a:picLocks/>
           </p:cNvPicPr>
           <p:nvPr/>
         </p:nvPicPr>
         <p:blipFill>
-          <a:blip r:embed="rId3"/>
+          <a:blip r:embed="rId3">
+            <a:extLst>
+              <a:ext uri="{28A0092B-C50C-407E-A947-70E740481C1C}">
+                <a14:useLocalDpi xmlns:a14="http://schemas.microsoft.com/office/drawing/2010/main" val="0"/>
+              </a:ext>
+            </a:extLst>
+          </a:blip>
           <a:stretch>
             <a:fillRect/>
           </a:stretch>
         </p:blipFill>
         <p:spPr>
           <a:xfrm>
-            <a:off x="-4029560" y="-7090474"/>
-            <a:ext cx="18597967" cy="13948474"/>
+            <a:off x="-4029559" y="-7090474"/>
+            <a:ext cx="18597966" cy="13948474"/>
           </a:xfrm>
           <a:prstGeom prst="rect">
             <a:avLst/>
@@ -17840,14 +17841,20 @@
       </p:pic>
       <p:pic>
         <p:nvPicPr>
-          <p:cNvPr id="33" name="PPTLabsMagnifyAreaGroup201705111427528056"/>
+          <p:cNvPr id="32" name="PPTLabsMagnifyAreaGroup201904121152597793"/>
           <p:cNvPicPr>
             <a:picLocks noChangeAspect="1"/>
           </p:cNvPicPr>
           <p:nvPr/>
         </p:nvPicPr>
         <p:blipFill>
-          <a:blip r:embed="rId3"/>
+          <a:blip r:embed="rId3">
+            <a:extLst>
+              <a:ext uri="{28A0092B-C50C-407E-A947-70E740481C1C}">
+                <a14:useLocalDpi xmlns:a14="http://schemas.microsoft.com/office/drawing/2010/main" val="0"/>
+              </a:ext>
+            </a:extLst>
+          </a:blip>
           <a:srcRect/>
           <a:stretch>
             <a:fillRect/>
@@ -17855,8 +17862,8 @@
         </p:blipFill>
         <p:spPr>
           <a:xfrm>
-            <a:off x="-4028893" y="-7089260"/>
-            <a:ext cx="18596324" cy="13947264"/>
+            <a:off x="-4028544" y="-7088422"/>
+            <a:ext cx="18595570" cy="13946431"/>
           </a:xfrm>
           <a:prstGeom prst="rect">
             <a:avLst/>
@@ -17865,14 +17872,206 @@
       </p:pic>
       <p:pic>
         <p:nvPicPr>
-          <p:cNvPr id="31" name="PPTLabsMagnifyAreaGroup201705111427524473"/>
+          <p:cNvPr id="30" name="PPTLabsMagnifyAreaGroup201904121152591789"/>
           <p:cNvPicPr>
             <a:picLocks/>
           </p:cNvPicPr>
           <p:nvPr/>
         </p:nvPicPr>
         <p:blipFill>
-          <a:blip r:embed="rId3"/>
+          <a:blip r:embed="rId3">
+            <a:extLst>
+              <a:ext uri="{28A0092B-C50C-407E-A947-70E740481C1C}">
+                <a14:useLocalDpi xmlns:a14="http://schemas.microsoft.com/office/drawing/2010/main" val="0"/>
+              </a:ext>
+            </a:extLst>
+          </a:blip>
+          <a:srcRect/>
+          <a:stretch>
+            <a:fillRect/>
+          </a:stretch>
+        </p:blipFill>
+        <p:spPr>
+          <a:xfrm>
+            <a:off x="0" y="0"/>
+            <a:ext cx="9144001" cy="6857984"/>
+          </a:xfrm>
+          <a:prstGeom prst="rect">
+            <a:avLst/>
+          </a:prstGeom>
+        </p:spPr>
+      </p:pic>
+      <p:pic>
+        <p:nvPicPr>
+          <p:cNvPr id="31" name="PPTLabsMagnifyAreaGroup201904121152591789"/>
+          <p:cNvPicPr>
+            <a:picLocks/>
+          </p:cNvPicPr>
+          <p:nvPr/>
+        </p:nvPicPr>
+        <p:blipFill>
+          <a:blip r:embed="rId3">
+            <a:extLst>
+              <a:ext uri="{28A0092B-C50C-407E-A947-70E740481C1C}">
+                <a14:useLocalDpi xmlns:a14="http://schemas.microsoft.com/office/drawing/2010/main" val="0"/>
+              </a:ext>
+            </a:extLst>
+          </a:blip>
+          <a:srcRect/>
+          <a:stretch>
+            <a:fillRect/>
+          </a:stretch>
+        </p:blipFill>
+        <p:spPr>
+          <a:xfrm>
+            <a:off x="-8029119" y="-1451933"/>
+            <a:ext cx="17173119" cy="12879811"/>
+          </a:xfrm>
+          <a:prstGeom prst="rect">
+            <a:avLst/>
+          </a:prstGeom>
+        </p:spPr>
+      </p:pic>
+      <p:pic>
+        <p:nvPicPr>
+          <p:cNvPr id="29" name="PPTLabsMagnifyAreaGroup201904121152591789"/>
+          <p:cNvPicPr>
+            <a:picLocks noChangeAspect="1"/>
+          </p:cNvPicPr>
+          <p:nvPr/>
+        </p:nvPicPr>
+        <p:blipFill>
+          <a:blip r:embed="rId3">
+            <a:extLst>
+              <a:ext uri="{28A0092B-C50C-407E-A947-70E740481C1C}">
+                <a14:useLocalDpi xmlns:a14="http://schemas.microsoft.com/office/drawing/2010/main" val="0"/>
+              </a:ext>
+            </a:extLst>
+          </a:blip>
+          <a:srcRect/>
+          <a:stretch>
+            <a:fillRect/>
+          </a:stretch>
+        </p:blipFill>
+        <p:spPr>
+          <a:xfrm>
+            <a:off x="-8029119" y="-1451933"/>
+            <a:ext cx="17173119" cy="12879811"/>
+          </a:xfrm>
+          <a:prstGeom prst="rect">
+            <a:avLst/>
+          </a:prstGeom>
+        </p:spPr>
+      </p:pic>
+      <p:pic>
+        <p:nvPicPr>
+          <p:cNvPr id="27" name="PPTLabsMagnifyAreaGroup201904121152584878"/>
+          <p:cNvPicPr>
+            <a:picLocks/>
+          </p:cNvPicPr>
+          <p:nvPr/>
+        </p:nvPicPr>
+        <p:blipFill>
+          <a:blip r:embed="rId3">
+            <a:extLst>
+              <a:ext uri="{28A0092B-C50C-407E-A947-70E740481C1C}">
+                <a14:useLocalDpi xmlns:a14="http://schemas.microsoft.com/office/drawing/2010/main" val="0"/>
+              </a:ext>
+            </a:extLst>
+          </a:blip>
+          <a:srcRect/>
+          <a:stretch>
+            <a:fillRect/>
+          </a:stretch>
+        </p:blipFill>
+        <p:spPr>
+          <a:xfrm>
+            <a:off x="0" y="1"/>
+            <a:ext cx="9144000" cy="6857747"/>
+          </a:xfrm>
+          <a:prstGeom prst="rect">
+            <a:avLst/>
+          </a:prstGeom>
+        </p:spPr>
+      </p:pic>
+      <p:pic>
+        <p:nvPicPr>
+          <p:cNvPr id="28" name="PPTLabsMagnifyAreaGroup201904121152584878"/>
+          <p:cNvPicPr>
+            <a:picLocks/>
+          </p:cNvPicPr>
+          <p:nvPr/>
+        </p:nvPicPr>
+        <p:blipFill>
+          <a:blip r:embed="rId3">
+            <a:extLst>
+              <a:ext uri="{28A0092B-C50C-407E-A947-70E740481C1C}">
+                <a14:useLocalDpi xmlns:a14="http://schemas.microsoft.com/office/drawing/2010/main" val="0"/>
+              </a:ext>
+            </a:extLst>
+          </a:blip>
+          <a:srcRect/>
+          <a:stretch>
+            <a:fillRect/>
+          </a:stretch>
+        </p:blipFill>
+        <p:spPr>
+          <a:xfrm>
+            <a:off x="-15535222" y="-4759577"/>
+            <a:ext cx="48345137" cy="36257512"/>
+          </a:xfrm>
+          <a:prstGeom prst="rect">
+            <a:avLst/>
+          </a:prstGeom>
+        </p:spPr>
+      </p:pic>
+      <p:pic>
+        <p:nvPicPr>
+          <p:cNvPr id="26" name="PPTLabsMagnifyAreaGroup201904121152584878"/>
+          <p:cNvPicPr>
+            <a:picLocks noChangeAspect="1"/>
+          </p:cNvPicPr>
+          <p:nvPr/>
+        </p:nvPicPr>
+        <p:blipFill>
+          <a:blip r:embed="rId3">
+            <a:extLst>
+              <a:ext uri="{28A0092B-C50C-407E-A947-70E740481C1C}">
+                <a14:useLocalDpi xmlns:a14="http://schemas.microsoft.com/office/drawing/2010/main" val="0"/>
+              </a:ext>
+            </a:extLst>
+          </a:blip>
+          <a:srcRect/>
+          <a:stretch>
+            <a:fillRect/>
+          </a:stretch>
+        </p:blipFill>
+        <p:spPr>
+          <a:xfrm>
+            <a:off x="-15535222" y="-4759577"/>
+            <a:ext cx="48345137" cy="36257512"/>
+          </a:xfrm>
+          <a:prstGeom prst="rect">
+            <a:avLst/>
+          </a:prstGeom>
+        </p:spPr>
+      </p:pic>
+      <p:pic>
+        <p:nvPicPr>
+          <p:cNvPr id="24" name="PPTLabsMagnifyAreaGroup201904121152579320"/>
+          <p:cNvPicPr>
+            <a:picLocks/>
+          </p:cNvPicPr>
+          <p:nvPr/>
+        </p:nvPicPr>
+        <p:blipFill>
+          <a:blip r:embed="rId3">
+            <a:extLst>
+              <a:ext uri="{28A0092B-C50C-407E-A947-70E740481C1C}">
+                <a14:useLocalDpi xmlns:a14="http://schemas.microsoft.com/office/drawing/2010/main" val="0"/>
+              </a:ext>
+            </a:extLst>
+          </a:blip>
           <a:srcRect/>
           <a:stretch>
             <a:fillRect/>
@@ -17881,7 +18080,7 @@
         <p:spPr>
           <a:xfrm>
             <a:off x="1" y="0"/>
-            <a:ext cx="9143981" cy="6858000"/>
+            <a:ext cx="9143991" cy="6858000"/>
           </a:xfrm>
           <a:prstGeom prst="rect">
             <a:avLst/>
@@ -17890,14 +18089,20 @@
       </p:pic>
       <p:pic>
         <p:nvPicPr>
-          <p:cNvPr id="32" name="PPTLabsMagnifyAreaGroup201705111427524473"/>
+          <p:cNvPr id="25" name="PPTLabsMagnifyAreaGroup201904121152579320"/>
           <p:cNvPicPr>
             <a:picLocks/>
           </p:cNvPicPr>
           <p:nvPr/>
         </p:nvPicPr>
         <p:blipFill>
-          <a:blip r:embed="rId3"/>
+          <a:blip r:embed="rId3">
+            <a:extLst>
+              <a:ext uri="{28A0092B-C50C-407E-A947-70E740481C1C}">
+                <a14:useLocalDpi xmlns:a14="http://schemas.microsoft.com/office/drawing/2010/main" val="0"/>
+              </a:ext>
+            </a:extLst>
+          </a:blip>
           <a:srcRect/>
           <a:stretch>
             <a:fillRect/>
@@ -17905,8 +18110,8 @@
         </p:blipFill>
         <p:spPr>
           <a:xfrm>
-            <a:off x="-8029764" y="-1452008"/>
-            <a:ext cx="17173764" cy="12880349"/>
+            <a:off x="-2354311" y="-1254200"/>
+            <a:ext cx="21549770" cy="16162343"/>
           </a:xfrm>
           <a:prstGeom prst="rect">
             <a:avLst/>
@@ -17915,14 +18120,20 @@
       </p:pic>
       <p:pic>
         <p:nvPicPr>
-          <p:cNvPr id="30" name="PPTLabsMagnifyAreaGroup201705111427524473"/>
+          <p:cNvPr id="23" name="PPTLabsMagnifyAreaGroup201904121152579320"/>
           <p:cNvPicPr>
             <a:picLocks noChangeAspect="1"/>
           </p:cNvPicPr>
           <p:nvPr/>
         </p:nvPicPr>
         <p:blipFill>
-          <a:blip r:embed="rId3"/>
+          <a:blip r:embed="rId3">
+            <a:extLst>
+              <a:ext uri="{28A0092B-C50C-407E-A947-70E740481C1C}">
+                <a14:useLocalDpi xmlns:a14="http://schemas.microsoft.com/office/drawing/2010/main" val="0"/>
+              </a:ext>
+            </a:extLst>
+          </a:blip>
           <a:srcRect/>
           <a:stretch>
             <a:fillRect/>
@@ -17930,158 +18141,8 @@
         </p:blipFill>
         <p:spPr>
           <a:xfrm>
-            <a:off x="-8029764" y="-1452008"/>
-            <a:ext cx="17173764" cy="12880349"/>
-          </a:xfrm>
-          <a:prstGeom prst="rect">
-            <a:avLst/>
-          </a:prstGeom>
-        </p:spPr>
-      </p:pic>
-      <p:pic>
-        <p:nvPicPr>
-          <p:cNvPr id="28" name="PPTLabsMagnifyAreaGroup201705111427520659"/>
-          <p:cNvPicPr>
-            <a:picLocks/>
-          </p:cNvPicPr>
-          <p:nvPr/>
-        </p:nvPicPr>
-        <p:blipFill>
-          <a:blip r:embed="rId3"/>
-          <a:srcRect/>
-          <a:stretch>
-            <a:fillRect/>
-          </a:stretch>
-        </p:blipFill>
-        <p:spPr>
-          <a:xfrm>
-            <a:off x="0" y="0"/>
-            <a:ext cx="9143869" cy="6858000"/>
-          </a:xfrm>
-          <a:prstGeom prst="rect">
-            <a:avLst/>
-          </a:prstGeom>
-        </p:spPr>
-      </p:pic>
-      <p:pic>
-        <p:nvPicPr>
-          <p:cNvPr id="29" name="PPTLabsMagnifyAreaGroup201705111427520659"/>
-          <p:cNvPicPr>
-            <a:picLocks/>
-          </p:cNvPicPr>
-          <p:nvPr/>
-        </p:nvPicPr>
-        <p:blipFill>
-          <a:blip r:embed="rId3"/>
-          <a:srcRect/>
-          <a:stretch>
-            <a:fillRect/>
-          </a:stretch>
-        </p:blipFill>
-        <p:spPr>
-          <a:xfrm>
-            <a:off x="-15539486" y="-4761187"/>
-            <a:ext cx="48355375" cy="36267051"/>
-          </a:xfrm>
-          <a:prstGeom prst="rect">
-            <a:avLst/>
-          </a:prstGeom>
-        </p:spPr>
-      </p:pic>
-      <p:pic>
-        <p:nvPicPr>
-          <p:cNvPr id="27" name="PPTLabsMagnifyAreaGroup201705111427520659"/>
-          <p:cNvPicPr>
-            <a:picLocks noChangeAspect="1"/>
-          </p:cNvPicPr>
-          <p:nvPr/>
-        </p:nvPicPr>
-        <p:blipFill>
-          <a:blip r:embed="rId3"/>
-          <a:srcRect/>
-          <a:stretch>
-            <a:fillRect/>
-          </a:stretch>
-        </p:blipFill>
-        <p:spPr>
-          <a:xfrm>
-            <a:off x="-15539486" y="-4761187"/>
-            <a:ext cx="48355375" cy="36267051"/>
-          </a:xfrm>
-          <a:prstGeom prst="rect">
-            <a:avLst/>
-          </a:prstGeom>
-        </p:spPr>
-      </p:pic>
-      <p:pic>
-        <p:nvPicPr>
-          <p:cNvPr id="25" name="PPTLabsMagnifyAreaGroup201705111427516985"/>
-          <p:cNvPicPr>
-            <a:picLocks/>
-          </p:cNvPicPr>
-          <p:nvPr/>
-        </p:nvPicPr>
-        <p:blipFill>
-          <a:blip r:embed="rId3"/>
-          <a:srcRect/>
-          <a:stretch>
-            <a:fillRect/>
-          </a:stretch>
-        </p:blipFill>
-        <p:spPr>
-          <a:xfrm>
-            <a:off x="0" y="0"/>
-            <a:ext cx="9144000" cy="6857993"/>
-          </a:xfrm>
-          <a:prstGeom prst="rect">
-            <a:avLst/>
-          </a:prstGeom>
-        </p:spPr>
-      </p:pic>
-      <p:pic>
-        <p:nvPicPr>
-          <p:cNvPr id="26" name="PPTLabsMagnifyAreaGroup201705111427516985"/>
-          <p:cNvPicPr>
-            <a:picLocks/>
-          </p:cNvPicPr>
-          <p:nvPr/>
-        </p:nvPicPr>
-        <p:blipFill>
-          <a:blip r:embed="rId3"/>
-          <a:srcRect/>
-          <a:stretch>
-            <a:fillRect/>
-          </a:stretch>
-        </p:blipFill>
-        <p:spPr>
-          <a:xfrm>
-            <a:off x="-2354749" y="-1254471"/>
-            <a:ext cx="21551802" cy="16163835"/>
-          </a:xfrm>
-          <a:prstGeom prst="rect">
-            <a:avLst/>
-          </a:prstGeom>
-        </p:spPr>
-      </p:pic>
-      <p:pic>
-        <p:nvPicPr>
-          <p:cNvPr id="24" name="PPTLabsMagnifyAreaGroup201705111427516985"/>
-          <p:cNvPicPr>
-            <a:picLocks noChangeAspect="1"/>
-          </p:cNvPicPr>
-          <p:nvPr/>
-        </p:nvPicPr>
-        <p:blipFill>
-          <a:blip r:embed="rId3"/>
-          <a:srcRect/>
-          <a:stretch>
-            <a:fillRect/>
-          </a:stretch>
-        </p:blipFill>
-        <p:spPr>
-          <a:xfrm>
-            <a:off x="-2354749" y="-1254471"/>
-            <a:ext cx="21551802" cy="16163835"/>
+            <a:off x="-2354311" y="-1254200"/>
+            <a:ext cx="21549770" cy="16162343"/>
           </a:xfrm>
           <a:prstGeom prst="rect">
             <a:avLst/>
@@ -18157,23 +18218,28 @@
           <a:lstStyle/>
           <a:p>
             <a:r>
-              <a:rPr lang="en-US" sz="6000" b="1" dirty="0" smtClean="0"/>
+              <a:rPr lang="en-US" sz="6000" b="1" dirty="0"/>
               <a:t>TEXT IN SLIDE</a:t>
             </a:r>
-            <a:endParaRPr lang="en-US" sz="6000" b="1" dirty="0"/>
           </a:p>
         </p:txBody>
       </p:sp>
       <p:pic>
         <p:nvPicPr>
-          <p:cNvPr id="5" name="PPTLabsMagnifyAreaGroup201705111427516985" hidden="1"/>
+          <p:cNvPr id="5" name="PPTLabsMagnifyAreaGroup201904121152579320" hidden="1"/>
           <p:cNvPicPr>
             <a:picLocks/>
           </p:cNvPicPr>
           <p:nvPr/>
         </p:nvPicPr>
         <p:blipFill>
-          <a:blip r:embed="rId3"/>
+          <a:blip r:embed="rId3">
+            <a:extLst>
+              <a:ext uri="{28A0092B-C50C-407E-A947-70E740481C1C}">
+                <a14:useLocalDpi xmlns:a14="http://schemas.microsoft.com/office/drawing/2010/main" val="0"/>
+              </a:ext>
+            </a:extLst>
+          </a:blip>
           <a:stretch>
             <a:fillRect/>
           </a:stretch>
@@ -18190,14 +18256,20 @@
       </p:pic>
       <p:pic>
         <p:nvPicPr>
-          <p:cNvPr id="22" name="PPTLabsMagnifyAreaSlide201705111427517574"/>
+          <p:cNvPr id="22" name="PPTLabsMagnifyAreaSlide201904121152579702"/>
           <p:cNvPicPr>
             <a:picLocks/>
           </p:cNvPicPr>
           <p:nvPr/>
         </p:nvPicPr>
         <p:blipFill>
-          <a:blip r:embed="rId3"/>
+          <a:blip r:embed="rId3">
+            <a:extLst>
+              <a:ext uri="{28A0092B-C50C-407E-A947-70E740481C1C}">
+                <a14:useLocalDpi xmlns:a14="http://schemas.microsoft.com/office/drawing/2010/main" val="0"/>
+              </a:ext>
+            </a:extLst>
+          </a:blip>
           <a:stretch>
             <a:fillRect/>
           </a:stretch>
@@ -18214,7 +18286,7 @@
       </p:pic>
       <p:pic>
         <p:nvPicPr>
-          <p:cNvPr id="6" name="PPTIndicator201705111427517484"/>
+          <p:cNvPr id="6" name="PPTIndicator201904121152579652"/>
           <p:cNvPicPr>
             <a:picLocks/>
           </p:cNvPicPr>
@@ -18245,21 +18317,13 @@
     </p:spTree>
     <p:extLst>
       <p:ext uri="{BB962C8B-B14F-4D97-AF65-F5344CB8AC3E}">
-        <p14:creationId xmlns:p14="http://schemas.microsoft.com/office/powerpoint/2010/main" val="1699140480"/>
+        <p14:creationId xmlns:p14="http://schemas.microsoft.com/office/powerpoint/2010/main" val="3764173744"/>
       </p:ext>
     </p:extLst>
   </p:cSld>
   <p:clrMapOvr>
     <a:masterClrMapping/>
   </p:clrMapOvr>
-  <mc:AlternateContent xmlns:mc="http://schemas.openxmlformats.org/markup-compatibility/2006" xmlns:p14="http://schemas.microsoft.com/office/powerpoint/2010/main">
-    <mc:Choice Requires="p14">
-      <p:transition spd="slow" p14:dur="2000"/>
-    </mc:Choice>
-    <mc:Fallback xmlns="">
-      <p:transition spd="slow"/>
-    </mc:Fallback>
-  </mc:AlternateContent>
   <p:timing>
     <p:tnLst>
       <p:par>
@@ -18352,7 +18416,7 @@
                                     <p:cond delay="0"/>
                                   </p:stCondLst>
                                   <p:childTnLst>
-                                    <p:animMotion origin="layout" path="M 0 0 C 0.2105131 0.2478195 0.2105131 0.2478195 0.4210261 0.495639 E" pathEditMode="relative" ptsTypes="">
+                                    <p:animMotion origin="layout" path="M 0 0 C 0.2105131 0.2478196 0.2105131 0.2478196 0.4210261 0.4956393 E" pathEditMode="relative" ptsTypes="">
                                       <p:cBhvr>
                                         <p:cTn id="11" dur="500" fill="hold"/>
                                         <p:tgtEl>
@@ -18489,7 +18553,7 @@
                                           </p:stCondLst>
                                         </p:cTn>
                                         <p:tgtEl>
-                                          <p:spTgt spid="24"/>
+                                          <p:spTgt spid="23"/>
                                         </p:tgtEl>
                                         <p:attrNameLst>
                                           <p:attrName>style.visibility</p:attrName>
@@ -18561,7 +18625,7 @@
                                           </p:stCondLst>
                                         </p:cTn>
                                         <p:tgtEl>
-                                          <p:spTgt spid="24"/>
+                                          <p:spTgt spid="23"/>
                                         </p:tgtEl>
                                         <p:attrNameLst>
                                           <p:attrName>style.visibility</p:attrName>
@@ -18588,7 +18652,7 @@
                                           </p:stCondLst>
                                         </p:cTn>
                                         <p:tgtEl>
-                                          <p:spTgt spid="26"/>
+                                          <p:spTgt spid="25"/>
                                         </p:tgtEl>
                                         <p:attrNameLst>
                                           <p:attrName>style.visibility</p:attrName>
@@ -18615,7 +18679,7 @@
                                           </p:stCondLst>
                                         </p:cTn>
                                         <p:tgtEl>
-                                          <p:spTgt spid="25"/>
+                                          <p:spTgt spid="24"/>
                                         </p:tgtEl>
                                         <p:attrNameLst>
                                           <p:attrName>style.visibility</p:attrName>
@@ -18634,11 +18698,11 @@
                                     <p:cond delay="0"/>
                                   </p:stCondLst>
                                   <p:childTnLst>
-                                    <p:animMotion origin="layout" path="M 0 0 C 0.2104742 0.2477727 0.2104742 0.2477727 0.4209484 0.4955453 E" pathEditMode="relative" ptsTypes="">
+                                    <p:animMotion origin="layout" path="M 0 0 C 0.2104428 0.2477378 0.2104428 0.2477378 0.4208856 0.4954756 E" pathEditMode="relative" ptsTypes="">
                                       <p:cBhvr>
                                         <p:cTn id="34" dur="1" fill="hold"/>
                                         <p:tgtEl>
-                                          <p:spTgt spid="25"/>
+                                          <p:spTgt spid="24"/>
                                         </p:tgtEl>
                                         <p:attrNameLst>
                                           <p:attrName>ppt_x</p:attrName>
@@ -18659,10 +18723,10 @@
                                       <p:cBhvr>
                                         <p:cTn id="36" dur="1" fill="hold"/>
                                         <p:tgtEl>
-                                          <p:spTgt spid="25"/>
-                                        </p:tgtEl>
-                                      </p:cBhvr>
-                                      <p:by x="235693" y="235693"/>
+                                          <p:spTgt spid="24"/>
+                                        </p:tgtEl>
+                                      </p:cBhvr>
+                                      <p:by x="235671" y="235671"/>
                                     </p:animScale>
                                   </p:childTnLst>
                                 </p:cTn>
@@ -18677,7 +18741,7 @@
                                       <p:cBhvr>
                                         <p:cTn id="38" dur="10"/>
                                         <p:tgtEl>
-                                          <p:spTgt spid="26"/>
+                                          <p:spTgt spid="25"/>
                                         </p:tgtEl>
                                       </p:cBhvr>
                                     </p:animEffect>
@@ -18689,7 +18753,7 @@
                                           </p:stCondLst>
                                         </p:cTn>
                                         <p:tgtEl>
-                                          <p:spTgt spid="26"/>
+                                          <p:spTgt spid="25"/>
                                         </p:tgtEl>
                                         <p:attrNameLst>
                                           <p:attrName>style.visibility</p:attrName>
@@ -18717,11 +18781,11 @@
                                     <p:cond delay="0"/>
                                   </p:stCondLst>
                                   <p:childTnLst>
-                                    <p:animMotion origin="layout" path="M 0.4209484 0.4955453 C 0.4328169 0.9727173 0.4328169 0.9727173 0.4446853 1.449889 E" pathEditMode="relative" ptsTypes="">
+                                    <p:animMotion origin="layout" path="M 0.4208857 0.4954756 C 0.4327389 0.9724518 0.4327389 0.9724518 0.4445921 1.449428 E" pathEditMode="relative" ptsTypes="">
                                       <p:cBhvr>
                                         <p:cTn id="42" dur="400" fill="hold"/>
                                         <p:tgtEl>
-                                          <p:spTgt spid="25"/>
+                                          <p:spTgt spid="24"/>
                                         </p:tgtEl>
                                         <p:attrNameLst>
                                           <p:attrName>ppt_x</p:attrName>
@@ -18742,10 +18806,10 @@
                                       <p:cBhvr>
                                         <p:cTn id="44" dur="400" fill="hold"/>
                                         <p:tgtEl>
-                                          <p:spTgt spid="25"/>
-                                        </p:tgtEl>
-                                      </p:cBhvr>
-                                      <p:by x="224368" y="224372"/>
+                                          <p:spTgt spid="24"/>
+                                        </p:tgtEl>
+                                      </p:cBhvr>
+                                      <p:by x="224342" y="224333"/>
                                     </p:animScale>
                                   </p:childTnLst>
                                 </p:cTn>
@@ -18773,7 +18837,7 @@
                                           </p:stCondLst>
                                         </p:cTn>
                                         <p:tgtEl>
-                                          <p:spTgt spid="27"/>
+                                          <p:spTgt spid="26"/>
                                         </p:tgtEl>
                                         <p:attrNameLst>
                                           <p:attrName>style.visibility</p:attrName>
@@ -18800,7 +18864,7 @@
                                           </p:stCondLst>
                                         </p:cTn>
                                         <p:tgtEl>
-                                          <p:spTgt spid="25"/>
+                                          <p:spTgt spid="24"/>
                                         </p:tgtEl>
                                         <p:attrNameLst>
                                           <p:attrName>style.visibility</p:attrName>
@@ -18845,7 +18909,7 @@
                                           </p:stCondLst>
                                         </p:cTn>
                                         <p:tgtEl>
-                                          <p:spTgt spid="27"/>
+                                          <p:spTgt spid="26"/>
                                         </p:tgtEl>
                                         <p:attrNameLst>
                                           <p:attrName>style.visibility</p:attrName>
@@ -18872,7 +18936,7 @@
                                           </p:stCondLst>
                                         </p:cTn>
                                         <p:tgtEl>
-                                          <p:spTgt spid="29"/>
+                                          <p:spTgt spid="28"/>
                                         </p:tgtEl>
                                         <p:attrNameLst>
                                           <p:attrName>style.visibility</p:attrName>
@@ -18899,7 +18963,7 @@
                                           </p:stCondLst>
                                         </p:cTn>
                                         <p:tgtEl>
-                                          <p:spTgt spid="28"/>
+                                          <p:spTgt spid="27"/>
                                         </p:tgtEl>
                                         <p:attrNameLst>
                                           <p:attrName>style.visibility</p:attrName>
@@ -18918,11 +18982,11 @@
                                     <p:cond delay="0"/>
                                   </p:stCondLst>
                                   <p:childTnLst>
-                                    <p:animMotion origin="layout" path="M 0 0 C 0.2223462 0.7249445 0.2223462 0.7249445 0.4446925 1.449889 E" pathEditMode="relative" ptsTypes="">
+                                    <p:animMotion origin="layout" path="M 0 0 C 0.2222958 0.7247232 0.2222958 0.7247232 0.4445916 1.449446 E" pathEditMode="relative" ptsTypes="">
                                       <p:cBhvr>
                                         <p:cTn id="59" dur="1" fill="hold"/>
                                         <p:tgtEl>
-                                          <p:spTgt spid="28"/>
+                                          <p:spTgt spid="27"/>
                                         </p:tgtEl>
                                         <p:attrNameLst>
                                           <p:attrName>ppt_x</p:attrName>
@@ -18943,10 +19007,10 @@
                                       <p:cBhvr>
                                         <p:cTn id="61" dur="1" fill="hold"/>
                                         <p:tgtEl>
-                                          <p:spTgt spid="28"/>
-                                        </p:tgtEl>
-                                      </p:cBhvr>
-                                      <p:by x="528828" y="528828"/>
+                                          <p:spTgt spid="27"/>
+                                        </p:tgtEl>
+                                      </p:cBhvr>
+                                      <p:by x="528709" y="528709"/>
                                     </p:animScale>
                                   </p:childTnLst>
                                 </p:cTn>
@@ -18961,7 +19025,7 @@
                                       <p:cBhvr>
                                         <p:cTn id="63" dur="10"/>
                                         <p:tgtEl>
-                                          <p:spTgt spid="29"/>
+                                          <p:spTgt spid="28"/>
                                         </p:tgtEl>
                                       </p:cBhvr>
                                     </p:animEffect>
@@ -18973,7 +19037,7 @@
                                           </p:stCondLst>
                                         </p:cTn>
                                         <p:tgtEl>
-                                          <p:spTgt spid="29"/>
+                                          <p:spTgt spid="28"/>
                                         </p:tgtEl>
                                         <p:attrNameLst>
                                           <p:attrName>style.visibility</p:attrName>
@@ -19001,11 +19065,11 @@
                                     <p:cond delay="0"/>
                                   </p:stCondLst>
                                   <p:childTnLst>
-                                    <p:animMotion origin="layout" path="M 0.4446925 1.449889 C 0.002813399 0.8386196 0.002813399 0.8386196 -0.4390657 0.2273501 E" pathEditMode="relative" ptsTypes="">
+                                    <p:animMotion origin="layout" path="M 0.4445916 1.449447 C 0.0027771 0.8383933 0.0027771 0.8383933 -0.4390375 0.2273406 E" pathEditMode="relative" ptsTypes="">
                                       <p:cBhvr>
                                         <p:cTn id="67" dur="400" fill="hold"/>
                                         <p:tgtEl>
-                                          <p:spTgt spid="28"/>
+                                          <p:spTgt spid="27"/>
                                         </p:tgtEl>
                                         <p:attrNameLst>
                                           <p:attrName>ppt_x</p:attrName>
@@ -19026,10 +19090,10 @@
                                       <p:cBhvr>
                                         <p:cTn id="69" dur="400" fill="hold"/>
                                         <p:tgtEl>
-                                          <p:spTgt spid="28"/>
-                                        </p:tgtEl>
-                                      </p:cBhvr>
-                                      <p:by x="35516" y="35515"/>
+                                          <p:spTgt spid="27"/>
+                                        </p:tgtEl>
+                                      </p:cBhvr>
+                                      <p:by x="35522" y="35523"/>
                                     </p:animScale>
                                   </p:childTnLst>
                                 </p:cTn>
@@ -19057,7 +19121,7 @@
                                           </p:stCondLst>
                                         </p:cTn>
                                         <p:tgtEl>
-                                          <p:spTgt spid="30"/>
+                                          <p:spTgt spid="29"/>
                                         </p:tgtEl>
                                         <p:attrNameLst>
                                           <p:attrName>style.visibility</p:attrName>
@@ -19084,7 +19148,7 @@
                                           </p:stCondLst>
                                         </p:cTn>
                                         <p:tgtEl>
-                                          <p:spTgt spid="28"/>
+                                          <p:spTgt spid="27"/>
                                         </p:tgtEl>
                                         <p:attrNameLst>
                                           <p:attrName>style.visibility</p:attrName>
@@ -19129,7 +19193,7 @@
                                           </p:stCondLst>
                                         </p:cTn>
                                         <p:tgtEl>
-                                          <p:spTgt spid="30"/>
+                                          <p:spTgt spid="29"/>
                                         </p:tgtEl>
                                         <p:attrNameLst>
                                           <p:attrName>style.visibility</p:attrName>
@@ -19156,7 +19220,7 @@
                                           </p:stCondLst>
                                         </p:cTn>
                                         <p:tgtEl>
-                                          <p:spTgt spid="32"/>
+                                          <p:spTgt spid="31"/>
                                         </p:tgtEl>
                                         <p:attrNameLst>
                                           <p:attrName>style.visibility</p:attrName>
@@ -19183,7 +19247,7 @@
                                           </p:stCondLst>
                                         </p:cTn>
                                         <p:tgtEl>
-                                          <p:spTgt spid="31"/>
+                                          <p:spTgt spid="30"/>
                                         </p:tgtEl>
                                         <p:attrNameLst>
                                           <p:attrName>style.visibility</p:attrName>
@@ -19202,11 +19266,11 @@
                                     <p:cond delay="0"/>
                                   </p:stCondLst>
                                   <p:childTnLst>
-                                    <p:animMotion origin="layout" path="M 0 0 C -0.219536 0.113675 -0.219536 0.113675 -0.4390719 0.22735 E" pathEditMode="relative" ptsTypes="">
+                                    <p:animMotion origin="layout" path="M 0 0 C -0.2195188 0.1136615 -0.2195188 0.1136615 -0.4390375 0.2273229 E" pathEditMode="relative" ptsTypes="">
                                       <p:cBhvr>
                                         <p:cTn id="84" dur="1" fill="hold"/>
                                         <p:tgtEl>
-                                          <p:spTgt spid="31"/>
+                                          <p:spTgt spid="30"/>
                                         </p:tgtEl>
                                         <p:attrNameLst>
                                           <p:attrName>ppt_x</p:attrName>
@@ -19227,10 +19291,10 @@
                                       <p:cBhvr>
                                         <p:cTn id="86" dur="1" fill="hold"/>
                                         <p:tgtEl>
-                                          <p:spTgt spid="31"/>
-                                        </p:tgtEl>
-                                      </p:cBhvr>
-                                      <p:by x="187815" y="187815"/>
+                                          <p:spTgt spid="30"/>
+                                        </p:tgtEl>
+                                      </p:cBhvr>
+                                      <p:by x="187808" y="187808"/>
                                     </p:animScale>
                                   </p:childTnLst>
                                 </p:cTn>
@@ -19245,7 +19309,7 @@
                                       <p:cBhvr>
                                         <p:cTn id="88" dur="10"/>
                                         <p:tgtEl>
-                                          <p:spTgt spid="32"/>
+                                          <p:spTgt spid="31"/>
                                         </p:tgtEl>
                                       </p:cBhvr>
                                     </p:animEffect>
@@ -19257,7 +19321,7 @@
                                           </p:stCondLst>
                                         </p:cTn>
                                         <p:tgtEl>
-                                          <p:spTgt spid="32"/>
+                                          <p:spTgt spid="31"/>
                                         </p:tgtEl>
                                         <p:attrNameLst>
                                           <p:attrName>style.visibility</p:attrName>
@@ -19285,11 +19349,11 @@
                                     <p:cond delay="0"/>
                                   </p:stCondLst>
                                   <p:childTnLst>
-                                    <p:animMotion origin="layout" path="M -0.4390718 0.22735 C -0.1814083 -0.1447552 -0.1814083 -0.1447552 0.07625526 -0.5168604 E" pathEditMode="relative" ptsTypes="">
+                                    <p:animMotion origin="layout" path="M -0.4390375 0.2273228 C -0.1813931 -0.1447375 -0.1813931 -0.1447375 0.07625118 -0.5167978 E" pathEditMode="relative" ptsTypes="">
                                       <p:cBhvr>
                                         <p:cTn id="92" dur="400" fill="hold"/>
                                         <p:tgtEl>
-                                          <p:spTgt spid="31"/>
+                                          <p:spTgt spid="30"/>
                                         </p:tgtEl>
                                         <p:attrNameLst>
                                           <p:attrName>ppt_x</p:attrName>
@@ -19310,10 +19374,10 @@
                                       <p:cBhvr>
                                         <p:cTn id="94" dur="400" fill="hold"/>
                                         <p:tgtEl>
-                                          <p:spTgt spid="31"/>
-                                        </p:tgtEl>
-                                      </p:cBhvr>
-                                      <p:by x="108283" y="108283"/>
+                                          <p:spTgt spid="30"/>
+                                        </p:tgtEl>
+                                      </p:cBhvr>
+                                      <p:by x="108283" y="108281"/>
                                     </p:animScale>
                                   </p:childTnLst>
                                 </p:cTn>
@@ -19341,7 +19405,7 @@
                                           </p:stCondLst>
                                         </p:cTn>
                                         <p:tgtEl>
-                                          <p:spTgt spid="33"/>
+                                          <p:spTgt spid="32"/>
                                         </p:tgtEl>
                                         <p:attrNameLst>
                                           <p:attrName>style.visibility</p:attrName>
@@ -19368,7 +19432,7 @@
                                           </p:stCondLst>
                                         </p:cTn>
                                         <p:tgtEl>
-                                          <p:spTgt spid="31"/>
+                                          <p:spTgt spid="30"/>
                                         </p:tgtEl>
                                         <p:attrNameLst>
                                           <p:attrName>style.visibility</p:attrName>
@@ -19413,7 +19477,7 @@
                                           </p:stCondLst>
                                         </p:cTn>
                                         <p:tgtEl>
-                                          <p:spTgt spid="33"/>
+                                          <p:spTgt spid="32"/>
                                         </p:tgtEl>
                                         <p:attrNameLst>
                                           <p:attrName>style.visibility</p:attrName>
@@ -19440,7 +19504,7 @@
                                           </p:stCondLst>
                                         </p:cTn>
                                         <p:tgtEl>
-                                          <p:spTgt spid="37"/>
+                                          <p:spTgt spid="36"/>
                                         </p:tgtEl>
                                         <p:attrNameLst>
                                           <p:attrName>style.visibility</p:attrName>
@@ -19467,7 +19531,7 @@
                                           </p:stCondLst>
                                         </p:cTn>
                                         <p:tgtEl>
-                                          <p:spTgt spid="36"/>
+                                          <p:spTgt spid="35"/>
                                         </p:tgtEl>
                                         <p:attrNameLst>
                                           <p:attrName>style.visibility</p:attrName>
@@ -19486,11 +19550,11 @@
                                     <p:cond delay="0"/>
                                   </p:stCondLst>
                                   <p:childTnLst>
-                                    <p:animMotion origin="layout" path="M 0 0 C 0.03813563 -0.2584745 0.03813563 -0.2584745 0.07627127 -0.5169489 E" pathEditMode="relative" ptsTypes="">
+                                    <p:animMotion origin="layout" path="M 0 0 C 0.03813559 -0.2584746 0.03813559 -0.2584746 0.07627118 -0.5169491 E" pathEditMode="relative" ptsTypes="">
                                       <p:cBhvr>
                                         <p:cTn id="109" dur="1" fill="hold"/>
                                         <p:tgtEl>
-                                          <p:spTgt spid="36"/>
+                                          <p:spTgt spid="35"/>
                                         </p:tgtEl>
                                         <p:attrNameLst>
                                           <p:attrName>ppt_x</p:attrName>
@@ -19511,7 +19575,7 @@
                                       <p:cBhvr>
                                         <p:cTn id="111" dur="1" fill="hold"/>
                                         <p:tgtEl>
-                                          <p:spTgt spid="36"/>
+                                          <p:spTgt spid="35"/>
                                         </p:tgtEl>
                                       </p:cBhvr>
                                       <p:by x="203390" y="203390"/>
@@ -19529,7 +19593,7 @@
                                       <p:cBhvr>
                                         <p:cTn id="113" dur="10"/>
                                         <p:tgtEl>
-                                          <p:spTgt spid="37"/>
+                                          <p:spTgt spid="36"/>
                                         </p:tgtEl>
                                       </p:cBhvr>
                                     </p:animEffect>
@@ -19541,7 +19605,7 @@
                                           </p:stCondLst>
                                         </p:cTn>
                                         <p:tgtEl>
-                                          <p:spTgt spid="37"/>
+                                          <p:spTgt spid="36"/>
                                         </p:tgtEl>
                                         <p:attrNameLst>
                                           <p:attrName>style.visibility</p:attrName>
@@ -19560,11 +19624,11 @@
                                     <p:cond delay="0"/>
                                   </p:stCondLst>
                                   <p:childTnLst>
-                                    <p:animMotion origin="layout" path="M 0.07627127 -0.516949 C 0.03813564 -0.2584744 0.03813564 -0.2584744 -7.450581E-09 1.192093E-07 E" pathEditMode="relative" ptsTypes="">
+                                    <p:animMotion origin="layout" path="M 0.07627118 -0.5169491 C 0.0381356 -0.2584745 0.0381356 -0.2584745 7.450581E-09 0 E" pathEditMode="relative" ptsTypes="">
                                       <p:cBhvr>
                                         <p:cTn id="116" dur="400" fill="hold"/>
                                         <p:tgtEl>
-                                          <p:spTgt spid="36"/>
+                                          <p:spTgt spid="35"/>
                                         </p:tgtEl>
                                         <p:attrNameLst>
                                           <p:attrName>ppt_x</p:attrName>
@@ -19585,7 +19649,7 @@
                                       <p:cBhvr>
                                         <p:cTn id="118" dur="400" fill="hold"/>
                                         <p:tgtEl>
-                                          <p:spTgt spid="36"/>
+                                          <p:spTgt spid="35"/>
                                         </p:tgtEl>
                                       </p:cBhvr>
                                       <p:by x="49167" y="49167"/>
@@ -19616,7 +19680,7 @@
                                           </p:stCondLst>
                                         </p:cTn>
                                         <p:tgtEl>
-                                          <p:spTgt spid="34"/>
+                                          <p:spTgt spid="33"/>
                                         </p:tgtEl>
                                         <p:attrNameLst>
                                           <p:attrName>style.visibility</p:attrName>
@@ -19643,7 +19707,7 @@
                                           </p:stCondLst>
                                         </p:cTn>
                                         <p:tgtEl>
-                                          <p:spTgt spid="35"/>
+                                          <p:spTgt spid="34"/>
                                         </p:tgtEl>
                                         <p:attrNameLst>
                                           <p:attrName>style.visibility</p:attrName>
@@ -19666,7 +19730,7 @@
                                       <p:cBhvr>
                                         <p:cTn id="125" dur="10"/>
                                         <p:tgtEl>
-                                          <p:spTgt spid="36"/>
+                                          <p:spTgt spid="35"/>
                                         </p:tgtEl>
                                       </p:cBhvr>
                                     </p:animEffect>
@@ -19678,7 +19742,7 @@
                                           </p:stCondLst>
                                         </p:cTn>
                                         <p:tgtEl>
-                                          <p:spTgt spid="36"/>
+                                          <p:spTgt spid="35"/>
                                         </p:tgtEl>
                                         <p:attrNameLst>
                                           <p:attrName>style.visibility</p:attrName>
@@ -19719,7 +19783,7 @@
       </p:par>
     </p:tnLst>
     <p:bldLst>
-      <p:bldP spid="35" grpId="0"/>
+      <p:bldP spid="34" grpId="0"/>
       <p:bldP spid="2" grpId="0"/>
     </p:bldLst>
   </p:timing>
@@ -19759,7 +19823,7 @@
           <a:lstStyle/>
           <a:p>
             <a:r>
-              <a:rPr lang="en-US" dirty="0" smtClean="0"/>
+              <a:rPr lang="en-US" dirty="0"/>
               <a:t>Zoom to Area:: Multiple Shapes</a:t>
             </a:r>
             <a:endParaRPr lang="en-SG" dirty="0"/>
@@ -19783,11 +19847,7 @@
           <a:p>
             <a:r>
               <a:rPr lang="en-US" dirty="0"/>
-              <a:t>Select all blue </a:t>
-            </a:r>
-            <a:r>
-              <a:rPr lang="en-US" dirty="0" smtClean="0"/>
-              <a:t>rectangles sequentially.</a:t>
+              <a:t>Select all blue rectangles sequentially.</a:t>
             </a:r>
           </a:p>
           <a:p>
@@ -19805,13 +19865,8 @@
           <a:p>
             <a:r>
               <a:rPr lang="en-SG" dirty="0"/>
-              <a:t>Put all zoom effects on separate slides: </a:t>
+              <a:t>Put all zoom effects on separate slides: True</a:t>
             </a:r>
-            <a:r>
-              <a:rPr lang="en-SG" dirty="0" smtClean="0"/>
-              <a:t>True</a:t>
-            </a:r>
-            <a:endParaRPr lang="en-SG" dirty="0"/>
           </a:p>
           <a:p>
             <a:endParaRPr lang="en-SG" dirty="0"/>
@@ -19828,13 +19883,6 @@
   <p:clrMapOvr>
     <a:masterClrMapping/>
   </p:clrMapOvr>
-  <p:timing>
-    <p:tnLst>
-      <p:par>
-        <p:cTn id="1" dur="indefinite" restart="never" nodeType="tmRoot"/>
-      </p:par>
-    </p:tnLst>
-  </p:timing>
 </p:sld>
 </file>
 
@@ -19871,7 +19919,7 @@
           <a:lstStyle/>
           <a:p>
             <a:r>
-              <a:rPr lang="en-US" dirty="0" smtClean="0"/>
+              <a:rPr lang="en-US" dirty="0"/>
               <a:t>Zoom to Area:: Single Shape</a:t>
             </a:r>
             <a:endParaRPr lang="en-SG" dirty="0"/>
@@ -19907,13 +19955,6 @@
   <p:clrMapOvr>
     <a:masterClrMapping/>
   </p:clrMapOvr>
-  <p:timing>
-    <p:tnLst>
-      <p:par>
-        <p:cTn id="1" dur="indefinite" restart="never" nodeType="tmRoot"/>
-      </p:par>
-    </p:tnLst>
-  </p:timing>
 </p:sld>
 </file>
 
@@ -20220,7 +20261,7 @@
           <a:lstStyle/>
           <a:p>
             <a:r>
-              <a:rPr lang="en-US" sz="6600" dirty="0" smtClean="0">
+              <a:rPr lang="en-US" sz="6600" dirty="0">
                 <a:solidFill>
                   <a:schemeClr val="accent1"/>
                 </a:solidFill>
@@ -20306,7 +20347,7 @@
           <a:lstStyle/>
           <a:p>
             <a:r>
-              <a:rPr lang="en-US" sz="6600" dirty="0" smtClean="0">
+              <a:rPr lang="en-US" sz="6600" dirty="0">
                 <a:solidFill>
                   <a:schemeClr val="accent1"/>
                 </a:solidFill>
@@ -20344,10 +20385,9 @@
           <a:lstStyle/>
           <a:p>
             <a:r>
-              <a:rPr lang="en-US" sz="6000" b="1" dirty="0" smtClean="0"/>
+              <a:rPr lang="en-US" sz="6000" b="1" dirty="0"/>
               <a:t>TEXT IN SLIDE</a:t>
             </a:r>
-            <a:endParaRPr lang="en-US" sz="6000" b="1" dirty="0"/>
           </a:p>
         </p:txBody>
       </p:sp>
@@ -20763,7 +20803,7 @@
 
 <file path=ppt/slides/slide31.xml><?xml version="1.0" encoding="utf-8"?>
 <p:sld xmlns:a="http://schemas.openxmlformats.org/drawingml/2006/main" xmlns:r="http://schemas.openxmlformats.org/officeDocument/2006/relationships" xmlns:p="http://schemas.openxmlformats.org/presentationml/2006/main">
-  <p:cSld name="PPTLabsZoomToAreaSlide201705111426152231">
+  <p:cSld name="PPTLabsZoomToAreaSlide201904141204254578">
     <p:bg>
       <p:bgPr>
         <a:solidFill>
@@ -20931,7 +20971,7 @@
           <a:lstStyle/>
           <a:p>
             <a:r>
-              <a:rPr lang="en-US" sz="6600" dirty="0" smtClean="0">
+              <a:rPr lang="en-US" sz="6600" dirty="0">
                 <a:solidFill>
                   <a:schemeClr val="accent1"/>
                 </a:solidFill>
@@ -20969,7 +21009,7 @@
           <a:lstStyle/>
           <a:p>
             <a:r>
-              <a:rPr lang="en-US" sz="6600" dirty="0" smtClean="0">
+              <a:rPr lang="en-US" sz="6600" dirty="0">
                 <a:solidFill>
                   <a:schemeClr val="accent1"/>
                 </a:solidFill>
@@ -21007,10 +21047,9 @@
           <a:lstStyle/>
           <a:p>
             <a:r>
-              <a:rPr lang="en-US" sz="6000" b="1" dirty="0" smtClean="0"/>
+              <a:rPr lang="en-US" sz="6000" b="1" dirty="0"/>
               <a:t>TEXT IN SLIDE</a:t>
             </a:r>
-            <a:endParaRPr lang="en-US" sz="6000" b="1" dirty="0"/>
           </a:p>
         </p:txBody>
       </p:sp>
@@ -21096,7 +21135,13 @@
       </p:sp>
       <p:sp>
         <p:nvSpPr>
-          <p:cNvPr id="3" name="PPTLabsMagnifyShape201705111426152311"/>
+          <p:cNvPr id="3" name="PPTLabsMagnifyShape201904141204254618">
+            <a:extLst>
+              <a:ext uri="{FF2B5EF4-FFF2-40B4-BE49-F238E27FC236}">
+                <a16:creationId xmlns:a16="http://schemas.microsoft.com/office/drawing/2014/main" id="{F0723A3A-B4FA-4791-AD28-E9B4E50E4F7D}"/>
+              </a:ext>
+            </a:extLst>
+          </p:cNvPr>
           <p:cNvSpPr/>
           <p:nvPr/>
         </p:nvSpPr>
@@ -21143,24 +21188,25 @@
           <a:p>
             <a:pPr algn="ctr"/>
             <a:r>
-              <a:rPr lang="en-US" b="1" smtClean="0">
+              <a:rPr lang="en-SG" b="1">
                 <a:solidFill>
                   <a:srgbClr val="FFFFFF"/>
                 </a:solidFill>
               </a:rPr>
               <a:t>Zoom Shape 1</a:t>
             </a:r>
-            <a:endParaRPr lang="en-US" b="1">
-              <a:solidFill>
-                <a:srgbClr val="FFFFFF"/>
-              </a:solidFill>
-            </a:endParaRPr>
           </a:p>
         </p:txBody>
       </p:sp>
       <p:sp>
         <p:nvSpPr>
-          <p:cNvPr id="8" name="PPTLabsMagnifyShape201705111426152482"/>
+          <p:cNvPr id="8" name="PPTLabsMagnifyShape201904141204254728">
+            <a:extLst>
+              <a:ext uri="{FF2B5EF4-FFF2-40B4-BE49-F238E27FC236}">
+                <a16:creationId xmlns:a16="http://schemas.microsoft.com/office/drawing/2014/main" id="{605AAE1C-0E80-4AE6-B545-F8FA91450ABB}"/>
+              </a:ext>
+            </a:extLst>
+          </p:cNvPr>
           <p:cNvSpPr/>
           <p:nvPr/>
         </p:nvSpPr>
@@ -21207,24 +21253,25 @@
           <a:p>
             <a:pPr algn="ctr"/>
             <a:r>
-              <a:rPr lang="en-US" b="1" smtClean="0">
+              <a:rPr lang="en-SG" b="1">
                 <a:solidFill>
                   <a:srgbClr val="FFFFFF"/>
                 </a:solidFill>
               </a:rPr>
               <a:t>Zoom Shape 2</a:t>
             </a:r>
-            <a:endParaRPr lang="en-US" b="1">
-              <a:solidFill>
-                <a:srgbClr val="FFFFFF"/>
-              </a:solidFill>
-            </a:endParaRPr>
           </a:p>
         </p:txBody>
       </p:sp>
       <p:sp>
         <p:nvSpPr>
-          <p:cNvPr id="9" name="PPTLabsMagnifyShape201705111426152532"/>
+          <p:cNvPr id="9" name="PPTLabsMagnifyShape201904141204254778">
+            <a:extLst>
+              <a:ext uri="{FF2B5EF4-FFF2-40B4-BE49-F238E27FC236}">
+                <a16:creationId xmlns:a16="http://schemas.microsoft.com/office/drawing/2014/main" id="{8F0E0266-3FCC-4210-87D8-E8D39E33B97A}"/>
+              </a:ext>
+            </a:extLst>
+          </p:cNvPr>
           <p:cNvSpPr/>
           <p:nvPr/>
         </p:nvSpPr>
@@ -21271,24 +21318,25 @@
           <a:p>
             <a:pPr algn="ctr"/>
             <a:r>
-              <a:rPr lang="en-US" b="1" smtClean="0">
+              <a:rPr lang="en-SG" b="1">
                 <a:solidFill>
                   <a:srgbClr val="FFFFFF"/>
                 </a:solidFill>
               </a:rPr>
               <a:t>Zoom Shape 3</a:t>
             </a:r>
-            <a:endParaRPr lang="en-US" b="1">
-              <a:solidFill>
-                <a:srgbClr val="FFFFFF"/>
-              </a:solidFill>
-            </a:endParaRPr>
           </a:p>
         </p:txBody>
       </p:sp>
       <p:sp>
         <p:nvSpPr>
-          <p:cNvPr id="10" name="PPTLabsMagnifyShape201705111426152582"/>
+          <p:cNvPr id="10" name="PPTLabsMagnifyShape201904141204254837">
+            <a:extLst>
+              <a:ext uri="{FF2B5EF4-FFF2-40B4-BE49-F238E27FC236}">
+                <a16:creationId xmlns:a16="http://schemas.microsoft.com/office/drawing/2014/main" id="{9A921C44-349E-46E3-BC06-C357F6676015}"/>
+              </a:ext>
+            </a:extLst>
+          </p:cNvPr>
           <p:cNvSpPr/>
           <p:nvPr/>
         </p:nvSpPr>
@@ -21335,25 +21383,20 @@
           <a:p>
             <a:pPr algn="ctr"/>
             <a:r>
-              <a:rPr lang="en-US" b="1" smtClean="0">
+              <a:rPr lang="en-SG" b="1">
                 <a:solidFill>
                   <a:srgbClr val="FFFFFF"/>
                 </a:solidFill>
               </a:rPr>
               <a:t>Zoom Shape 4</a:t>
             </a:r>
-            <a:endParaRPr lang="en-US" b="1">
-              <a:solidFill>
-                <a:srgbClr val="FFFFFF"/>
-              </a:solidFill>
-            </a:endParaRPr>
           </a:p>
         </p:txBody>
       </p:sp>
     </p:spTree>
     <p:extLst>
       <p:ext uri="{BB962C8B-B14F-4D97-AF65-F5344CB8AC3E}">
-        <p14:creationId xmlns:p14="http://schemas.microsoft.com/office/powerpoint/2010/main" val="2294978696"/>
+        <p14:creationId xmlns:p14="http://schemas.microsoft.com/office/powerpoint/2010/main" val="3198704494"/>
       </p:ext>
     </p:extLst>
   </p:cSld>
@@ -21777,7 +21820,7 @@
 
 <file path=ppt/slides/slide32.xml><?xml version="1.0" encoding="utf-8"?>
 <p:sld xmlns:a="http://schemas.openxmlformats.org/drawingml/2006/main" xmlns:r="http://schemas.openxmlformats.org/officeDocument/2006/relationships" xmlns:p="http://schemas.openxmlformats.org/presentationml/2006/main">
-  <p:cSld name="PPTLabsMagnifyingSlide201705111426152890">
+  <p:cSld name="PPTLabsMagnifyingSlide201904141204255067">
     <p:bg>
       <p:bgPr>
         <a:solidFill>
@@ -21869,23 +21912,34 @@
           <a:lstStyle/>
           <a:p>
             <a:r>
-              <a:rPr lang="en-US" sz="6000" b="1" dirty="0" smtClean="0"/>
+              <a:rPr lang="en-US" sz="6000" b="1" dirty="0"/>
               <a:t>TEXT IN SLIDE</a:t>
             </a:r>
-            <a:endParaRPr lang="en-US" sz="6000" b="1" dirty="0"/>
           </a:p>
         </p:txBody>
       </p:sp>
       <p:pic>
         <p:nvPicPr>
-          <p:cNvPr id="5" name="PPTLabsMagnifyAreaGroup201705111426155743" hidden="1"/>
+          <p:cNvPr id="6" name="PPTLabsMagnifyAreaGroup201904141204262916" hidden="1">
+            <a:extLst>
+              <a:ext uri="{FF2B5EF4-FFF2-40B4-BE49-F238E27FC236}">
+                <a16:creationId xmlns:a16="http://schemas.microsoft.com/office/drawing/2014/main" id="{6A800E02-7805-4B39-AB28-DC2EF60D69FD}"/>
+              </a:ext>
+            </a:extLst>
+          </p:cNvPr>
           <p:cNvPicPr>
             <a:picLocks/>
           </p:cNvPicPr>
           <p:nvPr/>
         </p:nvPicPr>
         <p:blipFill>
-          <a:blip r:embed="rId3"/>
+          <a:blip r:embed="rId3">
+            <a:extLst>
+              <a:ext uri="{28A0092B-C50C-407E-A947-70E740481C1C}">
+                <a14:useLocalDpi xmlns:a14="http://schemas.microsoft.com/office/drawing/2010/main" val="0"/>
+              </a:ext>
+            </a:extLst>
+          </a:blip>
           <a:stretch>
             <a:fillRect/>
           </a:stretch>
@@ -21902,23 +21956,35 @@
       </p:pic>
       <p:pic>
         <p:nvPicPr>
-          <p:cNvPr id="22" name="PPTLabsMagnifyAreaSlide201705111426156340"/>
+          <p:cNvPr id="22" name="PPTLabsMagnifyAreaSlide201904141204263305">
+            <a:extLst>
+              <a:ext uri="{FF2B5EF4-FFF2-40B4-BE49-F238E27FC236}">
+                <a16:creationId xmlns:a16="http://schemas.microsoft.com/office/drawing/2014/main" id="{D10CACC3-DEDC-4421-BFBB-5CEE54115EF2}"/>
+              </a:ext>
+            </a:extLst>
+          </p:cNvPr>
           <p:cNvPicPr>
             <a:picLocks/>
           </p:cNvPicPr>
           <p:nvPr/>
         </p:nvPicPr>
         <p:blipFill>
-          <a:blip r:embed="rId3"/>
-          <a:srcRect l="10926" t="7761" r="46646" b="49811"/>
+          <a:blip r:embed="rId3">
+            <a:extLst>
+              <a:ext uri="{28A0092B-C50C-407E-A947-70E740481C1C}">
+                <a14:useLocalDpi xmlns:a14="http://schemas.microsoft.com/office/drawing/2010/main" val="0"/>
+              </a:ext>
+            </a:extLst>
+          </a:blip>
+          <a:srcRect l="10925" t="7760" r="46643" b="49808"/>
           <a:stretch>
             <a:fillRect/>
           </a:stretch>
         </p:blipFill>
         <p:spPr>
           <a:xfrm>
-            <a:off x="998925" y="532116"/>
-            <a:ext cx="3879657" cy="2909740"/>
+            <a:off x="998776" y="532000"/>
+            <a:ext cx="3879956" cy="2909970"/>
           </a:xfrm>
           <a:prstGeom prst="rect">
             <a:avLst/>
@@ -21927,7 +21993,13 @@
       </p:pic>
       <p:pic>
         <p:nvPicPr>
-          <p:cNvPr id="6" name="PPTIndicator201705111426156230"/>
+          <p:cNvPr id="11" name="PPTIndicator201904141204263205">
+            <a:extLst>
+              <a:ext uri="{FF2B5EF4-FFF2-40B4-BE49-F238E27FC236}">
+                <a16:creationId xmlns:a16="http://schemas.microsoft.com/office/drawing/2014/main" id="{F594676B-216F-48A2-92F7-7773B1C3715A}"/>
+              </a:ext>
+            </a:extLst>
+          </p:cNvPr>
           <p:cNvPicPr>
             <a:picLocks/>
           </p:cNvPicPr>
@@ -21958,7 +22030,7 @@
     </p:spTree>
     <p:extLst>
       <p:ext uri="{BB962C8B-B14F-4D97-AF65-F5344CB8AC3E}">
-        <p14:creationId xmlns:p14="http://schemas.microsoft.com/office/powerpoint/2010/main" val="2258728610"/>
+        <p14:creationId xmlns:p14="http://schemas.microsoft.com/office/powerpoint/2010/main" val="523246796"/>
       </p:ext>
     </p:extLst>
   </p:cSld>
@@ -22010,7 +22082,7 @@
                                           </p:stCondLst>
                                         </p:cTn>
                                         <p:tgtEl>
-                                          <p:spTgt spid="6"/>
+                                          <p:spTgt spid="11"/>
                                         </p:tgtEl>
                                         <p:attrNameLst>
                                           <p:attrName>style.visibility</p:attrName>
@@ -22037,7 +22109,7 @@
                                           </p:stCondLst>
                                         </p:cTn>
                                         <p:tgtEl>
-                                          <p:spTgt spid="6"/>
+                                          <p:spTgt spid="11"/>
                                         </p:tgtEl>
                                         <p:attrNameLst>
                                           <p:attrName>style.visibility</p:attrName>
@@ -22135,7 +22207,7 @@
                                     <p:cond delay="0"/>
                                   </p:stCondLst>
                                   <p:childTnLst>
-                                    <p:animMotion origin="layout" path="M 0 0 C 0.089307 0.1051337 0.089307 0.1051337 0.178614 0.2102674 E" pathEditMode="relative" ptsTypes="">
+                                    <p:animMotion origin="layout" path="M 0 0 C 0.08930698 0.1051338 0.08930698 0.1051338 0.178614 0.2102676 E" pathEditMode="relative" ptsTypes="">
                                       <p:cBhvr>
                                         <p:cTn id="17" dur="500" fill="hold"/>
                                         <p:tgtEl>
@@ -22163,7 +22235,7 @@
                                           <p:spTgt spid="22"/>
                                         </p:tgtEl>
                                       </p:cBhvr>
-                                      <p:by x="235691" y="235691"/>
+                                      <p:by x="235673" y="235673"/>
                                     </p:animScale>
                                   </p:childTnLst>
                                 </p:cTn>
@@ -22204,7 +22276,7 @@
 
 <file path=ppt/slides/slide33.xml><?xml version="1.0" encoding="utf-8"?>
 <p:sld xmlns:a="http://schemas.openxmlformats.org/drawingml/2006/main" xmlns:r="http://schemas.openxmlformats.org/officeDocument/2006/relationships" xmlns:p="http://schemas.openxmlformats.org/presentationml/2006/main">
-  <p:cSld name="PPTLabsMagnifiedSlide201705111426156390">
+  <p:cSld name="PPTLabsMagnifiedSlide201904141204263335">
     <p:bg>
       <p:bgPr>
         <a:solidFill>
@@ -22229,14 +22301,26 @@
       </p:grpSpPr>
       <p:pic>
         <p:nvPicPr>
-          <p:cNvPr id="5" name="PPTLabsMagnifyAreaGroup201705111426155743"/>
+          <p:cNvPr id="6" name="PPTLabsMagnifyAreaGroup201904141204262916">
+            <a:extLst>
+              <a:ext uri="{FF2B5EF4-FFF2-40B4-BE49-F238E27FC236}">
+                <a16:creationId xmlns:a16="http://schemas.microsoft.com/office/drawing/2014/main" id="{6A800E02-7805-4B39-AB28-DC2EF60D69FD}"/>
+              </a:ext>
+            </a:extLst>
+          </p:cNvPr>
           <p:cNvPicPr>
             <a:picLocks noChangeAspect="1"/>
           </p:cNvPicPr>
           <p:nvPr/>
         </p:nvPicPr>
         <p:blipFill>
-          <a:blip r:embed="rId2"/>
+          <a:blip r:embed="rId2">
+            <a:extLst>
+              <a:ext uri="{28A0092B-C50C-407E-A947-70E740481C1C}">
+                <a14:useLocalDpi xmlns:a14="http://schemas.microsoft.com/office/drawing/2010/main" val="0"/>
+              </a:ext>
+            </a:extLst>
+          </a:blip>
           <a:srcRect/>
           <a:stretch>
             <a:fillRect/>
@@ -22244,8 +22328,8 @@
         </p:blipFill>
         <p:spPr>
           <a:xfrm>
-            <a:off x="-2354749" y="-1254471"/>
-            <a:ext cx="21551802" cy="16163835"/>
+            <a:off x="-2354311" y="-1254200"/>
+            <a:ext cx="21549770" cy="16162343"/>
           </a:xfrm>
           <a:prstGeom prst="rect">
             <a:avLst/>
@@ -22254,7 +22338,13 @@
       </p:pic>
       <p:pic>
         <p:nvPicPr>
-          <p:cNvPr id="3" name="PPTIndicator201705111426156729"/>
+          <p:cNvPr id="5" name="PPTIndicator201904141204263534">
+            <a:extLst>
+              <a:ext uri="{FF2B5EF4-FFF2-40B4-BE49-F238E27FC236}">
+                <a16:creationId xmlns:a16="http://schemas.microsoft.com/office/drawing/2014/main" id="{A04834F4-40C5-4582-9B54-DAA2ABB7F1F1}"/>
+              </a:ext>
+            </a:extLst>
+          </p:cNvPr>
           <p:cNvPicPr>
             <a:picLocks/>
           </p:cNvPicPr>
@@ -22285,21 +22375,13 @@
     </p:spTree>
     <p:extLst>
       <p:ext uri="{BB962C8B-B14F-4D97-AF65-F5344CB8AC3E}">
-        <p14:creationId xmlns:p14="http://schemas.microsoft.com/office/powerpoint/2010/main" val="1644900449"/>
+        <p14:creationId xmlns:p14="http://schemas.microsoft.com/office/powerpoint/2010/main" val="687667125"/>
       </p:ext>
     </p:extLst>
   </p:cSld>
   <p:clrMapOvr>
     <a:masterClrMapping/>
   </p:clrMapOvr>
-  <mc:AlternateContent xmlns:mc="http://schemas.openxmlformats.org/markup-compatibility/2006" xmlns:p14="http://schemas.microsoft.com/office/powerpoint/2010/main">
-    <mc:Choice Requires="p14">
-      <p:transition spd="slow" p14:dur="2000"/>
-    </mc:Choice>
-    <mc:Fallback xmlns="">
-      <p:transition spd="slow"/>
-    </mc:Fallback>
-  </mc:AlternateContent>
   <p:timing>
     <p:tnLst>
       <p:par>
@@ -22337,7 +22419,7 @@
                                           </p:stCondLst>
                                         </p:cTn>
                                         <p:tgtEl>
-                                          <p:spTgt spid="3"/>
+                                          <p:spTgt spid="5"/>
                                         </p:tgtEl>
                                         <p:attrNameLst>
                                           <p:attrName>style.visibility</p:attrName>
@@ -22364,7 +22446,7 @@
                                           </p:stCondLst>
                                         </p:cTn>
                                         <p:tgtEl>
-                                          <p:spTgt spid="3"/>
+                                          <p:spTgt spid="5"/>
                                         </p:tgtEl>
                                         <p:attrNameLst>
                                           <p:attrName>style.visibility</p:attrName>
@@ -22410,7 +22492,7 @@
 
 <file path=ppt/slides/slide34.xml><?xml version="1.0" encoding="utf-8"?>
 <p:sld xmlns:a="http://schemas.openxmlformats.org/drawingml/2006/main" xmlns:r="http://schemas.openxmlformats.org/officeDocument/2006/relationships" xmlns:p="http://schemas.openxmlformats.org/presentationml/2006/main">
-  <p:cSld name="PPTLabsMagnifiedPanSlide201705111426160103">
+  <p:cSld name="PPTLabsMagnifiedPanSlide201904141204270113">
     <p:bg>
       <p:bgPr>
         <a:solidFill>
@@ -22435,14 +22517,26 @@
       </p:grpSpPr>
       <p:pic>
         <p:nvPicPr>
-          <p:cNvPr id="5" name="PPTLabsMagnifyAreaGroup201705111426155743"/>
+          <p:cNvPr id="6" name="PPTLabsMagnifyAreaGroup201904141204262916">
+            <a:extLst>
+              <a:ext uri="{FF2B5EF4-FFF2-40B4-BE49-F238E27FC236}">
+                <a16:creationId xmlns:a16="http://schemas.microsoft.com/office/drawing/2014/main" id="{6A800E02-7805-4B39-AB28-DC2EF60D69FD}"/>
+              </a:ext>
+            </a:extLst>
+          </p:cNvPr>
           <p:cNvPicPr>
             <a:picLocks/>
           </p:cNvPicPr>
           <p:nvPr/>
         </p:nvPicPr>
         <p:blipFill>
-          <a:blip r:embed="rId2"/>
+          <a:blip r:embed="rId2">
+            <a:extLst>
+              <a:ext uri="{28A0092B-C50C-407E-A947-70E740481C1C}">
+                <a14:useLocalDpi xmlns:a14="http://schemas.microsoft.com/office/drawing/2010/main" val="0"/>
+              </a:ext>
+            </a:extLst>
+          </a:blip>
           <a:srcRect/>
           <a:stretch>
             <a:fillRect/>
@@ -22450,8 +22544,8 @@
         </p:blipFill>
         <p:spPr>
           <a:xfrm>
-            <a:off x="0" y="0"/>
-            <a:ext cx="9144000" cy="6857993"/>
+            <a:off x="1" y="0"/>
+            <a:ext cx="9143991" cy="6858000"/>
           </a:xfrm>
           <a:prstGeom prst="rect">
             <a:avLst/>
@@ -22460,14 +22554,26 @@
       </p:pic>
       <p:pic>
         <p:nvPicPr>
-          <p:cNvPr id="6" name="PPTLabsMagnifyAreaGroup201705111426155743"/>
+          <p:cNvPr id="7" name="PPTLabsMagnifyAreaGroup201904141204262916">
+            <a:extLst>
+              <a:ext uri="{FF2B5EF4-FFF2-40B4-BE49-F238E27FC236}">
+                <a16:creationId xmlns:a16="http://schemas.microsoft.com/office/drawing/2014/main" id="{F658EC92-29B1-4F95-BE10-4B73903D654D}"/>
+              </a:ext>
+            </a:extLst>
+          </p:cNvPr>
           <p:cNvPicPr>
             <a:picLocks/>
           </p:cNvPicPr>
           <p:nvPr/>
         </p:nvPicPr>
         <p:blipFill>
-          <a:blip r:embed="rId2"/>
+          <a:blip r:embed="rId2">
+            <a:extLst>
+              <a:ext uri="{28A0092B-C50C-407E-A947-70E740481C1C}">
+                <a14:useLocalDpi xmlns:a14="http://schemas.microsoft.com/office/drawing/2010/main" val="0"/>
+              </a:ext>
+            </a:extLst>
+          </a:blip>
           <a:srcRect/>
           <a:stretch>
             <a:fillRect/>
@@ -22475,8 +22581,8 @@
         </p:blipFill>
         <p:spPr>
           <a:xfrm>
-            <a:off x="-2354749" y="-1254471"/>
-            <a:ext cx="21551802" cy="16163835"/>
+            <a:off x="-2354311" y="-1254200"/>
+            <a:ext cx="21549770" cy="16162343"/>
           </a:xfrm>
           <a:prstGeom prst="rect">
             <a:avLst/>
@@ -22485,7 +22591,13 @@
       </p:pic>
       <p:pic>
         <p:nvPicPr>
-          <p:cNvPr id="2" name="PPTIndicator201705111426160413"/>
+          <p:cNvPr id="3" name="PPTIndicator201904141204270365">
+            <a:extLst>
+              <a:ext uri="{FF2B5EF4-FFF2-40B4-BE49-F238E27FC236}">
+                <a16:creationId xmlns:a16="http://schemas.microsoft.com/office/drawing/2014/main" id="{BC7C9D6D-9319-4A39-9194-DE60569A4FD6}"/>
+              </a:ext>
+            </a:extLst>
+          </p:cNvPr>
           <p:cNvPicPr>
             <a:picLocks/>
           </p:cNvPicPr>
@@ -22516,7 +22628,7 @@
     </p:spTree>
     <p:extLst>
       <p:ext uri="{BB962C8B-B14F-4D97-AF65-F5344CB8AC3E}">
-        <p14:creationId xmlns:p14="http://schemas.microsoft.com/office/powerpoint/2010/main" val="1465412335"/>
+        <p14:creationId xmlns:p14="http://schemas.microsoft.com/office/powerpoint/2010/main" val="3463557653"/>
       </p:ext>
     </p:extLst>
   </p:cSld>
@@ -22568,7 +22680,7 @@
                                           </p:stCondLst>
                                         </p:cTn>
                                         <p:tgtEl>
-                                          <p:spTgt spid="2"/>
+                                          <p:spTgt spid="3"/>
                                         </p:tgtEl>
                                         <p:attrNameLst>
                                           <p:attrName>style.visibility</p:attrName>
@@ -22595,7 +22707,7 @@
                                           </p:stCondLst>
                                         </p:cTn>
                                         <p:tgtEl>
-                                          <p:spTgt spid="2"/>
+                                          <p:spTgt spid="3"/>
                                         </p:tgtEl>
                                         <p:attrNameLst>
                                           <p:attrName>style.visibility</p:attrName>
@@ -22614,11 +22726,11 @@
                                     <p:cond delay="0"/>
                                   </p:stCondLst>
                                   <p:childTnLst>
-                                    <p:animMotion origin="layout" path="M 0 0 C 0.2104742 0.2477727 0.2104742 0.2477727 0.4209484 0.4955453 E" pathEditMode="relative" ptsTypes="">
+                                    <p:animMotion origin="layout" path="M 0 0 C 0.2104428 0.2477378 0.2104428 0.2477378 0.4208856 0.4954756 E" pathEditMode="relative" ptsTypes="">
                                       <p:cBhvr>
                                         <p:cTn id="10" dur="1" fill="hold"/>
                                         <p:tgtEl>
-                                          <p:spTgt spid="5"/>
+                                          <p:spTgt spid="6"/>
                                         </p:tgtEl>
                                         <p:attrNameLst>
                                           <p:attrName>ppt_x</p:attrName>
@@ -22639,10 +22751,10 @@
                                       <p:cBhvr>
                                         <p:cTn id="12" dur="1" fill="hold"/>
                                         <p:tgtEl>
-                                          <p:spTgt spid="5"/>
-                                        </p:tgtEl>
-                                      </p:cBhvr>
-                                      <p:by x="235693" y="235693"/>
+                                          <p:spTgt spid="6"/>
+                                        </p:tgtEl>
+                                      </p:cBhvr>
+                                      <p:by x="235671" y="235671"/>
                                     </p:animScale>
                                   </p:childTnLst>
                                 </p:cTn>
@@ -22657,7 +22769,7 @@
                                       <p:cBhvr>
                                         <p:cTn id="14" dur="10"/>
                                         <p:tgtEl>
-                                          <p:spTgt spid="6"/>
+                                          <p:spTgt spid="7"/>
                                         </p:tgtEl>
                                       </p:cBhvr>
                                     </p:animEffect>
@@ -22669,7 +22781,7 @@
                                           </p:stCondLst>
                                         </p:cTn>
                                         <p:tgtEl>
-                                          <p:spTgt spid="6"/>
+                                          <p:spTgt spid="7"/>
                                         </p:tgtEl>
                                         <p:attrNameLst>
                                           <p:attrName>style.visibility</p:attrName>
@@ -22697,11 +22809,11 @@
                                     <p:cond delay="0"/>
                                   </p:stCondLst>
                                   <p:childTnLst>
-                                    <p:animMotion origin="layout" path="M 0.4209484 0.4955453 C 0.4328169 0.9727173 0.4328169 0.9727173 0.4446853 1.449889 E" pathEditMode="relative" ptsTypes="">
+                                    <p:animMotion origin="layout" path="M 0.4208857 0.4954756 C 0.4327389 0.9724518 0.4327389 0.9724518 0.4445921 1.449428 E" pathEditMode="relative" ptsTypes="">
                                       <p:cBhvr>
                                         <p:cTn id="18" dur="400" fill="hold"/>
                                         <p:tgtEl>
-                                          <p:spTgt spid="5"/>
+                                          <p:spTgt spid="6"/>
                                         </p:tgtEl>
                                         <p:attrNameLst>
                                           <p:attrName>ppt_x</p:attrName>
@@ -22722,10 +22834,10 @@
                                       <p:cBhvr>
                                         <p:cTn id="20" dur="400" fill="hold"/>
                                         <p:tgtEl>
-                                          <p:spTgt spid="5"/>
-                                        </p:tgtEl>
-                                      </p:cBhvr>
-                                      <p:by x="224368" y="224372"/>
+                                          <p:spTgt spid="6"/>
+                                        </p:tgtEl>
+                                      </p:cBhvr>
+                                      <p:by x="224342" y="224333"/>
                                     </p:animScale>
                                   </p:childTnLst>
                                 </p:cTn>
@@ -22763,7 +22875,7 @@
 
 <file path=ppt/slides/slide35.xml><?xml version="1.0" encoding="utf-8"?>
 <p:sld xmlns:a="http://schemas.openxmlformats.org/drawingml/2006/main" xmlns:r="http://schemas.openxmlformats.org/officeDocument/2006/relationships" xmlns:p="http://schemas.openxmlformats.org/presentationml/2006/main">
-  <p:cSld name="PPTLabsMagnifiedSlide201705111426159797">
+  <p:cSld name="PPTLabsMagnifiedSlide201904141204269793">
     <p:bg>
       <p:bgPr>
         <a:solidFill>
@@ -22788,14 +22900,26 @@
       </p:grpSpPr>
       <p:pic>
         <p:nvPicPr>
-          <p:cNvPr id="5" name="PPTLabsMagnifyAreaGroup201705111426159350"/>
+          <p:cNvPr id="6" name="PPTLabsMagnifyAreaGroup201904141204269374">
+            <a:extLst>
+              <a:ext uri="{FF2B5EF4-FFF2-40B4-BE49-F238E27FC236}">
+                <a16:creationId xmlns:a16="http://schemas.microsoft.com/office/drawing/2014/main" id="{B0D17AB2-B648-4DBA-B463-82A3DAFA3AF4}"/>
+              </a:ext>
+            </a:extLst>
+          </p:cNvPr>
           <p:cNvPicPr>
             <a:picLocks noChangeAspect="1"/>
           </p:cNvPicPr>
           <p:nvPr/>
         </p:nvPicPr>
         <p:blipFill>
-          <a:blip r:embed="rId2"/>
+          <a:blip r:embed="rId2">
+            <a:extLst>
+              <a:ext uri="{28A0092B-C50C-407E-A947-70E740481C1C}">
+                <a14:useLocalDpi xmlns:a14="http://schemas.microsoft.com/office/drawing/2010/main" val="0"/>
+              </a:ext>
+            </a:extLst>
+          </a:blip>
           <a:srcRect/>
           <a:stretch>
             <a:fillRect/>
@@ -22803,8 +22927,8 @@
         </p:blipFill>
         <p:spPr>
           <a:xfrm>
-            <a:off x="-15539485" y="-4761187"/>
-            <a:ext cx="48355375" cy="36267051"/>
+            <a:off x="-15535223" y="-4759577"/>
+            <a:ext cx="48345137" cy="36257512"/>
           </a:xfrm>
           <a:prstGeom prst="rect">
             <a:avLst/>
@@ -22813,7 +22937,13 @@
       </p:pic>
       <p:pic>
         <p:nvPicPr>
-          <p:cNvPr id="3" name="PPTIndicator201705111426160053"/>
+          <p:cNvPr id="5" name="PPTIndicator201904141204270033">
+            <a:extLst>
+              <a:ext uri="{FF2B5EF4-FFF2-40B4-BE49-F238E27FC236}">
+                <a16:creationId xmlns:a16="http://schemas.microsoft.com/office/drawing/2014/main" id="{43669A85-0745-400E-9546-61A1623E3506}"/>
+              </a:ext>
+            </a:extLst>
+          </p:cNvPr>
           <p:cNvPicPr>
             <a:picLocks/>
           </p:cNvPicPr>
@@ -22844,21 +22974,13 @@
     </p:spTree>
     <p:extLst>
       <p:ext uri="{BB962C8B-B14F-4D97-AF65-F5344CB8AC3E}">
-        <p14:creationId xmlns:p14="http://schemas.microsoft.com/office/powerpoint/2010/main" val="377132491"/>
+        <p14:creationId xmlns:p14="http://schemas.microsoft.com/office/powerpoint/2010/main" val="3509885557"/>
       </p:ext>
     </p:extLst>
   </p:cSld>
   <p:clrMapOvr>
     <a:masterClrMapping/>
   </p:clrMapOvr>
-  <mc:AlternateContent xmlns:mc="http://schemas.openxmlformats.org/markup-compatibility/2006" xmlns:p14="http://schemas.microsoft.com/office/powerpoint/2010/main">
-    <mc:Choice Requires="p14">
-      <p:transition spd="slow" p14:dur="2000"/>
-    </mc:Choice>
-    <mc:Fallback xmlns="">
-      <p:transition spd="slow"/>
-    </mc:Fallback>
-  </mc:AlternateContent>
   <p:timing>
     <p:tnLst>
       <p:par>
@@ -22896,7 +23018,7 @@
                                           </p:stCondLst>
                                         </p:cTn>
                                         <p:tgtEl>
-                                          <p:spTgt spid="3"/>
+                                          <p:spTgt spid="5"/>
                                         </p:tgtEl>
                                         <p:attrNameLst>
                                           <p:attrName>style.visibility</p:attrName>
@@ -22923,7 +23045,7 @@
                                           </p:stCondLst>
                                         </p:cTn>
                                         <p:tgtEl>
-                                          <p:spTgt spid="3"/>
+                                          <p:spTgt spid="5"/>
                                         </p:tgtEl>
                                         <p:attrNameLst>
                                           <p:attrName>style.visibility</p:attrName>
@@ -22969,7 +23091,7 @@
 
 <file path=ppt/slides/slide36.xml><?xml version="1.0" encoding="utf-8"?>
 <p:sld xmlns:a="http://schemas.openxmlformats.org/drawingml/2006/main" xmlns:r="http://schemas.openxmlformats.org/officeDocument/2006/relationships" xmlns:p="http://schemas.openxmlformats.org/presentationml/2006/main">
-  <p:cSld name="PPTLabsMagnifiedPanSlide201705111426163920">
+  <p:cSld name="PPTLabsMagnifiedPanSlide201904141204276602">
     <p:bg>
       <p:bgPr>
         <a:solidFill>
@@ -22994,14 +23116,26 @@
       </p:grpSpPr>
       <p:pic>
         <p:nvPicPr>
-          <p:cNvPr id="5" name="PPTLabsMagnifyAreaGroup201705111426159350"/>
+          <p:cNvPr id="6" name="PPTLabsMagnifyAreaGroup201904141204269374">
+            <a:extLst>
+              <a:ext uri="{FF2B5EF4-FFF2-40B4-BE49-F238E27FC236}">
+                <a16:creationId xmlns:a16="http://schemas.microsoft.com/office/drawing/2014/main" id="{B0D17AB2-B648-4DBA-B463-82A3DAFA3AF4}"/>
+              </a:ext>
+            </a:extLst>
+          </p:cNvPr>
           <p:cNvPicPr>
             <a:picLocks/>
           </p:cNvPicPr>
           <p:nvPr/>
         </p:nvPicPr>
         <p:blipFill>
-          <a:blip r:embed="rId2"/>
+          <a:blip r:embed="rId2">
+            <a:extLst>
+              <a:ext uri="{28A0092B-C50C-407E-A947-70E740481C1C}">
+                <a14:useLocalDpi xmlns:a14="http://schemas.microsoft.com/office/drawing/2010/main" val="0"/>
+              </a:ext>
+            </a:extLst>
+          </a:blip>
           <a:srcRect/>
           <a:stretch>
             <a:fillRect/>
@@ -23009,8 +23143,8 @@
         </p:blipFill>
         <p:spPr>
           <a:xfrm>
-            <a:off x="0" y="0"/>
-            <a:ext cx="9143869" cy="6858000"/>
+            <a:off x="0" y="1"/>
+            <a:ext cx="9144000" cy="6857747"/>
           </a:xfrm>
           <a:prstGeom prst="rect">
             <a:avLst/>
@@ -23019,14 +23153,26 @@
       </p:pic>
       <p:pic>
         <p:nvPicPr>
-          <p:cNvPr id="6" name="PPTLabsMagnifyAreaGroup201705111426159350"/>
+          <p:cNvPr id="7" name="PPTLabsMagnifyAreaGroup201904141204269374">
+            <a:extLst>
+              <a:ext uri="{FF2B5EF4-FFF2-40B4-BE49-F238E27FC236}">
+                <a16:creationId xmlns:a16="http://schemas.microsoft.com/office/drawing/2014/main" id="{0108DA21-A49D-4B6B-9E08-33263A39F7BD}"/>
+              </a:ext>
+            </a:extLst>
+          </p:cNvPr>
           <p:cNvPicPr>
             <a:picLocks/>
           </p:cNvPicPr>
           <p:nvPr/>
         </p:nvPicPr>
         <p:blipFill>
-          <a:blip r:embed="rId2"/>
+          <a:blip r:embed="rId2">
+            <a:extLst>
+              <a:ext uri="{28A0092B-C50C-407E-A947-70E740481C1C}">
+                <a14:useLocalDpi xmlns:a14="http://schemas.microsoft.com/office/drawing/2010/main" val="0"/>
+              </a:ext>
+            </a:extLst>
+          </a:blip>
           <a:srcRect/>
           <a:stretch>
             <a:fillRect/>
@@ -23034,8 +23180,8 @@
         </p:blipFill>
         <p:spPr>
           <a:xfrm>
-            <a:off x="-15539486" y="-4761187"/>
-            <a:ext cx="48355375" cy="36267051"/>
+            <a:off x="-15535222" y="-4759577"/>
+            <a:ext cx="48345137" cy="36257512"/>
           </a:xfrm>
           <a:prstGeom prst="rect">
             <a:avLst/>
@@ -23044,7 +23190,13 @@
       </p:pic>
       <p:pic>
         <p:nvPicPr>
-          <p:cNvPr id="2" name="PPTIndicator201705111426164100"/>
+          <p:cNvPr id="3" name="PPTIndicator201904141204276692">
+            <a:extLst>
+              <a:ext uri="{FF2B5EF4-FFF2-40B4-BE49-F238E27FC236}">
+                <a16:creationId xmlns:a16="http://schemas.microsoft.com/office/drawing/2014/main" id="{BCB7E6B8-A19F-4FB0-A015-E1B0558D40F0}"/>
+              </a:ext>
+            </a:extLst>
+          </p:cNvPr>
           <p:cNvPicPr>
             <a:picLocks/>
           </p:cNvPicPr>
@@ -23075,7 +23227,7 @@
     </p:spTree>
     <p:extLst>
       <p:ext uri="{BB962C8B-B14F-4D97-AF65-F5344CB8AC3E}">
-        <p14:creationId xmlns:p14="http://schemas.microsoft.com/office/powerpoint/2010/main" val="3936984793"/>
+        <p14:creationId xmlns:p14="http://schemas.microsoft.com/office/powerpoint/2010/main" val="951000236"/>
       </p:ext>
     </p:extLst>
   </p:cSld>
@@ -23127,7 +23279,7 @@
                                           </p:stCondLst>
                                         </p:cTn>
                                         <p:tgtEl>
-                                          <p:spTgt spid="2"/>
+                                          <p:spTgt spid="3"/>
                                         </p:tgtEl>
                                         <p:attrNameLst>
                                           <p:attrName>style.visibility</p:attrName>
@@ -23154,7 +23306,7 @@
                                           </p:stCondLst>
                                         </p:cTn>
                                         <p:tgtEl>
-                                          <p:spTgt spid="2"/>
+                                          <p:spTgt spid="3"/>
                                         </p:tgtEl>
                                         <p:attrNameLst>
                                           <p:attrName>style.visibility</p:attrName>
@@ -23173,11 +23325,11 @@
                                     <p:cond delay="0"/>
                                   </p:stCondLst>
                                   <p:childTnLst>
-                                    <p:animMotion origin="layout" path="M 0 0 C 0.2223462 0.7249445 0.2223462 0.7249445 0.4446925 1.449889 E" pathEditMode="relative" ptsTypes="">
+                                    <p:animMotion origin="layout" path="M 0 0 C 0.2222958 0.7247232 0.2222958 0.7247232 0.4445916 1.449446 E" pathEditMode="relative" ptsTypes="">
                                       <p:cBhvr>
                                         <p:cTn id="10" dur="1" fill="hold"/>
                                         <p:tgtEl>
-                                          <p:spTgt spid="5"/>
+                                          <p:spTgt spid="6"/>
                                         </p:tgtEl>
                                         <p:attrNameLst>
                                           <p:attrName>ppt_x</p:attrName>
@@ -23198,10 +23350,10 @@
                                       <p:cBhvr>
                                         <p:cTn id="12" dur="1" fill="hold"/>
                                         <p:tgtEl>
-                                          <p:spTgt spid="5"/>
-                                        </p:tgtEl>
-                                      </p:cBhvr>
-                                      <p:by x="528828" y="528828"/>
+                                          <p:spTgt spid="6"/>
+                                        </p:tgtEl>
+                                      </p:cBhvr>
+                                      <p:by x="528709" y="528709"/>
                                     </p:animScale>
                                   </p:childTnLst>
                                 </p:cTn>
@@ -23216,7 +23368,7 @@
                                       <p:cBhvr>
                                         <p:cTn id="14" dur="10"/>
                                         <p:tgtEl>
-                                          <p:spTgt spid="6"/>
+                                          <p:spTgt spid="7"/>
                                         </p:tgtEl>
                                       </p:cBhvr>
                                     </p:animEffect>
@@ -23228,7 +23380,7 @@
                                           </p:stCondLst>
                                         </p:cTn>
                                         <p:tgtEl>
-                                          <p:spTgt spid="6"/>
+                                          <p:spTgt spid="7"/>
                                         </p:tgtEl>
                                         <p:attrNameLst>
                                           <p:attrName>style.visibility</p:attrName>
@@ -23256,11 +23408,11 @@
                                     <p:cond delay="0"/>
                                   </p:stCondLst>
                                   <p:childTnLst>
-                                    <p:animMotion origin="layout" path="M 0.4446925 1.449889 C 0.002813399 0.8386196 0.002813399 0.8386196 -0.4390657 0.2273501 E" pathEditMode="relative" ptsTypes="">
+                                    <p:animMotion origin="layout" path="M 0.4445916 1.449447 C 0.0027771 0.8383933 0.0027771 0.8383933 -0.4390375 0.2273406 E" pathEditMode="relative" ptsTypes="">
                                       <p:cBhvr>
                                         <p:cTn id="18" dur="400" fill="hold"/>
                                         <p:tgtEl>
-                                          <p:spTgt spid="5"/>
+                                          <p:spTgt spid="6"/>
                                         </p:tgtEl>
                                         <p:attrNameLst>
                                           <p:attrName>ppt_x</p:attrName>
@@ -23281,10 +23433,10 @@
                                       <p:cBhvr>
                                         <p:cTn id="20" dur="400" fill="hold"/>
                                         <p:tgtEl>
-                                          <p:spTgt spid="5"/>
-                                        </p:tgtEl>
-                                      </p:cBhvr>
-                                      <p:by x="35516" y="35515"/>
+                                          <p:spTgt spid="6"/>
+                                        </p:tgtEl>
+                                      </p:cBhvr>
+                                      <p:by x="35522" y="35523"/>
                                     </p:animScale>
                                   </p:childTnLst>
                                 </p:cTn>
@@ -23322,7 +23474,7 @@
 
 <file path=ppt/slides/slide37.xml><?xml version="1.0" encoding="utf-8"?>
 <p:sld xmlns:a="http://schemas.openxmlformats.org/drawingml/2006/main" xmlns:r="http://schemas.openxmlformats.org/officeDocument/2006/relationships" xmlns:p="http://schemas.openxmlformats.org/presentationml/2006/main">
-  <p:cSld name="PPTLabsMagnifiedSlide201705111426163642">
+  <p:cSld name="PPTLabsMagnifiedSlide201904141204276311">
     <p:bg>
       <p:bgPr>
         <a:solidFill>
@@ -23347,14 +23499,26 @@
       </p:grpSpPr>
       <p:pic>
         <p:nvPicPr>
-          <p:cNvPr id="5" name="PPTLabsMagnifyAreaGroup201705111426163125"/>
+          <p:cNvPr id="6" name="PPTLabsMagnifyAreaGroup201904141204275990">
+            <a:extLst>
+              <a:ext uri="{FF2B5EF4-FFF2-40B4-BE49-F238E27FC236}">
+                <a16:creationId xmlns:a16="http://schemas.microsoft.com/office/drawing/2014/main" id="{EFE048B6-C58A-4744-99C2-23ED63CA044C}"/>
+              </a:ext>
+            </a:extLst>
+          </p:cNvPr>
           <p:cNvPicPr>
             <a:picLocks noChangeAspect="1"/>
           </p:cNvPicPr>
           <p:nvPr/>
         </p:nvPicPr>
         <p:blipFill>
-          <a:blip r:embed="rId2"/>
+          <a:blip r:embed="rId2">
+            <a:extLst>
+              <a:ext uri="{28A0092B-C50C-407E-A947-70E740481C1C}">
+                <a14:useLocalDpi xmlns:a14="http://schemas.microsoft.com/office/drawing/2010/main" val="0"/>
+              </a:ext>
+            </a:extLst>
+          </a:blip>
           <a:srcRect/>
           <a:stretch>
             <a:fillRect/>
@@ -23362,8 +23526,8 @@
         </p:blipFill>
         <p:spPr>
           <a:xfrm>
-            <a:off x="-8029764" y="-1452008"/>
-            <a:ext cx="17173764" cy="12880349"/>
+            <a:off x="-8029119" y="-1451933"/>
+            <a:ext cx="17173119" cy="12879811"/>
           </a:xfrm>
           <a:prstGeom prst="rect">
             <a:avLst/>
@@ -23372,7 +23536,13 @@
       </p:pic>
       <p:pic>
         <p:nvPicPr>
-          <p:cNvPr id="3" name="PPTIndicator201705111426163880"/>
+          <p:cNvPr id="5" name="PPTIndicator201904141204276542">
+            <a:extLst>
+              <a:ext uri="{FF2B5EF4-FFF2-40B4-BE49-F238E27FC236}">
+                <a16:creationId xmlns:a16="http://schemas.microsoft.com/office/drawing/2014/main" id="{7EFD4177-7B20-49E6-8C27-56CF2E6D560F}"/>
+              </a:ext>
+            </a:extLst>
+          </p:cNvPr>
           <p:cNvPicPr>
             <a:picLocks/>
           </p:cNvPicPr>
@@ -23403,21 +23573,13 @@
     </p:spTree>
     <p:extLst>
       <p:ext uri="{BB962C8B-B14F-4D97-AF65-F5344CB8AC3E}">
-        <p14:creationId xmlns:p14="http://schemas.microsoft.com/office/powerpoint/2010/main" val="2090193175"/>
+        <p14:creationId xmlns:p14="http://schemas.microsoft.com/office/powerpoint/2010/main" val="1254273384"/>
       </p:ext>
     </p:extLst>
   </p:cSld>
   <p:clrMapOvr>
     <a:masterClrMapping/>
   </p:clrMapOvr>
-  <mc:AlternateContent xmlns:mc="http://schemas.openxmlformats.org/markup-compatibility/2006" xmlns:p14="http://schemas.microsoft.com/office/powerpoint/2010/main">
-    <mc:Choice Requires="p14">
-      <p:transition spd="slow" p14:dur="2000"/>
-    </mc:Choice>
-    <mc:Fallback xmlns="">
-      <p:transition spd="slow"/>
-    </mc:Fallback>
-  </mc:AlternateContent>
   <p:timing>
     <p:tnLst>
       <p:par>
@@ -23455,7 +23617,7 @@
                                           </p:stCondLst>
                                         </p:cTn>
                                         <p:tgtEl>
-                                          <p:spTgt spid="3"/>
+                                          <p:spTgt spid="5"/>
                                         </p:tgtEl>
                                         <p:attrNameLst>
                                           <p:attrName>style.visibility</p:attrName>
@@ -23482,7 +23644,7 @@
                                           </p:stCondLst>
                                         </p:cTn>
                                         <p:tgtEl>
-                                          <p:spTgt spid="3"/>
+                                          <p:spTgt spid="5"/>
                                         </p:tgtEl>
                                         <p:attrNameLst>
                                           <p:attrName>style.visibility</p:attrName>
@@ -23528,7 +23690,7 @@
 
 <file path=ppt/slides/slide38.xml><?xml version="1.0" encoding="utf-8"?>
 <p:sld xmlns:a="http://schemas.openxmlformats.org/drawingml/2006/main" xmlns:r="http://schemas.openxmlformats.org/officeDocument/2006/relationships" xmlns:p="http://schemas.openxmlformats.org/presentationml/2006/main">
-  <p:cSld name="PPTLabsMagnifiedPanSlide201705111426167557">
+  <p:cSld name="PPTLabsMagnifiedPanSlide201904141204282950">
     <p:bg>
       <p:bgPr>
         <a:solidFill>
@@ -23553,14 +23715,26 @@
       </p:grpSpPr>
       <p:pic>
         <p:nvPicPr>
-          <p:cNvPr id="5" name="PPTLabsMagnifyAreaGroup201705111426163125"/>
+          <p:cNvPr id="6" name="PPTLabsMagnifyAreaGroup201904141204275990">
+            <a:extLst>
+              <a:ext uri="{FF2B5EF4-FFF2-40B4-BE49-F238E27FC236}">
+                <a16:creationId xmlns:a16="http://schemas.microsoft.com/office/drawing/2014/main" id="{EFE048B6-C58A-4744-99C2-23ED63CA044C}"/>
+              </a:ext>
+            </a:extLst>
+          </p:cNvPr>
           <p:cNvPicPr>
             <a:picLocks/>
           </p:cNvPicPr>
           <p:nvPr/>
         </p:nvPicPr>
         <p:blipFill>
-          <a:blip r:embed="rId2"/>
+          <a:blip r:embed="rId2">
+            <a:extLst>
+              <a:ext uri="{28A0092B-C50C-407E-A947-70E740481C1C}">
+                <a14:useLocalDpi xmlns:a14="http://schemas.microsoft.com/office/drawing/2010/main" val="0"/>
+              </a:ext>
+            </a:extLst>
+          </a:blip>
           <a:srcRect/>
           <a:stretch>
             <a:fillRect/>
@@ -23568,8 +23742,8 @@
         </p:blipFill>
         <p:spPr>
           <a:xfrm>
-            <a:off x="1" y="0"/>
-            <a:ext cx="9143981" cy="6858000"/>
+            <a:off x="0" y="0"/>
+            <a:ext cx="9144001" cy="6857984"/>
           </a:xfrm>
           <a:prstGeom prst="rect">
             <a:avLst/>
@@ -23578,14 +23752,26 @@
       </p:pic>
       <p:pic>
         <p:nvPicPr>
-          <p:cNvPr id="6" name="PPTLabsMagnifyAreaGroup201705111426163125"/>
+          <p:cNvPr id="7" name="PPTLabsMagnifyAreaGroup201904141204275990">
+            <a:extLst>
+              <a:ext uri="{FF2B5EF4-FFF2-40B4-BE49-F238E27FC236}">
+                <a16:creationId xmlns:a16="http://schemas.microsoft.com/office/drawing/2014/main" id="{A8F929E6-3ACC-42C0-BFB2-66B92FF237A2}"/>
+              </a:ext>
+            </a:extLst>
+          </p:cNvPr>
           <p:cNvPicPr>
             <a:picLocks/>
           </p:cNvPicPr>
           <p:nvPr/>
         </p:nvPicPr>
         <p:blipFill>
-          <a:blip r:embed="rId2"/>
+          <a:blip r:embed="rId2">
+            <a:extLst>
+              <a:ext uri="{28A0092B-C50C-407E-A947-70E740481C1C}">
+                <a14:useLocalDpi xmlns:a14="http://schemas.microsoft.com/office/drawing/2010/main" val="0"/>
+              </a:ext>
+            </a:extLst>
+          </a:blip>
           <a:srcRect/>
           <a:stretch>
             <a:fillRect/>
@@ -23593,8 +23779,8 @@
         </p:blipFill>
         <p:spPr>
           <a:xfrm>
-            <a:off x="-8029764" y="-1452008"/>
-            <a:ext cx="17173764" cy="12880349"/>
+            <a:off x="-8029119" y="-1451933"/>
+            <a:ext cx="17173119" cy="12879811"/>
           </a:xfrm>
           <a:prstGeom prst="rect">
             <a:avLst/>
@@ -23603,7 +23789,13 @@
       </p:pic>
       <p:pic>
         <p:nvPicPr>
-          <p:cNvPr id="2" name="PPTIndicator201705111426167727"/>
+          <p:cNvPr id="3" name="PPTIndicator201904141204283039">
+            <a:extLst>
+              <a:ext uri="{FF2B5EF4-FFF2-40B4-BE49-F238E27FC236}">
+                <a16:creationId xmlns:a16="http://schemas.microsoft.com/office/drawing/2014/main" id="{A122A07D-54BA-4F5C-A234-C97B3AB03945}"/>
+              </a:ext>
+            </a:extLst>
+          </p:cNvPr>
           <p:cNvPicPr>
             <a:picLocks/>
           </p:cNvPicPr>
@@ -23634,7 +23826,7 @@
     </p:spTree>
     <p:extLst>
       <p:ext uri="{BB962C8B-B14F-4D97-AF65-F5344CB8AC3E}">
-        <p14:creationId xmlns:p14="http://schemas.microsoft.com/office/powerpoint/2010/main" val="3976883686"/>
+        <p14:creationId xmlns:p14="http://schemas.microsoft.com/office/powerpoint/2010/main" val="4280896357"/>
       </p:ext>
     </p:extLst>
   </p:cSld>
@@ -23686,7 +23878,7 @@
                                           </p:stCondLst>
                                         </p:cTn>
                                         <p:tgtEl>
-                                          <p:spTgt spid="2"/>
+                                          <p:spTgt spid="3"/>
                                         </p:tgtEl>
                                         <p:attrNameLst>
                                           <p:attrName>style.visibility</p:attrName>
@@ -23713,7 +23905,7 @@
                                           </p:stCondLst>
                                         </p:cTn>
                                         <p:tgtEl>
-                                          <p:spTgt spid="2"/>
+                                          <p:spTgt spid="3"/>
                                         </p:tgtEl>
                                         <p:attrNameLst>
                                           <p:attrName>style.visibility</p:attrName>
@@ -23732,11 +23924,11 @@
                                     <p:cond delay="0"/>
                                   </p:stCondLst>
                                   <p:childTnLst>
-                                    <p:animMotion origin="layout" path="M 0 0 C -0.219536 0.113675 -0.219536 0.113675 -0.4390719 0.22735 E" pathEditMode="relative" ptsTypes="">
+                                    <p:animMotion origin="layout" path="M 0 0 C -0.2195188 0.1136615 -0.2195188 0.1136615 -0.4390375 0.2273229 E" pathEditMode="relative" ptsTypes="">
                                       <p:cBhvr>
                                         <p:cTn id="10" dur="1" fill="hold"/>
                                         <p:tgtEl>
-                                          <p:spTgt spid="5"/>
+                                          <p:spTgt spid="6"/>
                                         </p:tgtEl>
                                         <p:attrNameLst>
                                           <p:attrName>ppt_x</p:attrName>
@@ -23757,10 +23949,10 @@
                                       <p:cBhvr>
                                         <p:cTn id="12" dur="1" fill="hold"/>
                                         <p:tgtEl>
-                                          <p:spTgt spid="5"/>
-                                        </p:tgtEl>
-                                      </p:cBhvr>
-                                      <p:by x="187815" y="187815"/>
+                                          <p:spTgt spid="6"/>
+                                        </p:tgtEl>
+                                      </p:cBhvr>
+                                      <p:by x="187808" y="187808"/>
                                     </p:animScale>
                                   </p:childTnLst>
                                 </p:cTn>
@@ -23775,7 +23967,7 @@
                                       <p:cBhvr>
                                         <p:cTn id="14" dur="10"/>
                                         <p:tgtEl>
-                                          <p:spTgt spid="6"/>
+                                          <p:spTgt spid="7"/>
                                         </p:tgtEl>
                                       </p:cBhvr>
                                     </p:animEffect>
@@ -23787,7 +23979,7 @@
                                           </p:stCondLst>
                                         </p:cTn>
                                         <p:tgtEl>
-                                          <p:spTgt spid="6"/>
+                                          <p:spTgt spid="7"/>
                                         </p:tgtEl>
                                         <p:attrNameLst>
                                           <p:attrName>style.visibility</p:attrName>
@@ -23815,11 +24007,11 @@
                                     <p:cond delay="0"/>
                                   </p:stCondLst>
                                   <p:childTnLst>
-                                    <p:animMotion origin="layout" path="M -0.4390718 0.22735 C -0.1814083 -0.1447552 -0.1814083 -0.1447552 0.07625526 -0.5168604 E" pathEditMode="relative" ptsTypes="">
+                                    <p:animMotion origin="layout" path="M -0.4390375 0.2273228 C -0.1813931 -0.1447375 -0.1813931 -0.1447375 0.07625118 -0.5167978 E" pathEditMode="relative" ptsTypes="">
                                       <p:cBhvr>
                                         <p:cTn id="18" dur="400" fill="hold"/>
                                         <p:tgtEl>
-                                          <p:spTgt spid="5"/>
+                                          <p:spTgt spid="6"/>
                                         </p:tgtEl>
                                         <p:attrNameLst>
                                           <p:attrName>ppt_x</p:attrName>
@@ -23840,10 +24032,10 @@
                                       <p:cBhvr>
                                         <p:cTn id="20" dur="400" fill="hold"/>
                                         <p:tgtEl>
-                                          <p:spTgt spid="5"/>
-                                        </p:tgtEl>
-                                      </p:cBhvr>
-                                      <p:by x="108283" y="108283"/>
+                                          <p:spTgt spid="6"/>
+                                        </p:tgtEl>
+                                      </p:cBhvr>
+                                      <p:by x="108283" y="108281"/>
                                     </p:animScale>
                                   </p:childTnLst>
                                 </p:cTn>
@@ -23881,7 +24073,7 @@
 
 <file path=ppt/slides/slide39.xml><?xml version="1.0" encoding="utf-8"?>
 <p:sld xmlns:a="http://schemas.openxmlformats.org/drawingml/2006/main" xmlns:r="http://schemas.openxmlformats.org/officeDocument/2006/relationships" xmlns:p="http://schemas.openxmlformats.org/presentationml/2006/main">
-  <p:cSld name="PPTLabsMagnifiedSlide201705111426167302">
+  <p:cSld name="PPTLabsMagnifiedSlide201904141204282648">
     <p:bg>
       <p:bgPr>
         <a:solidFill>
@@ -23906,14 +24098,26 @@
       </p:grpSpPr>
       <p:pic>
         <p:nvPicPr>
-          <p:cNvPr id="5" name="PPTLabsMagnifyAreaGroup201705111426166742"/>
+          <p:cNvPr id="6" name="PPTLabsMagnifyAreaGroup201904141204282369">
+            <a:extLst>
+              <a:ext uri="{FF2B5EF4-FFF2-40B4-BE49-F238E27FC236}">
+                <a16:creationId xmlns:a16="http://schemas.microsoft.com/office/drawing/2014/main" id="{C7D8C2F2-CAD2-4FE6-AE7F-62185252C31A}"/>
+              </a:ext>
+            </a:extLst>
+          </p:cNvPr>
           <p:cNvPicPr>
             <a:picLocks noChangeAspect="1"/>
           </p:cNvPicPr>
           <p:nvPr/>
         </p:nvPicPr>
         <p:blipFill>
-          <a:blip r:embed="rId2"/>
+          <a:blip r:embed="rId2">
+            <a:extLst>
+              <a:ext uri="{28A0092B-C50C-407E-A947-70E740481C1C}">
+                <a14:useLocalDpi xmlns:a14="http://schemas.microsoft.com/office/drawing/2010/main" val="0"/>
+              </a:ext>
+            </a:extLst>
+          </a:blip>
           <a:srcRect/>
           <a:stretch>
             <a:fillRect/>
@@ -23921,8 +24125,8 @@
         </p:blipFill>
         <p:spPr>
           <a:xfrm>
-            <a:off x="-4028893" y="-7089260"/>
-            <a:ext cx="18596324" cy="13947264"/>
+            <a:off x="-4028544" y="-7088422"/>
+            <a:ext cx="18595570" cy="13946431"/>
           </a:xfrm>
           <a:prstGeom prst="rect">
             <a:avLst/>
@@ -23931,7 +24135,13 @@
       </p:pic>
       <p:pic>
         <p:nvPicPr>
-          <p:cNvPr id="3" name="PPTIndicator201705111426167507"/>
+          <p:cNvPr id="5" name="PPTIndicator201904141204282890">
+            <a:extLst>
+              <a:ext uri="{FF2B5EF4-FFF2-40B4-BE49-F238E27FC236}">
+                <a16:creationId xmlns:a16="http://schemas.microsoft.com/office/drawing/2014/main" id="{472C6CDB-5B69-4491-AD73-303F7C3D8F11}"/>
+              </a:ext>
+            </a:extLst>
+          </p:cNvPr>
           <p:cNvPicPr>
             <a:picLocks/>
           </p:cNvPicPr>
@@ -23962,21 +24172,13 @@
     </p:spTree>
     <p:extLst>
       <p:ext uri="{BB962C8B-B14F-4D97-AF65-F5344CB8AC3E}">
-        <p14:creationId xmlns:p14="http://schemas.microsoft.com/office/powerpoint/2010/main" val="2918540618"/>
+        <p14:creationId xmlns:p14="http://schemas.microsoft.com/office/powerpoint/2010/main" val="125948053"/>
       </p:ext>
     </p:extLst>
   </p:cSld>
   <p:clrMapOvr>
     <a:masterClrMapping/>
   </p:clrMapOvr>
-  <mc:AlternateContent xmlns:mc="http://schemas.openxmlformats.org/markup-compatibility/2006" xmlns:p14="http://schemas.microsoft.com/office/powerpoint/2010/main">
-    <mc:Choice Requires="p14">
-      <p:transition spd="slow" p14:dur="2000"/>
-    </mc:Choice>
-    <mc:Fallback xmlns="">
-      <p:transition spd="slow"/>
-    </mc:Fallback>
-  </mc:AlternateContent>
   <p:timing>
     <p:tnLst>
       <p:par>
@@ -24014,7 +24216,7 @@
                                           </p:stCondLst>
                                         </p:cTn>
                                         <p:tgtEl>
-                                          <p:spTgt spid="3"/>
+                                          <p:spTgt spid="5"/>
                                         </p:tgtEl>
                                         <p:attrNameLst>
                                           <p:attrName>style.visibility</p:attrName>
@@ -24041,7 +24243,7 @@
                                           </p:stCondLst>
                                         </p:cTn>
                                         <p:tgtEl>
-                                          <p:spTgt spid="3"/>
+                                          <p:spTgt spid="5"/>
                                         </p:tgtEl>
                                         <p:attrNameLst>
                                           <p:attrName>style.visibility</p:attrName>
@@ -24394,7 +24596,7 @@
 
 <file path=ppt/slides/slide40.xml><?xml version="1.0" encoding="utf-8"?>
 <p:sld xmlns:a="http://schemas.openxmlformats.org/drawingml/2006/main" xmlns:r="http://schemas.openxmlformats.org/officeDocument/2006/relationships" xmlns:p="http://schemas.openxmlformats.org/presentationml/2006/main">
-  <p:cSld name="PPTLabsDeMagnifyingSlide201705111426167807">
+  <p:cSld name="PPTLabsDeMagnifyingSlide201904141204283129">
     <p:bg>
       <p:bgPr>
         <a:solidFill>
@@ -24486,32 +24688,43 @@
           <a:lstStyle/>
           <a:p>
             <a:r>
-              <a:rPr lang="en-US" sz="6000" b="1" dirty="0" smtClean="0"/>
+              <a:rPr lang="en-US" sz="6000" b="1" dirty="0"/>
               <a:t>TEXT IN SLIDE</a:t>
             </a:r>
-            <a:endParaRPr lang="en-US" sz="6000" b="1" dirty="0"/>
           </a:p>
         </p:txBody>
       </p:sp>
       <p:pic>
         <p:nvPicPr>
-          <p:cNvPr id="5" name="PPTLabsMagnifyAreaGroup201705111426166742"/>
+          <p:cNvPr id="6" name="PPTLabsMagnifyAreaGroup201904141204282369">
+            <a:extLst>
+              <a:ext uri="{FF2B5EF4-FFF2-40B4-BE49-F238E27FC236}">
+                <a16:creationId xmlns:a16="http://schemas.microsoft.com/office/drawing/2014/main" id="{C7D8C2F2-CAD2-4FE6-AE7F-62185252C31A}"/>
+              </a:ext>
+            </a:extLst>
+          </p:cNvPr>
           <p:cNvPicPr>
             <a:picLocks/>
           </p:cNvPicPr>
           <p:nvPr/>
         </p:nvPicPr>
         <p:blipFill>
-          <a:blip r:embed="rId3"/>
-          <a:srcRect l="21665" t="50829" r="29164"/>
+          <a:blip r:embed="rId3">
+            <a:extLst>
+              <a:ext uri="{28A0092B-C50C-407E-A947-70E740481C1C}">
+                <a14:useLocalDpi xmlns:a14="http://schemas.microsoft.com/office/drawing/2010/main" val="0"/>
+              </a:ext>
+            </a:extLst>
+          </a:blip>
+          <a:srcRect l="21664" t="50826" r="29163"/>
           <a:stretch>
             <a:fillRect/>
           </a:stretch>
         </p:blipFill>
         <p:spPr>
           <a:xfrm>
-            <a:off x="0" y="-5"/>
-            <a:ext cx="9144000" cy="6858009"/>
+            <a:off x="0" y="-10"/>
+            <a:ext cx="9144000" cy="6858019"/>
           </a:xfrm>
           <a:prstGeom prst="rect">
             <a:avLst/>
@@ -24520,7 +24733,13 @@
       </p:pic>
       <p:pic>
         <p:nvPicPr>
-          <p:cNvPr id="3" name="PPTIndicator201705111426168088"/>
+          <p:cNvPr id="5" name="PPTIndicator201904141204283393">
+            <a:extLst>
+              <a:ext uri="{FF2B5EF4-FFF2-40B4-BE49-F238E27FC236}">
+                <a16:creationId xmlns:a16="http://schemas.microsoft.com/office/drawing/2014/main" id="{A7BE7DFE-EA22-4840-B263-B03DD8356D9C}"/>
+              </a:ext>
+            </a:extLst>
+          </p:cNvPr>
           <p:cNvPicPr>
             <a:picLocks/>
           </p:cNvPicPr>
@@ -24551,21 +24770,13 @@
     </p:spTree>
     <p:extLst>
       <p:ext uri="{BB962C8B-B14F-4D97-AF65-F5344CB8AC3E}">
-        <p14:creationId xmlns:p14="http://schemas.microsoft.com/office/powerpoint/2010/main" val="3062800820"/>
+        <p14:creationId xmlns:p14="http://schemas.microsoft.com/office/powerpoint/2010/main" val="3050719852"/>
       </p:ext>
     </p:extLst>
   </p:cSld>
   <p:clrMapOvr>
     <a:masterClrMapping/>
   </p:clrMapOvr>
-  <mc:AlternateContent xmlns:mc="http://schemas.openxmlformats.org/markup-compatibility/2006" xmlns:p14="http://schemas.microsoft.com/office/powerpoint/2010/main">
-    <mc:Choice Requires="p14">
-      <p:transition spd="slow" p14:dur="2000"/>
-    </mc:Choice>
-    <mc:Fallback xmlns="">
-      <p:transition spd="slow"/>
-    </mc:Fallback>
-  </mc:AlternateContent>
   <p:timing>
     <p:tnLst>
       <p:par>
@@ -24603,7 +24814,7 @@
                                           </p:stCondLst>
                                         </p:cTn>
                                         <p:tgtEl>
-                                          <p:spTgt spid="3"/>
+                                          <p:spTgt spid="5"/>
                                         </p:tgtEl>
                                         <p:attrNameLst>
                                           <p:attrName>style.visibility</p:attrName>
@@ -24630,7 +24841,7 @@
                                           </p:stCondLst>
                                         </p:cTn>
                                         <p:tgtEl>
-                                          <p:spTgt spid="3"/>
+                                          <p:spTgt spid="5"/>
                                         </p:tgtEl>
                                         <p:attrNameLst>
                                           <p:attrName>style.visibility</p:attrName>
@@ -24653,7 +24864,7 @@
                                       <p:cBhvr>
                                         <p:cTn id="10" dur="500" fill="hold"/>
                                         <p:tgtEl>
-                                          <p:spTgt spid="5"/>
+                                          <p:spTgt spid="6"/>
                                         </p:tgtEl>
                                         <p:attrNameLst>
                                           <p:attrName>ppt_x</p:attrName>
@@ -24674,7 +24885,7 @@
                                       <p:cBhvr>
                                         <p:cTn id="12" dur="500" fill="hold"/>
                                         <p:tgtEl>
-                                          <p:spTgt spid="5"/>
+                                          <p:spTgt spid="6"/>
                                         </p:tgtEl>
                                       </p:cBhvr>
                                       <p:by x="49167" y="49167"/>
@@ -24771,7 +24982,7 @@
                                       <p:cBhvr>
                                         <p:cTn id="21" dur="250"/>
                                         <p:tgtEl>
-                                          <p:spTgt spid="5"/>
+                                          <p:spTgt spid="6"/>
                                         </p:tgtEl>
                                       </p:cBhvr>
                                     </p:animEffect>
@@ -24783,7 +24994,7 @@
                                           </p:stCondLst>
                                         </p:cTn>
                                         <p:tgtEl>
-                                          <p:spTgt spid="5"/>
+                                          <p:spTgt spid="6"/>
                                         </p:tgtEl>
                                         <p:attrNameLst>
                                           <p:attrName>style.visibility</p:attrName>
@@ -24863,7 +25074,7 @@
           <a:lstStyle/>
           <a:p>
             <a:r>
-              <a:rPr lang="en-US" dirty="0" smtClean="0"/>
+              <a:rPr lang="en-US" dirty="0"/>
               <a:t>Zoom to Area:: Multiple Shapes</a:t>
             </a:r>
             <a:endParaRPr lang="en-SG" dirty="0"/>
@@ -24887,11 +25098,7 @@
           <a:p>
             <a:r>
               <a:rPr lang="en-US" dirty="0"/>
-              <a:t>Select all blue </a:t>
-            </a:r>
-            <a:r>
-              <a:rPr lang="en-US" dirty="0" smtClean="0"/>
-              <a:t>rectangles sequentially.</a:t>
+              <a:t>Select all blue rectangles sequentially.</a:t>
             </a:r>
           </a:p>
           <a:p>
@@ -24909,13 +25116,8 @@
           <a:p>
             <a:r>
               <a:rPr lang="en-SG" dirty="0"/>
-              <a:t>Put all zoom effects on separate slides: </a:t>
+              <a:t>Put all zoom effects on separate slides: False</a:t>
             </a:r>
-            <a:r>
-              <a:rPr lang="en-SG" dirty="0" smtClean="0"/>
-              <a:t>False</a:t>
-            </a:r>
-            <a:endParaRPr lang="en-SG" dirty="0"/>
           </a:p>
           <a:p>
             <a:endParaRPr lang="en-SG" dirty="0"/>
@@ -24932,13 +25134,6 @@
   <p:clrMapOvr>
     <a:masterClrMapping/>
   </p:clrMapOvr>
-  <p:timing>
-    <p:tnLst>
-      <p:par>
-        <p:cTn id="1" dur="indefinite" restart="never" nodeType="tmRoot"/>
-      </p:par>
-    </p:tnLst>
-  </p:timing>
 </p:sld>
 </file>
 
@@ -25245,7 +25440,7 @@
           <a:lstStyle/>
           <a:p>
             <a:r>
-              <a:rPr lang="en-US" sz="6600" dirty="0" smtClean="0">
+              <a:rPr lang="en-US" sz="6600" dirty="0">
                 <a:solidFill>
                   <a:schemeClr val="accent1"/>
                 </a:solidFill>
@@ -25331,7 +25526,7 @@
           <a:lstStyle/>
           <a:p>
             <a:r>
-              <a:rPr lang="en-US" sz="6600" dirty="0" smtClean="0">
+              <a:rPr lang="en-US" sz="6600" dirty="0">
                 <a:solidFill>
                   <a:schemeClr val="accent1"/>
                 </a:solidFill>
@@ -25369,10 +25564,9 @@
           <a:lstStyle/>
           <a:p>
             <a:r>
-              <a:rPr lang="en-US" sz="6000" b="1" dirty="0" smtClean="0"/>
+              <a:rPr lang="en-US" sz="6000" b="1" dirty="0"/>
               <a:t>TEXT IN SLIDE</a:t>
             </a:r>
-            <a:endParaRPr lang="en-US" sz="6000" b="1" dirty="0"/>
           </a:p>
         </p:txBody>
       </p:sp>
@@ -25788,7 +25982,7 @@
 
 <file path=ppt/slides/slide43.xml><?xml version="1.0" encoding="utf-8"?>
 <p:sld xmlns:a="http://schemas.openxmlformats.org/drawingml/2006/main" xmlns:r="http://schemas.openxmlformats.org/officeDocument/2006/relationships" xmlns:p="http://schemas.openxmlformats.org/presentationml/2006/main">
-  <p:cSld name="PPTLabsZoomToAreaSlide201705111424002496">
+  <p:cSld name="PPTLabsZoomToAreaSlide201904121149590733">
     <p:bg>
       <p:bgPr>
         <a:solidFill>
@@ -25956,7 +26150,7 @@
           <a:lstStyle/>
           <a:p>
             <a:r>
-              <a:rPr lang="en-US" sz="6600" dirty="0" smtClean="0">
+              <a:rPr lang="en-US" sz="6600" dirty="0">
                 <a:solidFill>
                   <a:schemeClr val="accent1"/>
                 </a:solidFill>
@@ -25994,7 +26188,7 @@
           <a:lstStyle/>
           <a:p>
             <a:r>
-              <a:rPr lang="en-US" sz="6600" dirty="0" smtClean="0">
+              <a:rPr lang="en-US" sz="6600" dirty="0">
                 <a:solidFill>
                   <a:schemeClr val="accent1"/>
                 </a:solidFill>
@@ -26032,10 +26226,9 @@
           <a:lstStyle/>
           <a:p>
             <a:r>
-              <a:rPr lang="en-US" sz="6000" b="1" dirty="0" smtClean="0"/>
+              <a:rPr lang="en-US" sz="6000" b="1" dirty="0"/>
               <a:t>TEXT IN SLIDE</a:t>
             </a:r>
-            <a:endParaRPr lang="en-US" sz="6000" b="1" dirty="0"/>
           </a:p>
         </p:txBody>
       </p:sp>
@@ -26121,7 +26314,7 @@
       </p:sp>
       <p:sp>
         <p:nvSpPr>
-          <p:cNvPr id="3" name="PPTLabsMagnifyShape201705111424002516"/>
+          <p:cNvPr id="3" name="PPTLabsMagnifyShape201904121149590742"/>
           <p:cNvSpPr/>
           <p:nvPr/>
         </p:nvSpPr>
@@ -26168,24 +26361,19 @@
           <a:p>
             <a:pPr algn="ctr"/>
             <a:r>
-              <a:rPr lang="en-US" b="1" smtClean="0">
+              <a:rPr lang="en-SG" b="1">
                 <a:solidFill>
                   <a:srgbClr val="FFFFFF"/>
                 </a:solidFill>
               </a:rPr>
               <a:t>Zoom Shape 1</a:t>
             </a:r>
-            <a:endParaRPr lang="en-US" b="1">
-              <a:solidFill>
-                <a:srgbClr val="FFFFFF"/>
-              </a:solidFill>
-            </a:endParaRPr>
           </a:p>
         </p:txBody>
       </p:sp>
       <p:sp>
         <p:nvSpPr>
-          <p:cNvPr id="8" name="PPTLabsMagnifyShape201705111424002566"/>
+          <p:cNvPr id="8" name="PPTLabsMagnifyShape201904121149590782"/>
           <p:cNvSpPr/>
           <p:nvPr/>
         </p:nvSpPr>
@@ -26232,24 +26420,19 @@
           <a:p>
             <a:pPr algn="ctr"/>
             <a:r>
-              <a:rPr lang="en-US" b="1" smtClean="0">
+              <a:rPr lang="en-SG" b="1">
                 <a:solidFill>
                   <a:srgbClr val="FFFFFF"/>
                 </a:solidFill>
               </a:rPr>
               <a:t>Zoom Shape 2</a:t>
             </a:r>
-            <a:endParaRPr lang="en-US" b="1">
-              <a:solidFill>
-                <a:srgbClr val="FFFFFF"/>
-              </a:solidFill>
-            </a:endParaRPr>
           </a:p>
         </p:txBody>
       </p:sp>
       <p:sp>
         <p:nvSpPr>
-          <p:cNvPr id="9" name="PPTLabsMagnifyShape201705111424002616"/>
+          <p:cNvPr id="9" name="PPTLabsMagnifyShape201904121149590822"/>
           <p:cNvSpPr/>
           <p:nvPr/>
         </p:nvSpPr>
@@ -26296,24 +26479,19 @@
           <a:p>
             <a:pPr algn="ctr"/>
             <a:r>
-              <a:rPr lang="en-US" b="1" smtClean="0">
+              <a:rPr lang="en-SG" b="1">
                 <a:solidFill>
                   <a:srgbClr val="FFFFFF"/>
                 </a:solidFill>
               </a:rPr>
               <a:t>Zoom Shape 3</a:t>
             </a:r>
-            <a:endParaRPr lang="en-US" b="1">
-              <a:solidFill>
-                <a:srgbClr val="FFFFFF"/>
-              </a:solidFill>
-            </a:endParaRPr>
           </a:p>
         </p:txBody>
       </p:sp>
       <p:sp>
         <p:nvSpPr>
-          <p:cNvPr id="10" name="PPTLabsMagnifyShape201705111424002666"/>
+          <p:cNvPr id="10" name="PPTLabsMagnifyShape201904121149590870"/>
           <p:cNvSpPr/>
           <p:nvPr/>
         </p:nvSpPr>
@@ -26360,25 +26538,20 @@
           <a:p>
             <a:pPr algn="ctr"/>
             <a:r>
-              <a:rPr lang="en-US" b="1" smtClean="0">
+              <a:rPr lang="en-SG" b="1">
                 <a:solidFill>
                   <a:srgbClr val="FFFFFF"/>
                 </a:solidFill>
               </a:rPr>
               <a:t>Zoom Shape 4</a:t>
             </a:r>
-            <a:endParaRPr lang="en-US" b="1">
-              <a:solidFill>
-                <a:srgbClr val="FFFFFF"/>
-              </a:solidFill>
-            </a:endParaRPr>
           </a:p>
         </p:txBody>
       </p:sp>
     </p:spTree>
     <p:extLst>
       <p:ext uri="{BB962C8B-B14F-4D97-AF65-F5344CB8AC3E}">
-        <p14:creationId xmlns:p14="http://schemas.microsoft.com/office/powerpoint/2010/main" val="1282630545"/>
+        <p14:creationId xmlns:p14="http://schemas.microsoft.com/office/powerpoint/2010/main" val="1583712554"/>
       </p:ext>
     </p:extLst>
   </p:cSld>
@@ -26802,7 +26975,7 @@
 
 <file path=ppt/slides/slide44.xml><?xml version="1.0" encoding="utf-8"?>
 <p:sld xmlns:a="http://schemas.openxmlformats.org/drawingml/2006/main" xmlns:r="http://schemas.openxmlformats.org/officeDocument/2006/relationships" xmlns:p="http://schemas.openxmlformats.org/presentationml/2006/main">
-  <p:cSld name="PPTLabsMagnifyingSlide201705111424002890">
+  <p:cSld name="PPTLabsMagnifyingSlide201904121149591009">
     <p:bg>
       <p:bgPr>
         <a:solidFill>
@@ -26894,32 +27067,37 @@
           <a:lstStyle/>
           <a:p>
             <a:r>
-              <a:rPr lang="en-US" sz="6000" b="1" dirty="0" smtClean="0"/>
+              <a:rPr lang="en-US" sz="6000" b="1" dirty="0"/>
               <a:t>TEXT IN SLIDE</a:t>
             </a:r>
-            <a:endParaRPr lang="en-US" sz="6000" b="1" dirty="0"/>
           </a:p>
         </p:txBody>
       </p:sp>
       <p:pic>
         <p:nvPicPr>
-          <p:cNvPr id="36" name="PPTLabsMagnifyAreaGroup201705111424017468"/>
+          <p:cNvPr id="36" name="PPTLabsMagnifyAreaGroup201904121150011634"/>
           <p:cNvPicPr>
             <a:picLocks/>
           </p:cNvPicPr>
           <p:nvPr/>
         </p:nvPicPr>
         <p:blipFill>
-          <a:blip r:embed="rId3"/>
-          <a:srcRect l="21665" t="50829" r="29164"/>
+          <a:blip r:embed="rId3">
+            <a:extLst>
+              <a:ext uri="{28A0092B-C50C-407E-A947-70E740481C1C}">
+                <a14:useLocalDpi xmlns:a14="http://schemas.microsoft.com/office/drawing/2010/main" val="0"/>
+              </a:ext>
+            </a:extLst>
+          </a:blip>
+          <a:srcRect l="21664" t="50826" r="29163"/>
           <a:stretch>
             <a:fillRect/>
           </a:stretch>
         </p:blipFill>
         <p:spPr>
           <a:xfrm>
-            <a:off x="0" y="-5"/>
-            <a:ext cx="9144000" cy="6858009"/>
+            <a:off x="0" y="-10"/>
+            <a:ext cx="9144000" cy="6858019"/>
           </a:xfrm>
           <a:prstGeom prst="rect">
             <a:avLst/>
@@ -26928,14 +27106,20 @@
       </p:pic>
       <p:pic>
         <p:nvPicPr>
-          <p:cNvPr id="33" name="PPTLabsMagnifyAreaGroup201705111424017468"/>
+          <p:cNvPr id="33" name="PPTLabsMagnifyAreaGroup201904121150011634"/>
           <p:cNvPicPr>
             <a:picLocks noChangeAspect="1"/>
           </p:cNvPicPr>
           <p:nvPr/>
         </p:nvPicPr>
         <p:blipFill>
-          <a:blip r:embed="rId3"/>
+          <a:blip r:embed="rId3">
+            <a:extLst>
+              <a:ext uri="{28A0092B-C50C-407E-A947-70E740481C1C}">
+                <a14:useLocalDpi xmlns:a14="http://schemas.microsoft.com/office/drawing/2010/main" val="0"/>
+              </a:ext>
+            </a:extLst>
+          </a:blip>
           <a:srcRect/>
           <a:stretch>
             <a:fillRect/>
@@ -26943,8 +27127,8 @@
         </p:blipFill>
         <p:spPr>
           <a:xfrm>
-            <a:off x="-4028893" y="-7089260"/>
-            <a:ext cx="18596324" cy="13947264"/>
+            <a:off x="-4028544" y="-7088422"/>
+            <a:ext cx="18595570" cy="13946431"/>
           </a:xfrm>
           <a:prstGeom prst="rect">
             <a:avLst/>
@@ -26953,14 +27137,206 @@
       </p:pic>
       <p:pic>
         <p:nvPicPr>
-          <p:cNvPr id="31" name="PPTLabsMagnifyAreaGroup201705111424013281"/>
+          <p:cNvPr id="31" name="PPTLabsMagnifyAreaGroup201904121150006784"/>
           <p:cNvPicPr>
             <a:picLocks/>
           </p:cNvPicPr>
           <p:nvPr/>
         </p:nvPicPr>
         <p:blipFill>
-          <a:blip r:embed="rId3"/>
+          <a:blip r:embed="rId3">
+            <a:extLst>
+              <a:ext uri="{28A0092B-C50C-407E-A947-70E740481C1C}">
+                <a14:useLocalDpi xmlns:a14="http://schemas.microsoft.com/office/drawing/2010/main" val="0"/>
+              </a:ext>
+            </a:extLst>
+          </a:blip>
+          <a:srcRect/>
+          <a:stretch>
+            <a:fillRect/>
+          </a:stretch>
+        </p:blipFill>
+        <p:spPr>
+          <a:xfrm>
+            <a:off x="0" y="0"/>
+            <a:ext cx="9144001" cy="6857984"/>
+          </a:xfrm>
+          <a:prstGeom prst="rect">
+            <a:avLst/>
+          </a:prstGeom>
+        </p:spPr>
+      </p:pic>
+      <p:pic>
+        <p:nvPicPr>
+          <p:cNvPr id="32" name="PPTLabsMagnifyAreaGroup201904121150006784"/>
+          <p:cNvPicPr>
+            <a:picLocks/>
+          </p:cNvPicPr>
+          <p:nvPr/>
+        </p:nvPicPr>
+        <p:blipFill>
+          <a:blip r:embed="rId3">
+            <a:extLst>
+              <a:ext uri="{28A0092B-C50C-407E-A947-70E740481C1C}">
+                <a14:useLocalDpi xmlns:a14="http://schemas.microsoft.com/office/drawing/2010/main" val="0"/>
+              </a:ext>
+            </a:extLst>
+          </a:blip>
+          <a:srcRect/>
+          <a:stretch>
+            <a:fillRect/>
+          </a:stretch>
+        </p:blipFill>
+        <p:spPr>
+          <a:xfrm>
+            <a:off x="-8029119" y="-1451933"/>
+            <a:ext cx="17173119" cy="12879811"/>
+          </a:xfrm>
+          <a:prstGeom prst="rect">
+            <a:avLst/>
+          </a:prstGeom>
+        </p:spPr>
+      </p:pic>
+      <p:pic>
+        <p:nvPicPr>
+          <p:cNvPr id="30" name="PPTLabsMagnifyAreaGroup201904121150006784"/>
+          <p:cNvPicPr>
+            <a:picLocks noChangeAspect="1"/>
+          </p:cNvPicPr>
+          <p:nvPr/>
+        </p:nvPicPr>
+        <p:blipFill>
+          <a:blip r:embed="rId3">
+            <a:extLst>
+              <a:ext uri="{28A0092B-C50C-407E-A947-70E740481C1C}">
+                <a14:useLocalDpi xmlns:a14="http://schemas.microsoft.com/office/drawing/2010/main" val="0"/>
+              </a:ext>
+            </a:extLst>
+          </a:blip>
+          <a:srcRect/>
+          <a:stretch>
+            <a:fillRect/>
+          </a:stretch>
+        </p:blipFill>
+        <p:spPr>
+          <a:xfrm>
+            <a:off x="-8029119" y="-1451933"/>
+            <a:ext cx="17173119" cy="12879811"/>
+          </a:xfrm>
+          <a:prstGeom prst="rect">
+            <a:avLst/>
+          </a:prstGeom>
+        </p:spPr>
+      </p:pic>
+      <p:pic>
+        <p:nvPicPr>
+          <p:cNvPr id="28" name="PPTLabsMagnifyAreaGroup201904121150001729"/>
+          <p:cNvPicPr>
+            <a:picLocks/>
+          </p:cNvPicPr>
+          <p:nvPr/>
+        </p:nvPicPr>
+        <p:blipFill>
+          <a:blip r:embed="rId3">
+            <a:extLst>
+              <a:ext uri="{28A0092B-C50C-407E-A947-70E740481C1C}">
+                <a14:useLocalDpi xmlns:a14="http://schemas.microsoft.com/office/drawing/2010/main" val="0"/>
+              </a:ext>
+            </a:extLst>
+          </a:blip>
+          <a:srcRect/>
+          <a:stretch>
+            <a:fillRect/>
+          </a:stretch>
+        </p:blipFill>
+        <p:spPr>
+          <a:xfrm>
+            <a:off x="0" y="1"/>
+            <a:ext cx="9144000" cy="6857747"/>
+          </a:xfrm>
+          <a:prstGeom prst="rect">
+            <a:avLst/>
+          </a:prstGeom>
+        </p:spPr>
+      </p:pic>
+      <p:pic>
+        <p:nvPicPr>
+          <p:cNvPr id="29" name="PPTLabsMagnifyAreaGroup201904121150001729"/>
+          <p:cNvPicPr>
+            <a:picLocks/>
+          </p:cNvPicPr>
+          <p:nvPr/>
+        </p:nvPicPr>
+        <p:blipFill>
+          <a:blip r:embed="rId3">
+            <a:extLst>
+              <a:ext uri="{28A0092B-C50C-407E-A947-70E740481C1C}">
+                <a14:useLocalDpi xmlns:a14="http://schemas.microsoft.com/office/drawing/2010/main" val="0"/>
+              </a:ext>
+            </a:extLst>
+          </a:blip>
+          <a:srcRect/>
+          <a:stretch>
+            <a:fillRect/>
+          </a:stretch>
+        </p:blipFill>
+        <p:spPr>
+          <a:xfrm>
+            <a:off x="-15535222" y="-4759577"/>
+            <a:ext cx="48345137" cy="36257512"/>
+          </a:xfrm>
+          <a:prstGeom prst="rect">
+            <a:avLst/>
+          </a:prstGeom>
+        </p:spPr>
+      </p:pic>
+      <p:pic>
+        <p:nvPicPr>
+          <p:cNvPr id="27" name="PPTLabsMagnifyAreaGroup201904121150001729"/>
+          <p:cNvPicPr>
+            <a:picLocks noChangeAspect="1"/>
+          </p:cNvPicPr>
+          <p:nvPr/>
+        </p:nvPicPr>
+        <p:blipFill>
+          <a:blip r:embed="rId3">
+            <a:extLst>
+              <a:ext uri="{28A0092B-C50C-407E-A947-70E740481C1C}">
+                <a14:useLocalDpi xmlns:a14="http://schemas.microsoft.com/office/drawing/2010/main" val="0"/>
+              </a:ext>
+            </a:extLst>
+          </a:blip>
+          <a:srcRect/>
+          <a:stretch>
+            <a:fillRect/>
+          </a:stretch>
+        </p:blipFill>
+        <p:spPr>
+          <a:xfrm>
+            <a:off x="-15535222" y="-4759577"/>
+            <a:ext cx="48345137" cy="36257512"/>
+          </a:xfrm>
+          <a:prstGeom prst="rect">
+            <a:avLst/>
+          </a:prstGeom>
+        </p:spPr>
+      </p:pic>
+      <p:pic>
+        <p:nvPicPr>
+          <p:cNvPr id="25" name="PPTLabsMagnifyAreaGroup201904121149596740"/>
+          <p:cNvPicPr>
+            <a:picLocks/>
+          </p:cNvPicPr>
+          <p:nvPr/>
+        </p:nvPicPr>
+        <p:blipFill>
+          <a:blip r:embed="rId3">
+            <a:extLst>
+              <a:ext uri="{28A0092B-C50C-407E-A947-70E740481C1C}">
+                <a14:useLocalDpi xmlns:a14="http://schemas.microsoft.com/office/drawing/2010/main" val="0"/>
+              </a:ext>
+            </a:extLst>
+          </a:blip>
           <a:srcRect/>
           <a:stretch>
             <a:fillRect/>
@@ -26969,7 +27345,7 @@
         <p:spPr>
           <a:xfrm>
             <a:off x="1" y="0"/>
-            <a:ext cx="9143981" cy="6858000"/>
+            <a:ext cx="9143991" cy="6858000"/>
           </a:xfrm>
           <a:prstGeom prst="rect">
             <a:avLst/>
@@ -26978,14 +27354,20 @@
       </p:pic>
       <p:pic>
         <p:nvPicPr>
-          <p:cNvPr id="32" name="PPTLabsMagnifyAreaGroup201705111424013281"/>
+          <p:cNvPr id="26" name="PPTLabsMagnifyAreaGroup201904121149596740"/>
           <p:cNvPicPr>
             <a:picLocks/>
           </p:cNvPicPr>
           <p:nvPr/>
         </p:nvPicPr>
         <p:blipFill>
-          <a:blip r:embed="rId3"/>
+          <a:blip r:embed="rId3">
+            <a:extLst>
+              <a:ext uri="{28A0092B-C50C-407E-A947-70E740481C1C}">
+                <a14:useLocalDpi xmlns:a14="http://schemas.microsoft.com/office/drawing/2010/main" val="0"/>
+              </a:ext>
+            </a:extLst>
+          </a:blip>
           <a:srcRect/>
           <a:stretch>
             <a:fillRect/>
@@ -26993,8 +27375,8 @@
         </p:blipFill>
         <p:spPr>
           <a:xfrm>
-            <a:off x="-8029764" y="-1452008"/>
-            <a:ext cx="17173764" cy="12880349"/>
+            <a:off x="-2354311" y="-1254200"/>
+            <a:ext cx="21549770" cy="16162343"/>
           </a:xfrm>
           <a:prstGeom prst="rect">
             <a:avLst/>
@@ -27003,14 +27385,20 @@
       </p:pic>
       <p:pic>
         <p:nvPicPr>
-          <p:cNvPr id="30" name="PPTLabsMagnifyAreaGroup201705111424013281"/>
+          <p:cNvPr id="24" name="PPTLabsMagnifyAreaGroup201904121149596740"/>
           <p:cNvPicPr>
             <a:picLocks noChangeAspect="1"/>
           </p:cNvPicPr>
           <p:nvPr/>
         </p:nvPicPr>
         <p:blipFill>
-          <a:blip r:embed="rId3"/>
+          <a:blip r:embed="rId3">
+            <a:extLst>
+              <a:ext uri="{28A0092B-C50C-407E-A947-70E740481C1C}">
+                <a14:useLocalDpi xmlns:a14="http://schemas.microsoft.com/office/drawing/2010/main" val="0"/>
+              </a:ext>
+            </a:extLst>
+          </a:blip>
           <a:srcRect/>
           <a:stretch>
             <a:fillRect/>
@@ -27018,158 +27406,8 @@
         </p:blipFill>
         <p:spPr>
           <a:xfrm>
-            <a:off x="-8029764" y="-1452008"/>
-            <a:ext cx="17173764" cy="12880349"/>
-          </a:xfrm>
-          <a:prstGeom prst="rect">
-            <a:avLst/>
-          </a:prstGeom>
-        </p:spPr>
-      </p:pic>
-      <p:pic>
-        <p:nvPicPr>
-          <p:cNvPr id="28" name="PPTLabsMagnifyAreaGroup201705111424009178"/>
-          <p:cNvPicPr>
-            <a:picLocks/>
-          </p:cNvPicPr>
-          <p:nvPr/>
-        </p:nvPicPr>
-        <p:blipFill>
-          <a:blip r:embed="rId3"/>
-          <a:srcRect/>
-          <a:stretch>
-            <a:fillRect/>
-          </a:stretch>
-        </p:blipFill>
-        <p:spPr>
-          <a:xfrm>
-            <a:off x="0" y="0"/>
-            <a:ext cx="9143869" cy="6858000"/>
-          </a:xfrm>
-          <a:prstGeom prst="rect">
-            <a:avLst/>
-          </a:prstGeom>
-        </p:spPr>
-      </p:pic>
-      <p:pic>
-        <p:nvPicPr>
-          <p:cNvPr id="29" name="PPTLabsMagnifyAreaGroup201705111424009178"/>
-          <p:cNvPicPr>
-            <a:picLocks/>
-          </p:cNvPicPr>
-          <p:nvPr/>
-        </p:nvPicPr>
-        <p:blipFill>
-          <a:blip r:embed="rId3"/>
-          <a:srcRect/>
-          <a:stretch>
-            <a:fillRect/>
-          </a:stretch>
-        </p:blipFill>
-        <p:spPr>
-          <a:xfrm>
-            <a:off x="-15539486" y="-4761187"/>
-            <a:ext cx="48355375" cy="36267051"/>
-          </a:xfrm>
-          <a:prstGeom prst="rect">
-            <a:avLst/>
-          </a:prstGeom>
-        </p:spPr>
-      </p:pic>
-      <p:pic>
-        <p:nvPicPr>
-          <p:cNvPr id="27" name="PPTLabsMagnifyAreaGroup201705111424009178"/>
-          <p:cNvPicPr>
-            <a:picLocks noChangeAspect="1"/>
-          </p:cNvPicPr>
-          <p:nvPr/>
-        </p:nvPicPr>
-        <p:blipFill>
-          <a:blip r:embed="rId3"/>
-          <a:srcRect/>
-          <a:stretch>
-            <a:fillRect/>
-          </a:stretch>
-        </p:blipFill>
-        <p:spPr>
-          <a:xfrm>
-            <a:off x="-15539486" y="-4761187"/>
-            <a:ext cx="48355375" cy="36267051"/>
-          </a:xfrm>
-          <a:prstGeom prst="rect">
-            <a:avLst/>
-          </a:prstGeom>
-        </p:spPr>
-      </p:pic>
-      <p:pic>
-        <p:nvPicPr>
-          <p:cNvPr id="25" name="PPTLabsMagnifyAreaGroup201705111424005542"/>
-          <p:cNvPicPr>
-            <a:picLocks/>
-          </p:cNvPicPr>
-          <p:nvPr/>
-        </p:nvPicPr>
-        <p:blipFill>
-          <a:blip r:embed="rId3"/>
-          <a:srcRect/>
-          <a:stretch>
-            <a:fillRect/>
-          </a:stretch>
-        </p:blipFill>
-        <p:spPr>
-          <a:xfrm>
-            <a:off x="0" y="0"/>
-            <a:ext cx="9144000" cy="6857993"/>
-          </a:xfrm>
-          <a:prstGeom prst="rect">
-            <a:avLst/>
-          </a:prstGeom>
-        </p:spPr>
-      </p:pic>
-      <p:pic>
-        <p:nvPicPr>
-          <p:cNvPr id="26" name="PPTLabsMagnifyAreaGroup201705111424005542"/>
-          <p:cNvPicPr>
-            <a:picLocks/>
-          </p:cNvPicPr>
-          <p:nvPr/>
-        </p:nvPicPr>
-        <p:blipFill>
-          <a:blip r:embed="rId3"/>
-          <a:srcRect/>
-          <a:stretch>
-            <a:fillRect/>
-          </a:stretch>
-        </p:blipFill>
-        <p:spPr>
-          <a:xfrm>
-            <a:off x="-2354749" y="-1254471"/>
-            <a:ext cx="21551802" cy="16163835"/>
-          </a:xfrm>
-          <a:prstGeom prst="rect">
-            <a:avLst/>
-          </a:prstGeom>
-        </p:spPr>
-      </p:pic>
-      <p:pic>
-        <p:nvPicPr>
-          <p:cNvPr id="24" name="PPTLabsMagnifyAreaGroup201705111424005542"/>
-          <p:cNvPicPr>
-            <a:picLocks noChangeAspect="1"/>
-          </p:cNvPicPr>
-          <p:nvPr/>
-        </p:nvPicPr>
-        <p:blipFill>
-          <a:blip r:embed="rId3"/>
-          <a:srcRect/>
-          <a:stretch>
-            <a:fillRect/>
-          </a:stretch>
-        </p:blipFill>
-        <p:spPr>
-          <a:xfrm>
-            <a:off x="-2354749" y="-1254471"/>
-            <a:ext cx="21551802" cy="16163835"/>
+            <a:off x="-2354311" y="-1254200"/>
+            <a:ext cx="21549770" cy="16162343"/>
           </a:xfrm>
           <a:prstGeom prst="rect">
             <a:avLst/>
@@ -27245,23 +27483,28 @@
           <a:lstStyle/>
           <a:p>
             <a:r>
-              <a:rPr lang="en-US" sz="6000" b="1" dirty="0" smtClean="0"/>
+              <a:rPr lang="en-US" sz="6000" b="1" dirty="0"/>
               <a:t>TEXT IN SLIDE</a:t>
             </a:r>
-            <a:endParaRPr lang="en-US" sz="6000" b="1" dirty="0"/>
           </a:p>
         </p:txBody>
       </p:sp>
       <p:pic>
         <p:nvPicPr>
-          <p:cNvPr id="5" name="PPTLabsMagnifyAreaGroup201705111424005542" hidden="1"/>
+          <p:cNvPr id="5" name="PPTLabsMagnifyAreaGroup201904121149596740" hidden="1"/>
           <p:cNvPicPr>
             <a:picLocks/>
           </p:cNvPicPr>
           <p:nvPr/>
         </p:nvPicPr>
         <p:blipFill>
-          <a:blip r:embed="rId3"/>
+          <a:blip r:embed="rId3">
+            <a:extLst>
+              <a:ext uri="{28A0092B-C50C-407E-A947-70E740481C1C}">
+                <a14:useLocalDpi xmlns:a14="http://schemas.microsoft.com/office/drawing/2010/main" val="0"/>
+              </a:ext>
+            </a:extLst>
+          </a:blip>
           <a:stretch>
             <a:fillRect/>
           </a:stretch>
@@ -27278,23 +27521,29 @@
       </p:pic>
       <p:pic>
         <p:nvPicPr>
-          <p:cNvPr id="22" name="PPTLabsMagnifyAreaSlide201705111424006063"/>
+          <p:cNvPr id="22" name="PPTLabsMagnifyAreaSlide201904121149596970"/>
           <p:cNvPicPr>
             <a:picLocks/>
           </p:cNvPicPr>
           <p:nvPr/>
         </p:nvPicPr>
         <p:blipFill>
-          <a:blip r:embed="rId3"/>
-          <a:srcRect l="10926" t="7761" r="46646" b="49811"/>
+          <a:blip r:embed="rId3">
+            <a:extLst>
+              <a:ext uri="{28A0092B-C50C-407E-A947-70E740481C1C}">
+                <a14:useLocalDpi xmlns:a14="http://schemas.microsoft.com/office/drawing/2010/main" val="0"/>
+              </a:ext>
+            </a:extLst>
+          </a:blip>
+          <a:srcRect l="10925" t="7760" r="46643" b="49808"/>
           <a:stretch>
             <a:fillRect/>
           </a:stretch>
         </p:blipFill>
         <p:spPr>
           <a:xfrm>
-            <a:off x="998925" y="532116"/>
-            <a:ext cx="3879657" cy="2909740"/>
+            <a:off x="998776" y="532000"/>
+            <a:ext cx="3879956" cy="2909970"/>
           </a:xfrm>
           <a:prstGeom prst="rect">
             <a:avLst/>
@@ -27303,7 +27552,7 @@
       </p:pic>
       <p:pic>
         <p:nvPicPr>
-          <p:cNvPr id="6" name="PPTIndicator201705111424005983"/>
+          <p:cNvPr id="6" name="PPTIndicator201904121149596940"/>
           <p:cNvPicPr>
             <a:picLocks/>
           </p:cNvPicPr>
@@ -27334,21 +27583,13 @@
     </p:spTree>
     <p:extLst>
       <p:ext uri="{BB962C8B-B14F-4D97-AF65-F5344CB8AC3E}">
-        <p14:creationId xmlns:p14="http://schemas.microsoft.com/office/powerpoint/2010/main" val="1968603056"/>
+        <p14:creationId xmlns:p14="http://schemas.microsoft.com/office/powerpoint/2010/main" val="1632335804"/>
       </p:ext>
     </p:extLst>
   </p:cSld>
   <p:clrMapOvr>
     <a:masterClrMapping/>
   </p:clrMapOvr>
-  <mc:AlternateContent xmlns:mc="http://schemas.openxmlformats.org/markup-compatibility/2006" xmlns:p14="http://schemas.microsoft.com/office/powerpoint/2010/main">
-    <mc:Choice Requires="p14">
-      <p:transition spd="slow" p14:dur="2000"/>
-    </mc:Choice>
-    <mc:Fallback xmlns="">
-      <p:transition spd="slow"/>
-    </mc:Fallback>
-  </mc:AlternateContent>
   <p:timing>
     <p:tnLst>
       <p:par>
@@ -27511,7 +27752,7 @@
                                     <p:cond delay="0"/>
                                   </p:stCondLst>
                                   <p:childTnLst>
-                                    <p:animMotion origin="layout" path="M 0 0 C 0.089307 0.1051337 0.089307 0.1051337 0.178614 0.2102674 E" pathEditMode="relative" ptsTypes="">
+                                    <p:animMotion origin="layout" path="M 0 0 C 0.08930698 0.1051338 0.08930698 0.1051338 0.178614 0.2102676 E" pathEditMode="relative" ptsTypes="">
                                       <p:cBhvr>
                                         <p:cTn id="17" dur="500" fill="hold"/>
                                         <p:tgtEl>
@@ -27539,7 +27780,7 @@
                                           <p:spTgt spid="22"/>
                                         </p:tgtEl>
                                       </p:cBhvr>
-                                      <p:by x="235691" y="235691"/>
+                                      <p:by x="235673" y="235673"/>
                                     </p:animScale>
                                   </p:childTnLst>
                                 </p:cTn>
@@ -27739,7 +27980,7 @@
                                     <p:cond delay="0"/>
                                   </p:stCondLst>
                                   <p:childTnLst>
-                                    <p:animMotion origin="layout" path="M 0 0 C 0.2104742 0.2477727 0.2104742 0.2477727 0.4209484 0.4955453 E" pathEditMode="relative" ptsTypes="">
+                                    <p:animMotion origin="layout" path="M 0 0 C 0.2104428 0.2477378 0.2104428 0.2477378 0.4208856 0.4954756 E" pathEditMode="relative" ptsTypes="">
                                       <p:cBhvr>
                                         <p:cTn id="36" dur="1" fill="hold"/>
                                         <p:tgtEl>
@@ -27767,7 +28008,7 @@
                                           <p:spTgt spid="25"/>
                                         </p:tgtEl>
                                       </p:cBhvr>
-                                      <p:by x="235693" y="235693"/>
+                                      <p:by x="235671" y="235671"/>
                                     </p:animScale>
                                   </p:childTnLst>
                                 </p:cTn>
@@ -27822,7 +28063,7 @@
                                     <p:cond delay="0"/>
                                   </p:stCondLst>
                                   <p:childTnLst>
-                                    <p:animMotion origin="layout" path="M 0.4209484 0.4955453 C 0.4328169 0.9727173 0.4328169 0.9727173 0.4446853 1.449889 E" pathEditMode="relative" ptsTypes="">
+                                    <p:animMotion origin="layout" path="M 0.4208857 0.4954756 C 0.4327389 0.9724518 0.4327389 0.9724518 0.4445921 1.449428 E" pathEditMode="relative" ptsTypes="">
                                       <p:cBhvr>
                                         <p:cTn id="44" dur="400" fill="hold"/>
                                         <p:tgtEl>
@@ -27850,7 +28091,7 @@
                                           <p:spTgt spid="25"/>
                                         </p:tgtEl>
                                       </p:cBhvr>
-                                      <p:by x="224368" y="224372"/>
+                                      <p:by x="224342" y="224333"/>
                                     </p:animScale>
                                   </p:childTnLst>
                                 </p:cTn>
@@ -28023,7 +28264,7 @@
                                     <p:cond delay="0"/>
                                   </p:stCondLst>
                                   <p:childTnLst>
-                                    <p:animMotion origin="layout" path="M 0 0 C 0.2223462 0.7249445 0.2223462 0.7249445 0.4446925 1.449889 E" pathEditMode="relative" ptsTypes="">
+                                    <p:animMotion origin="layout" path="M 0 0 C 0.2222958 0.7247232 0.2222958 0.7247232 0.4445916 1.449446 E" pathEditMode="relative" ptsTypes="">
                                       <p:cBhvr>
                                         <p:cTn id="61" dur="1" fill="hold"/>
                                         <p:tgtEl>
@@ -28051,7 +28292,7 @@
                                           <p:spTgt spid="28"/>
                                         </p:tgtEl>
                                       </p:cBhvr>
-                                      <p:by x="528828" y="528828"/>
+                                      <p:by x="528709" y="528709"/>
                                     </p:animScale>
                                   </p:childTnLst>
                                 </p:cTn>
@@ -28106,7 +28347,7 @@
                                     <p:cond delay="0"/>
                                   </p:stCondLst>
                                   <p:childTnLst>
-                                    <p:animMotion origin="layout" path="M 0.4446925 1.449889 C 0.002813399 0.8386196 0.002813399 0.8386196 -0.4390657 0.2273501 E" pathEditMode="relative" ptsTypes="">
+                                    <p:animMotion origin="layout" path="M 0.4445916 1.449447 C 0.0027771 0.8383933 0.0027771 0.8383933 -0.4390375 0.2273406 E" pathEditMode="relative" ptsTypes="">
                                       <p:cBhvr>
                                         <p:cTn id="69" dur="400" fill="hold"/>
                                         <p:tgtEl>
@@ -28134,7 +28375,7 @@
                                           <p:spTgt spid="28"/>
                                         </p:tgtEl>
                                       </p:cBhvr>
-                                      <p:by x="35516" y="35515"/>
+                                      <p:by x="35522" y="35523"/>
                                     </p:animScale>
                                   </p:childTnLst>
                                 </p:cTn>
@@ -28307,7 +28548,7 @@
                                     <p:cond delay="0"/>
                                   </p:stCondLst>
                                   <p:childTnLst>
-                                    <p:animMotion origin="layout" path="M 0 0 C -0.219536 0.113675 -0.219536 0.113675 -0.4390719 0.22735 E" pathEditMode="relative" ptsTypes="">
+                                    <p:animMotion origin="layout" path="M 0 0 C -0.2195188 0.1136615 -0.2195188 0.1136615 -0.4390375 0.2273229 E" pathEditMode="relative" ptsTypes="">
                                       <p:cBhvr>
                                         <p:cTn id="86" dur="1" fill="hold"/>
                                         <p:tgtEl>
@@ -28335,7 +28576,7 @@
                                           <p:spTgt spid="31"/>
                                         </p:tgtEl>
                                       </p:cBhvr>
-                                      <p:by x="187815" y="187815"/>
+                                      <p:by x="187808" y="187808"/>
                                     </p:animScale>
                                   </p:childTnLst>
                                 </p:cTn>
@@ -28390,7 +28631,7 @@
                                     <p:cond delay="0"/>
                                   </p:stCondLst>
                                   <p:childTnLst>
-                                    <p:animMotion origin="layout" path="M -0.4390718 0.22735 C -0.1814083 -0.1447552 -0.1814083 -0.1447552 0.07625526 -0.5168604 E" pathEditMode="relative" ptsTypes="">
+                                    <p:animMotion origin="layout" path="M -0.4390375 0.2273228 C -0.1813931 -0.1447375 -0.1813931 -0.1447375 0.07625118 -0.5167978 E" pathEditMode="relative" ptsTypes="">
                                       <p:cBhvr>
                                         <p:cTn id="94" dur="400" fill="hold"/>
                                         <p:tgtEl>
@@ -28418,7 +28659,7 @@
                                           <p:spTgt spid="31"/>
                                         </p:tgtEl>
                                       </p:cBhvr>
-                                      <p:by x="108283" y="108283"/>
+                                      <p:by x="108283" y="108281"/>
                                     </p:animScale>
                                   </p:childTnLst>
                                 </p:cTn>
@@ -28803,21 +29044,6 @@
   <p:clrMapOvr>
     <a:masterClrMapping/>
   </p:clrMapOvr>
-  <mc:AlternateContent xmlns:mc="http://schemas.openxmlformats.org/markup-compatibility/2006" xmlns:p14="http://schemas.microsoft.com/office/powerpoint/2010/main">
-    <mc:Choice Requires="p14">
-      <p:transition spd="slow" p14:dur="2000"/>
-    </mc:Choice>
-    <mc:Fallback xmlns="">
-      <p:transition spd="slow"/>
-    </mc:Fallback>
-  </mc:AlternateContent>
-  <p:timing>
-    <p:tnLst>
-      <p:par>
-        <p:cTn id="1" dur="indefinite" restart="never" nodeType="tmRoot"/>
-      </p:par>
-    </p:tnLst>
-  </p:timing>
 </p:sld>
 </file>
 
@@ -29021,18 +29247,13 @@
           <a:p>
             <a:pPr algn="ctr"/>
             <a:r>
-              <a:rPr lang="en-US" b="1" smtClean="0">
+              <a:rPr lang="en-US" b="1">
                 <a:solidFill>
                   <a:srgbClr val="FFFFFF"/>
                 </a:solidFill>
               </a:rPr>
               <a:t>Zoom Shape 1</a:t>
             </a:r>
-            <a:endParaRPr lang="en-US" b="1">
-              <a:solidFill>
-                <a:srgbClr val="FFFFFF"/>
-              </a:solidFill>
-            </a:endParaRPr>
           </a:p>
         </p:txBody>
       </p:sp>
@@ -29325,11 +29546,11 @@
   <p:clrMapOvr>
     <a:masterClrMapping/>
   </p:clrMapOvr>
-  <mc:AlternateContent xmlns:mc="http://schemas.openxmlformats.org/markup-compatibility/2006">
-    <mc:Choice xmlns:p14="http://schemas.microsoft.com/office/powerpoint/2010/main" Requires="p14">
+  <mc:AlternateContent xmlns:mc="http://schemas.openxmlformats.org/markup-compatibility/2006" xmlns:p14="http://schemas.microsoft.com/office/powerpoint/2010/main">
+    <mc:Choice Requires="p14">
       <p:transition spd="slow" p14:dur="2000" advClick="0" advTm="0"/>
     </mc:Choice>
-    <mc:Fallback>
+    <mc:Fallback xmlns="">
       <p:transition spd="slow" advClick="0" advTm="0"/>
     </mc:Fallback>
   </mc:AlternateContent>
@@ -29579,14 +29800,6 @@
   <p:clrMapOvr>
     <a:masterClrMapping/>
   </p:clrMapOvr>
-  <mc:AlternateContent xmlns:mc="http://schemas.openxmlformats.org/markup-compatibility/2006">
-    <mc:Choice xmlns:p14="http://schemas.microsoft.com/office/powerpoint/2010/main" Requires="p14">
-      <p:transition spd="slow" p14:dur="2000"/>
-    </mc:Choice>
-    <mc:Fallback>
-      <p:transition spd="slow"/>
-    </mc:Fallback>
-  </mc:AlternateContent>
   <p:timing>
     <p:tnLst>
       <p:par>
@@ -29854,14 +30067,6 @@
   <p:clrMapOvr>
     <a:masterClrMapping/>
   </p:clrMapOvr>
-  <mc:AlternateContent xmlns:mc="http://schemas.openxmlformats.org/markup-compatibility/2006">
-    <mc:Choice xmlns:p14="http://schemas.microsoft.com/office/powerpoint/2010/main" Requires="p14">
-      <p:transition spd="slow" p14:dur="2000"/>
-    </mc:Choice>
-    <mc:Fallback>
-      <p:transition spd="slow"/>
-    </mc:Fallback>
-  </mc:AlternateContent>
   <p:timing>
     <p:tnLst>
       <p:par>
@@ -30187,7 +30392,7 @@
           <a:lstStyle/>
           <a:p>
             <a:r>
-              <a:rPr lang="en-US" dirty="0" smtClean="0"/>
+              <a:rPr lang="en-US" dirty="0"/>
               <a:t>Zoom to Area:: Single Shape</a:t>
             </a:r>
             <a:endParaRPr lang="en-SG" dirty="0"/>
@@ -30210,22 +30415,21 @@
           <a:lstStyle/>
           <a:p>
             <a:r>
-              <a:rPr lang="en-SG" dirty="0" smtClean="0"/>
+              <a:rPr lang="en-SG" dirty="0"/>
               <a:t>Use these settings:</a:t>
             </a:r>
           </a:p>
           <a:p>
             <a:r>
-              <a:rPr lang="en-SG" dirty="0" smtClean="0"/>
+              <a:rPr lang="en-SG" dirty="0"/>
               <a:t>Include Slide Background: False</a:t>
             </a:r>
           </a:p>
           <a:p>
             <a:r>
-              <a:rPr lang="en-SG" dirty="0" smtClean="0"/>
+              <a:rPr lang="en-SG" dirty="0"/>
               <a:t>Put all zoom effects on separate slides: False</a:t>
             </a:r>
-            <a:endParaRPr lang="en-SG" dirty="0"/>
           </a:p>
         </p:txBody>
       </p:sp>
@@ -30239,13 +30443,6 @@
   <p:clrMapOvr>
     <a:masterClrMapping/>
   </p:clrMapOvr>
-  <p:timing>
-    <p:tnLst>
-      <p:par>
-        <p:cTn id="1" dur="indefinite" restart="never" nodeType="tmRoot"/>
-      </p:par>
-    </p:tnLst>
-  </p:timing>
 </p:sld>
 </file>
 
